--- a/html-to-ppt/TextFormat.pptx
+++ b/html-to-ppt/TextFormat.pptx
@@ -6,6 +6,8 @@
   </p:sldMasterIdLst>
   <p:sldIdLst>
     <p:sldId id="256" r:id="rId6"/>
+    <p:sldId id="257" r:id="rId7"/>
+    <p:sldId id="258" r:id="rId8"/>
   </p:sldIdLst>
   <p:sldSz cx="9144000" cy="6858000" type="screen4x3"/>
   <p:notesSz cx="6858000" cy="9144000"/>
@@ -3101,43 +3103,80 @@
               <a:buNone/>
             </a:pPr>
             <a:r>
-              <a:rPr lang="en-US"/>
+              <a:rPr lang="en-US" sz="1400">
+                <a:latin typeface="Calibri"/>
+              </a:rPr>
+              <a:t>Hello mate! Hello mate! Hello mate! Hello mate! Hello mate! Hello mate! Hello mate! Hello mate! Hello mate!</a:t>
+            </a:r>
+            <a:r>
+              <a:rPr lang="en-US" sz="1400">
+                <a:latin typeface="Calibri"/>
+              </a:rPr>
+              <a:t> </a:t>
+            </a:r>
+          </a:p>
+          <a:p>
+            <a:pPr>
+              <a:buNone/>
+            </a:pPr>
+            <a:r>
+              <a:rPr lang="en-US" sz="1400">
+                <a:latin typeface="Calibri"/>
+              </a:rPr>
               <a:t>This is </a:t>
             </a:r>
             <a:r>
-              <a:rPr lang="en-US" b="true"/>
+              <a:rPr lang="en-US" sz="1400" b="true">
+                <a:latin typeface="Calibri"/>
+              </a:rPr>
               <a:t>bold</a:t>
             </a:r>
             <a:r>
-              <a:rPr lang="en-US"/>
+              <a:rPr lang="en-US" sz="1400">
+                <a:latin typeface="Calibri"/>
+              </a:rPr>
               <a:t> and</a:t>
             </a:r>
             <a:r>
-              <a:rPr lang="en-US" u="sng"/>
+              <a:rPr lang="en-US" sz="1400" u="sng">
+                <a:latin typeface="Calibri"/>
+              </a:rPr>
               <a:t> underscore</a:t>
             </a:r>
             <a:r>
-              <a:rPr lang="en-US"/>
+              <a:rPr lang="en-US" sz="1400">
+                <a:latin typeface="Calibri"/>
+              </a:rPr>
               <a:t> and</a:t>
             </a:r>
             <a:r>
-              <a:rPr lang="en-US" u="sng"/>
+              <a:rPr lang="en-US" sz="1400" u="sng">
+                <a:latin typeface="Calibri"/>
+              </a:rPr>
               <a:t> both</a:t>
             </a:r>
             <a:r>
-              <a:rPr lang="en-US"/>
+              <a:rPr lang="en-US" sz="1400">
+                <a:latin typeface="Calibri"/>
+              </a:rPr>
               <a:t> and </a:t>
             </a:r>
             <a:r>
-              <a:rPr lang="en-US" strike="sngStrike"/>
+              <a:rPr lang="en-US" sz="1400" strike="sngStrike">
+                <a:latin typeface="Calibri"/>
+              </a:rPr>
               <a:t>not true</a:t>
             </a:r>
             <a:r>
-              <a:rPr lang="en-US"/>
-              <a:t> false</a:t>
-            </a:r>
-            <a:r>
-              <a:rPr lang="en-US"/>
+              <a:rPr lang="en-US" sz="1400">
+                <a:latin typeface="Calibri"/>
+              </a:rPr>
+              <a:t> false PowerPoint documents are made up of a tree of records. A record may contain either other records (in which case it is a Container), or data (in which case it's an Atom). A record can't hold both. PowerPoint documents don't have one overall container record. Instead, there are a number of different container records to be found at the top level. Any numbers or strings stored in the records are always stored in Little Endian format (least important bytes first). This is the case no matter what platform the file was written on - be that a Little Endian or a Big Endian system. PowerPoint may have Escher (DDF) records embedded in it. These are always held as the children of a PPDrawing record (record type 1036). Escher records have the same format as PowerPoint records. </a:t>
+            </a:r>
+            <a:r>
+              <a:rPr lang="en-US" sz="1400">
+                <a:latin typeface="Calibri"/>
+              </a:rPr>
               <a:t> </a:t>
             </a:r>
           </a:p>
@@ -3146,15 +3185,21 @@
               <a:buNone/>
             </a:pPr>
             <a:r>
-              <a:rPr lang="en-US"/>
+              <a:rPr lang="en-US" sz="1400">
+                <a:latin typeface="Calibri"/>
+              </a:rPr>
               <a:t> </a:t>
             </a:r>
             <a:r>
-              <a:rPr lang="en-US"/>
+              <a:rPr lang="en-US" sz="1400">
+                <a:latin typeface="Calibri"/>
+              </a:rPr>
               <a:t> </a:t>
             </a:r>
             <a:r>
-              <a:rPr lang="en-US"/>
+              <a:rPr lang="en-US" sz="1400">
+                <a:latin typeface="Calibri"/>
+              </a:rPr>
               <a:t> </a:t>
             </a:r>
           </a:p>
@@ -3163,11 +3208,15 @@
               <a:buNone/>
             </a:pPr>
             <a:r>
-              <a:rPr lang="en-US"/>
+              <a:rPr lang="en-US" sz="1400">
+                <a:latin typeface="Calibri"/>
+              </a:rPr>
               <a:t>Testing list</a:t>
             </a:r>
             <a:r>
-              <a:rPr lang="en-US"/>
+              <a:rPr lang="en-US" sz="1400">
+                <a:latin typeface="Calibri"/>
+              </a:rPr>
               <a:t> </a:t>
             </a:r>
           </a:p>
@@ -3176,162 +3225,619 @@
               <a:buNone/>
             </a:pPr>
             <a:r>
-              <a:rPr lang="en-US"/>
+              <a:rPr lang="en-US" sz="1400">
+                <a:latin typeface="Calibri"/>
+              </a:rPr>
               <a:t> </a:t>
             </a:r>
             <a:r>
-              <a:rPr lang="en-US"/>
+              <a:rPr lang="en-US" sz="1400">
+                <a:latin typeface="Calibri"/>
+              </a:rPr>
               <a:t> </a:t>
             </a:r>
             <a:r>
-              <a:rPr lang="en-US"/>
+              <a:rPr lang="en-US" sz="1400">
+                <a:latin typeface="Calibri"/>
+              </a:rPr>
               <a:t> </a:t>
             </a:r>
             <a:r>
-              <a:rPr lang="en-US"/>
+              <a:rPr lang="en-US" sz="1400">
+                <a:latin typeface="Calibri"/>
+              </a:rPr>
               <a:t> </a:t>
             </a:r>
           </a:p>
           <a:p>
-            <a:r>
-              <a:rPr lang="en-US"/>
+            <a:pPr>
+              <a:buAutoNum type="arabicPlain" startAt="1"/>
+            </a:pPr>
+            <a:r>
+              <a:rPr lang="en-US" sz="1400">
+                <a:latin typeface="Calibri"/>
+              </a:rPr>
               <a:t>q</a:t>
             </a:r>
             <a:r>
-              <a:rPr lang="en-US"/>
+              <a:rPr lang="en-US" sz="1400">
+                <a:latin typeface="Calibri"/>
+              </a:rPr>
               <a:t> </a:t>
             </a:r>
           </a:p>
           <a:p>
-            <a:r>
-              <a:rPr lang="en-US"/>
+            <a:pPr>
+              <a:buAutoNum type="arabicPlain" startAt="1"/>
+            </a:pPr>
+            <a:r>
+              <a:rPr lang="en-US" sz="1400">
+                <a:latin typeface="Calibri"/>
+              </a:rPr>
               <a:t>w</a:t>
             </a:r>
             <a:r>
-              <a:rPr lang="en-US"/>
+              <a:rPr lang="en-US" sz="1400">
+                <a:latin typeface="Calibri"/>
+              </a:rPr>
               <a:t> </a:t>
             </a:r>
           </a:p>
           <a:p>
-            <a:r>
-              <a:rPr lang="en-US"/>
+            <a:pPr>
+              <a:buAutoNum type="arabicPlain" startAt="1"/>
+            </a:pPr>
+            <a:r>
+              <a:rPr lang="en-US" sz="1400">
+                <a:latin typeface="Calibri"/>
+              </a:rPr>
               <a:t>e</a:t>
             </a:r>
             <a:r>
-              <a:rPr lang="en-US"/>
+              <a:rPr lang="en-US" sz="1400">
+                <a:latin typeface="Calibri"/>
+              </a:rPr>
               <a:t> </a:t>
             </a:r>
           </a:p>
           <a:p>
-            <a:r>
-              <a:rPr lang="en-US"/>
+            <a:pPr>
+              <a:buAutoNum type="arabicPlain" startAt="1"/>
+            </a:pPr>
+            <a:r>
+              <a:rPr lang="en-US" sz="1400">
+                <a:latin typeface="Calibri"/>
+              </a:rPr>
               <a:t>r</a:t>
             </a:r>
             <a:r>
-              <a:rPr lang="en-US"/>
+              <a:rPr lang="en-US" sz="1400">
+                <a:latin typeface="Calibri"/>
+              </a:rPr>
               <a:t> </a:t>
             </a:r>
           </a:p>
           <a:p>
-            <a:r>
-              <a:rPr lang="en-US"/>
+            <a:pPr>
+              <a:buAutoNum type="arabicPlain" startAt="1"/>
+            </a:pPr>
+            <a:r>
+              <a:rPr lang="en-US" sz="1400">
+                <a:latin typeface="Calibri"/>
+              </a:rPr>
               <a:t>a</a:t>
             </a:r>
             <a:r>
-              <a:rPr lang="en-US"/>
+              <a:rPr lang="en-US" sz="1400">
+                <a:latin typeface="Calibri"/>
+              </a:rPr>
               <a:t> </a:t>
             </a:r>
           </a:p>
           <a:p>
-            <a:r>
-              <a:rPr lang="en-US"/>
+            <a:pPr>
+              <a:buAutoNum type="arabicPlain" startAt="1"/>
+            </a:pPr>
+            <a:r>
+              <a:rPr lang="en-US" sz="1400">
+                <a:latin typeface="Calibri"/>
+              </a:rPr>
               <a:t>s</a:t>
             </a:r>
             <a:r>
-              <a:rPr lang="en-US"/>
+              <a:rPr lang="en-US" sz="1400">
+                <a:latin typeface="Calibri"/>
+              </a:rPr>
               <a:t> </a:t>
             </a:r>
           </a:p>
-          <a:p>
-            <a:r>
-              <a:rPr lang="en-US"/>
+        </p:txBody>
+      </p:sp>
+    </p:spTree>
+  </p:cSld>
+  <p:clrMapOvr>
+    <a:masterClrMapping/>
+  </p:clrMapOvr>
+</p:sld>
+</file>
+
+<file path=ppt/slides/slide2.xml><?xml version="1.0" encoding="utf-8"?>
+<p:sld xmlns:p="http://schemas.openxmlformats.org/presentationml/2006/main" xmlns:a="http://schemas.openxmlformats.org/drawingml/2006/main">
+  <p:cSld>
+    <p:spTree>
+      <p:nvGrpSpPr>
+        <p:cNvPr id="1" name=""/>
+        <p:cNvGrpSpPr/>
+        <p:nvPr/>
+      </p:nvGrpSpPr>
+      <p:grpSpPr>
+        <a:xfrm>
+          <a:off x="0" y="0"/>
+          <a:ext cx="0" cy="0"/>
+          <a:chOff x="0" y="0"/>
+          <a:chExt cx="0" cy="0"/>
+        </a:xfrm>
+      </p:grpSpPr>
+      <p:sp xmlns:r="http://schemas.openxmlformats.org/officeDocument/2006/relationships">
+        <p:nvSpPr>
+          <p:cNvPr id="2" name="Title 1"/>
+          <p:cNvSpPr>
+            <a:spLocks noGrp="1"/>
+          </p:cNvSpPr>
+          <p:nvPr>
+            <p:ph type="title"/>
+          </p:nvPr>
+        </p:nvSpPr>
+        <p:spPr/>
+        <p:txBody>
+          <a:bodyPr/>
+          <a:lstStyle/>
+          <a:p>
+            <a:r>
+              <a:rPr lang="en-US" smtClean="0"/>
+              <a:t>Click to edit Master title style</a:t>
+            </a:r>
+            <a:endParaRPr lang="en-US"/>
+          </a:p>
+        </p:txBody>
+      </p:sp>
+      <p:sp xmlns:r="http://schemas.openxmlformats.org/officeDocument/2006/relationships">
+        <p:nvSpPr>
+          <p:cNvPr id="3" name="Content Placeholder 2"/>
+          <p:cNvSpPr>
+            <a:spLocks noGrp="1"/>
+          </p:cNvSpPr>
+          <p:nvPr>
+            <p:ph idx="1"/>
+          </p:nvPr>
+        </p:nvSpPr>
+        <p:spPr/>
+        <p:txBody>
+          <a:bodyPr/>
+          <a:lstStyle/>
+          <a:p>
+            <a:pPr>
+              <a:buAutoNum type="arabicPlain" startAt="1"/>
+            </a:pPr>
+            <a:r>
+              <a:rPr lang="en-US" sz="1400">
+                <a:latin typeface="Calibri"/>
+              </a:rPr>
               <a:t>d</a:t>
             </a:r>
             <a:r>
-              <a:rPr lang="en-US"/>
+              <a:rPr lang="en-US" sz="1400">
+                <a:latin typeface="Calibri"/>
+              </a:rPr>
               <a:t> </a:t>
             </a:r>
           </a:p>
           <a:p>
-            <a:r>
-              <a:rPr lang="en-US"/>
+            <a:pPr>
+              <a:buAutoNum type="arabicPlain" startAt="1"/>
+            </a:pPr>
+            <a:r>
+              <a:rPr lang="en-US" sz="1400">
+                <a:latin typeface="Calibri"/>
+              </a:rPr>
               <a:t>f</a:t>
             </a:r>
             <a:r>
-              <a:rPr lang="en-US"/>
+              <a:rPr lang="en-US" sz="1400">
+                <a:latin typeface="Calibri"/>
+              </a:rPr>
               <a:t> </a:t>
             </a:r>
           </a:p>
           <a:p>
-            <a:r>
-              <a:rPr lang="en-US"/>
+            <a:pPr>
+              <a:buAutoNum type="arabicPlain" startAt="1"/>
+            </a:pPr>
+            <a:r>
+              <a:rPr lang="en-US" sz="1400">
+                <a:latin typeface="Calibri"/>
+              </a:rPr>
               <a:t>sss</a:t>
             </a:r>
             <a:r>
-              <a:rPr lang="en-US"/>
+              <a:rPr lang="en-US" sz="1400">
+                <a:latin typeface="Calibri"/>
+              </a:rPr>
               <a:t> </a:t>
             </a:r>
             <a:r>
-              <a:rPr lang="en-US"/>
+              <a:rPr lang="en-US" sz="1400">
+                <a:latin typeface="Calibri"/>
+              </a:rPr>
               <a:t> </a:t>
             </a:r>
+            <a:r>
+              <a:rPr lang="en-US" sz="1400">
+                <a:latin typeface="Calibri"/>
+              </a:rPr>
+              <a:t> </a:t>
+            </a:r>
+          </a:p>
+          <a:p>
+            <a:r>
+              <a:rPr lang="en-US" sz="1400">
+                <a:latin typeface="Calibri"/>
+              </a:rPr>
+              <a:t>q</a:t>
+            </a:r>
+            <a:r>
+              <a:rPr lang="en-US" sz="1400">
+                <a:latin typeface="Calibri"/>
+              </a:rPr>
+              <a:t> </a:t>
+            </a:r>
+          </a:p>
+          <a:p>
+            <a:r>
+              <a:rPr lang="en-US" sz="1400">
+                <a:latin typeface="Calibri"/>
+              </a:rPr>
+              <a:t>sss</a:t>
+            </a:r>
+            <a:r>
+              <a:rPr lang="en-US" sz="1400">
+                <a:latin typeface="Calibri"/>
+              </a:rPr>
+              <a:t> </a:t>
+            </a:r>
+            <a:r>
+              <a:rPr lang="en-US" sz="1400">
+                <a:latin typeface="Calibri"/>
+              </a:rPr>
+              <a:t> </a:t>
+            </a:r>
+            <a:r>
+              <a:rPr lang="en-US" sz="1400">
+                <a:latin typeface="Calibri"/>
+              </a:rPr>
+              <a:t> </a:t>
+            </a:r>
           </a:p>
           <a:p>
             <a:pPr>
-              <a:buNone/>
+              <a:buAutoNum type="arabicPlain" startAt="1"/>
             </a:pPr>
             <a:r>
-              <a:rPr lang="en-US"/>
+              <a:rPr lang="en-US" sz="1400">
+                <a:latin typeface="Calibri"/>
+              </a:rPr>
+              <a:t>q</a:t>
+            </a:r>
+            <a:r>
+              <a:rPr lang="en-US" sz="1400">
+                <a:latin typeface="Calibri"/>
+              </a:rPr>
+              <a:t> </a:t>
+            </a:r>
+          </a:p>
+          <a:p>
+            <a:pPr>
+              <a:buAutoNum type="arabicPlain" startAt="1"/>
+            </a:pPr>
+            <a:r>
+              <a:rPr lang="en-US" sz="1400">
+                <a:latin typeface="Calibri"/>
+              </a:rPr>
+              <a:t>w</a:t>
+            </a:r>
+            <a:r>
+              <a:rPr lang="en-US" sz="1400">
+                <a:latin typeface="Calibri"/>
+              </a:rPr>
+              <a:t> </a:t>
+            </a:r>
+          </a:p>
+          <a:p>
+            <a:pPr>
+              <a:buAutoNum type="arabicPlain" startAt="1"/>
+            </a:pPr>
+            <a:r>
+              <a:rPr lang="en-US" sz="1400">
+                <a:latin typeface="Calibri"/>
+              </a:rPr>
+              <a:t>e</a:t>
+            </a:r>
+            <a:r>
+              <a:rPr lang="en-US" sz="1400">
+                <a:latin typeface="Calibri"/>
+              </a:rPr>
+              <a:t> </a:t>
+            </a:r>
+          </a:p>
+          <a:p>
+            <a:pPr>
+              <a:buAutoNum type="arabicPlain" startAt="1"/>
+            </a:pPr>
+            <a:r>
+              <a:rPr lang="en-US" sz="1400">
+                <a:latin typeface="Calibri"/>
+              </a:rPr>
+              <a:t>r</a:t>
+            </a:r>
+            <a:r>
+              <a:rPr lang="en-US" sz="1400">
+                <a:latin typeface="Calibri"/>
+              </a:rPr>
+              <a:t> </a:t>
+            </a:r>
+          </a:p>
+          <a:p>
+            <a:pPr>
+              <a:buAutoNum type="arabicPlain" startAt="1"/>
+            </a:pPr>
+            <a:r>
+              <a:rPr lang="en-US" sz="1400">
+                <a:latin typeface="Calibri"/>
+              </a:rPr>
+              <a:t>a</a:t>
+            </a:r>
+            <a:r>
+              <a:rPr lang="en-US" sz="1400">
+                <a:latin typeface="Calibri"/>
+              </a:rPr>
+              <a:t> </a:t>
+            </a:r>
+          </a:p>
+          <a:p>
+            <a:pPr>
+              <a:buAutoNum type="arabicPlain" startAt="1"/>
+            </a:pPr>
+            <a:r>
+              <a:rPr lang="en-US" sz="1400">
+                <a:latin typeface="Calibri"/>
+              </a:rPr>
+              <a:t>s</a:t>
+            </a:r>
+            <a:r>
+              <a:rPr lang="en-US" sz="1400">
+                <a:latin typeface="Calibri"/>
+              </a:rPr>
+              <a:t> </a:t>
+            </a:r>
+          </a:p>
+          <a:p>
+            <a:pPr>
+              <a:buAutoNum type="arabicPlain" startAt="1"/>
+            </a:pPr>
+            <a:r>
+              <a:rPr lang="en-US" sz="1400">
+                <a:latin typeface="Calibri"/>
+              </a:rPr>
+              <a:t>d</a:t>
+            </a:r>
+            <a:r>
+              <a:rPr lang="en-US" sz="1400">
+                <a:latin typeface="Calibri"/>
+              </a:rPr>
+              <a:t> </a:t>
+            </a:r>
+          </a:p>
+          <a:p>
+            <a:pPr>
+              <a:buAutoNum type="arabicPlain" startAt="1"/>
+            </a:pPr>
+            <a:r>
+              <a:rPr lang="en-US" sz="1400">
+                <a:latin typeface="Calibri"/>
+              </a:rPr>
+              <a:t>f</a:t>
+            </a:r>
+            <a:r>
+              <a:rPr lang="en-US" sz="1400">
+                <a:latin typeface="Calibri"/>
+              </a:rPr>
+              <a:t> </a:t>
+            </a:r>
+          </a:p>
+          <a:p>
+            <a:pPr>
+              <a:buAutoNum type="arabicPlain" startAt="1"/>
+            </a:pPr>
+            <a:r>
+              <a:rPr lang="en-US" sz="1400">
+                <a:latin typeface="Calibri"/>
+              </a:rPr>
+              <a:t>sss</a:t>
+            </a:r>
+            <a:r>
+              <a:rPr lang="en-US" sz="1400">
+                <a:latin typeface="Calibri"/>
+              </a:rPr>
+              <a:t> </a:t>
+            </a:r>
+            <a:r>
+              <a:rPr lang="en-US" sz="1400">
+                <a:latin typeface="Calibri"/>
+              </a:rPr>
+              <a:t> </a:t>
+            </a:r>
+            <a:r>
+              <a:rPr lang="en-US" sz="1400">
+                <a:latin typeface="Calibri"/>
+              </a:rPr>
+              <a:t> </a:t>
+            </a:r>
+          </a:p>
+          <a:p>
+            <a:r>
+              <a:rPr lang="en-US" sz="1400">
+                <a:latin typeface="Calibri"/>
+              </a:rPr>
+              <a:t>q</a:t>
+            </a:r>
+            <a:r>
+              <a:rPr lang="en-US" sz="1400">
+                <a:latin typeface="Calibri"/>
+              </a:rPr>
+              <a:t> </a:t>
+            </a:r>
+          </a:p>
+          <a:p>
+            <a:r>
+              <a:rPr lang="en-US" sz="1400">
+                <a:latin typeface="Calibri"/>
+              </a:rPr>
+              <a:t>sss</a:t>
+            </a:r>
+            <a:r>
+              <a:rPr lang="en-US" sz="1400">
+                <a:latin typeface="Calibri"/>
+              </a:rPr>
+              <a:t> </a:t>
+            </a:r>
+            <a:r>
+              <a:rPr lang="en-US" sz="1400">
+                <a:latin typeface="Calibri"/>
+              </a:rPr>
+              <a:t> </a:t>
+            </a:r>
+          </a:p>
+          <a:p>
+            <a:pPr>
+              <a:buNone/>
+            </a:pPr>
+            <a:r>
+              <a:rPr lang="en-US" sz="1400">
+                <a:latin typeface="Calibri"/>
+              </a:rPr>
               <a:t>Centered text</a:t>
             </a:r>
           </a:p>
+        </p:txBody>
+      </p:sp>
+    </p:spTree>
+  </p:cSld>
+  <p:clrMapOvr>
+    <a:masterClrMapping/>
+  </p:clrMapOvr>
+</p:sld>
+</file>
+
+<file path=ppt/slides/slide3.xml><?xml version="1.0" encoding="utf-8"?>
+<p:sld xmlns:p="http://schemas.openxmlformats.org/presentationml/2006/main" xmlns:a="http://schemas.openxmlformats.org/drawingml/2006/main">
+  <p:cSld>
+    <p:spTree>
+      <p:nvGrpSpPr>
+        <p:cNvPr id="1" name=""/>
+        <p:cNvGrpSpPr/>
+        <p:nvPr/>
+      </p:nvGrpSpPr>
+      <p:grpSpPr>
+        <a:xfrm>
+          <a:off x="0" y="0"/>
+          <a:ext cx="0" cy="0"/>
+          <a:chOff x="0" y="0"/>
+          <a:chExt cx="0" cy="0"/>
+        </a:xfrm>
+      </p:grpSpPr>
+      <p:sp xmlns:r="http://schemas.openxmlformats.org/officeDocument/2006/relationships">
+        <p:nvSpPr>
+          <p:cNvPr id="2" name="Title 1"/>
+          <p:cNvSpPr>
+            <a:spLocks noGrp="1"/>
+          </p:cNvSpPr>
+          <p:nvPr>
+            <p:ph type="title"/>
+          </p:nvPr>
+        </p:nvSpPr>
+        <p:spPr/>
+        <p:txBody>
+          <a:bodyPr/>
+          <a:lstStyle/>
+          <a:p>
+            <a:r>
+              <a:rPr lang="en-US" smtClean="0"/>
+              <a:t>Click to edit Master title style</a:t>
+            </a:r>
+            <a:endParaRPr lang="en-US"/>
+          </a:p>
+        </p:txBody>
+      </p:sp>
+      <p:sp xmlns:r="http://schemas.openxmlformats.org/officeDocument/2006/relationships">
+        <p:nvSpPr>
+          <p:cNvPr id="3" name="Content Placeholder 2"/>
+          <p:cNvSpPr>
+            <a:spLocks noGrp="1"/>
+          </p:cNvSpPr>
+          <p:nvPr>
+            <p:ph idx="1"/>
+          </p:nvPr>
+        </p:nvSpPr>
+        <p:spPr/>
+        <p:txBody>
+          <a:bodyPr/>
+          <a:lstStyle/>
           <a:p>
             <a:pPr>
               <a:buNone/>
             </a:pPr>
             <a:r>
-              <a:rPr lang="en-US"/>
+              <a:rPr lang="en-US" sz="1400">
+                <a:latin typeface="Calibri"/>
+              </a:rPr>
               <a:t>Color </a:t>
             </a:r>
             <a:r>
-              <a:rPr lang="en-US">
+              <a:rPr lang="en-US" sz="1400">
                 <a:solidFill>
                   <a:srgbClr val="E60000"/>
                 </a:solidFill>
+                <a:latin typeface="Calibri"/>
               </a:rPr>
               <a:t>red</a:t>
             </a:r>
             <a:r>
-              <a:rPr lang="en-US"/>
+              <a:rPr lang="en-US" sz="1400">
+                <a:latin typeface="Calibri"/>
+              </a:rPr>
               <a:t>,</a:t>
             </a:r>
             <a:r>
-              <a:rPr lang="en-US">
+              <a:rPr lang="en-US" sz="1400">
                 <a:solidFill>
                   <a:srgbClr val="0066CC"/>
                 </a:solidFill>
+                <a:latin typeface="Calibri"/>
               </a:rPr>
               <a:t> blue</a:t>
             </a:r>
             <a:r>
-              <a:rPr lang="en-US"/>
+              <a:rPr lang="en-US" sz="1400">
+                <a:latin typeface="Calibri"/>
+              </a:rPr>
               <a:t>, </a:t>
             </a:r>
             <a:r>
-              <a:rPr lang="en-US">
+              <a:rPr lang="en-US" sz="1400">
                 <a:solidFill>
                   <a:srgbClr val="EBD6FF"/>
                 </a:solidFill>
+                <a:latin typeface="Calibri"/>
               </a:rPr>
               <a:t>strange</a:t>
             </a:r>
@@ -3341,15 +3847,21 @@
               <a:buNone/>
             </a:pPr>
             <a:r>
-              <a:rPr lang="en-US"/>
+              <a:rPr lang="en-US" sz="1400">
+                <a:latin typeface="Calibri"/>
+              </a:rPr>
               <a:t> </a:t>
             </a:r>
             <a:r>
-              <a:rPr lang="en-US"/>
+              <a:rPr lang="en-US" sz="1400">
+                <a:latin typeface="Calibri"/>
+              </a:rPr>
               <a:t>And highlight</a:t>
             </a:r>
             <a:r>
-              <a:rPr lang="en-US"/>
+              <a:rPr lang="en-US" sz="1400">
+                <a:latin typeface="Calibri"/>
+              </a:rPr>
               <a:t> </a:t>
             </a:r>
           </a:p>

--- a/html-to-ppt/TextFormat.pptx
+++ b/html-to-ppt/TextFormat.pptx
@@ -8,6 +8,10 @@
     <p:sldId id="256" r:id="rId6"/>
     <p:sldId id="257" r:id="rId7"/>
     <p:sldId id="258" r:id="rId8"/>
+    <p:sldId id="259" r:id="rId9"/>
+    <p:sldId id="260" r:id="rId10"/>
+    <p:sldId id="261" r:id="rId11"/>
+    <p:sldId id="262" r:id="rId12"/>
   </p:sldIdLst>
   <p:sldSz cx="9144000" cy="6858000" type="screen4x3"/>
   <p:notesSz cx="6858000" cy="9144000"/>
@@ -3863,6 +3867,912 @@
                 <a:latin typeface="Calibri"/>
               </a:rPr>
               <a:t> </a:t>
+            </a:r>
+          </a:p>
+        </p:txBody>
+      </p:sp>
+    </p:spTree>
+  </p:cSld>
+  <p:clrMapOvr>
+    <a:masterClrMapping/>
+  </p:clrMapOvr>
+</p:sld>
+</file>
+
+<file path=ppt/slides/slide4.xml><?xml version="1.0" encoding="utf-8"?>
+<p:sld xmlns:p="http://schemas.openxmlformats.org/presentationml/2006/main" xmlns:a="http://schemas.openxmlformats.org/drawingml/2006/main">
+  <p:cSld>
+    <p:spTree>
+      <p:nvGrpSpPr>
+        <p:cNvPr id="1" name=""/>
+        <p:cNvGrpSpPr/>
+        <p:nvPr/>
+      </p:nvGrpSpPr>
+      <p:grpSpPr>
+        <a:xfrm>
+          <a:off x="0" y="0"/>
+          <a:ext cx="0" cy="0"/>
+          <a:chOff x="0" y="0"/>
+          <a:chExt cx="0" cy="0"/>
+        </a:xfrm>
+      </p:grpSpPr>
+      <p:sp xmlns:r="http://schemas.openxmlformats.org/officeDocument/2006/relationships">
+        <p:nvSpPr>
+          <p:cNvPr id="2" name="Title 1"/>
+          <p:cNvSpPr>
+            <a:spLocks noGrp="1"/>
+          </p:cNvSpPr>
+          <p:nvPr>
+            <p:ph type="title"/>
+          </p:nvPr>
+        </p:nvSpPr>
+        <p:spPr/>
+        <p:txBody>
+          <a:bodyPr/>
+          <a:lstStyle/>
+          <a:p>
+            <a:r>
+              <a:rPr lang="en-US" smtClean="0"/>
+              <a:t>Click to edit Master title style</a:t>
+            </a:r>
+            <a:endParaRPr lang="en-US"/>
+          </a:p>
+        </p:txBody>
+      </p:sp>
+      <p:sp xmlns:r="http://schemas.openxmlformats.org/officeDocument/2006/relationships">
+        <p:nvSpPr>
+          <p:cNvPr id="3" name="Content Placeholder 2"/>
+          <p:cNvSpPr>
+            <a:spLocks noGrp="1"/>
+          </p:cNvSpPr>
+          <p:nvPr>
+            <p:ph idx="1"/>
+          </p:nvPr>
+        </p:nvSpPr>
+        <p:spPr/>
+        <p:txBody>
+          <a:bodyPr/>
+          <a:lstStyle/>
+          <a:p>
+            <a:pPr>
+              <a:buNone/>
+            </a:pPr>
+            <a:r>
+              <a:rPr lang="en-US" sz="1400">
+                <a:latin typeface="Calibri"/>
+              </a:rPr>
+              <a:t>Hello mate! Hello mate! Hello mate! Hello mate! Hello mate! Hello mate! Hello mate! Hello mate! Hello mate!</a:t>
+            </a:r>
+            <a:r>
+              <a:rPr lang="en-US" sz="1400">
+                <a:latin typeface="Calibri"/>
+              </a:rPr>
+              <a:t> </a:t>
+            </a:r>
+          </a:p>
+          <a:p>
+            <a:pPr>
+              <a:buNone/>
+            </a:pPr>
+            <a:r>
+              <a:rPr lang="en-US" sz="1400">
+                <a:latin typeface="Calibri"/>
+              </a:rPr>
+              <a:t>This is </a:t>
+            </a:r>
+            <a:r>
+              <a:rPr lang="en-US" sz="1400" b="true">
+                <a:latin typeface="Calibri"/>
+              </a:rPr>
+              <a:t>bold</a:t>
+            </a:r>
+            <a:r>
+              <a:rPr lang="en-US" sz="1400">
+                <a:latin typeface="Calibri"/>
+              </a:rPr>
+              <a:t> and</a:t>
+            </a:r>
+            <a:r>
+              <a:rPr lang="en-US" sz="1400" u="sng">
+                <a:latin typeface="Calibri"/>
+              </a:rPr>
+              <a:t> underscore</a:t>
+            </a:r>
+            <a:r>
+              <a:rPr lang="en-US" sz="1400">
+                <a:latin typeface="Calibri"/>
+              </a:rPr>
+              <a:t> and</a:t>
+            </a:r>
+            <a:r>
+              <a:rPr lang="en-US" sz="1400" u="sng">
+                <a:latin typeface="Calibri"/>
+              </a:rPr>
+              <a:t> both</a:t>
+            </a:r>
+            <a:r>
+              <a:rPr lang="en-US" sz="1400">
+                <a:latin typeface="Calibri"/>
+              </a:rPr>
+              <a:t> and </a:t>
+            </a:r>
+            <a:r>
+              <a:rPr lang="en-US" sz="1400" strike="sngStrike">
+                <a:latin typeface="Calibri"/>
+              </a:rPr>
+              <a:t>not true</a:t>
+            </a:r>
+            <a:r>
+              <a:rPr lang="en-US" sz="1400">
+                <a:latin typeface="Calibri"/>
+              </a:rPr>
+              <a:t> false PowerPoint documents are made up of a tree of records. A record may contain either other records (in which case it is a Container), or data (in which case it's an Atom). A record can't hold both. PowerPoint documents don't have one overall container record. Instead, there are a number of different container records to be found at the top level. Any numbers or strings stored in the records are always stored in Little Endian format (least important bytes first). This is the case no matter what platform the file was written on - be that a Little Endian or a Big Endian system. PowerPoint may have Escher (DDF) records embedded in it. These are always held as the children of a PPDrawing record (record type 1036). Escher records have the same format as PowerPoint records. </a:t>
+            </a:r>
+            <a:r>
+              <a:rPr lang="en-US" sz="1400">
+                <a:latin typeface="Calibri"/>
+              </a:rPr>
+              <a:t> </a:t>
+            </a:r>
+          </a:p>
+          <a:p>
+            <a:pPr>
+              <a:buNone/>
+            </a:pPr>
+            <a:r>
+              <a:rPr lang="en-US" sz="1400">
+                <a:latin typeface="Calibri"/>
+              </a:rPr>
+              <a:t> </a:t>
+            </a:r>
+            <a:r>
+              <a:rPr lang="en-US" sz="1400">
+                <a:latin typeface="Calibri"/>
+              </a:rPr>
+              <a:t> </a:t>
+            </a:r>
+            <a:r>
+              <a:rPr lang="en-US" sz="1400">
+                <a:latin typeface="Calibri"/>
+              </a:rPr>
+              <a:t> </a:t>
+            </a:r>
+          </a:p>
+          <a:p>
+            <a:pPr>
+              <a:buNone/>
+            </a:pPr>
+            <a:r>
+              <a:rPr lang="en-US" sz="1400">
+                <a:latin typeface="Calibri"/>
+              </a:rPr>
+              <a:t>Testing list</a:t>
+            </a:r>
+            <a:r>
+              <a:rPr lang="en-US" sz="1400">
+                <a:latin typeface="Calibri"/>
+              </a:rPr>
+              <a:t> </a:t>
+            </a:r>
+          </a:p>
+          <a:p>
+            <a:pPr>
+              <a:buNone/>
+            </a:pPr>
+            <a:r>
+              <a:rPr lang="en-US" sz="1400">
+                <a:latin typeface="Calibri"/>
+              </a:rPr>
+              <a:t> </a:t>
+            </a:r>
+            <a:r>
+              <a:rPr lang="en-US" sz="1400">
+                <a:latin typeface="Calibri"/>
+              </a:rPr>
+              <a:t> </a:t>
+            </a:r>
+            <a:r>
+              <a:rPr lang="en-US" sz="1400">
+                <a:latin typeface="Calibri"/>
+              </a:rPr>
+              <a:t> </a:t>
+            </a:r>
+            <a:r>
+              <a:rPr lang="en-US" sz="1400">
+                <a:latin typeface="Calibri"/>
+              </a:rPr>
+              <a:t> </a:t>
+            </a:r>
+          </a:p>
+          <a:p>
+            <a:pPr>
+              <a:buAutoNum type="arabicPlain" startAt="1"/>
+            </a:pPr>
+            <a:r>
+              <a:rPr lang="en-US" sz="1400">
+                <a:latin typeface="Calibri"/>
+              </a:rPr>
+              <a:t>q</a:t>
+            </a:r>
+            <a:r>
+              <a:rPr lang="en-US" sz="1400">
+                <a:latin typeface="Calibri"/>
+              </a:rPr>
+              <a:t> </a:t>
+            </a:r>
+          </a:p>
+          <a:p>
+            <a:pPr>
+              <a:buAutoNum type="arabicPlain" startAt="1"/>
+            </a:pPr>
+            <a:r>
+              <a:rPr lang="en-US" sz="1400">
+                <a:latin typeface="Calibri"/>
+              </a:rPr>
+              <a:t>w</a:t>
+            </a:r>
+            <a:r>
+              <a:rPr lang="en-US" sz="1400">
+                <a:latin typeface="Calibri"/>
+              </a:rPr>
+              <a:t> </a:t>
+            </a:r>
+          </a:p>
+          <a:p>
+            <a:pPr>
+              <a:buAutoNum type="arabicPlain" startAt="1"/>
+            </a:pPr>
+            <a:r>
+              <a:rPr lang="en-US" sz="1400">
+                <a:latin typeface="Calibri"/>
+              </a:rPr>
+              <a:t>e</a:t>
+            </a:r>
+            <a:r>
+              <a:rPr lang="en-US" sz="1400">
+                <a:latin typeface="Calibri"/>
+              </a:rPr>
+              <a:t> </a:t>
+            </a:r>
+          </a:p>
+          <a:p>
+            <a:pPr>
+              <a:buAutoNum type="arabicPlain" startAt="1"/>
+            </a:pPr>
+            <a:r>
+              <a:rPr lang="en-US" sz="1400">
+                <a:latin typeface="Calibri"/>
+              </a:rPr>
+              <a:t>r</a:t>
+            </a:r>
+            <a:r>
+              <a:rPr lang="en-US" sz="1400">
+                <a:latin typeface="Calibri"/>
+              </a:rPr>
+              <a:t> </a:t>
+            </a:r>
+          </a:p>
+          <a:p>
+            <a:pPr>
+              <a:buAutoNum type="arabicPlain" startAt="1"/>
+            </a:pPr>
+            <a:r>
+              <a:rPr lang="en-US" sz="1400">
+                <a:latin typeface="Calibri"/>
+              </a:rPr>
+              <a:t>a</a:t>
+            </a:r>
+            <a:r>
+              <a:rPr lang="en-US" sz="1400">
+                <a:latin typeface="Calibri"/>
+              </a:rPr>
+              <a:t> </a:t>
+            </a:r>
+          </a:p>
+          <a:p>
+            <a:pPr>
+              <a:buAutoNum type="arabicPlain" startAt="1"/>
+            </a:pPr>
+            <a:r>
+              <a:rPr lang="en-US" sz="1400">
+                <a:latin typeface="Calibri"/>
+              </a:rPr>
+              <a:t>s</a:t>
+            </a:r>
+            <a:r>
+              <a:rPr lang="en-US" sz="1400">
+                <a:latin typeface="Calibri"/>
+              </a:rPr>
+              <a:t> </a:t>
+            </a:r>
+          </a:p>
+        </p:txBody>
+      </p:sp>
+    </p:spTree>
+  </p:cSld>
+  <p:clrMapOvr>
+    <a:masterClrMapping/>
+  </p:clrMapOvr>
+</p:sld>
+</file>
+
+<file path=ppt/slides/slide5.xml><?xml version="1.0" encoding="utf-8"?>
+<p:sld xmlns:p="http://schemas.openxmlformats.org/presentationml/2006/main" xmlns:a="http://schemas.openxmlformats.org/drawingml/2006/main">
+  <p:cSld>
+    <p:spTree>
+      <p:nvGrpSpPr>
+        <p:cNvPr id="1" name=""/>
+        <p:cNvGrpSpPr/>
+        <p:nvPr/>
+      </p:nvGrpSpPr>
+      <p:grpSpPr>
+        <a:xfrm>
+          <a:off x="0" y="0"/>
+          <a:ext cx="0" cy="0"/>
+          <a:chOff x="0" y="0"/>
+          <a:chExt cx="0" cy="0"/>
+        </a:xfrm>
+      </p:grpSpPr>
+      <p:sp xmlns:r="http://schemas.openxmlformats.org/officeDocument/2006/relationships">
+        <p:nvSpPr>
+          <p:cNvPr id="2" name="Title 1"/>
+          <p:cNvSpPr>
+            <a:spLocks noGrp="1"/>
+          </p:cNvSpPr>
+          <p:nvPr>
+            <p:ph type="title"/>
+          </p:nvPr>
+        </p:nvSpPr>
+        <p:spPr/>
+        <p:txBody>
+          <a:bodyPr/>
+          <a:lstStyle/>
+          <a:p>
+            <a:r>
+              <a:rPr lang="en-US" smtClean="0"/>
+              <a:t>Click to edit Master title style</a:t>
+            </a:r>
+            <a:endParaRPr lang="en-US"/>
+          </a:p>
+        </p:txBody>
+      </p:sp>
+      <p:sp xmlns:r="http://schemas.openxmlformats.org/officeDocument/2006/relationships">
+        <p:nvSpPr>
+          <p:cNvPr id="3" name="Content Placeholder 2"/>
+          <p:cNvSpPr>
+            <a:spLocks noGrp="1"/>
+          </p:cNvSpPr>
+          <p:nvPr>
+            <p:ph idx="1"/>
+          </p:nvPr>
+        </p:nvSpPr>
+        <p:spPr/>
+        <p:txBody>
+          <a:bodyPr/>
+          <a:lstStyle/>
+          <a:p>
+            <a:pPr>
+              <a:buAutoNum type="arabicPlain" startAt="1"/>
+            </a:pPr>
+            <a:r>
+              <a:rPr lang="en-US" sz="1400">
+                <a:latin typeface="Calibri"/>
+              </a:rPr>
+              <a:t>d</a:t>
+            </a:r>
+            <a:r>
+              <a:rPr lang="en-US" sz="1400">
+                <a:latin typeface="Calibri"/>
+              </a:rPr>
+              <a:t> </a:t>
+            </a:r>
+          </a:p>
+          <a:p>
+            <a:pPr>
+              <a:buAutoNum type="arabicPlain" startAt="1"/>
+            </a:pPr>
+            <a:r>
+              <a:rPr lang="en-US" sz="1400">
+                <a:latin typeface="Calibri"/>
+              </a:rPr>
+              <a:t>f</a:t>
+            </a:r>
+            <a:r>
+              <a:rPr lang="en-US" sz="1400">
+                <a:latin typeface="Calibri"/>
+              </a:rPr>
+              <a:t> </a:t>
+            </a:r>
+          </a:p>
+          <a:p>
+            <a:pPr>
+              <a:buAutoNum type="arabicPlain" startAt="1"/>
+            </a:pPr>
+            <a:r>
+              <a:rPr lang="en-US" sz="1400">
+                <a:latin typeface="Calibri"/>
+              </a:rPr>
+              <a:t>sss</a:t>
+            </a:r>
+            <a:r>
+              <a:rPr lang="en-US" sz="1400">
+                <a:latin typeface="Calibri"/>
+              </a:rPr>
+              <a:t> </a:t>
+            </a:r>
+            <a:r>
+              <a:rPr lang="en-US" sz="1400">
+                <a:latin typeface="Calibri"/>
+              </a:rPr>
+              <a:t> </a:t>
+            </a:r>
+            <a:r>
+              <a:rPr lang="en-US" sz="1400">
+                <a:latin typeface="Calibri"/>
+              </a:rPr>
+              <a:t> </a:t>
+            </a:r>
+          </a:p>
+          <a:p>
+            <a:r>
+              <a:rPr lang="en-US" sz="1400">
+                <a:latin typeface="Calibri"/>
+              </a:rPr>
+              <a:t>q</a:t>
+            </a:r>
+            <a:r>
+              <a:rPr lang="en-US" sz="1400">
+                <a:latin typeface="Calibri"/>
+              </a:rPr>
+              <a:t> </a:t>
+            </a:r>
+          </a:p>
+          <a:p>
+            <a:r>
+              <a:rPr lang="en-US" sz="1400">
+                <a:latin typeface="Calibri"/>
+              </a:rPr>
+              <a:t>sss</a:t>
+            </a:r>
+            <a:r>
+              <a:rPr lang="en-US" sz="1400">
+                <a:latin typeface="Calibri"/>
+              </a:rPr>
+              <a:t> </a:t>
+            </a:r>
+            <a:r>
+              <a:rPr lang="en-US" sz="1400">
+                <a:latin typeface="Calibri"/>
+              </a:rPr>
+              <a:t> </a:t>
+            </a:r>
+            <a:r>
+              <a:rPr lang="en-US" sz="1400">
+                <a:latin typeface="Calibri"/>
+              </a:rPr>
+              <a:t> </a:t>
+            </a:r>
+          </a:p>
+          <a:p>
+            <a:pPr>
+              <a:buAutoNum type="arabicPlain" startAt="1"/>
+            </a:pPr>
+            <a:r>
+              <a:rPr lang="en-US" sz="1400">
+                <a:latin typeface="Calibri"/>
+              </a:rPr>
+              <a:t>q</a:t>
+            </a:r>
+            <a:r>
+              <a:rPr lang="en-US" sz="1400">
+                <a:latin typeface="Calibri"/>
+              </a:rPr>
+              <a:t> </a:t>
+            </a:r>
+          </a:p>
+          <a:p>
+            <a:pPr>
+              <a:buAutoNum type="arabicPlain" startAt="1"/>
+            </a:pPr>
+            <a:r>
+              <a:rPr lang="en-US" sz="1400">
+                <a:latin typeface="Calibri"/>
+              </a:rPr>
+              <a:t>w</a:t>
+            </a:r>
+            <a:r>
+              <a:rPr lang="en-US" sz="1400">
+                <a:latin typeface="Calibri"/>
+              </a:rPr>
+              <a:t> </a:t>
+            </a:r>
+          </a:p>
+          <a:p>
+            <a:pPr>
+              <a:buAutoNum type="arabicPlain" startAt="1"/>
+            </a:pPr>
+            <a:r>
+              <a:rPr lang="en-US" sz="1400">
+                <a:latin typeface="Calibri"/>
+              </a:rPr>
+              <a:t>e</a:t>
+            </a:r>
+            <a:r>
+              <a:rPr lang="en-US" sz="1400">
+                <a:latin typeface="Calibri"/>
+              </a:rPr>
+              <a:t> </a:t>
+            </a:r>
+          </a:p>
+          <a:p>
+            <a:pPr>
+              <a:buAutoNum type="arabicPlain" startAt="1"/>
+            </a:pPr>
+            <a:r>
+              <a:rPr lang="en-US" sz="1400">
+                <a:latin typeface="Calibri"/>
+              </a:rPr>
+              <a:t>r</a:t>
+            </a:r>
+            <a:r>
+              <a:rPr lang="en-US" sz="1400">
+                <a:latin typeface="Calibri"/>
+              </a:rPr>
+              <a:t> </a:t>
+            </a:r>
+          </a:p>
+          <a:p>
+            <a:pPr>
+              <a:buAutoNum type="arabicPlain" startAt="1"/>
+            </a:pPr>
+            <a:r>
+              <a:rPr lang="en-US" sz="1400">
+                <a:latin typeface="Calibri"/>
+              </a:rPr>
+              <a:t>a</a:t>
+            </a:r>
+            <a:r>
+              <a:rPr lang="en-US" sz="1400">
+                <a:latin typeface="Calibri"/>
+              </a:rPr>
+              <a:t> </a:t>
+            </a:r>
+          </a:p>
+          <a:p>
+            <a:pPr>
+              <a:buAutoNum type="arabicPlain" startAt="1"/>
+            </a:pPr>
+            <a:r>
+              <a:rPr lang="en-US" sz="1400">
+                <a:latin typeface="Calibri"/>
+              </a:rPr>
+              <a:t>s</a:t>
+            </a:r>
+            <a:r>
+              <a:rPr lang="en-US" sz="1400">
+                <a:latin typeface="Calibri"/>
+              </a:rPr>
+              <a:t> </a:t>
+            </a:r>
+          </a:p>
+          <a:p>
+            <a:pPr>
+              <a:buAutoNum type="arabicPlain" startAt="1"/>
+            </a:pPr>
+            <a:r>
+              <a:rPr lang="en-US" sz="1400">
+                <a:latin typeface="Calibri"/>
+              </a:rPr>
+              <a:t>d</a:t>
+            </a:r>
+            <a:r>
+              <a:rPr lang="en-US" sz="1400">
+                <a:latin typeface="Calibri"/>
+              </a:rPr>
+              <a:t> </a:t>
+            </a:r>
+          </a:p>
+          <a:p>
+            <a:pPr>
+              <a:buAutoNum type="arabicPlain" startAt="1"/>
+            </a:pPr>
+            <a:r>
+              <a:rPr lang="en-US" sz="1400">
+                <a:latin typeface="Calibri"/>
+              </a:rPr>
+              <a:t>f</a:t>
+            </a:r>
+            <a:r>
+              <a:rPr lang="en-US" sz="1400">
+                <a:latin typeface="Calibri"/>
+              </a:rPr>
+              <a:t> </a:t>
+            </a:r>
+          </a:p>
+          <a:p>
+            <a:pPr>
+              <a:buAutoNum type="arabicPlain" startAt="1"/>
+            </a:pPr>
+            <a:r>
+              <a:rPr lang="en-US" sz="1400">
+                <a:latin typeface="Calibri"/>
+              </a:rPr>
+              <a:t>sss</a:t>
+            </a:r>
+            <a:r>
+              <a:rPr lang="en-US" sz="1400">
+                <a:latin typeface="Calibri"/>
+              </a:rPr>
+              <a:t> </a:t>
+            </a:r>
+            <a:r>
+              <a:rPr lang="en-US" sz="1400">
+                <a:latin typeface="Calibri"/>
+              </a:rPr>
+              <a:t> </a:t>
+            </a:r>
+            <a:r>
+              <a:rPr lang="en-US" sz="1400">
+                <a:latin typeface="Calibri"/>
+              </a:rPr>
+              <a:t> </a:t>
+            </a:r>
+          </a:p>
+          <a:p>
+            <a:r>
+              <a:rPr lang="en-US" sz="1400">
+                <a:latin typeface="Calibri"/>
+              </a:rPr>
+              <a:t>q</a:t>
+            </a:r>
+            <a:r>
+              <a:rPr lang="en-US" sz="1400">
+                <a:latin typeface="Calibri"/>
+              </a:rPr>
+              <a:t> </a:t>
+            </a:r>
+          </a:p>
+          <a:p>
+            <a:r>
+              <a:rPr lang="en-US" sz="1400">
+                <a:latin typeface="Calibri"/>
+              </a:rPr>
+              <a:t>sss</a:t>
+            </a:r>
+            <a:r>
+              <a:rPr lang="en-US" sz="1400">
+                <a:latin typeface="Calibri"/>
+              </a:rPr>
+              <a:t> </a:t>
+            </a:r>
+            <a:r>
+              <a:rPr lang="en-US" sz="1400">
+                <a:latin typeface="Calibri"/>
+              </a:rPr>
+              <a:t> </a:t>
+            </a:r>
+          </a:p>
+          <a:p>
+            <a:pPr>
+              <a:buNone/>
+            </a:pPr>
+            <a:r>
+              <a:rPr lang="en-US" sz="1400">
+                <a:latin typeface="Calibri"/>
+              </a:rPr>
+              <a:t>Centered text</a:t>
+            </a:r>
+          </a:p>
+        </p:txBody>
+      </p:sp>
+    </p:spTree>
+  </p:cSld>
+  <p:clrMapOvr>
+    <a:masterClrMapping/>
+  </p:clrMapOvr>
+</p:sld>
+</file>
+
+<file path=ppt/slides/slide6.xml><?xml version="1.0" encoding="utf-8"?>
+<p:sld xmlns:p="http://schemas.openxmlformats.org/presentationml/2006/main" xmlns:a="http://schemas.openxmlformats.org/drawingml/2006/main">
+  <p:cSld>
+    <p:spTree>
+      <p:nvGrpSpPr>
+        <p:cNvPr id="1" name=""/>
+        <p:cNvGrpSpPr/>
+        <p:nvPr/>
+      </p:nvGrpSpPr>
+      <p:grpSpPr>
+        <a:xfrm>
+          <a:off x="0" y="0"/>
+          <a:ext cx="0" cy="0"/>
+          <a:chOff x="0" y="0"/>
+          <a:chExt cx="0" cy="0"/>
+        </a:xfrm>
+      </p:grpSpPr>
+      <p:sp xmlns:r="http://schemas.openxmlformats.org/officeDocument/2006/relationships">
+        <p:nvSpPr>
+          <p:cNvPr id="2" name="Title 1"/>
+          <p:cNvSpPr>
+            <a:spLocks noGrp="1"/>
+          </p:cNvSpPr>
+          <p:nvPr>
+            <p:ph type="title"/>
+          </p:nvPr>
+        </p:nvSpPr>
+        <p:spPr/>
+        <p:txBody>
+          <a:bodyPr/>
+          <a:lstStyle/>
+          <a:p>
+            <a:r>
+              <a:rPr lang="en-US" smtClean="0"/>
+              <a:t>Click to edit Master title style</a:t>
+            </a:r>
+            <a:endParaRPr lang="en-US"/>
+          </a:p>
+        </p:txBody>
+      </p:sp>
+      <p:sp xmlns:r="http://schemas.openxmlformats.org/officeDocument/2006/relationships">
+        <p:nvSpPr>
+          <p:cNvPr id="3" name="Content Placeholder 2"/>
+          <p:cNvSpPr>
+            <a:spLocks noGrp="1"/>
+          </p:cNvSpPr>
+          <p:nvPr>
+            <p:ph idx="1"/>
+          </p:nvPr>
+        </p:nvSpPr>
+        <p:spPr/>
+        <p:txBody>
+          <a:bodyPr/>
+          <a:lstStyle/>
+          <a:p>
+            <a:pPr>
+              <a:buNone/>
+            </a:pPr>
+            <a:r>
+              <a:rPr lang="en-US" sz="1400">
+                <a:latin typeface="Calibri"/>
+              </a:rPr>
+              <a:t>Color </a:t>
+            </a:r>
+            <a:r>
+              <a:rPr lang="en-US" sz="1400">
+                <a:solidFill>
+                  <a:srgbClr val="E60000"/>
+                </a:solidFill>
+                <a:latin typeface="Calibri"/>
+              </a:rPr>
+              <a:t>red</a:t>
+            </a:r>
+            <a:r>
+              <a:rPr lang="en-US" sz="1400">
+                <a:latin typeface="Calibri"/>
+              </a:rPr>
+              <a:t>,</a:t>
+            </a:r>
+            <a:r>
+              <a:rPr lang="en-US" sz="1400">
+                <a:solidFill>
+                  <a:srgbClr val="0066CC"/>
+                </a:solidFill>
+                <a:latin typeface="Calibri"/>
+              </a:rPr>
+              <a:t> blue</a:t>
+            </a:r>
+            <a:r>
+              <a:rPr lang="en-US" sz="1400">
+                <a:latin typeface="Calibri"/>
+              </a:rPr>
+              <a:t>, </a:t>
+            </a:r>
+            <a:r>
+              <a:rPr lang="en-US" sz="1400">
+                <a:solidFill>
+                  <a:srgbClr val="EBD6FF"/>
+                </a:solidFill>
+                <a:latin typeface="Calibri"/>
+              </a:rPr>
+              <a:t>strange</a:t>
+            </a:r>
+          </a:p>
+          <a:p>
+            <a:pPr>
+              <a:buNone/>
+            </a:pPr>
+            <a:r>
+              <a:rPr lang="en-US" sz="1400">
+                <a:latin typeface="Calibri"/>
+              </a:rPr>
+              <a:t> </a:t>
+            </a:r>
+            <a:r>
+              <a:rPr lang="en-US" sz="1400">
+                <a:latin typeface="Calibri"/>
+              </a:rPr>
+              <a:t>And highlight</a:t>
+            </a:r>
+            <a:r>
+              <a:rPr lang="en-US" sz="1400">
+                <a:latin typeface="Calibri"/>
+              </a:rPr>
+              <a:t> </a:t>
+            </a:r>
+          </a:p>
+        </p:txBody>
+      </p:sp>
+    </p:spTree>
+  </p:cSld>
+  <p:clrMapOvr>
+    <a:masterClrMapping/>
+  </p:clrMapOvr>
+</p:sld>
+</file>
+
+<file path=ppt/slides/slide7.xml><?xml version="1.0" encoding="utf-8"?>
+<p:sld xmlns:p="http://schemas.openxmlformats.org/presentationml/2006/main" xmlns:a="http://schemas.openxmlformats.org/drawingml/2006/main">
+  <p:cSld>
+    <p:spTree>
+      <p:nvGrpSpPr>
+        <p:cNvPr id="1" name=""/>
+        <p:cNvGrpSpPr/>
+        <p:nvPr/>
+      </p:nvGrpSpPr>
+      <p:grpSpPr>
+        <a:xfrm>
+          <a:off x="0" y="0"/>
+          <a:ext cx="0" cy="0"/>
+          <a:chOff x="0" y="0"/>
+          <a:chExt cx="0" cy="0"/>
+        </a:xfrm>
+      </p:grpSpPr>
+      <p:sp xmlns:r="http://schemas.openxmlformats.org/officeDocument/2006/relationships">
+        <p:nvSpPr>
+          <p:cNvPr id="2" name="Title 1"/>
+          <p:cNvSpPr>
+            <a:spLocks noGrp="1"/>
+          </p:cNvSpPr>
+          <p:nvPr>
+            <p:ph type="title"/>
+          </p:nvPr>
+        </p:nvSpPr>
+        <p:spPr/>
+        <p:txBody>
+          <a:bodyPr/>
+          <a:lstStyle/>
+          <a:p>
+            <a:r>
+              <a:rPr lang="en-US" smtClean="0"/>
+              <a:t>Click to edit Master title style</a:t>
+            </a:r>
+            <a:endParaRPr lang="en-US"/>
+          </a:p>
+        </p:txBody>
+      </p:sp>
+      <p:sp xmlns:r="http://schemas.openxmlformats.org/officeDocument/2006/relationships">
+        <p:nvSpPr>
+          <p:cNvPr id="3" name="Content Placeholder 2"/>
+          <p:cNvSpPr>
+            <a:spLocks noGrp="1"/>
+          </p:cNvSpPr>
+          <p:nvPr>
+            <p:ph idx="1"/>
+          </p:nvPr>
+        </p:nvSpPr>
+        <p:spPr/>
+        <p:txBody>
+          <a:bodyPr/>
+          <a:lstStyle/>
+          <a:p>
+            <a:pPr>
+              <a:buNone/>
+            </a:pPr>
+            <a:r>
+              <a:rPr lang="en-US" sz="1400" u="sng">
+                <a:latin typeface="Calibri"/>
+              </a:rPr>
+              <a:t> both</a:t>
             </a:r>
           </a:p>
         </p:txBody>

--- a/html-to-ppt/TextFormat.pptx
+++ b/html-to-ppt/TextFormat.pptx
@@ -12,6 +12,7 @@
     <p:sldId id="260" r:id="rId10"/>
     <p:sldId id="261" r:id="rId11"/>
     <p:sldId id="262" r:id="rId12"/>
+    <p:sldId id="263" r:id="rId13"/>
   </p:sldIdLst>
   <p:sldSz cx="9144000" cy="6858000" type="screen4x3"/>
   <p:notesSz cx="6858000" cy="9144000"/>
@@ -3154,7 +3155,7 @@
               <a:t> and</a:t>
             </a:r>
             <a:r>
-              <a:rPr lang="en-US" sz="1400" u="sng">
+              <a:rPr lang="en-US" sz="1400" b="true" u="sng">
                 <a:latin typeface="Calibri"/>
               </a:rPr>
               <a:t> both</a:t>
@@ -3985,7 +3986,7 @@
               <a:t> and</a:t>
             </a:r>
             <a:r>
-              <a:rPr lang="en-US" sz="1400" u="sng">
+              <a:rPr lang="en-US" sz="1400" b="true" u="sng">
                 <a:latin typeface="Calibri"/>
               </a:rPr>
               <a:t> both</a:t>
@@ -4769,10 +4770,88 @@
               <a:buNone/>
             </a:pPr>
             <a:r>
-              <a:rPr lang="en-US" sz="1400" u="sng">
+              <a:rPr lang="en-US" sz="1400" b="true" u="sng">
                 <a:latin typeface="Calibri"/>
               </a:rPr>
               <a:t> both</a:t>
+            </a:r>
+          </a:p>
+        </p:txBody>
+      </p:sp>
+    </p:spTree>
+  </p:cSld>
+  <p:clrMapOvr>
+    <a:masterClrMapping/>
+  </p:clrMapOvr>
+</p:sld>
+</file>
+
+<file path=ppt/slides/slide8.xml><?xml version="1.0" encoding="utf-8"?>
+<p:sld xmlns:p="http://schemas.openxmlformats.org/presentationml/2006/main" xmlns:a="http://schemas.openxmlformats.org/drawingml/2006/main">
+  <p:cSld>
+    <p:spTree>
+      <p:nvGrpSpPr>
+        <p:cNvPr id="1" name=""/>
+        <p:cNvGrpSpPr/>
+        <p:nvPr/>
+      </p:nvGrpSpPr>
+      <p:grpSpPr>
+        <a:xfrm>
+          <a:off x="0" y="0"/>
+          <a:ext cx="0" cy="0"/>
+          <a:chOff x="0" y="0"/>
+          <a:chExt cx="0" cy="0"/>
+        </a:xfrm>
+      </p:grpSpPr>
+      <p:sp xmlns:r="http://schemas.openxmlformats.org/officeDocument/2006/relationships">
+        <p:nvSpPr>
+          <p:cNvPr id="2" name="Title 1"/>
+          <p:cNvSpPr>
+            <a:spLocks noGrp="1"/>
+          </p:cNvSpPr>
+          <p:nvPr>
+            <p:ph type="title"/>
+          </p:nvPr>
+        </p:nvSpPr>
+        <p:spPr/>
+        <p:txBody>
+          <a:bodyPr/>
+          <a:lstStyle/>
+          <a:p>
+            <a:r>
+              <a:rPr lang="en-US" smtClean="0"/>
+              <a:t>Click to edit Master title style</a:t>
+            </a:r>
+            <a:endParaRPr lang="en-US"/>
+          </a:p>
+        </p:txBody>
+      </p:sp>
+      <p:sp xmlns:r="http://schemas.openxmlformats.org/officeDocument/2006/relationships">
+        <p:nvSpPr>
+          <p:cNvPr id="3" name="Content Placeholder 2"/>
+          <p:cNvSpPr>
+            <a:spLocks noGrp="1"/>
+          </p:cNvSpPr>
+          <p:nvPr>
+            <p:ph idx="1"/>
+          </p:nvPr>
+        </p:nvSpPr>
+        <p:spPr/>
+        <p:txBody>
+          <a:bodyPr/>
+          <a:lstStyle/>
+          <a:p>
+            <a:pPr>
+              <a:buNone/>
+            </a:pPr>
+            <a:r>
+              <a:rPr lang="en-US" sz="1400" u="sng" b="true">
+                <a:solidFill>
+                  <a:srgbClr val="00FF00"/>
+                </a:solidFill>
+                <a:latin typeface="Calibri"/>
+              </a:rPr>
+              <a:t>That`s all, folks!</a:t>
             </a:r>
           </a:p>
         </p:txBody>

--- a/html-to-ppt/TextFormat.pptx
+++ b/html-to-ppt/TextFormat.pptx
@@ -7,14 +7,8 @@
   <p:sldIdLst>
     <p:sldId id="256" r:id="rId6"/>
     <p:sldId id="257" r:id="rId7"/>
-    <p:sldId id="258" r:id="rId8"/>
-    <p:sldId id="259" r:id="rId9"/>
-    <p:sldId id="260" r:id="rId10"/>
-    <p:sldId id="261" r:id="rId11"/>
-    <p:sldId id="262" r:id="rId12"/>
-    <p:sldId id="263" r:id="rId13"/>
   </p:sldIdLst>
-  <p:sldSz cx="9144000" cy="6858000" type="screen4x3"/>
+  <p:sldSz cx="16256000" cy="9144000"/>
   <p:notesSz cx="6858000" cy="9144000"/>
   <p:defaultTextStyle>
     <a:defPPr>
@@ -3066,52 +3060,181 @@
           <a:chExt cx="0" cy="0"/>
         </a:xfrm>
       </p:grpSpPr>
-      <p:sp xmlns:r="http://schemas.openxmlformats.org/officeDocument/2006/relationships">
-        <p:nvSpPr>
-          <p:cNvPr id="2" name="Title 1"/>
-          <p:cNvSpPr>
-            <a:spLocks noGrp="1"/>
-          </p:cNvSpPr>
-          <p:nvPr>
-            <p:ph type="title"/>
-          </p:nvPr>
-        </p:nvSpPr>
-        <p:spPr/>
-        <p:txBody>
-          <a:bodyPr/>
-          <a:lstStyle/>
-          <a:p>
-            <a:r>
-              <a:rPr lang="en-US" smtClean="0"/>
-              <a:t>Click to edit Master title style</a:t>
-            </a:r>
-            <a:endParaRPr lang="en-US"/>
-          </a:p>
-        </p:txBody>
-      </p:sp>
-      <p:sp xmlns:r="http://schemas.openxmlformats.org/officeDocument/2006/relationships">
-        <p:nvSpPr>
-          <p:cNvPr id="3" name="Content Placeholder 2"/>
-          <p:cNvSpPr>
-            <a:spLocks noGrp="1"/>
-          </p:cNvSpPr>
-          <p:nvPr>
-            <p:ph idx="1"/>
-          </p:nvPr>
-        </p:nvSpPr>
-        <p:spPr/>
-        <p:txBody>
-          <a:bodyPr/>
-          <a:lstStyle/>
+      <p:sp>
+        <p:nvSpPr>
+          <p:cNvPr name="TextBox 2" id="2"/>
+          <p:cNvSpPr txBox="true"/>
+          <p:nvPr/>
+        </p:nvSpPr>
+        <p:spPr>
+          <a:xfrm>
+            <a:off x="254000" y="254000"/>
+            <a:ext cx="14986000" cy="8890000"/>
+          </a:xfrm>
+          <a:prstGeom prst="rect">
+            <a:avLst/>
+          </a:prstGeom>
+        </p:spPr>
+        <p:txBody>
+          <a:bodyPr anchor="t" rtlCol="false"/>
+          <a:lstStyle/>
+          <a:p>
+            <a:pPr algn="l">
+              <a:defRPr/>
+            </a:pPr>
+            <a:r>
+              <a:rPr lang="en-US"/>
+              <a:t/>
+            </a:r>
+            <a:endParaRPr lang="ru-RU"/>
+          </a:p>
+          <a:p>
+            <a:r>
+              <a:rPr lang="en-US" sz="1400">
+                <a:latin typeface="Calibri"/>
+              </a:rPr>
+              <a:t>Hello mate! Hello mate! Hello mate! Hello mate! Hello mate! Hello mate! Hello mate! Hello mate! Hello mate!</a:t>
+            </a:r>
+            <a:r>
+              <a:rPr lang="en-US" sz="1400">
+                <a:latin typeface="Calibri"/>
+              </a:rPr>
+              <a:t> </a:t>
+            </a:r>
+          </a:p>
+          <a:p>
+            <a:r>
+              <a:rPr lang="en-US" sz="1400">
+                <a:latin typeface="Calibri"/>
+              </a:rPr>
+              <a:t>This is </a:t>
+            </a:r>
+            <a:r>
+              <a:rPr lang="en-US" sz="1400" b="true">
+                <a:latin typeface="Calibri"/>
+              </a:rPr>
+              <a:t>bold</a:t>
+            </a:r>
+            <a:r>
+              <a:rPr lang="en-US" sz="1400">
+                <a:latin typeface="Calibri"/>
+              </a:rPr>
+              <a:t> and</a:t>
+            </a:r>
+            <a:r>
+              <a:rPr lang="en-US" sz="1400" u="sng">
+                <a:latin typeface="Calibri"/>
+              </a:rPr>
+              <a:t> underscore</a:t>
+            </a:r>
+            <a:r>
+              <a:rPr lang="en-US" sz="1400">
+                <a:latin typeface="Calibri"/>
+              </a:rPr>
+              <a:t> and</a:t>
+            </a:r>
+            <a:r>
+              <a:rPr lang="en-US" sz="1400" b="true" u="sng">
+                <a:latin typeface="Calibri"/>
+              </a:rPr>
+              <a:t> both</a:t>
+            </a:r>
+            <a:r>
+              <a:rPr lang="en-US" sz="1400">
+                <a:latin typeface="Calibri"/>
+              </a:rPr>
+              <a:t> and </a:t>
+            </a:r>
+            <a:r>
+              <a:rPr lang="en-US" sz="1400" strike="sngStrike">
+                <a:latin typeface="Calibri"/>
+              </a:rPr>
+              <a:t>not true</a:t>
+            </a:r>
+            <a:r>
+              <a:rPr lang="en-US" sz="1400">
+                <a:latin typeface="Calibri"/>
+              </a:rPr>
+              <a:t> false PowerPoint documents are made up of a tree of records. A record may contain either other records (in which case it is a Container), or data (in which case it's an Atom). A record can't hold both. PowerPoint documents don't have one overall container record. Instead, there are a number of different container records to be found at the top level. Any numbers or strings stored in the records are always stored in Little Endian format (least important bytes first). This is the case no matter what platform the file was written on - be that a Little Endian or a Big Endian system. PowerPoint may have Escher (DDF) records embedded in it. These are always held as the children of a PPDrawing record (record type 1036). Escher records have the same format as PowerPoint records. </a:t>
+            </a:r>
+            <a:r>
+              <a:rPr lang="en-US" sz="1400">
+                <a:latin typeface="Calibri"/>
+              </a:rPr>
+              <a:t> </a:t>
+            </a:r>
+          </a:p>
+          <a:p>
+            <a:r>
+              <a:rPr lang="en-US" sz="1400">
+                <a:latin typeface="Calibri"/>
+              </a:rPr>
+              <a:t> </a:t>
+            </a:r>
+            <a:r>
+              <a:rPr lang="en-US" sz="1400">
+                <a:latin typeface="Calibri"/>
+              </a:rPr>
+              <a:t> </a:t>
+            </a:r>
+            <a:r>
+              <a:rPr lang="en-US" sz="1400">
+                <a:latin typeface="Calibri"/>
+              </a:rPr>
+              <a:t> </a:t>
+            </a:r>
+          </a:p>
+          <a:p>
+            <a:r>
+              <a:rPr lang="en-US" sz="1400">
+                <a:latin typeface="Calibri"/>
+              </a:rPr>
+              <a:t>Testing list</a:t>
+            </a:r>
+            <a:r>
+              <a:rPr lang="en-US" sz="1400">
+                <a:latin typeface="Calibri"/>
+              </a:rPr>
+              <a:t> </a:t>
+            </a:r>
+          </a:p>
+          <a:p>
+            <a:r>
+              <a:rPr lang="en-US" sz="1400">
+                <a:latin typeface="Calibri"/>
+              </a:rPr>
+              <a:t> </a:t>
+            </a:r>
+            <a:r>
+              <a:rPr lang="en-US" sz="1400">
+                <a:latin typeface="Calibri"/>
+              </a:rPr>
+              <a:t> </a:t>
+            </a:r>
+            <a:r>
+              <a:rPr lang="en-US" sz="1400">
+                <a:latin typeface="Calibri"/>
+              </a:rPr>
+              <a:t> </a:t>
+            </a:r>
+            <a:r>
+              <a:rPr lang="en-US" sz="1400">
+                <a:latin typeface="Calibri"/>
+              </a:rPr>
+              <a:t> </a:t>
+            </a:r>
+          </a:p>
           <a:p>
             <a:pPr>
-              <a:buNone/>
+              <a:buFont typeface="Arial"/>
+              <a:buAutoNum type="arabicPlain" startAt="1"/>
+              <a:buChar char="•"/>
             </a:pPr>
             <a:r>
               <a:rPr lang="en-US" sz="1400">
                 <a:latin typeface="Calibri"/>
               </a:rPr>
-              <a:t>Hello mate! Hello mate! Hello mate! Hello mate! Hello mate! Hello mate! Hello mate! Hello mate! Hello mate!</a:t>
+              <a:t>q</a:t>
             </a:r>
             <a:r>
               <a:rPr lang="en-US" sz="1400">
@@ -3122,61 +3245,15 @@
           </a:p>
           <a:p>
             <a:pPr>
-              <a:buNone/>
+              <a:buFont typeface="Arial"/>
+              <a:buAutoNum type="arabicPlain" startAt="1"/>
+              <a:buChar char="•"/>
             </a:pPr>
             <a:r>
               <a:rPr lang="en-US" sz="1400">
                 <a:latin typeface="Calibri"/>
               </a:rPr>
-              <a:t>This is </a:t>
-            </a:r>
-            <a:r>
-              <a:rPr lang="en-US" sz="1400" b="true">
-                <a:latin typeface="Calibri"/>
-              </a:rPr>
-              <a:t>bold</a:t>
-            </a:r>
-            <a:r>
-              <a:rPr lang="en-US" sz="1400">
-                <a:latin typeface="Calibri"/>
-              </a:rPr>
-              <a:t> and</a:t>
-            </a:r>
-            <a:r>
-              <a:rPr lang="en-US" sz="1400" u="sng">
-                <a:latin typeface="Calibri"/>
-              </a:rPr>
-              <a:t> underscore</a:t>
-            </a:r>
-            <a:r>
-              <a:rPr lang="en-US" sz="1400">
-                <a:latin typeface="Calibri"/>
-              </a:rPr>
-              <a:t> and</a:t>
-            </a:r>
-            <a:r>
-              <a:rPr lang="en-US" sz="1400" b="true" u="sng">
-                <a:latin typeface="Calibri"/>
-              </a:rPr>
-              <a:t> both</a:t>
-            </a:r>
-            <a:r>
-              <a:rPr lang="en-US" sz="1400">
-                <a:latin typeface="Calibri"/>
-              </a:rPr>
-              <a:t> and </a:t>
-            </a:r>
-            <a:r>
-              <a:rPr lang="en-US" sz="1400" strike="sngStrike">
-                <a:latin typeface="Calibri"/>
-              </a:rPr>
-              <a:t>not true</a:t>
-            </a:r>
-            <a:r>
-              <a:rPr lang="en-US" sz="1400">
-                <a:latin typeface="Calibri"/>
-              </a:rPr>
-              <a:t> false PowerPoint documents are made up of a tree of records. A record may contain either other records (in which case it is a Container), or data (in which case it's an Atom). A record can't hold both. PowerPoint documents don't have one overall container record. Instead, there are a number of different container records to be found at the top level. Any numbers or strings stored in the records are always stored in Little Endian format (least important bytes first). This is the case no matter what platform the file was written on - be that a Little Endian or a Big Endian system. PowerPoint may have Escher (DDF) records embedded in it. These are always held as the children of a PPDrawing record (record type 1036). Escher records have the same format as PowerPoint records. </a:t>
+              <a:t>w</a:t>
             </a:r>
             <a:r>
               <a:rPr lang="en-US" sz="1400">
@@ -3187,20 +3264,54 @@
           </a:p>
           <a:p>
             <a:pPr>
-              <a:buNone/>
+              <a:buFont typeface="Arial"/>
+              <a:buAutoNum type="arabicPlain" startAt="1"/>
+              <a:buChar char="•"/>
             </a:pPr>
             <a:r>
               <a:rPr lang="en-US" sz="1400">
                 <a:latin typeface="Calibri"/>
               </a:rPr>
+              <a:t>e</a:t>
+            </a:r>
+            <a:r>
+              <a:rPr lang="en-US" sz="1400">
+                <a:latin typeface="Calibri"/>
+              </a:rPr>
               <a:t> </a:t>
             </a:r>
+          </a:p>
+          <a:p>
+            <a:pPr>
+              <a:buFont typeface="Arial"/>
+              <a:buAutoNum type="arabicPlain" startAt="1"/>
+              <a:buChar char="•"/>
+            </a:pPr>
+            <a:r>
+              <a:rPr lang="en-US" sz="1400">
+                <a:latin typeface="Calibri"/>
+              </a:rPr>
+              <a:t>r</a:t>
+            </a:r>
             <a:r>
               <a:rPr lang="en-US" sz="1400">
                 <a:latin typeface="Calibri"/>
               </a:rPr>
               <a:t> </a:t>
             </a:r>
+          </a:p>
+          <a:p>
+            <a:pPr>
+              <a:buFont typeface="Arial"/>
+              <a:buAutoNum type="arabicPlain" startAt="1"/>
+              <a:buChar char="•"/>
+            </a:pPr>
+            <a:r>
+              <a:rPr lang="en-US" sz="1400">
+                <a:latin typeface="Calibri"/>
+              </a:rPr>
+              <a:t>a</a:t>
+            </a:r>
             <a:r>
               <a:rPr lang="en-US" sz="1400">
                 <a:latin typeface="Calibri"/>
@@ -3210,13 +3321,15 @@
           </a:p>
           <a:p>
             <a:pPr>
-              <a:buNone/>
+              <a:buFont typeface="Arial"/>
+              <a:buAutoNum type="arabicPlain" startAt="1"/>
+              <a:buChar char="•"/>
             </a:pPr>
             <a:r>
               <a:rPr lang="en-US" sz="1400">
                 <a:latin typeface="Calibri"/>
               </a:rPr>
-              <a:t>Testing list</a:t>
+              <a:t>s</a:t>
             </a:r>
             <a:r>
               <a:rPr lang="en-US" sz="1400">
@@ -3227,20 +3340,54 @@
           </a:p>
           <a:p>
             <a:pPr>
-              <a:buNone/>
+              <a:buFont typeface="Arial"/>
+              <a:buAutoNum type="arabicPlain" startAt="1"/>
+              <a:buChar char="•"/>
             </a:pPr>
             <a:r>
               <a:rPr lang="en-US" sz="1400">
                 <a:latin typeface="Calibri"/>
               </a:rPr>
+              <a:t>d</a:t>
+            </a:r>
+            <a:r>
+              <a:rPr lang="en-US" sz="1400">
+                <a:latin typeface="Calibri"/>
+              </a:rPr>
               <a:t> </a:t>
             </a:r>
+          </a:p>
+          <a:p>
+            <a:pPr>
+              <a:buFont typeface="Arial"/>
+              <a:buAutoNum type="arabicPlain" startAt="1"/>
+              <a:buChar char="•"/>
+            </a:pPr>
+            <a:r>
+              <a:rPr lang="en-US" sz="1400">
+                <a:latin typeface="Calibri"/>
+              </a:rPr>
+              <a:t>f</a:t>
+            </a:r>
             <a:r>
               <a:rPr lang="en-US" sz="1400">
                 <a:latin typeface="Calibri"/>
               </a:rPr>
               <a:t> </a:t>
             </a:r>
+          </a:p>
+          <a:p>
+            <a:pPr>
+              <a:buFont typeface="Arial"/>
+              <a:buAutoNum type="arabicPlain" startAt="1"/>
+              <a:buChar char="•"/>
+            </a:pPr>
+            <a:r>
+              <a:rPr lang="en-US" sz="1400">
+                <a:latin typeface="Calibri"/>
+              </a:rPr>
+              <a:t>sss</a:t>
+            </a:r>
             <a:r>
               <a:rPr lang="en-US" sz="1400">
                 <a:latin typeface="Calibri"/>
@@ -3253,101 +3400,23 @@
               </a:rPr>
               <a:t> </a:t>
             </a:r>
+            <a:r>
+              <a:rPr lang="en-US" sz="1400">
+                <a:latin typeface="Calibri"/>
+              </a:rPr>
+              <a:t> </a:t>
+            </a:r>
           </a:p>
           <a:p>
             <a:pPr>
-              <a:buAutoNum type="arabicPlain" startAt="1"/>
+              <a:buFont typeface="Arial"/>
+              <a:buChar char="•"/>
             </a:pPr>
             <a:r>
               <a:rPr lang="en-US" sz="1400">
                 <a:latin typeface="Calibri"/>
               </a:rPr>
               <a:t>q</a:t>
-            </a:r>
-            <a:r>
-              <a:rPr lang="en-US" sz="1400">
-                <a:latin typeface="Calibri"/>
-              </a:rPr>
-              <a:t> </a:t>
-            </a:r>
-          </a:p>
-          <a:p>
-            <a:pPr>
-              <a:buAutoNum type="arabicPlain" startAt="1"/>
-            </a:pPr>
-            <a:r>
-              <a:rPr lang="en-US" sz="1400">
-                <a:latin typeface="Calibri"/>
-              </a:rPr>
-              <a:t>w</a:t>
-            </a:r>
-            <a:r>
-              <a:rPr lang="en-US" sz="1400">
-                <a:latin typeface="Calibri"/>
-              </a:rPr>
-              <a:t> </a:t>
-            </a:r>
-          </a:p>
-          <a:p>
-            <a:pPr>
-              <a:buAutoNum type="arabicPlain" startAt="1"/>
-            </a:pPr>
-            <a:r>
-              <a:rPr lang="en-US" sz="1400">
-                <a:latin typeface="Calibri"/>
-              </a:rPr>
-              <a:t>e</a:t>
-            </a:r>
-            <a:r>
-              <a:rPr lang="en-US" sz="1400">
-                <a:latin typeface="Calibri"/>
-              </a:rPr>
-              <a:t> </a:t>
-            </a:r>
-          </a:p>
-          <a:p>
-            <a:pPr>
-              <a:buAutoNum type="arabicPlain" startAt="1"/>
-            </a:pPr>
-            <a:r>
-              <a:rPr lang="en-US" sz="1400">
-                <a:latin typeface="Calibri"/>
-              </a:rPr>
-              <a:t>r</a:t>
-            </a:r>
-            <a:r>
-              <a:rPr lang="en-US" sz="1400">
-                <a:latin typeface="Calibri"/>
-              </a:rPr>
-              <a:t> </a:t>
-            </a:r>
-          </a:p>
-          <a:p>
-            <a:pPr>
-              <a:buAutoNum type="arabicPlain" startAt="1"/>
-            </a:pPr>
-            <a:r>
-              <a:rPr lang="en-US" sz="1400">
-                <a:latin typeface="Calibri"/>
-              </a:rPr>
-              <a:t>a</a:t>
-            </a:r>
-            <a:r>
-              <a:rPr lang="en-US" sz="1400">
-                <a:latin typeface="Calibri"/>
-              </a:rPr>
-              <a:t> </a:t>
-            </a:r>
-          </a:p>
-          <a:p>
-            <a:pPr>
-              <a:buAutoNum type="arabicPlain" startAt="1"/>
-            </a:pPr>
-            <a:r>
-              <a:rPr lang="en-US" sz="1400">
-                <a:latin typeface="Calibri"/>
-              </a:rPr>
-              <a:t>s</a:t>
             </a:r>
             <a:r>
               <a:rPr lang="en-US" sz="1400">
@@ -3383,51 +3452,188 @@
           <a:chExt cx="0" cy="0"/>
         </a:xfrm>
       </p:grpSpPr>
-      <p:sp xmlns:r="http://schemas.openxmlformats.org/officeDocument/2006/relationships">
-        <p:nvSpPr>
-          <p:cNvPr id="2" name="Title 1"/>
-          <p:cNvSpPr>
-            <a:spLocks noGrp="1"/>
-          </p:cNvSpPr>
-          <p:nvPr>
-            <p:ph type="title"/>
-          </p:nvPr>
-        </p:nvSpPr>
-        <p:spPr/>
-        <p:txBody>
-          <a:bodyPr/>
-          <a:lstStyle/>
-          <a:p>
-            <a:r>
-              <a:rPr lang="en-US" smtClean="0"/>
-              <a:t>Click to edit Master title style</a:t>
-            </a:r>
-            <a:endParaRPr lang="en-US"/>
-          </a:p>
-        </p:txBody>
-      </p:sp>
-      <p:sp xmlns:r="http://schemas.openxmlformats.org/officeDocument/2006/relationships">
-        <p:nvSpPr>
-          <p:cNvPr id="3" name="Content Placeholder 2"/>
-          <p:cNvSpPr>
-            <a:spLocks noGrp="1"/>
-          </p:cNvSpPr>
-          <p:nvPr>
-            <p:ph idx="1"/>
-          </p:nvPr>
-        </p:nvSpPr>
-        <p:spPr/>
-        <p:txBody>
-          <a:bodyPr/>
-          <a:lstStyle/>
+      <p:sp>
+        <p:nvSpPr>
+          <p:cNvPr name="TextBox 2" id="2"/>
+          <p:cNvSpPr txBox="true"/>
+          <p:nvPr/>
+        </p:nvSpPr>
+        <p:spPr>
+          <a:xfrm>
+            <a:off x="254000" y="254000"/>
+            <a:ext cx="14986000" cy="8890000"/>
+          </a:xfrm>
+          <a:prstGeom prst="rect">
+            <a:avLst/>
+          </a:prstGeom>
+        </p:spPr>
+        <p:txBody>
+          <a:bodyPr anchor="t" rtlCol="false"/>
+          <a:lstStyle/>
+          <a:p>
+            <a:pPr algn="l">
+              <a:defRPr/>
+            </a:pPr>
+            <a:r>
+              <a:rPr lang="en-US"/>
+              <a:t/>
+            </a:r>
+            <a:endParaRPr lang="ru-RU"/>
+          </a:p>
           <a:p>
             <a:pPr>
+              <a:buFont typeface="Arial"/>
+              <a:buChar char="•"/>
+            </a:pPr>
+            <a:r>
+              <a:rPr lang="en-US" sz="1400">
+                <a:latin typeface="Calibri"/>
+              </a:rPr>
+              <a:t>sss</a:t>
+            </a:r>
+            <a:r>
+              <a:rPr lang="en-US" sz="1400">
+                <a:latin typeface="Calibri"/>
+              </a:rPr>
+              <a:t> </a:t>
+            </a:r>
+            <a:r>
+              <a:rPr lang="en-US" sz="1400">
+                <a:latin typeface="Calibri"/>
+              </a:rPr>
+              <a:t> </a:t>
+            </a:r>
+            <a:r>
+              <a:rPr lang="en-US" sz="1400">
+                <a:latin typeface="Calibri"/>
+              </a:rPr>
+              <a:t> </a:t>
+            </a:r>
+          </a:p>
+          <a:p>
+            <a:pPr>
+              <a:buFont typeface="Arial"/>
               <a:buAutoNum type="arabicPlain" startAt="1"/>
+              <a:buChar char="•"/>
             </a:pPr>
             <a:r>
               <a:rPr lang="en-US" sz="1400">
                 <a:latin typeface="Calibri"/>
               </a:rPr>
+              <a:t>q</a:t>
+            </a:r>
+            <a:r>
+              <a:rPr lang="en-US" sz="1400">
+                <a:latin typeface="Calibri"/>
+              </a:rPr>
+              <a:t> </a:t>
+            </a:r>
+          </a:p>
+          <a:p>
+            <a:pPr>
+              <a:buFont typeface="Arial"/>
+              <a:buAutoNum type="arabicPlain" startAt="1"/>
+              <a:buChar char="•"/>
+            </a:pPr>
+            <a:r>
+              <a:rPr lang="en-US" sz="1400">
+                <a:latin typeface="Calibri"/>
+              </a:rPr>
+              <a:t>w</a:t>
+            </a:r>
+            <a:r>
+              <a:rPr lang="en-US" sz="1400">
+                <a:latin typeface="Calibri"/>
+              </a:rPr>
+              <a:t> </a:t>
+            </a:r>
+          </a:p>
+          <a:p>
+            <a:pPr>
+              <a:buFont typeface="Arial"/>
+              <a:buAutoNum type="arabicPlain" startAt="1"/>
+              <a:buChar char="•"/>
+            </a:pPr>
+            <a:r>
+              <a:rPr lang="en-US" sz="1400">
+                <a:latin typeface="Calibri"/>
+              </a:rPr>
+              <a:t>e</a:t>
+            </a:r>
+            <a:r>
+              <a:rPr lang="en-US" sz="1400">
+                <a:latin typeface="Calibri"/>
+              </a:rPr>
+              <a:t> </a:t>
+            </a:r>
+          </a:p>
+          <a:p>
+            <a:pPr>
+              <a:buFont typeface="Arial"/>
+              <a:buAutoNum type="arabicPlain" startAt="1"/>
+              <a:buChar char="•"/>
+            </a:pPr>
+            <a:r>
+              <a:rPr lang="en-US" sz="1400">
+                <a:latin typeface="Calibri"/>
+              </a:rPr>
+              <a:t>r</a:t>
+            </a:r>
+            <a:r>
+              <a:rPr lang="en-US" sz="1400">
+                <a:latin typeface="Calibri"/>
+              </a:rPr>
+              <a:t> </a:t>
+            </a:r>
+          </a:p>
+          <a:p>
+            <a:pPr>
+              <a:buFont typeface="Arial"/>
+              <a:buAutoNum type="arabicPlain" startAt="1"/>
+              <a:buChar char="•"/>
+            </a:pPr>
+            <a:r>
+              <a:rPr lang="en-US" sz="1400">
+                <a:latin typeface="Calibri"/>
+              </a:rPr>
+              <a:t>a</a:t>
+            </a:r>
+            <a:r>
+              <a:rPr lang="en-US" sz="1400">
+                <a:latin typeface="Calibri"/>
+              </a:rPr>
+              <a:t> </a:t>
+            </a:r>
+          </a:p>
+          <a:p>
+            <a:pPr>
+              <a:buFont typeface="Arial"/>
+              <a:buAutoNum type="arabicPlain" startAt="1"/>
+              <a:buChar char="•"/>
+            </a:pPr>
+            <a:r>
+              <a:rPr lang="en-US" sz="1400">
+                <a:latin typeface="Calibri"/>
+              </a:rPr>
+              <a:t>s</a:t>
+            </a:r>
+            <a:r>
+              <a:rPr lang="en-US" sz="1400">
+                <a:latin typeface="Calibri"/>
+              </a:rPr>
+              <a:t> </a:t>
+            </a:r>
+          </a:p>
+          <a:p>
+            <a:pPr>
+              <a:buFont typeface="Arial"/>
+              <a:buAutoNum type="arabicPlain" startAt="1"/>
+              <a:buChar char="•"/>
+            </a:pPr>
+            <a:r>
+              <a:rPr lang="en-US" sz="1400">
+                <a:latin typeface="Calibri"/>
+              </a:rPr>
               <a:t>d</a:t>
             </a:r>
             <a:r>
@@ -3439,7 +3645,9 @@
           </a:p>
           <a:p>
             <a:pPr>
+              <a:buFont typeface="Arial"/>
               <a:buAutoNum type="arabicPlain" startAt="1"/>
+              <a:buChar char="•"/>
             </a:pPr>
             <a:r>
               <a:rPr lang="en-US" sz="1400">
@@ -3456,7 +3664,9 @@
           </a:p>
           <a:p>
             <a:pPr>
+              <a:buFont typeface="Arial"/>
               <a:buAutoNum type="arabicPlain" startAt="1"/>
+              <a:buChar char="•"/>
             </a:pPr>
             <a:r>
               <a:rPr lang="en-US" sz="1400">
@@ -3484,6 +3694,10 @@
             </a:r>
           </a:p>
           <a:p>
+            <a:pPr>
+              <a:buFont typeface="Arial"/>
+              <a:buChar char="•"/>
+            </a:pPr>
             <a:r>
               <a:rPr lang="en-US" sz="1400">
                 <a:latin typeface="Calibri"/>
@@ -3498,6 +3712,10 @@
             </a:r>
           </a:p>
           <a:p>
+            <a:pPr>
+              <a:buFont typeface="Arial"/>
+              <a:buChar char="•"/>
+            </a:pPr>
             <a:r>
               <a:rPr lang="en-US" sz="1400">
                 <a:latin typeface="Calibri"/>
@@ -3516,216 +3734,8 @@
               </a:rPr>
               <a:t> </a:t>
             </a:r>
-            <a:r>
-              <a:rPr lang="en-US" sz="1400">
-                <a:latin typeface="Calibri"/>
-              </a:rPr>
-              <a:t> </a:t>
-            </a:r>
-          </a:p>
-          <a:p>
-            <a:pPr>
-              <a:buAutoNum type="arabicPlain" startAt="1"/>
-            </a:pPr>
-            <a:r>
-              <a:rPr lang="en-US" sz="1400">
-                <a:latin typeface="Calibri"/>
-              </a:rPr>
-              <a:t>q</a:t>
-            </a:r>
-            <a:r>
-              <a:rPr lang="en-US" sz="1400">
-                <a:latin typeface="Calibri"/>
-              </a:rPr>
-              <a:t> </a:t>
-            </a:r>
-          </a:p>
-          <a:p>
-            <a:pPr>
-              <a:buAutoNum type="arabicPlain" startAt="1"/>
-            </a:pPr>
-            <a:r>
-              <a:rPr lang="en-US" sz="1400">
-                <a:latin typeface="Calibri"/>
-              </a:rPr>
-              <a:t>w</a:t>
-            </a:r>
-            <a:r>
-              <a:rPr lang="en-US" sz="1400">
-                <a:latin typeface="Calibri"/>
-              </a:rPr>
-              <a:t> </a:t>
-            </a:r>
-          </a:p>
-          <a:p>
-            <a:pPr>
-              <a:buAutoNum type="arabicPlain" startAt="1"/>
-            </a:pPr>
-            <a:r>
-              <a:rPr lang="en-US" sz="1400">
-                <a:latin typeface="Calibri"/>
-              </a:rPr>
-              <a:t>e</a:t>
-            </a:r>
-            <a:r>
-              <a:rPr lang="en-US" sz="1400">
-                <a:latin typeface="Calibri"/>
-              </a:rPr>
-              <a:t> </a:t>
-            </a:r>
-          </a:p>
-          <a:p>
-            <a:pPr>
-              <a:buAutoNum type="arabicPlain" startAt="1"/>
-            </a:pPr>
-            <a:r>
-              <a:rPr lang="en-US" sz="1400">
-                <a:latin typeface="Calibri"/>
-              </a:rPr>
-              <a:t>r</a:t>
-            </a:r>
-            <a:r>
-              <a:rPr lang="en-US" sz="1400">
-                <a:latin typeface="Calibri"/>
-              </a:rPr>
-              <a:t> </a:t>
-            </a:r>
-          </a:p>
-          <a:p>
-            <a:pPr>
-              <a:buAutoNum type="arabicPlain" startAt="1"/>
-            </a:pPr>
-            <a:r>
-              <a:rPr lang="en-US" sz="1400">
-                <a:latin typeface="Calibri"/>
-              </a:rPr>
-              <a:t>a</a:t>
-            </a:r>
-            <a:r>
-              <a:rPr lang="en-US" sz="1400">
-                <a:latin typeface="Calibri"/>
-              </a:rPr>
-              <a:t> </a:t>
-            </a:r>
-          </a:p>
-          <a:p>
-            <a:pPr>
-              <a:buAutoNum type="arabicPlain" startAt="1"/>
-            </a:pPr>
-            <a:r>
-              <a:rPr lang="en-US" sz="1400">
-                <a:latin typeface="Calibri"/>
-              </a:rPr>
-              <a:t>s</a:t>
-            </a:r>
-            <a:r>
-              <a:rPr lang="en-US" sz="1400">
-                <a:latin typeface="Calibri"/>
-              </a:rPr>
-              <a:t> </a:t>
-            </a:r>
-          </a:p>
-          <a:p>
-            <a:pPr>
-              <a:buAutoNum type="arabicPlain" startAt="1"/>
-            </a:pPr>
-            <a:r>
-              <a:rPr lang="en-US" sz="1400">
-                <a:latin typeface="Calibri"/>
-              </a:rPr>
-              <a:t>d</a:t>
-            </a:r>
-            <a:r>
-              <a:rPr lang="en-US" sz="1400">
-                <a:latin typeface="Calibri"/>
-              </a:rPr>
-              <a:t> </a:t>
-            </a:r>
-          </a:p>
-          <a:p>
-            <a:pPr>
-              <a:buAutoNum type="arabicPlain" startAt="1"/>
-            </a:pPr>
-            <a:r>
-              <a:rPr lang="en-US" sz="1400">
-                <a:latin typeface="Calibri"/>
-              </a:rPr>
-              <a:t>f</a:t>
-            </a:r>
-            <a:r>
-              <a:rPr lang="en-US" sz="1400">
-                <a:latin typeface="Calibri"/>
-              </a:rPr>
-              <a:t> </a:t>
-            </a:r>
-          </a:p>
-          <a:p>
-            <a:pPr>
-              <a:buAutoNum type="arabicPlain" startAt="1"/>
-            </a:pPr>
-            <a:r>
-              <a:rPr lang="en-US" sz="1400">
-                <a:latin typeface="Calibri"/>
-              </a:rPr>
-              <a:t>sss</a:t>
-            </a:r>
-            <a:r>
-              <a:rPr lang="en-US" sz="1400">
-                <a:latin typeface="Calibri"/>
-              </a:rPr>
-              <a:t> </a:t>
-            </a:r>
-            <a:r>
-              <a:rPr lang="en-US" sz="1400">
-                <a:latin typeface="Calibri"/>
-              </a:rPr>
-              <a:t> </a:t>
-            </a:r>
-            <a:r>
-              <a:rPr lang="en-US" sz="1400">
-                <a:latin typeface="Calibri"/>
-              </a:rPr>
-              <a:t> </a:t>
-            </a:r>
-          </a:p>
-          <a:p>
-            <a:r>
-              <a:rPr lang="en-US" sz="1400">
-                <a:latin typeface="Calibri"/>
-              </a:rPr>
-              <a:t>q</a:t>
-            </a:r>
-            <a:r>
-              <a:rPr lang="en-US" sz="1400">
-                <a:latin typeface="Calibri"/>
-              </a:rPr>
-              <a:t> </a:t>
-            </a:r>
-          </a:p>
-          <a:p>
-            <a:r>
-              <a:rPr lang="en-US" sz="1400">
-                <a:latin typeface="Calibri"/>
-              </a:rPr>
-              <a:t>sss</a:t>
-            </a:r>
-            <a:r>
-              <a:rPr lang="en-US" sz="1400">
-                <a:latin typeface="Calibri"/>
-              </a:rPr>
-              <a:t> </a:t>
-            </a:r>
-            <a:r>
-              <a:rPr lang="en-US" sz="1400">
-                <a:latin typeface="Calibri"/>
-              </a:rPr>
-              <a:t> </a:t>
-            </a:r>
-          </a:p>
-          <a:p>
-            <a:pPr>
-              <a:buNone/>
-            </a:pPr>
+          </a:p>
+          <a:p>
             <a:r>
               <a:rPr lang="en-US" sz="1400">
                 <a:latin typeface="Calibri"/>
@@ -3733,74 +3743,7 @@
               <a:t>Centered text</a:t>
             </a:r>
           </a:p>
-        </p:txBody>
-      </p:sp>
-    </p:spTree>
-  </p:cSld>
-  <p:clrMapOvr>
-    <a:masterClrMapping/>
-  </p:clrMapOvr>
-</p:sld>
-</file>
-
-<file path=ppt/slides/slide3.xml><?xml version="1.0" encoding="utf-8"?>
-<p:sld xmlns:p="http://schemas.openxmlformats.org/presentationml/2006/main" xmlns:a="http://schemas.openxmlformats.org/drawingml/2006/main">
-  <p:cSld>
-    <p:spTree>
-      <p:nvGrpSpPr>
-        <p:cNvPr id="1" name=""/>
-        <p:cNvGrpSpPr/>
-        <p:nvPr/>
-      </p:nvGrpSpPr>
-      <p:grpSpPr>
-        <a:xfrm>
-          <a:off x="0" y="0"/>
-          <a:ext cx="0" cy="0"/>
-          <a:chOff x="0" y="0"/>
-          <a:chExt cx="0" cy="0"/>
-        </a:xfrm>
-      </p:grpSpPr>
-      <p:sp xmlns:r="http://schemas.openxmlformats.org/officeDocument/2006/relationships">
-        <p:nvSpPr>
-          <p:cNvPr id="2" name="Title 1"/>
-          <p:cNvSpPr>
-            <a:spLocks noGrp="1"/>
-          </p:cNvSpPr>
-          <p:nvPr>
-            <p:ph type="title"/>
-          </p:nvPr>
-        </p:nvSpPr>
-        <p:spPr/>
-        <p:txBody>
-          <a:bodyPr/>
-          <a:lstStyle/>
-          <a:p>
-            <a:r>
-              <a:rPr lang="en-US" smtClean="0"/>
-              <a:t>Click to edit Master title style</a:t>
-            </a:r>
-            <a:endParaRPr lang="en-US"/>
-          </a:p>
-        </p:txBody>
-      </p:sp>
-      <p:sp xmlns:r="http://schemas.openxmlformats.org/officeDocument/2006/relationships">
-        <p:nvSpPr>
-          <p:cNvPr id="3" name="Content Placeholder 2"/>
-          <p:cNvSpPr>
-            <a:spLocks noGrp="1"/>
-          </p:cNvSpPr>
-          <p:nvPr>
-            <p:ph idx="1"/>
-          </p:nvPr>
-        </p:nvSpPr>
-        <p:spPr/>
-        <p:txBody>
-          <a:bodyPr/>
-          <a:lstStyle/>
-          <a:p>
-            <a:pPr>
-              <a:buNone/>
-            </a:pPr>
+          <a:p>
             <a:r>
               <a:rPr lang="en-US" sz="1400">
                 <a:latin typeface="Calibri"/>
@@ -3848,9 +3791,6 @@
             </a:r>
           </a:p>
           <a:p>
-            <a:pPr>
-              <a:buNone/>
-            </a:pPr>
             <a:r>
               <a:rPr lang="en-US" sz="1400">
                 <a:latin typeface="Calibri"/>
@@ -3868,990 +3808,6 @@
                 <a:latin typeface="Calibri"/>
               </a:rPr>
               <a:t> </a:t>
-            </a:r>
-          </a:p>
-        </p:txBody>
-      </p:sp>
-    </p:spTree>
-  </p:cSld>
-  <p:clrMapOvr>
-    <a:masterClrMapping/>
-  </p:clrMapOvr>
-</p:sld>
-</file>
-
-<file path=ppt/slides/slide4.xml><?xml version="1.0" encoding="utf-8"?>
-<p:sld xmlns:p="http://schemas.openxmlformats.org/presentationml/2006/main" xmlns:a="http://schemas.openxmlformats.org/drawingml/2006/main">
-  <p:cSld>
-    <p:spTree>
-      <p:nvGrpSpPr>
-        <p:cNvPr id="1" name=""/>
-        <p:cNvGrpSpPr/>
-        <p:nvPr/>
-      </p:nvGrpSpPr>
-      <p:grpSpPr>
-        <a:xfrm>
-          <a:off x="0" y="0"/>
-          <a:ext cx="0" cy="0"/>
-          <a:chOff x="0" y="0"/>
-          <a:chExt cx="0" cy="0"/>
-        </a:xfrm>
-      </p:grpSpPr>
-      <p:sp xmlns:r="http://schemas.openxmlformats.org/officeDocument/2006/relationships">
-        <p:nvSpPr>
-          <p:cNvPr id="2" name="Title 1"/>
-          <p:cNvSpPr>
-            <a:spLocks noGrp="1"/>
-          </p:cNvSpPr>
-          <p:nvPr>
-            <p:ph type="title"/>
-          </p:nvPr>
-        </p:nvSpPr>
-        <p:spPr/>
-        <p:txBody>
-          <a:bodyPr/>
-          <a:lstStyle/>
-          <a:p>
-            <a:r>
-              <a:rPr lang="en-US" smtClean="0"/>
-              <a:t>Click to edit Master title style</a:t>
-            </a:r>
-            <a:endParaRPr lang="en-US"/>
-          </a:p>
-        </p:txBody>
-      </p:sp>
-      <p:sp xmlns:r="http://schemas.openxmlformats.org/officeDocument/2006/relationships">
-        <p:nvSpPr>
-          <p:cNvPr id="3" name="Content Placeholder 2"/>
-          <p:cNvSpPr>
-            <a:spLocks noGrp="1"/>
-          </p:cNvSpPr>
-          <p:nvPr>
-            <p:ph idx="1"/>
-          </p:nvPr>
-        </p:nvSpPr>
-        <p:spPr/>
-        <p:txBody>
-          <a:bodyPr/>
-          <a:lstStyle/>
-          <a:p>
-            <a:pPr>
-              <a:buNone/>
-            </a:pPr>
-            <a:r>
-              <a:rPr lang="en-US" sz="1400">
-                <a:latin typeface="Calibri"/>
-              </a:rPr>
-              <a:t>Hello mate! Hello mate! Hello mate! Hello mate! Hello mate! Hello mate! Hello mate! Hello mate! Hello mate!</a:t>
-            </a:r>
-            <a:r>
-              <a:rPr lang="en-US" sz="1400">
-                <a:latin typeface="Calibri"/>
-              </a:rPr>
-              <a:t> </a:t>
-            </a:r>
-          </a:p>
-          <a:p>
-            <a:pPr>
-              <a:buNone/>
-            </a:pPr>
-            <a:r>
-              <a:rPr lang="en-US" sz="1400">
-                <a:latin typeface="Calibri"/>
-              </a:rPr>
-              <a:t>This is </a:t>
-            </a:r>
-            <a:r>
-              <a:rPr lang="en-US" sz="1400" b="true">
-                <a:latin typeface="Calibri"/>
-              </a:rPr>
-              <a:t>bold</a:t>
-            </a:r>
-            <a:r>
-              <a:rPr lang="en-US" sz="1400">
-                <a:latin typeface="Calibri"/>
-              </a:rPr>
-              <a:t> and</a:t>
-            </a:r>
-            <a:r>
-              <a:rPr lang="en-US" sz="1400" u="sng">
-                <a:latin typeface="Calibri"/>
-              </a:rPr>
-              <a:t> underscore</a:t>
-            </a:r>
-            <a:r>
-              <a:rPr lang="en-US" sz="1400">
-                <a:latin typeface="Calibri"/>
-              </a:rPr>
-              <a:t> and</a:t>
-            </a:r>
-            <a:r>
-              <a:rPr lang="en-US" sz="1400" b="true" u="sng">
-                <a:latin typeface="Calibri"/>
-              </a:rPr>
-              <a:t> both</a:t>
-            </a:r>
-            <a:r>
-              <a:rPr lang="en-US" sz="1400">
-                <a:latin typeface="Calibri"/>
-              </a:rPr>
-              <a:t> and </a:t>
-            </a:r>
-            <a:r>
-              <a:rPr lang="en-US" sz="1400" strike="sngStrike">
-                <a:latin typeface="Calibri"/>
-              </a:rPr>
-              <a:t>not true</a:t>
-            </a:r>
-            <a:r>
-              <a:rPr lang="en-US" sz="1400">
-                <a:latin typeface="Calibri"/>
-              </a:rPr>
-              <a:t> false PowerPoint documents are made up of a tree of records. A record may contain either other records (in which case it is a Container), or data (in which case it's an Atom). A record can't hold both. PowerPoint documents don't have one overall container record. Instead, there are a number of different container records to be found at the top level. Any numbers or strings stored in the records are always stored in Little Endian format (least important bytes first). This is the case no matter what platform the file was written on - be that a Little Endian or a Big Endian system. PowerPoint may have Escher (DDF) records embedded in it. These are always held as the children of a PPDrawing record (record type 1036). Escher records have the same format as PowerPoint records. </a:t>
-            </a:r>
-            <a:r>
-              <a:rPr lang="en-US" sz="1400">
-                <a:latin typeface="Calibri"/>
-              </a:rPr>
-              <a:t> </a:t>
-            </a:r>
-          </a:p>
-          <a:p>
-            <a:pPr>
-              <a:buNone/>
-            </a:pPr>
-            <a:r>
-              <a:rPr lang="en-US" sz="1400">
-                <a:latin typeface="Calibri"/>
-              </a:rPr>
-              <a:t> </a:t>
-            </a:r>
-            <a:r>
-              <a:rPr lang="en-US" sz="1400">
-                <a:latin typeface="Calibri"/>
-              </a:rPr>
-              <a:t> </a:t>
-            </a:r>
-            <a:r>
-              <a:rPr lang="en-US" sz="1400">
-                <a:latin typeface="Calibri"/>
-              </a:rPr>
-              <a:t> </a:t>
-            </a:r>
-          </a:p>
-          <a:p>
-            <a:pPr>
-              <a:buNone/>
-            </a:pPr>
-            <a:r>
-              <a:rPr lang="en-US" sz="1400">
-                <a:latin typeface="Calibri"/>
-              </a:rPr>
-              <a:t>Testing list</a:t>
-            </a:r>
-            <a:r>
-              <a:rPr lang="en-US" sz="1400">
-                <a:latin typeface="Calibri"/>
-              </a:rPr>
-              <a:t> </a:t>
-            </a:r>
-          </a:p>
-          <a:p>
-            <a:pPr>
-              <a:buNone/>
-            </a:pPr>
-            <a:r>
-              <a:rPr lang="en-US" sz="1400">
-                <a:latin typeface="Calibri"/>
-              </a:rPr>
-              <a:t> </a:t>
-            </a:r>
-            <a:r>
-              <a:rPr lang="en-US" sz="1400">
-                <a:latin typeface="Calibri"/>
-              </a:rPr>
-              <a:t> </a:t>
-            </a:r>
-            <a:r>
-              <a:rPr lang="en-US" sz="1400">
-                <a:latin typeface="Calibri"/>
-              </a:rPr>
-              <a:t> </a:t>
-            </a:r>
-            <a:r>
-              <a:rPr lang="en-US" sz="1400">
-                <a:latin typeface="Calibri"/>
-              </a:rPr>
-              <a:t> </a:t>
-            </a:r>
-          </a:p>
-          <a:p>
-            <a:pPr>
-              <a:buAutoNum type="arabicPlain" startAt="1"/>
-            </a:pPr>
-            <a:r>
-              <a:rPr lang="en-US" sz="1400">
-                <a:latin typeface="Calibri"/>
-              </a:rPr>
-              <a:t>q</a:t>
-            </a:r>
-            <a:r>
-              <a:rPr lang="en-US" sz="1400">
-                <a:latin typeface="Calibri"/>
-              </a:rPr>
-              <a:t> </a:t>
-            </a:r>
-          </a:p>
-          <a:p>
-            <a:pPr>
-              <a:buAutoNum type="arabicPlain" startAt="1"/>
-            </a:pPr>
-            <a:r>
-              <a:rPr lang="en-US" sz="1400">
-                <a:latin typeface="Calibri"/>
-              </a:rPr>
-              <a:t>w</a:t>
-            </a:r>
-            <a:r>
-              <a:rPr lang="en-US" sz="1400">
-                <a:latin typeface="Calibri"/>
-              </a:rPr>
-              <a:t> </a:t>
-            </a:r>
-          </a:p>
-          <a:p>
-            <a:pPr>
-              <a:buAutoNum type="arabicPlain" startAt="1"/>
-            </a:pPr>
-            <a:r>
-              <a:rPr lang="en-US" sz="1400">
-                <a:latin typeface="Calibri"/>
-              </a:rPr>
-              <a:t>e</a:t>
-            </a:r>
-            <a:r>
-              <a:rPr lang="en-US" sz="1400">
-                <a:latin typeface="Calibri"/>
-              </a:rPr>
-              <a:t> </a:t>
-            </a:r>
-          </a:p>
-          <a:p>
-            <a:pPr>
-              <a:buAutoNum type="arabicPlain" startAt="1"/>
-            </a:pPr>
-            <a:r>
-              <a:rPr lang="en-US" sz="1400">
-                <a:latin typeface="Calibri"/>
-              </a:rPr>
-              <a:t>r</a:t>
-            </a:r>
-            <a:r>
-              <a:rPr lang="en-US" sz="1400">
-                <a:latin typeface="Calibri"/>
-              </a:rPr>
-              <a:t> </a:t>
-            </a:r>
-          </a:p>
-          <a:p>
-            <a:pPr>
-              <a:buAutoNum type="arabicPlain" startAt="1"/>
-            </a:pPr>
-            <a:r>
-              <a:rPr lang="en-US" sz="1400">
-                <a:latin typeface="Calibri"/>
-              </a:rPr>
-              <a:t>a</a:t>
-            </a:r>
-            <a:r>
-              <a:rPr lang="en-US" sz="1400">
-                <a:latin typeface="Calibri"/>
-              </a:rPr>
-              <a:t> </a:t>
-            </a:r>
-          </a:p>
-          <a:p>
-            <a:pPr>
-              <a:buAutoNum type="arabicPlain" startAt="1"/>
-            </a:pPr>
-            <a:r>
-              <a:rPr lang="en-US" sz="1400">
-                <a:latin typeface="Calibri"/>
-              </a:rPr>
-              <a:t>s</a:t>
-            </a:r>
-            <a:r>
-              <a:rPr lang="en-US" sz="1400">
-                <a:latin typeface="Calibri"/>
-              </a:rPr>
-              <a:t> </a:t>
-            </a:r>
-          </a:p>
-        </p:txBody>
-      </p:sp>
-    </p:spTree>
-  </p:cSld>
-  <p:clrMapOvr>
-    <a:masterClrMapping/>
-  </p:clrMapOvr>
-</p:sld>
-</file>
-
-<file path=ppt/slides/slide5.xml><?xml version="1.0" encoding="utf-8"?>
-<p:sld xmlns:p="http://schemas.openxmlformats.org/presentationml/2006/main" xmlns:a="http://schemas.openxmlformats.org/drawingml/2006/main">
-  <p:cSld>
-    <p:spTree>
-      <p:nvGrpSpPr>
-        <p:cNvPr id="1" name=""/>
-        <p:cNvGrpSpPr/>
-        <p:nvPr/>
-      </p:nvGrpSpPr>
-      <p:grpSpPr>
-        <a:xfrm>
-          <a:off x="0" y="0"/>
-          <a:ext cx="0" cy="0"/>
-          <a:chOff x="0" y="0"/>
-          <a:chExt cx="0" cy="0"/>
-        </a:xfrm>
-      </p:grpSpPr>
-      <p:sp xmlns:r="http://schemas.openxmlformats.org/officeDocument/2006/relationships">
-        <p:nvSpPr>
-          <p:cNvPr id="2" name="Title 1"/>
-          <p:cNvSpPr>
-            <a:spLocks noGrp="1"/>
-          </p:cNvSpPr>
-          <p:nvPr>
-            <p:ph type="title"/>
-          </p:nvPr>
-        </p:nvSpPr>
-        <p:spPr/>
-        <p:txBody>
-          <a:bodyPr/>
-          <a:lstStyle/>
-          <a:p>
-            <a:r>
-              <a:rPr lang="en-US" smtClean="0"/>
-              <a:t>Click to edit Master title style</a:t>
-            </a:r>
-            <a:endParaRPr lang="en-US"/>
-          </a:p>
-        </p:txBody>
-      </p:sp>
-      <p:sp xmlns:r="http://schemas.openxmlformats.org/officeDocument/2006/relationships">
-        <p:nvSpPr>
-          <p:cNvPr id="3" name="Content Placeholder 2"/>
-          <p:cNvSpPr>
-            <a:spLocks noGrp="1"/>
-          </p:cNvSpPr>
-          <p:nvPr>
-            <p:ph idx="1"/>
-          </p:nvPr>
-        </p:nvSpPr>
-        <p:spPr/>
-        <p:txBody>
-          <a:bodyPr/>
-          <a:lstStyle/>
-          <a:p>
-            <a:pPr>
-              <a:buAutoNum type="arabicPlain" startAt="1"/>
-            </a:pPr>
-            <a:r>
-              <a:rPr lang="en-US" sz="1400">
-                <a:latin typeface="Calibri"/>
-              </a:rPr>
-              <a:t>d</a:t>
-            </a:r>
-            <a:r>
-              <a:rPr lang="en-US" sz="1400">
-                <a:latin typeface="Calibri"/>
-              </a:rPr>
-              <a:t> </a:t>
-            </a:r>
-          </a:p>
-          <a:p>
-            <a:pPr>
-              <a:buAutoNum type="arabicPlain" startAt="1"/>
-            </a:pPr>
-            <a:r>
-              <a:rPr lang="en-US" sz="1400">
-                <a:latin typeface="Calibri"/>
-              </a:rPr>
-              <a:t>f</a:t>
-            </a:r>
-            <a:r>
-              <a:rPr lang="en-US" sz="1400">
-                <a:latin typeface="Calibri"/>
-              </a:rPr>
-              <a:t> </a:t>
-            </a:r>
-          </a:p>
-          <a:p>
-            <a:pPr>
-              <a:buAutoNum type="arabicPlain" startAt="1"/>
-            </a:pPr>
-            <a:r>
-              <a:rPr lang="en-US" sz="1400">
-                <a:latin typeface="Calibri"/>
-              </a:rPr>
-              <a:t>sss</a:t>
-            </a:r>
-            <a:r>
-              <a:rPr lang="en-US" sz="1400">
-                <a:latin typeface="Calibri"/>
-              </a:rPr>
-              <a:t> </a:t>
-            </a:r>
-            <a:r>
-              <a:rPr lang="en-US" sz="1400">
-                <a:latin typeface="Calibri"/>
-              </a:rPr>
-              <a:t> </a:t>
-            </a:r>
-            <a:r>
-              <a:rPr lang="en-US" sz="1400">
-                <a:latin typeface="Calibri"/>
-              </a:rPr>
-              <a:t> </a:t>
-            </a:r>
-          </a:p>
-          <a:p>
-            <a:r>
-              <a:rPr lang="en-US" sz="1400">
-                <a:latin typeface="Calibri"/>
-              </a:rPr>
-              <a:t>q</a:t>
-            </a:r>
-            <a:r>
-              <a:rPr lang="en-US" sz="1400">
-                <a:latin typeface="Calibri"/>
-              </a:rPr>
-              <a:t> </a:t>
-            </a:r>
-          </a:p>
-          <a:p>
-            <a:r>
-              <a:rPr lang="en-US" sz="1400">
-                <a:latin typeface="Calibri"/>
-              </a:rPr>
-              <a:t>sss</a:t>
-            </a:r>
-            <a:r>
-              <a:rPr lang="en-US" sz="1400">
-                <a:latin typeface="Calibri"/>
-              </a:rPr>
-              <a:t> </a:t>
-            </a:r>
-            <a:r>
-              <a:rPr lang="en-US" sz="1400">
-                <a:latin typeface="Calibri"/>
-              </a:rPr>
-              <a:t> </a:t>
-            </a:r>
-            <a:r>
-              <a:rPr lang="en-US" sz="1400">
-                <a:latin typeface="Calibri"/>
-              </a:rPr>
-              <a:t> </a:t>
-            </a:r>
-          </a:p>
-          <a:p>
-            <a:pPr>
-              <a:buAutoNum type="arabicPlain" startAt="1"/>
-            </a:pPr>
-            <a:r>
-              <a:rPr lang="en-US" sz="1400">
-                <a:latin typeface="Calibri"/>
-              </a:rPr>
-              <a:t>q</a:t>
-            </a:r>
-            <a:r>
-              <a:rPr lang="en-US" sz="1400">
-                <a:latin typeface="Calibri"/>
-              </a:rPr>
-              <a:t> </a:t>
-            </a:r>
-          </a:p>
-          <a:p>
-            <a:pPr>
-              <a:buAutoNum type="arabicPlain" startAt="1"/>
-            </a:pPr>
-            <a:r>
-              <a:rPr lang="en-US" sz="1400">
-                <a:latin typeface="Calibri"/>
-              </a:rPr>
-              <a:t>w</a:t>
-            </a:r>
-            <a:r>
-              <a:rPr lang="en-US" sz="1400">
-                <a:latin typeface="Calibri"/>
-              </a:rPr>
-              <a:t> </a:t>
-            </a:r>
-          </a:p>
-          <a:p>
-            <a:pPr>
-              <a:buAutoNum type="arabicPlain" startAt="1"/>
-            </a:pPr>
-            <a:r>
-              <a:rPr lang="en-US" sz="1400">
-                <a:latin typeface="Calibri"/>
-              </a:rPr>
-              <a:t>e</a:t>
-            </a:r>
-            <a:r>
-              <a:rPr lang="en-US" sz="1400">
-                <a:latin typeface="Calibri"/>
-              </a:rPr>
-              <a:t> </a:t>
-            </a:r>
-          </a:p>
-          <a:p>
-            <a:pPr>
-              <a:buAutoNum type="arabicPlain" startAt="1"/>
-            </a:pPr>
-            <a:r>
-              <a:rPr lang="en-US" sz="1400">
-                <a:latin typeface="Calibri"/>
-              </a:rPr>
-              <a:t>r</a:t>
-            </a:r>
-            <a:r>
-              <a:rPr lang="en-US" sz="1400">
-                <a:latin typeface="Calibri"/>
-              </a:rPr>
-              <a:t> </a:t>
-            </a:r>
-          </a:p>
-          <a:p>
-            <a:pPr>
-              <a:buAutoNum type="arabicPlain" startAt="1"/>
-            </a:pPr>
-            <a:r>
-              <a:rPr lang="en-US" sz="1400">
-                <a:latin typeface="Calibri"/>
-              </a:rPr>
-              <a:t>a</a:t>
-            </a:r>
-            <a:r>
-              <a:rPr lang="en-US" sz="1400">
-                <a:latin typeface="Calibri"/>
-              </a:rPr>
-              <a:t> </a:t>
-            </a:r>
-          </a:p>
-          <a:p>
-            <a:pPr>
-              <a:buAutoNum type="arabicPlain" startAt="1"/>
-            </a:pPr>
-            <a:r>
-              <a:rPr lang="en-US" sz="1400">
-                <a:latin typeface="Calibri"/>
-              </a:rPr>
-              <a:t>s</a:t>
-            </a:r>
-            <a:r>
-              <a:rPr lang="en-US" sz="1400">
-                <a:latin typeface="Calibri"/>
-              </a:rPr>
-              <a:t> </a:t>
-            </a:r>
-          </a:p>
-          <a:p>
-            <a:pPr>
-              <a:buAutoNum type="arabicPlain" startAt="1"/>
-            </a:pPr>
-            <a:r>
-              <a:rPr lang="en-US" sz="1400">
-                <a:latin typeface="Calibri"/>
-              </a:rPr>
-              <a:t>d</a:t>
-            </a:r>
-            <a:r>
-              <a:rPr lang="en-US" sz="1400">
-                <a:latin typeface="Calibri"/>
-              </a:rPr>
-              <a:t> </a:t>
-            </a:r>
-          </a:p>
-          <a:p>
-            <a:pPr>
-              <a:buAutoNum type="arabicPlain" startAt="1"/>
-            </a:pPr>
-            <a:r>
-              <a:rPr lang="en-US" sz="1400">
-                <a:latin typeface="Calibri"/>
-              </a:rPr>
-              <a:t>f</a:t>
-            </a:r>
-            <a:r>
-              <a:rPr lang="en-US" sz="1400">
-                <a:latin typeface="Calibri"/>
-              </a:rPr>
-              <a:t> </a:t>
-            </a:r>
-          </a:p>
-          <a:p>
-            <a:pPr>
-              <a:buAutoNum type="arabicPlain" startAt="1"/>
-            </a:pPr>
-            <a:r>
-              <a:rPr lang="en-US" sz="1400">
-                <a:latin typeface="Calibri"/>
-              </a:rPr>
-              <a:t>sss</a:t>
-            </a:r>
-            <a:r>
-              <a:rPr lang="en-US" sz="1400">
-                <a:latin typeface="Calibri"/>
-              </a:rPr>
-              <a:t> </a:t>
-            </a:r>
-            <a:r>
-              <a:rPr lang="en-US" sz="1400">
-                <a:latin typeface="Calibri"/>
-              </a:rPr>
-              <a:t> </a:t>
-            </a:r>
-            <a:r>
-              <a:rPr lang="en-US" sz="1400">
-                <a:latin typeface="Calibri"/>
-              </a:rPr>
-              <a:t> </a:t>
-            </a:r>
-          </a:p>
-          <a:p>
-            <a:r>
-              <a:rPr lang="en-US" sz="1400">
-                <a:latin typeface="Calibri"/>
-              </a:rPr>
-              <a:t>q</a:t>
-            </a:r>
-            <a:r>
-              <a:rPr lang="en-US" sz="1400">
-                <a:latin typeface="Calibri"/>
-              </a:rPr>
-              <a:t> </a:t>
-            </a:r>
-          </a:p>
-          <a:p>
-            <a:r>
-              <a:rPr lang="en-US" sz="1400">
-                <a:latin typeface="Calibri"/>
-              </a:rPr>
-              <a:t>sss</a:t>
-            </a:r>
-            <a:r>
-              <a:rPr lang="en-US" sz="1400">
-                <a:latin typeface="Calibri"/>
-              </a:rPr>
-              <a:t> </a:t>
-            </a:r>
-            <a:r>
-              <a:rPr lang="en-US" sz="1400">
-                <a:latin typeface="Calibri"/>
-              </a:rPr>
-              <a:t> </a:t>
-            </a:r>
-          </a:p>
-          <a:p>
-            <a:pPr>
-              <a:buNone/>
-            </a:pPr>
-            <a:r>
-              <a:rPr lang="en-US" sz="1400">
-                <a:latin typeface="Calibri"/>
-              </a:rPr>
-              <a:t>Centered text</a:t>
-            </a:r>
-          </a:p>
-        </p:txBody>
-      </p:sp>
-    </p:spTree>
-  </p:cSld>
-  <p:clrMapOvr>
-    <a:masterClrMapping/>
-  </p:clrMapOvr>
-</p:sld>
-</file>
-
-<file path=ppt/slides/slide6.xml><?xml version="1.0" encoding="utf-8"?>
-<p:sld xmlns:p="http://schemas.openxmlformats.org/presentationml/2006/main" xmlns:a="http://schemas.openxmlformats.org/drawingml/2006/main">
-  <p:cSld>
-    <p:spTree>
-      <p:nvGrpSpPr>
-        <p:cNvPr id="1" name=""/>
-        <p:cNvGrpSpPr/>
-        <p:nvPr/>
-      </p:nvGrpSpPr>
-      <p:grpSpPr>
-        <a:xfrm>
-          <a:off x="0" y="0"/>
-          <a:ext cx="0" cy="0"/>
-          <a:chOff x="0" y="0"/>
-          <a:chExt cx="0" cy="0"/>
-        </a:xfrm>
-      </p:grpSpPr>
-      <p:sp xmlns:r="http://schemas.openxmlformats.org/officeDocument/2006/relationships">
-        <p:nvSpPr>
-          <p:cNvPr id="2" name="Title 1"/>
-          <p:cNvSpPr>
-            <a:spLocks noGrp="1"/>
-          </p:cNvSpPr>
-          <p:nvPr>
-            <p:ph type="title"/>
-          </p:nvPr>
-        </p:nvSpPr>
-        <p:spPr/>
-        <p:txBody>
-          <a:bodyPr/>
-          <a:lstStyle/>
-          <a:p>
-            <a:r>
-              <a:rPr lang="en-US" smtClean="0"/>
-              <a:t>Click to edit Master title style</a:t>
-            </a:r>
-            <a:endParaRPr lang="en-US"/>
-          </a:p>
-        </p:txBody>
-      </p:sp>
-      <p:sp xmlns:r="http://schemas.openxmlformats.org/officeDocument/2006/relationships">
-        <p:nvSpPr>
-          <p:cNvPr id="3" name="Content Placeholder 2"/>
-          <p:cNvSpPr>
-            <a:spLocks noGrp="1"/>
-          </p:cNvSpPr>
-          <p:nvPr>
-            <p:ph idx="1"/>
-          </p:nvPr>
-        </p:nvSpPr>
-        <p:spPr/>
-        <p:txBody>
-          <a:bodyPr/>
-          <a:lstStyle/>
-          <a:p>
-            <a:pPr>
-              <a:buNone/>
-            </a:pPr>
-            <a:r>
-              <a:rPr lang="en-US" sz="1400">
-                <a:latin typeface="Calibri"/>
-              </a:rPr>
-              <a:t>Color </a:t>
-            </a:r>
-            <a:r>
-              <a:rPr lang="en-US" sz="1400">
-                <a:solidFill>
-                  <a:srgbClr val="E60000"/>
-                </a:solidFill>
-                <a:latin typeface="Calibri"/>
-              </a:rPr>
-              <a:t>red</a:t>
-            </a:r>
-            <a:r>
-              <a:rPr lang="en-US" sz="1400">
-                <a:latin typeface="Calibri"/>
-              </a:rPr>
-              <a:t>,</a:t>
-            </a:r>
-            <a:r>
-              <a:rPr lang="en-US" sz="1400">
-                <a:solidFill>
-                  <a:srgbClr val="0066CC"/>
-                </a:solidFill>
-                <a:latin typeface="Calibri"/>
-              </a:rPr>
-              <a:t> blue</a:t>
-            </a:r>
-            <a:r>
-              <a:rPr lang="en-US" sz="1400">
-                <a:latin typeface="Calibri"/>
-              </a:rPr>
-              <a:t>, </a:t>
-            </a:r>
-            <a:r>
-              <a:rPr lang="en-US" sz="1400">
-                <a:solidFill>
-                  <a:srgbClr val="EBD6FF"/>
-                </a:solidFill>
-                <a:latin typeface="Calibri"/>
-              </a:rPr>
-              <a:t>strange</a:t>
-            </a:r>
-          </a:p>
-          <a:p>
-            <a:pPr>
-              <a:buNone/>
-            </a:pPr>
-            <a:r>
-              <a:rPr lang="en-US" sz="1400">
-                <a:latin typeface="Calibri"/>
-              </a:rPr>
-              <a:t> </a:t>
-            </a:r>
-            <a:r>
-              <a:rPr lang="en-US" sz="1400">
-                <a:latin typeface="Calibri"/>
-              </a:rPr>
-              <a:t>And highlight</a:t>
-            </a:r>
-            <a:r>
-              <a:rPr lang="en-US" sz="1400">
-                <a:latin typeface="Calibri"/>
-              </a:rPr>
-              <a:t> </a:t>
-            </a:r>
-          </a:p>
-        </p:txBody>
-      </p:sp>
-    </p:spTree>
-  </p:cSld>
-  <p:clrMapOvr>
-    <a:masterClrMapping/>
-  </p:clrMapOvr>
-</p:sld>
-</file>
-
-<file path=ppt/slides/slide7.xml><?xml version="1.0" encoding="utf-8"?>
-<p:sld xmlns:p="http://schemas.openxmlformats.org/presentationml/2006/main" xmlns:a="http://schemas.openxmlformats.org/drawingml/2006/main">
-  <p:cSld>
-    <p:spTree>
-      <p:nvGrpSpPr>
-        <p:cNvPr id="1" name=""/>
-        <p:cNvGrpSpPr/>
-        <p:nvPr/>
-      </p:nvGrpSpPr>
-      <p:grpSpPr>
-        <a:xfrm>
-          <a:off x="0" y="0"/>
-          <a:ext cx="0" cy="0"/>
-          <a:chOff x="0" y="0"/>
-          <a:chExt cx="0" cy="0"/>
-        </a:xfrm>
-      </p:grpSpPr>
-      <p:sp xmlns:r="http://schemas.openxmlformats.org/officeDocument/2006/relationships">
-        <p:nvSpPr>
-          <p:cNvPr id="2" name="Title 1"/>
-          <p:cNvSpPr>
-            <a:spLocks noGrp="1"/>
-          </p:cNvSpPr>
-          <p:nvPr>
-            <p:ph type="title"/>
-          </p:nvPr>
-        </p:nvSpPr>
-        <p:spPr/>
-        <p:txBody>
-          <a:bodyPr/>
-          <a:lstStyle/>
-          <a:p>
-            <a:r>
-              <a:rPr lang="en-US" smtClean="0"/>
-              <a:t>Click to edit Master title style</a:t>
-            </a:r>
-            <a:endParaRPr lang="en-US"/>
-          </a:p>
-        </p:txBody>
-      </p:sp>
-      <p:sp xmlns:r="http://schemas.openxmlformats.org/officeDocument/2006/relationships">
-        <p:nvSpPr>
-          <p:cNvPr id="3" name="Content Placeholder 2"/>
-          <p:cNvSpPr>
-            <a:spLocks noGrp="1"/>
-          </p:cNvSpPr>
-          <p:nvPr>
-            <p:ph idx="1"/>
-          </p:nvPr>
-        </p:nvSpPr>
-        <p:spPr/>
-        <p:txBody>
-          <a:bodyPr/>
-          <a:lstStyle/>
-          <a:p>
-            <a:pPr>
-              <a:buNone/>
-            </a:pPr>
-            <a:r>
-              <a:rPr lang="en-US" sz="1400" b="true" u="sng">
-                <a:latin typeface="Calibri"/>
-              </a:rPr>
-              <a:t> both</a:t>
-            </a:r>
-          </a:p>
-        </p:txBody>
-      </p:sp>
-    </p:spTree>
-  </p:cSld>
-  <p:clrMapOvr>
-    <a:masterClrMapping/>
-  </p:clrMapOvr>
-</p:sld>
-</file>
-
-<file path=ppt/slides/slide8.xml><?xml version="1.0" encoding="utf-8"?>
-<p:sld xmlns:p="http://schemas.openxmlformats.org/presentationml/2006/main" xmlns:a="http://schemas.openxmlformats.org/drawingml/2006/main">
-  <p:cSld>
-    <p:spTree>
-      <p:nvGrpSpPr>
-        <p:cNvPr id="1" name=""/>
-        <p:cNvGrpSpPr/>
-        <p:nvPr/>
-      </p:nvGrpSpPr>
-      <p:grpSpPr>
-        <a:xfrm>
-          <a:off x="0" y="0"/>
-          <a:ext cx="0" cy="0"/>
-          <a:chOff x="0" y="0"/>
-          <a:chExt cx="0" cy="0"/>
-        </a:xfrm>
-      </p:grpSpPr>
-      <p:sp xmlns:r="http://schemas.openxmlformats.org/officeDocument/2006/relationships">
-        <p:nvSpPr>
-          <p:cNvPr id="2" name="Title 1"/>
-          <p:cNvSpPr>
-            <a:spLocks noGrp="1"/>
-          </p:cNvSpPr>
-          <p:nvPr>
-            <p:ph type="title"/>
-          </p:nvPr>
-        </p:nvSpPr>
-        <p:spPr/>
-        <p:txBody>
-          <a:bodyPr/>
-          <a:lstStyle/>
-          <a:p>
-            <a:r>
-              <a:rPr lang="en-US" smtClean="0"/>
-              <a:t>Click to edit Master title style</a:t>
-            </a:r>
-            <a:endParaRPr lang="en-US"/>
-          </a:p>
-        </p:txBody>
-      </p:sp>
-      <p:sp xmlns:r="http://schemas.openxmlformats.org/officeDocument/2006/relationships">
-        <p:nvSpPr>
-          <p:cNvPr id="3" name="Content Placeholder 2"/>
-          <p:cNvSpPr>
-            <a:spLocks noGrp="1"/>
-          </p:cNvSpPr>
-          <p:nvPr>
-            <p:ph idx="1"/>
-          </p:nvPr>
-        </p:nvSpPr>
-        <p:spPr/>
-        <p:txBody>
-          <a:bodyPr/>
-          <a:lstStyle/>
-          <a:p>
-            <a:pPr>
-              <a:buNone/>
-            </a:pPr>
-            <a:r>
-              <a:rPr lang="en-US" sz="1400" u="sng" b="true">
-                <a:solidFill>
-                  <a:srgbClr val="00FF00"/>
-                </a:solidFill>
-                <a:latin typeface="Calibri"/>
-              </a:rPr>
-              <a:t>That`s all, folks!</a:t>
             </a:r>
           </a:p>
         </p:txBody>

--- a/html-to-ppt/TextFormat.pptx
+++ b/html-to-ppt/TextFormat.pptx
@@ -3069,7 +3069,7 @@
         <p:spPr>
           <a:xfrm>
             <a:off x="254000" y="254000"/>
-            <a:ext cx="14986000" cy="8890000"/>
+            <a:ext cx="6350000" cy="952500"/>
           </a:xfrm>
           <a:prstGeom prst="rect">
             <a:avLst/>
@@ -3083,10 +3083,86 @@
               <a:defRPr/>
             </a:pPr>
             <a:r>
-              <a:rPr lang="en-US"/>
+              <a:rPr lang="ru-RU"/>
               <a:t/>
             </a:r>
-            <a:endParaRPr lang="ru-RU"/>
+            <a:r>
+              <a:rPr lang="en-US" sz="1400" b="true">
+                <a:latin typeface="Calibri"/>
+              </a:rPr>
+              <a:t>Project name: </a:t>
+            </a:r>
+            <a:r>
+              <a:rPr lang="en-US" sz="1400">
+                <a:latin typeface="Calibri"/>
+              </a:rPr>
+              <a:t>Project Pineapple</a:t>
+            </a:r>
+            <a:br>
+              <a:rPr lang="en-US" sz="1400">
+                <a:latin typeface="Calibri"/>
+              </a:rPr>
+            </a:br>
+            <a:r>
+              <a:rPr lang="en-US" sz="1400" b="true">
+                <a:latin typeface="Calibri"/>
+              </a:rPr>
+              <a:t>Project manager: </a:t>
+            </a:r>
+            <a:r>
+              <a:rPr lang="en-US" sz="1400">
+                <a:latin typeface="Calibri"/>
+              </a:rPr>
+              <a:t>IKSANOV Aleksandr</a:t>
+            </a:r>
+            <a:br>
+              <a:rPr lang="en-US" sz="1400">
+                <a:latin typeface="Calibri"/>
+              </a:rPr>
+            </a:br>
+            <a:r>
+              <a:rPr lang="en-US" sz="1400" b="true">
+                <a:latin typeface="Calibri"/>
+              </a:rPr>
+              <a:t>Last Updated: </a:t>
+            </a:r>
+            <a:r>
+              <a:rPr lang="en-US" sz="1400">
+                <a:latin typeface="Calibri"/>
+              </a:rPr>
+              <a:t>2020-04-08</a:t>
+            </a:r>
+            <a:endParaRPr lang="en-US" sz="1100"/>
+          </a:p>
+        </p:txBody>
+      </p:sp>
+      <p:sp>
+        <p:nvSpPr>
+          <p:cNvPr name="TextBox 3" id="3"/>
+          <p:cNvSpPr txBox="true"/>
+          <p:nvPr/>
+        </p:nvSpPr>
+        <p:spPr>
+          <a:xfrm>
+            <a:off x="254000" y="901700"/>
+            <a:ext cx="15748000" cy="8382000"/>
+          </a:xfrm>
+          <a:prstGeom prst="rect">
+            <a:avLst/>
+          </a:prstGeom>
+        </p:spPr>
+        <p:txBody>
+          <a:bodyPr anchor="t" rtlCol="false"/>
+          <a:lstStyle/>
+          <a:p>
+            <a:pPr algn="l">
+              <a:defRPr/>
+            </a:pPr>
+            <a:r>
+              <a:rPr lang="ru-RU"/>
+              <a:t/>
+            </a:r>
+            <a:endParaRPr lang="en-US" sz="1100"/>
           </a:p>
           <a:p>
             <a:r>
@@ -3155,7 +3231,7 @@
               <a:rPr lang="en-US" sz="1400">
                 <a:latin typeface="Calibri"/>
               </a:rPr>
-              <a:t> false PowerPoint documents are made up of a tree of records. A record may contain either other records (in which case it is a Container), or data (in which case it's an Atom). A record can't hold both. PowerPoint documents don't have one overall container record. Instead, there are a number of different container records to be found at the top level. Any numbers or strings stored in the records are always stored in Little Endian format (least important bytes first). This is the case no matter what platform the file was written on - be that a Little Endian or a Big Endian system. PowerPoint may have Escher (DDF) records embedded in it. These are always held as the children of a PPDrawing record (record type 1036). Escher records have the same format as PowerPoint records. </a:t>
+              <a:t> false </a:t>
             </a:r>
             <a:r>
               <a:rPr lang="en-US" sz="1400">
@@ -3169,14 +3245,36 @@
               <a:rPr lang="en-US" sz="1400">
                 <a:latin typeface="Calibri"/>
               </a:rPr>
+              <a:t> PowerPoint documents are made up of a tree of records. A record may contain either other records (in which case it is a Container), or data (in which case it's an Atom). A record can't hold both. PowerPoint documents don't have one overall container record. Instead, there are a number of different container records to be found at the top level. Any numbers or strings stored in the records are always stored in Little Endian format (least important bytes first). This is the case no matter what platform the file was written on - be that a Little Endian or a Big Endian system. PowerPoint may have Escher (DDF) records embedded in it. These are always held as the children of a PPDrawing record (record type 1036). Escher records have the same format as PowerPoint records. Hello mate! Hello mate! Hello mate! Hello mate! Hello mate! Hello mate! Hello mate! Hello mate! Hello mate! This is bold and underscore and both and not true false PowerPoint documents are made up of a tree of records. A record may contain either other records (in which case it is a Container), or data (in which case it's an Atom). A record can't hold both. PowerPoint documents don't have one overall container record. Instead, there are a number of different container records to be found at the top level. Any numbers or strings stored in the records are always stored in Little Endian format (least important bytes first). This is the case no matter what platform the file was written on - be that a Little Endian or a Big Endian system. PowerPoint may have Escher (DDF) records embedded in it. These are always held as the children of a PPDrawing record (record type 1036). Escher records have the same format as PowerPoint records. Hello mate! Hello mate! Hello mate! Hello mate! Hello mate! Hello mate! Hello mate! Hello mate! Hello mate! This is bold and underscore and both and not true false PowerPoint documents are made up of a tree of records. A record may contain either other records (in which case it is a Container), or data (in which case it's an Atom). A record can't hold both. PowerPoint documents don't have one overall container record </a:t>
+            </a:r>
+            <a:r>
+              <a:rPr lang="en-US" sz="1400">
+                <a:latin typeface="Calibri"/>
+              </a:rPr>
               <a:t> </a:t>
             </a:r>
+          </a:p>
+          <a:p>
+            <a:r>
+              <a:rPr lang="en-US" sz="1400">
+                <a:latin typeface="Calibri"/>
+              </a:rPr>
+              <a:t> PowerPoint documents are made up of a tree of records. A record may contain either other records (in which case it is a Container), or data (in which case it's an Atom). A record can't hold both. PowerPoint documents don't have one overall container record. Instead, there are a number of different container records to be found at the top level. Any numbers or strings stored in the records are always stored in Little Endian format (least important bytes first). This is the case no matter what platform the file was written on - be that a Little Endian or a Big Endian system. PowerPoint may have Escher (DDF) records embedded in it. These are always held as the children of a PPDrawing record (record type 1036). Escher records have the same format as PowerPoint records. Hello mate! Hello mate! Hello mate! Hello mate! Hello mate! Hello mate! Hello mate! Hello mate! Hello mate! This is bold and underscore and both and not true false PowerPoint documents are made up of a tree of records. A record may contain either other records (in which case it is a Container), or data (in which case it's an Atom). A record can't hold both. PowerPoint documents don't have one overall container record. Instead, there are a number of different container records to be found at the top level. Any numbers or strings stored in the records are always stored in Little Endian format (least important bytes first). This is the case no matter what platform the file was written on - be that a Little Endian or a Big Endian system. PowerPoint may have Escher (DDF) records embedded in it. These are always held as the children of a PPDrawing record (record type 1036). Escher records have the same format as PowerPoint records. Hello mate! Hello mate! Hello mate! Hello mate! Hello mate! Hello mate! Hello mate! Hello mate! Hello mate! This is bold and underscore and both and not true false PowerPoint documents are made up of a tree of records. A record may contain either other records (in which case it is a Container), or data (in which case it's an Atom). A record can't hold both. PowerPoint documents don't have one overall container record </a:t>
+            </a:r>
             <a:r>
               <a:rPr lang="en-US" sz="1400">
                 <a:latin typeface="Calibri"/>
               </a:rPr>
               <a:t> </a:t>
             </a:r>
+          </a:p>
+          <a:p>
+            <a:r>
+              <a:rPr lang="en-US" sz="1400">
+                <a:latin typeface="Calibri"/>
+              </a:rPr>
+              <a:t> PowerPoint documents are made up of a tree of records. A record may contain either other records (in which case it is a Container), or data (in which case it's an Atom). A record can't hold both. PowerPoint documents don't have one overall container record. Instead, there are a number of different container records to be found at the top level. Any numbers or strings stored in the records are always stored in Little Endian format (least important bytes first). This is the case no matter what platform the file was written on - be that a Little Endian or a Big Endian system. PowerPoint may have Escher (DDF) records embedded in it. These are always held as the children of a PPDrawing record (record type 1036). Escher records have the same format as PowerPoint records. Hello mate! Hello mate! Hello mate! Hello mate! Hello mate! Hello mate! Hello mate! Hello mate! Hello mate! This is bold and underscore and both and not true false PowerPoint documents are made up of a tree of records. A record may contain either other records (in which case it is a Container), or data (in which case it's an Atom). A record can't hold both. PowerPoint documents don't have one overall container record. Instead, there are a number of different container records to be found at the top level. Any numbers or strings stored in the records are always stored in Little Endian format (least important bytes first). This is the case no matter what platform the file was written on - be that a Little Endian or a Big Endian system. PowerPoint may have Escher (DDF) records embedded in it. These are always held as the children of a PPDrawing record (record type 1036). Escher records have the same format as PowerPoint records. Hello mate! Hello mate! Hello mate! Hello mate! Hello mate! Hello mate! Hello mate! Hello mate! Hello mate! This is bold and underscore and both and not true false PowerPoint documents are made up of a tree of records. A record may contain either other records (in which case it is a Container), or data (in which case it's an Atom). A record can't hold both. PowerPoint documents don't have one overall container record </a:t>
+            </a:r>
             <a:r>
               <a:rPr lang="en-US" sz="1400">
                 <a:latin typeface="Calibri"/>
@@ -3189,6 +3287,26 @@
               <a:rPr lang="en-US" sz="1400">
                 <a:latin typeface="Calibri"/>
               </a:rPr>
+              <a:t> </a:t>
+            </a:r>
+            <a:r>
+              <a:rPr lang="en-US" sz="1400">
+                <a:latin typeface="Calibri"/>
+              </a:rPr>
+              <a:t> </a:t>
+            </a:r>
+            <a:r>
+              <a:rPr lang="en-US" sz="1400">
+                <a:latin typeface="Calibri"/>
+              </a:rPr>
+              <a:t> </a:t>
+            </a:r>
+          </a:p>
+          <a:p>
+            <a:r>
+              <a:rPr lang="en-US" sz="1400">
+                <a:latin typeface="Calibri"/>
+              </a:rPr>
               <a:t>Testing list</a:t>
             </a:r>
             <a:r>
@@ -3204,189 +3322,6 @@
                 <a:latin typeface="Calibri"/>
               </a:rPr>
               <a:t> </a:t>
-            </a:r>
-            <a:r>
-              <a:rPr lang="en-US" sz="1400">
-                <a:latin typeface="Calibri"/>
-              </a:rPr>
-              <a:t> </a:t>
-            </a:r>
-            <a:r>
-              <a:rPr lang="en-US" sz="1400">
-                <a:latin typeface="Calibri"/>
-              </a:rPr>
-              <a:t> </a:t>
-            </a:r>
-            <a:r>
-              <a:rPr lang="en-US" sz="1400">
-                <a:latin typeface="Calibri"/>
-              </a:rPr>
-              <a:t> </a:t>
-            </a:r>
-          </a:p>
-          <a:p>
-            <a:pPr>
-              <a:buFont typeface="Arial"/>
-              <a:buAutoNum type="arabicPlain" startAt="1"/>
-              <a:buChar char="•"/>
-            </a:pPr>
-            <a:r>
-              <a:rPr lang="en-US" sz="1400">
-                <a:latin typeface="Calibri"/>
-              </a:rPr>
-              <a:t>q</a:t>
-            </a:r>
-            <a:r>
-              <a:rPr lang="en-US" sz="1400">
-                <a:latin typeface="Calibri"/>
-              </a:rPr>
-              <a:t> </a:t>
-            </a:r>
-          </a:p>
-          <a:p>
-            <a:pPr>
-              <a:buFont typeface="Arial"/>
-              <a:buAutoNum type="arabicPlain" startAt="1"/>
-              <a:buChar char="•"/>
-            </a:pPr>
-            <a:r>
-              <a:rPr lang="en-US" sz="1400">
-                <a:latin typeface="Calibri"/>
-              </a:rPr>
-              <a:t>w</a:t>
-            </a:r>
-            <a:r>
-              <a:rPr lang="en-US" sz="1400">
-                <a:latin typeface="Calibri"/>
-              </a:rPr>
-              <a:t> </a:t>
-            </a:r>
-          </a:p>
-          <a:p>
-            <a:pPr>
-              <a:buFont typeface="Arial"/>
-              <a:buAutoNum type="arabicPlain" startAt="1"/>
-              <a:buChar char="•"/>
-            </a:pPr>
-            <a:r>
-              <a:rPr lang="en-US" sz="1400">
-                <a:latin typeface="Calibri"/>
-              </a:rPr>
-              <a:t>e</a:t>
-            </a:r>
-            <a:r>
-              <a:rPr lang="en-US" sz="1400">
-                <a:latin typeface="Calibri"/>
-              </a:rPr>
-              <a:t> </a:t>
-            </a:r>
-          </a:p>
-          <a:p>
-            <a:pPr>
-              <a:buFont typeface="Arial"/>
-              <a:buAutoNum type="arabicPlain" startAt="1"/>
-              <a:buChar char="•"/>
-            </a:pPr>
-            <a:r>
-              <a:rPr lang="en-US" sz="1400">
-                <a:latin typeface="Calibri"/>
-              </a:rPr>
-              <a:t>r</a:t>
-            </a:r>
-            <a:r>
-              <a:rPr lang="en-US" sz="1400">
-                <a:latin typeface="Calibri"/>
-              </a:rPr>
-              <a:t> </a:t>
-            </a:r>
-          </a:p>
-          <a:p>
-            <a:pPr>
-              <a:buFont typeface="Arial"/>
-              <a:buAutoNum type="arabicPlain" startAt="1"/>
-              <a:buChar char="•"/>
-            </a:pPr>
-            <a:r>
-              <a:rPr lang="en-US" sz="1400">
-                <a:latin typeface="Calibri"/>
-              </a:rPr>
-              <a:t>a</a:t>
-            </a:r>
-            <a:r>
-              <a:rPr lang="en-US" sz="1400">
-                <a:latin typeface="Calibri"/>
-              </a:rPr>
-              <a:t> </a:t>
-            </a:r>
-          </a:p>
-          <a:p>
-            <a:pPr>
-              <a:buFont typeface="Arial"/>
-              <a:buAutoNum type="arabicPlain" startAt="1"/>
-              <a:buChar char="•"/>
-            </a:pPr>
-            <a:r>
-              <a:rPr lang="en-US" sz="1400">
-                <a:latin typeface="Calibri"/>
-              </a:rPr>
-              <a:t>s</a:t>
-            </a:r>
-            <a:r>
-              <a:rPr lang="en-US" sz="1400">
-                <a:latin typeface="Calibri"/>
-              </a:rPr>
-              <a:t> </a:t>
-            </a:r>
-          </a:p>
-          <a:p>
-            <a:pPr>
-              <a:buFont typeface="Arial"/>
-              <a:buAutoNum type="arabicPlain" startAt="1"/>
-              <a:buChar char="•"/>
-            </a:pPr>
-            <a:r>
-              <a:rPr lang="en-US" sz="1400">
-                <a:latin typeface="Calibri"/>
-              </a:rPr>
-              <a:t>d</a:t>
-            </a:r>
-            <a:r>
-              <a:rPr lang="en-US" sz="1400">
-                <a:latin typeface="Calibri"/>
-              </a:rPr>
-              <a:t> </a:t>
-            </a:r>
-          </a:p>
-          <a:p>
-            <a:pPr>
-              <a:buFont typeface="Arial"/>
-              <a:buAutoNum type="arabicPlain" startAt="1"/>
-              <a:buChar char="•"/>
-            </a:pPr>
-            <a:r>
-              <a:rPr lang="en-US" sz="1400">
-                <a:latin typeface="Calibri"/>
-              </a:rPr>
-              <a:t>f</a:t>
-            </a:r>
-            <a:r>
-              <a:rPr lang="en-US" sz="1400">
-                <a:latin typeface="Calibri"/>
-              </a:rPr>
-              <a:t> </a:t>
-            </a:r>
-          </a:p>
-          <a:p>
-            <a:pPr>
-              <a:buFont typeface="Arial"/>
-              <a:buAutoNum type="arabicPlain" startAt="1"/>
-              <a:buChar char="•"/>
-            </a:pPr>
-            <a:r>
-              <a:rPr lang="en-US" sz="1400">
-                <a:latin typeface="Calibri"/>
-              </a:rPr>
-              <a:t>sss</a:t>
             </a:r>
             <a:r>
               <a:rPr lang="en-US" sz="1400">
@@ -3425,8 +3360,500 @@
               <a:t> </a:t>
             </a:r>
           </a:p>
-        </p:txBody>
-      </p:sp>
+          <a:p>
+            <a:pPr>
+              <a:buFont typeface="Arial"/>
+              <a:buChar char="•"/>
+            </a:pPr>
+            <a:r>
+              <a:rPr lang="en-US" sz="1400">
+                <a:latin typeface="Calibri"/>
+              </a:rPr>
+              <a:t>w</a:t>
+            </a:r>
+            <a:r>
+              <a:rPr lang="en-US" sz="1400">
+                <a:latin typeface="Calibri"/>
+              </a:rPr>
+              <a:t> </a:t>
+            </a:r>
+          </a:p>
+        </p:txBody>
+      </p:sp>
+      <p:graphicFrame>
+        <p:nvGraphicFramePr>
+          <p:cNvPr name="Table 4" id="4"/>
+          <p:cNvGraphicFramePr>
+            <a:graphicFrameLocks noGrp="true"/>
+          </p:cNvGraphicFramePr>
+          <p:nvPr/>
+        </p:nvGraphicFramePr>
+        <p:xfrm>
+          <a:off x="10922000" y="254000"/>
+          <a:ext cx="4445000" cy="952500"/>
+        </p:xfrm>
+        <a:graphic>
+          <a:graphicData uri="http://schemas.openxmlformats.org/drawingml/2006/table">
+            <a:tbl>
+              <a:tblPr/>
+              <a:tblGrid>
+                <a:gridCol w="1270000"/>
+                <a:gridCol w="1270000"/>
+                <a:gridCol w="1270000"/>
+                <a:gridCol w="1270000"/>
+              </a:tblGrid>
+              <a:tr h="254000">
+                <a:tc>
+                  <a:txBody>
+                    <a:bodyPr anchor="t" rtlCol="false"/>
+                    <a:lstStyle/>
+                    <a:p>
+                      <a:pPr algn="ctr">
+                        <a:defRPr/>
+                      </a:pPr>
+                      <a:r>
+                        <a:rPr lang="en-US"/>
+                        <a:t>Schedule</a:t>
+                      </a:r>
+                      <a:endParaRPr lang="en-US" sz="1100"/>
+                    </a:p>
+                  </a:txBody>
+                  <a:tcPr>
+                    <a:lnL cmpd="sng" algn="ctr" cap="flat">
+                      <a:solidFill>
+                        <a:srgbClr val="000000"/>
+                      </a:solidFill>
+                      <a:prstDash val="solid"/>
+                      <a:round/>
+                      <a:headEnd type="none" w="med" len="med"/>
+                      <a:tailEnd type="none" w="med" len="med"/>
+                    </a:lnL>
+                    <a:lnR cmpd="sng" algn="ctr" cap="flat">
+                      <a:solidFill>
+                        <a:srgbClr val="000000"/>
+                      </a:solidFill>
+                      <a:prstDash val="solid"/>
+                      <a:round/>
+                      <a:headEnd type="none" w="med" len="med"/>
+                      <a:tailEnd type="none" w="med" len="med"/>
+                    </a:lnR>
+                    <a:lnT cmpd="sng" algn="ctr" cap="flat">
+                      <a:solidFill>
+                        <a:srgbClr val="000000"/>
+                      </a:solidFill>
+                      <a:prstDash val="solid"/>
+                      <a:round/>
+                      <a:headEnd type="none" w="med" len="med"/>
+                      <a:tailEnd type="none" w="med" len="med"/>
+                    </a:lnT>
+                    <a:lnB cmpd="sng" algn="ctr" cap="flat">
+                      <a:solidFill>
+                        <a:srgbClr val="000000"/>
+                      </a:solidFill>
+                      <a:prstDash val="solid"/>
+                      <a:round/>
+                      <a:headEnd type="none" w="med" len="med"/>
+                      <a:tailEnd type="none" w="med" len="med"/>
+                    </a:lnB>
+                  </a:tcPr>
+                </a:tc>
+                <a:tc>
+                  <a:txBody>
+                    <a:bodyPr anchor="t" rtlCol="false"/>
+                    <a:lstStyle/>
+                    <a:p>
+                      <a:pPr algn="ctr">
+                        <a:defRPr/>
+                      </a:pPr>
+                      <a:r>
+                        <a:rPr lang="en-US"/>
+                        <a:t>Scope</a:t>
+                      </a:r>
+                      <a:endParaRPr lang="en-US" sz="1100"/>
+                    </a:p>
+                  </a:txBody>
+                  <a:tcPr>
+                    <a:lnL cmpd="sng" algn="ctr" cap="flat">
+                      <a:solidFill>
+                        <a:srgbClr val="000000"/>
+                      </a:solidFill>
+                      <a:prstDash val="solid"/>
+                      <a:round/>
+                      <a:headEnd type="none" w="med" len="med"/>
+                      <a:tailEnd type="none" w="med" len="med"/>
+                    </a:lnL>
+                    <a:lnR cmpd="sng" algn="ctr" cap="flat">
+                      <a:solidFill>
+                        <a:srgbClr val="000000"/>
+                      </a:solidFill>
+                      <a:prstDash val="solid"/>
+                      <a:round/>
+                      <a:headEnd type="none" w="med" len="med"/>
+                      <a:tailEnd type="none" w="med" len="med"/>
+                    </a:lnR>
+                    <a:lnT cmpd="sng" algn="ctr" cap="flat">
+                      <a:solidFill>
+                        <a:srgbClr val="000000"/>
+                      </a:solidFill>
+                      <a:prstDash val="solid"/>
+                      <a:round/>
+                      <a:headEnd type="none" w="med" len="med"/>
+                      <a:tailEnd type="none" w="med" len="med"/>
+                    </a:lnT>
+                    <a:lnB cmpd="sng" algn="ctr" cap="flat">
+                      <a:solidFill>
+                        <a:srgbClr val="000000"/>
+                      </a:solidFill>
+                      <a:prstDash val="solid"/>
+                      <a:round/>
+                      <a:headEnd type="none" w="med" len="med"/>
+                      <a:tailEnd type="none" w="med" len="med"/>
+                    </a:lnB>
+                  </a:tcPr>
+                </a:tc>
+                <a:tc>
+                  <a:txBody>
+                    <a:bodyPr anchor="t" rtlCol="false"/>
+                    <a:lstStyle/>
+                    <a:p>
+                      <a:pPr algn="ctr">
+                        <a:defRPr/>
+                      </a:pPr>
+                      <a:r>
+                        <a:rPr lang="en-US"/>
+                        <a:t>Quality</a:t>
+                      </a:r>
+                      <a:endParaRPr lang="en-US" sz="1100"/>
+                    </a:p>
+                  </a:txBody>
+                  <a:tcPr>
+                    <a:lnL cmpd="sng" algn="ctr" cap="flat">
+                      <a:solidFill>
+                        <a:srgbClr val="000000"/>
+                      </a:solidFill>
+                      <a:prstDash val="solid"/>
+                      <a:round/>
+                      <a:headEnd type="none" w="med" len="med"/>
+                      <a:tailEnd type="none" w="med" len="med"/>
+                    </a:lnL>
+                    <a:lnR cmpd="sng" algn="ctr" cap="flat">
+                      <a:solidFill>
+                        <a:srgbClr val="000000"/>
+                      </a:solidFill>
+                      <a:prstDash val="solid"/>
+                      <a:round/>
+                      <a:headEnd type="none" w="med" len="med"/>
+                      <a:tailEnd type="none" w="med" len="med"/>
+                    </a:lnR>
+                    <a:lnT cmpd="sng" algn="ctr" cap="flat">
+                      <a:solidFill>
+                        <a:srgbClr val="000000"/>
+                      </a:solidFill>
+                      <a:prstDash val="solid"/>
+                      <a:round/>
+                      <a:headEnd type="none" w="med" len="med"/>
+                      <a:tailEnd type="none" w="med" len="med"/>
+                    </a:lnT>
+                    <a:lnB cmpd="sng" algn="ctr" cap="flat">
+                      <a:solidFill>
+                        <a:srgbClr val="000000"/>
+                      </a:solidFill>
+                      <a:prstDash val="solid"/>
+                      <a:round/>
+                      <a:headEnd type="none" w="med" len="med"/>
+                      <a:tailEnd type="none" w="med" len="med"/>
+                    </a:lnB>
+                  </a:tcPr>
+                </a:tc>
+                <a:tc>
+                  <a:txBody>
+                    <a:bodyPr anchor="t" rtlCol="false"/>
+                    <a:lstStyle/>
+                    <a:p>
+                      <a:pPr algn="ctr">
+                        <a:defRPr/>
+                      </a:pPr>
+                      <a:r>
+                        <a:rPr lang="en-US"/>
+                        <a:t>Cost</a:t>
+                      </a:r>
+                      <a:endParaRPr lang="en-US" sz="1100"/>
+                    </a:p>
+                  </a:txBody>
+                  <a:tcPr>
+                    <a:lnL cmpd="sng" algn="ctr" cap="flat">
+                      <a:solidFill>
+                        <a:srgbClr val="000000"/>
+                      </a:solidFill>
+                      <a:prstDash val="solid"/>
+                      <a:round/>
+                      <a:headEnd type="none" w="med" len="med"/>
+                      <a:tailEnd type="none" w="med" len="med"/>
+                    </a:lnL>
+                    <a:lnR cmpd="sng" algn="ctr" cap="flat">
+                      <a:solidFill>
+                        <a:srgbClr val="000000"/>
+                      </a:solidFill>
+                      <a:prstDash val="solid"/>
+                      <a:round/>
+                      <a:headEnd type="none" w="med" len="med"/>
+                      <a:tailEnd type="none" w="med" len="med"/>
+                    </a:lnR>
+                    <a:lnT cmpd="sng" algn="ctr" cap="flat">
+                      <a:solidFill>
+                        <a:srgbClr val="000000"/>
+                      </a:solidFill>
+                      <a:prstDash val="solid"/>
+                      <a:round/>
+                      <a:headEnd type="none" w="med" len="med"/>
+                      <a:tailEnd type="none" w="med" len="med"/>
+                    </a:lnT>
+                    <a:lnB cmpd="sng" algn="ctr" cap="flat">
+                      <a:solidFill>
+                        <a:srgbClr val="000000"/>
+                      </a:solidFill>
+                      <a:prstDash val="solid"/>
+                      <a:round/>
+                      <a:headEnd type="none" w="med" len="med"/>
+                      <a:tailEnd type="none" w="med" len="med"/>
+                    </a:lnB>
+                  </a:tcPr>
+                </a:tc>
+              </a:tr>
+              <a:tr h="254000">
+                <a:tc>
+                  <a:txBody>
+                    <a:bodyPr anchor="t" rtlCol="false"/>
+                    <a:lstStyle/>
+                    <a:p>
+                      <a:pPr algn="ctr">
+                        <a:defRPr/>
+                      </a:pPr>
+                      <a:r>
+                        <a:rPr lang="en-US"/>
+                        <a:t>GREEN</a:t>
+                      </a:r>
+                      <a:endParaRPr lang="en-US" sz="1100"/>
+                    </a:p>
+                  </a:txBody>
+                  <a:tcPr>
+                    <a:lnL cmpd="sng" algn="ctr" cap="flat">
+                      <a:solidFill>
+                        <a:srgbClr val="000000"/>
+                      </a:solidFill>
+                      <a:prstDash val="solid"/>
+                      <a:round/>
+                      <a:headEnd type="none" w="med" len="med"/>
+                      <a:tailEnd type="none" w="med" len="med"/>
+                    </a:lnL>
+                    <a:lnR cmpd="sng" algn="ctr" cap="flat">
+                      <a:solidFill>
+                        <a:srgbClr val="000000"/>
+                      </a:solidFill>
+                      <a:prstDash val="solid"/>
+                      <a:round/>
+                      <a:headEnd type="none" w="med" len="med"/>
+                      <a:tailEnd type="none" w="med" len="med"/>
+                    </a:lnR>
+                    <a:lnT cmpd="sng" algn="ctr" cap="flat">
+                      <a:solidFill>
+                        <a:srgbClr val="000000"/>
+                      </a:solidFill>
+                      <a:prstDash val="solid"/>
+                      <a:round/>
+                      <a:headEnd type="none" w="med" len="med"/>
+                      <a:tailEnd type="none" w="med" len="med"/>
+                    </a:lnT>
+                    <a:lnB cmpd="sng" algn="ctr" cap="flat">
+                      <a:solidFill>
+                        <a:srgbClr val="000000"/>
+                      </a:solidFill>
+                      <a:prstDash val="solid"/>
+                      <a:round/>
+                      <a:headEnd type="none" w="med" len="med"/>
+                      <a:tailEnd type="none" w="med" len="med"/>
+                    </a:lnB>
+                    <a:solidFill>
+                      <a:srgbClr val="00FF00"/>
+                    </a:solidFill>
+                  </a:tcPr>
+                </a:tc>
+                <a:tc>
+                  <a:txBody>
+                    <a:bodyPr anchor="t" rtlCol="false"/>
+                    <a:lstStyle/>
+                    <a:p>
+                      <a:pPr algn="ctr">
+                        <a:defRPr/>
+                      </a:pPr>
+                      <a:r>
+                        <a:rPr lang="en-US"/>
+                        <a:t>GREEN</a:t>
+                      </a:r>
+                      <a:endParaRPr lang="en-US" sz="1100"/>
+                    </a:p>
+                  </a:txBody>
+                  <a:tcPr>
+                    <a:lnL cmpd="sng" algn="ctr" cap="flat">
+                      <a:solidFill>
+                        <a:srgbClr val="000000"/>
+                      </a:solidFill>
+                      <a:prstDash val="solid"/>
+                      <a:round/>
+                      <a:headEnd type="none" w="med" len="med"/>
+                      <a:tailEnd type="none" w="med" len="med"/>
+                    </a:lnL>
+                    <a:lnR cmpd="sng" algn="ctr" cap="flat">
+                      <a:solidFill>
+                        <a:srgbClr val="000000"/>
+                      </a:solidFill>
+                      <a:prstDash val="solid"/>
+                      <a:round/>
+                      <a:headEnd type="none" w="med" len="med"/>
+                      <a:tailEnd type="none" w="med" len="med"/>
+                    </a:lnR>
+                    <a:lnT cmpd="sng" algn="ctr" cap="flat">
+                      <a:solidFill>
+                        <a:srgbClr val="000000"/>
+                      </a:solidFill>
+                      <a:prstDash val="solid"/>
+                      <a:round/>
+                      <a:headEnd type="none" w="med" len="med"/>
+                      <a:tailEnd type="none" w="med" len="med"/>
+                    </a:lnT>
+                    <a:lnB cmpd="sng" algn="ctr" cap="flat">
+                      <a:solidFill>
+                        <a:srgbClr val="000000"/>
+                      </a:solidFill>
+                      <a:prstDash val="solid"/>
+                      <a:round/>
+                      <a:headEnd type="none" w="med" len="med"/>
+                      <a:tailEnd type="none" w="med" len="med"/>
+                    </a:lnB>
+                    <a:solidFill>
+                      <a:srgbClr val="00FF00"/>
+                    </a:solidFill>
+                  </a:tcPr>
+                </a:tc>
+                <a:tc>
+                  <a:txBody>
+                    <a:bodyPr anchor="t" rtlCol="false"/>
+                    <a:lstStyle/>
+                    <a:p>
+                      <a:pPr algn="ctr">
+                        <a:defRPr/>
+                      </a:pPr>
+                      <a:r>
+                        <a:rPr lang="en-US"/>
+                        <a:t>GREEN</a:t>
+                      </a:r>
+                      <a:endParaRPr lang="en-US" sz="1100"/>
+                    </a:p>
+                  </a:txBody>
+                  <a:tcPr>
+                    <a:lnL cmpd="sng" algn="ctr" cap="flat">
+                      <a:solidFill>
+                        <a:srgbClr val="000000"/>
+                      </a:solidFill>
+                      <a:prstDash val="solid"/>
+                      <a:round/>
+                      <a:headEnd type="none" w="med" len="med"/>
+                      <a:tailEnd type="none" w="med" len="med"/>
+                    </a:lnL>
+                    <a:lnR cmpd="sng" algn="ctr" cap="flat">
+                      <a:solidFill>
+                        <a:srgbClr val="000000"/>
+                      </a:solidFill>
+                      <a:prstDash val="solid"/>
+                      <a:round/>
+                      <a:headEnd type="none" w="med" len="med"/>
+                      <a:tailEnd type="none" w="med" len="med"/>
+                    </a:lnR>
+                    <a:lnT cmpd="sng" algn="ctr" cap="flat">
+                      <a:solidFill>
+                        <a:srgbClr val="000000"/>
+                      </a:solidFill>
+                      <a:prstDash val="solid"/>
+                      <a:round/>
+                      <a:headEnd type="none" w="med" len="med"/>
+                      <a:tailEnd type="none" w="med" len="med"/>
+                    </a:lnT>
+                    <a:lnB cmpd="sng" algn="ctr" cap="flat">
+                      <a:solidFill>
+                        <a:srgbClr val="000000"/>
+                      </a:solidFill>
+                      <a:prstDash val="solid"/>
+                      <a:round/>
+                      <a:headEnd type="none" w="med" len="med"/>
+                      <a:tailEnd type="none" w="med" len="med"/>
+                    </a:lnB>
+                    <a:solidFill>
+                      <a:srgbClr val="00FF00"/>
+                    </a:solidFill>
+                  </a:tcPr>
+                </a:tc>
+                <a:tc>
+                  <a:txBody>
+                    <a:bodyPr anchor="t" rtlCol="false"/>
+                    <a:lstStyle/>
+                    <a:p>
+                      <a:pPr algn="ctr">
+                        <a:defRPr/>
+                      </a:pPr>
+                      <a:r>
+                        <a:rPr lang="en-US"/>
+                        <a:t>GREEN</a:t>
+                      </a:r>
+                      <a:endParaRPr lang="en-US" sz="1100"/>
+                    </a:p>
+                  </a:txBody>
+                  <a:tcPr>
+                    <a:lnL cmpd="sng" algn="ctr" cap="flat">
+                      <a:solidFill>
+                        <a:srgbClr val="000000"/>
+                      </a:solidFill>
+                      <a:prstDash val="solid"/>
+                      <a:round/>
+                      <a:headEnd type="none" w="med" len="med"/>
+                      <a:tailEnd type="none" w="med" len="med"/>
+                    </a:lnL>
+                    <a:lnR cmpd="sng" algn="ctr" cap="flat">
+                      <a:solidFill>
+                        <a:srgbClr val="000000"/>
+                      </a:solidFill>
+                      <a:prstDash val="solid"/>
+                      <a:round/>
+                      <a:headEnd type="none" w="med" len="med"/>
+                      <a:tailEnd type="none" w="med" len="med"/>
+                    </a:lnR>
+                    <a:lnT cmpd="sng" algn="ctr" cap="flat">
+                      <a:solidFill>
+                        <a:srgbClr val="000000"/>
+                      </a:solidFill>
+                      <a:prstDash val="solid"/>
+                      <a:round/>
+                      <a:headEnd type="none" w="med" len="med"/>
+                      <a:tailEnd type="none" w="med" len="med"/>
+                    </a:lnT>
+                    <a:lnB cmpd="sng" algn="ctr" cap="flat">
+                      <a:solidFill>
+                        <a:srgbClr val="000000"/>
+                      </a:solidFill>
+                      <a:prstDash val="solid"/>
+                      <a:round/>
+                      <a:headEnd type="none" w="med" len="med"/>
+                      <a:tailEnd type="none" w="med" len="med"/>
+                    </a:lnB>
+                    <a:solidFill>
+                      <a:srgbClr val="00FF00"/>
+                    </a:solidFill>
+                  </a:tcPr>
+                </a:tc>
+              </a:tr>
+            </a:tbl>
+          </a:graphicData>
+        </a:graphic>
+      </p:graphicFrame>
     </p:spTree>
   </p:cSld>
   <p:clrMapOvr>
@@ -3460,8 +3887,8 @@
         </p:nvSpPr>
         <p:spPr>
           <a:xfrm>
-            <a:off x="254000" y="254000"/>
-            <a:ext cx="14986000" cy="8890000"/>
+            <a:off x="254000" y="393700"/>
+            <a:ext cx="15748000" cy="8382000"/>
           </a:xfrm>
           <a:prstGeom prst="rect">
             <a:avLst/>
@@ -3475,10 +3902,10 @@
               <a:defRPr/>
             </a:pPr>
             <a:r>
-              <a:rPr lang="en-US"/>
+              <a:rPr lang="ru-RU"/>
               <a:t/>
             </a:r>
-            <a:endParaRPr lang="ru-RU"/>
+            <a:endParaRPr lang="en-US" sz="1100"/>
           </a:p>
           <a:p>
             <a:pPr>
@@ -3489,19 +3916,7 @@
               <a:rPr lang="en-US" sz="1400">
                 <a:latin typeface="Calibri"/>
               </a:rPr>
-              <a:t>sss</a:t>
-            </a:r>
-            <a:r>
-              <a:rPr lang="en-US" sz="1400">
-                <a:latin typeface="Calibri"/>
-              </a:rPr>
-              <a:t> </a:t>
-            </a:r>
-            <a:r>
-              <a:rPr lang="en-US" sz="1400">
-                <a:latin typeface="Calibri"/>
-              </a:rPr>
-              <a:t> </a:t>
+              <a:t>e</a:t>
             </a:r>
             <a:r>
               <a:rPr lang="en-US" sz="1400">
@@ -3513,14 +3928,13 @@
           <a:p>
             <a:pPr>
               <a:buFont typeface="Arial"/>
-              <a:buAutoNum type="arabicPlain" startAt="1"/>
               <a:buChar char="•"/>
             </a:pPr>
             <a:r>
               <a:rPr lang="en-US" sz="1400">
                 <a:latin typeface="Calibri"/>
               </a:rPr>
-              <a:t>q</a:t>
+              <a:t>r</a:t>
             </a:r>
             <a:r>
               <a:rPr lang="en-US" sz="1400">
@@ -3532,14 +3946,13 @@
           <a:p>
             <a:pPr>
               <a:buFont typeface="Arial"/>
-              <a:buAutoNum type="arabicPlain" startAt="1"/>
               <a:buChar char="•"/>
             </a:pPr>
             <a:r>
               <a:rPr lang="en-US" sz="1400">
                 <a:latin typeface="Calibri"/>
               </a:rPr>
-              <a:t>w</a:t>
+              <a:t>a</a:t>
             </a:r>
             <a:r>
               <a:rPr lang="en-US" sz="1400">
@@ -3551,14 +3964,13 @@
           <a:p>
             <a:pPr>
               <a:buFont typeface="Arial"/>
-              <a:buAutoNum type="arabicPlain" startAt="1"/>
               <a:buChar char="•"/>
             </a:pPr>
             <a:r>
               <a:rPr lang="en-US" sz="1400">
                 <a:latin typeface="Calibri"/>
               </a:rPr>
-              <a:t>e</a:t>
+              <a:t>s</a:t>
             </a:r>
             <a:r>
               <a:rPr lang="en-US" sz="1400">
@@ -3570,14 +3982,13 @@
           <a:p>
             <a:pPr>
               <a:buFont typeface="Arial"/>
-              <a:buAutoNum type="arabicPlain" startAt="1"/>
               <a:buChar char="•"/>
             </a:pPr>
             <a:r>
               <a:rPr lang="en-US" sz="1400">
                 <a:latin typeface="Calibri"/>
               </a:rPr>
-              <a:t>r</a:t>
+              <a:t>d</a:t>
             </a:r>
             <a:r>
               <a:rPr lang="en-US" sz="1400">
@@ -3589,14 +4000,13 @@
           <a:p>
             <a:pPr>
               <a:buFont typeface="Arial"/>
-              <a:buAutoNum type="arabicPlain" startAt="1"/>
               <a:buChar char="•"/>
             </a:pPr>
             <a:r>
               <a:rPr lang="en-US" sz="1400">
                 <a:latin typeface="Calibri"/>
               </a:rPr>
-              <a:t>a</a:t>
+              <a:t>f</a:t>
             </a:r>
             <a:r>
               <a:rPr lang="en-US" sz="1400">
@@ -3608,14 +4018,25 @@
           <a:p>
             <a:pPr>
               <a:buFont typeface="Arial"/>
-              <a:buAutoNum type="arabicPlain" startAt="1"/>
               <a:buChar char="•"/>
             </a:pPr>
             <a:r>
               <a:rPr lang="en-US" sz="1400">
                 <a:latin typeface="Calibri"/>
               </a:rPr>
-              <a:t>s</a:t>
+              <a:t>sss</a:t>
+            </a:r>
+            <a:r>
+              <a:rPr lang="en-US" sz="1400">
+                <a:latin typeface="Calibri"/>
+              </a:rPr>
+              <a:t> </a:t>
+            </a:r>
+            <a:r>
+              <a:rPr lang="en-US" sz="1400">
+                <a:latin typeface="Calibri"/>
+              </a:rPr>
+              <a:t> </a:t>
             </a:r>
             <a:r>
               <a:rPr lang="en-US" sz="1400">
@@ -3627,14 +4048,13 @@
           <a:p>
             <a:pPr>
               <a:buFont typeface="Arial"/>
-              <a:buAutoNum type="arabicPlain" startAt="1"/>
               <a:buChar char="•"/>
             </a:pPr>
             <a:r>
               <a:rPr lang="en-US" sz="1400">
                 <a:latin typeface="Calibri"/>
               </a:rPr>
-              <a:t>d</a:t>
+              <a:t>q</a:t>
             </a:r>
             <a:r>
               <a:rPr lang="en-US" sz="1400">
@@ -3646,14 +4066,25 @@
           <a:p>
             <a:pPr>
               <a:buFont typeface="Arial"/>
-              <a:buAutoNum type="arabicPlain" startAt="1"/>
               <a:buChar char="•"/>
             </a:pPr>
             <a:r>
               <a:rPr lang="en-US" sz="1400">
                 <a:latin typeface="Calibri"/>
               </a:rPr>
-              <a:t>f</a:t>
+              <a:t>sss</a:t>
+            </a:r>
+            <a:r>
+              <a:rPr lang="en-US" sz="1400">
+                <a:latin typeface="Calibri"/>
+              </a:rPr>
+              <a:t> </a:t>
+            </a:r>
+            <a:r>
+              <a:rPr lang="en-US" sz="1400">
+                <a:latin typeface="Calibri"/>
+              </a:rPr>
+              <a:t> </a:t>
             </a:r>
             <a:r>
               <a:rPr lang="en-US" sz="1400">
@@ -3665,7 +4096,150 @@
           <a:p>
             <a:pPr>
               <a:buFont typeface="Arial"/>
-              <a:buAutoNum type="arabicPlain" startAt="1"/>
+              <a:buChar char="•"/>
+            </a:pPr>
+            <a:r>
+              <a:rPr lang="en-US" sz="1400">
+                <a:latin typeface="Calibri"/>
+              </a:rPr>
+              <a:t>q</a:t>
+            </a:r>
+            <a:r>
+              <a:rPr lang="en-US" sz="1400">
+                <a:latin typeface="Calibri"/>
+              </a:rPr>
+              <a:t> </a:t>
+            </a:r>
+          </a:p>
+          <a:p>
+            <a:pPr>
+              <a:buFont typeface="Arial"/>
+              <a:buChar char="•"/>
+            </a:pPr>
+            <a:r>
+              <a:rPr lang="en-US" sz="1400">
+                <a:latin typeface="Calibri"/>
+              </a:rPr>
+              <a:t>w</a:t>
+            </a:r>
+            <a:r>
+              <a:rPr lang="en-US" sz="1400">
+                <a:latin typeface="Calibri"/>
+              </a:rPr>
+              <a:t> </a:t>
+            </a:r>
+          </a:p>
+          <a:p>
+            <a:pPr>
+              <a:buFont typeface="Arial"/>
+              <a:buChar char="•"/>
+            </a:pPr>
+            <a:r>
+              <a:rPr lang="en-US" sz="1400">
+                <a:latin typeface="Calibri"/>
+              </a:rPr>
+              <a:t>e</a:t>
+            </a:r>
+            <a:r>
+              <a:rPr lang="en-US" sz="1400">
+                <a:latin typeface="Calibri"/>
+              </a:rPr>
+              <a:t> </a:t>
+            </a:r>
+          </a:p>
+          <a:p>
+            <a:pPr>
+              <a:buFont typeface="Arial"/>
+              <a:buChar char="•"/>
+            </a:pPr>
+            <a:r>
+              <a:rPr lang="en-US" sz="1400">
+                <a:latin typeface="Calibri"/>
+              </a:rPr>
+              <a:t>r</a:t>
+            </a:r>
+            <a:r>
+              <a:rPr lang="en-US" sz="1400">
+                <a:latin typeface="Calibri"/>
+              </a:rPr>
+              <a:t> </a:t>
+            </a:r>
+          </a:p>
+          <a:p>
+            <a:pPr>
+              <a:buFont typeface="Arial"/>
+              <a:buChar char="•"/>
+            </a:pPr>
+            <a:r>
+              <a:rPr lang="en-US" sz="1400">
+                <a:latin typeface="Calibri"/>
+              </a:rPr>
+              <a:t>a</a:t>
+            </a:r>
+            <a:r>
+              <a:rPr lang="en-US" sz="1400">
+                <a:latin typeface="Calibri"/>
+              </a:rPr>
+              <a:t> </a:t>
+            </a:r>
+          </a:p>
+          <a:p>
+            <a:pPr>
+              <a:buFont typeface="Arial"/>
+              <a:buChar char="•"/>
+            </a:pPr>
+            <a:r>
+              <a:rPr lang="en-US" sz="1400">
+                <a:latin typeface="Calibri"/>
+              </a:rPr>
+              <a:t>s</a:t>
+            </a:r>
+            <a:r>
+              <a:rPr lang="en-US" sz="1400">
+                <a:latin typeface="Calibri"/>
+              </a:rPr>
+              <a:t> </a:t>
+            </a:r>
+          </a:p>
+          <a:p>
+            <a:pPr>
+              <a:buFont typeface="Arial"/>
+              <a:buChar char="•"/>
+            </a:pPr>
+            <a:r>
+              <a:rPr lang="en-US" sz="1400">
+                <a:latin typeface="Calibri"/>
+              </a:rPr>
+              <a:t>d</a:t>
+            </a:r>
+            <a:r>
+              <a:rPr lang="en-US" sz="1400">
+                <a:latin typeface="Calibri"/>
+              </a:rPr>
+              <a:t> </a:t>
+            </a:r>
+          </a:p>
+          <a:p>
+            <a:pPr>
+              <a:buFont typeface="Arial"/>
+              <a:buChar char="•"/>
+            </a:pPr>
+            <a:r>
+              <a:rPr lang="en-US" sz="1400">
+                <a:latin typeface="Calibri"/>
+              </a:rPr>
+              <a:t>f</a:t>
+            </a:r>
+            <a:r>
+              <a:rPr lang="en-US" sz="1400">
+                <a:latin typeface="Calibri"/>
+              </a:rPr>
+              <a:t> </a:t>
+            </a:r>
+          </a:p>
+          <a:p>
+            <a:pPr>
+              <a:buFont typeface="Arial"/>
               <a:buChar char="•"/>
             </a:pPr>
             <a:r>

--- a/html-to-ppt/TextFormat.pptx
+++ b/html-to-ppt/TextFormat.pptx
@@ -3136,253 +3136,9 @@
           </a:p>
         </p:txBody>
       </p:sp>
-      <p:sp>
-        <p:nvSpPr>
-          <p:cNvPr name="TextBox 3" id="3"/>
-          <p:cNvSpPr txBox="true"/>
-          <p:nvPr/>
-        </p:nvSpPr>
-        <p:spPr>
-          <a:xfrm>
-            <a:off x="254000" y="901700"/>
-            <a:ext cx="15748000" cy="8382000"/>
-          </a:xfrm>
-          <a:prstGeom prst="rect">
-            <a:avLst/>
-          </a:prstGeom>
-        </p:spPr>
-        <p:txBody>
-          <a:bodyPr anchor="t" rtlCol="false"/>
-          <a:lstStyle/>
-          <a:p>
-            <a:pPr algn="l">
-              <a:defRPr/>
-            </a:pPr>
-            <a:r>
-              <a:rPr lang="ru-RU"/>
-              <a:t/>
-            </a:r>
-            <a:endParaRPr lang="en-US" sz="1100"/>
-          </a:p>
-          <a:p>
-            <a:r>
-              <a:rPr lang="en-US" sz="1400">
-                <a:latin typeface="Calibri"/>
-              </a:rPr>
-              <a:t>Hello mate! Hello mate! Hello mate! Hello mate! Hello mate! Hello mate! Hello mate! Hello mate! Hello mate!</a:t>
-            </a:r>
-            <a:r>
-              <a:rPr lang="en-US" sz="1400">
-                <a:latin typeface="Calibri"/>
-              </a:rPr>
-              <a:t> </a:t>
-            </a:r>
-          </a:p>
-          <a:p>
-            <a:r>
-              <a:rPr lang="en-US" sz="1400">
-                <a:latin typeface="Calibri"/>
-              </a:rPr>
-              <a:t>This is </a:t>
-            </a:r>
-            <a:r>
-              <a:rPr lang="en-US" sz="1400" b="true">
-                <a:latin typeface="Calibri"/>
-              </a:rPr>
-              <a:t>bold</a:t>
-            </a:r>
-            <a:r>
-              <a:rPr lang="en-US" sz="1400">
-                <a:latin typeface="Calibri"/>
-              </a:rPr>
-              <a:t> and</a:t>
-            </a:r>
-            <a:r>
-              <a:rPr lang="en-US" sz="1400" u="sng">
-                <a:latin typeface="Calibri"/>
-              </a:rPr>
-              <a:t> underscore</a:t>
-            </a:r>
-            <a:r>
-              <a:rPr lang="en-US" sz="1400">
-                <a:latin typeface="Calibri"/>
-              </a:rPr>
-              <a:t> and</a:t>
-            </a:r>
-            <a:r>
-              <a:rPr lang="en-US" sz="1400" b="true" u="sng">
-                <a:latin typeface="Calibri"/>
-              </a:rPr>
-              <a:t> both</a:t>
-            </a:r>
-            <a:r>
-              <a:rPr lang="en-US" sz="1400">
-                <a:latin typeface="Calibri"/>
-              </a:rPr>
-              <a:t> and </a:t>
-            </a:r>
-            <a:r>
-              <a:rPr lang="en-US" sz="1400" strike="sngStrike">
-                <a:latin typeface="Calibri"/>
-              </a:rPr>
-              <a:t>not true</a:t>
-            </a:r>
-            <a:r>
-              <a:rPr lang="en-US" sz="1400">
-                <a:latin typeface="Calibri"/>
-              </a:rPr>
-              <a:t> false </a:t>
-            </a:r>
-            <a:r>
-              <a:rPr lang="en-US" sz="1400">
-                <a:latin typeface="Calibri"/>
-              </a:rPr>
-              <a:t> </a:t>
-            </a:r>
-          </a:p>
-          <a:p>
-            <a:r>
-              <a:rPr lang="en-US" sz="1400">
-                <a:latin typeface="Calibri"/>
-              </a:rPr>
-              <a:t> PowerPoint documents are made up of a tree of records. A record may contain either other records (in which case it is a Container), or data (in which case it's an Atom). A record can't hold both. PowerPoint documents don't have one overall container record. Instead, there are a number of different container records to be found at the top level. Any numbers or strings stored in the records are always stored in Little Endian format (least important bytes first). This is the case no matter what platform the file was written on - be that a Little Endian or a Big Endian system. PowerPoint may have Escher (DDF) records embedded in it. These are always held as the children of a PPDrawing record (record type 1036). Escher records have the same format as PowerPoint records. Hello mate! Hello mate! Hello mate! Hello mate! Hello mate! Hello mate! Hello mate! Hello mate! Hello mate! This is bold and underscore and both and not true false PowerPoint documents are made up of a tree of records. A record may contain either other records (in which case it is a Container), or data (in which case it's an Atom). A record can't hold both. PowerPoint documents don't have one overall container record. Instead, there are a number of different container records to be found at the top level. Any numbers or strings stored in the records are always stored in Little Endian format (least important bytes first). This is the case no matter what platform the file was written on - be that a Little Endian or a Big Endian system. PowerPoint may have Escher (DDF) records embedded in it. These are always held as the children of a PPDrawing record (record type 1036). Escher records have the same format as PowerPoint records. Hello mate! Hello mate! Hello mate! Hello mate! Hello mate! Hello mate! Hello mate! Hello mate! Hello mate! This is bold and underscore and both and not true false PowerPoint documents are made up of a tree of records. A record may contain either other records (in which case it is a Container), or data (in which case it's an Atom). A record can't hold both. PowerPoint documents don't have one overall container record </a:t>
-            </a:r>
-            <a:r>
-              <a:rPr lang="en-US" sz="1400">
-                <a:latin typeface="Calibri"/>
-              </a:rPr>
-              <a:t> </a:t>
-            </a:r>
-          </a:p>
-          <a:p>
-            <a:r>
-              <a:rPr lang="en-US" sz="1400">
-                <a:latin typeface="Calibri"/>
-              </a:rPr>
-              <a:t> PowerPoint documents are made up of a tree of records. A record may contain either other records (in which case it is a Container), or data (in which case it's an Atom). A record can't hold both. PowerPoint documents don't have one overall container record. Instead, there are a number of different container records to be found at the top level. Any numbers or strings stored in the records are always stored in Little Endian format (least important bytes first). This is the case no matter what platform the file was written on - be that a Little Endian or a Big Endian system. PowerPoint may have Escher (DDF) records embedded in it. These are always held as the children of a PPDrawing record (record type 1036). Escher records have the same format as PowerPoint records. Hello mate! Hello mate! Hello mate! Hello mate! Hello mate! Hello mate! Hello mate! Hello mate! Hello mate! This is bold and underscore and both and not true false PowerPoint documents are made up of a tree of records. A record may contain either other records (in which case it is a Container), or data (in which case it's an Atom). A record can't hold both. PowerPoint documents don't have one overall container record. Instead, there are a number of different container records to be found at the top level. Any numbers or strings stored in the records are always stored in Little Endian format (least important bytes first). This is the case no matter what platform the file was written on - be that a Little Endian or a Big Endian system. PowerPoint may have Escher (DDF) records embedded in it. These are always held as the children of a PPDrawing record (record type 1036). Escher records have the same format as PowerPoint records. Hello mate! Hello mate! Hello mate! Hello mate! Hello mate! Hello mate! Hello mate! Hello mate! Hello mate! This is bold and underscore and both and not true false PowerPoint documents are made up of a tree of records. A record may contain either other records (in which case it is a Container), or data (in which case it's an Atom). A record can't hold both. PowerPoint documents don't have one overall container record </a:t>
-            </a:r>
-            <a:r>
-              <a:rPr lang="en-US" sz="1400">
-                <a:latin typeface="Calibri"/>
-              </a:rPr>
-              <a:t> </a:t>
-            </a:r>
-          </a:p>
-          <a:p>
-            <a:r>
-              <a:rPr lang="en-US" sz="1400">
-                <a:latin typeface="Calibri"/>
-              </a:rPr>
-              <a:t> PowerPoint documents are made up of a tree of records. A record may contain either other records (in which case it is a Container), or data (in which case it's an Atom). A record can't hold both. PowerPoint documents don't have one overall container record. Instead, there are a number of different container records to be found at the top level. Any numbers or strings stored in the records are always stored in Little Endian format (least important bytes first). This is the case no matter what platform the file was written on - be that a Little Endian or a Big Endian system. PowerPoint may have Escher (DDF) records embedded in it. These are always held as the children of a PPDrawing record (record type 1036). Escher records have the same format as PowerPoint records. Hello mate! Hello mate! Hello mate! Hello mate! Hello mate! Hello mate! Hello mate! Hello mate! Hello mate! This is bold and underscore and both and not true false PowerPoint documents are made up of a tree of records. A record may contain either other records (in which case it is a Container), or data (in which case it's an Atom). A record can't hold both. PowerPoint documents don't have one overall container record. Instead, there are a number of different container records to be found at the top level. Any numbers or strings stored in the records are always stored in Little Endian format (least important bytes first). This is the case no matter what platform the file was written on - be that a Little Endian or a Big Endian system. PowerPoint may have Escher (DDF) records embedded in it. These are always held as the children of a PPDrawing record (record type 1036). Escher records have the same format as PowerPoint records. Hello mate! Hello mate! Hello mate! Hello mate! Hello mate! Hello mate! Hello mate! Hello mate! Hello mate! This is bold and underscore and both and not true false PowerPoint documents are made up of a tree of records. A record may contain either other records (in which case it is a Container), or data (in which case it's an Atom). A record can't hold both. PowerPoint documents don't have one overall container record </a:t>
-            </a:r>
-            <a:r>
-              <a:rPr lang="en-US" sz="1400">
-                <a:latin typeface="Calibri"/>
-              </a:rPr>
-              <a:t> </a:t>
-            </a:r>
-          </a:p>
-          <a:p>
-            <a:r>
-              <a:rPr lang="en-US" sz="1400">
-                <a:latin typeface="Calibri"/>
-              </a:rPr>
-              <a:t> </a:t>
-            </a:r>
-            <a:r>
-              <a:rPr lang="en-US" sz="1400">
-                <a:latin typeface="Calibri"/>
-              </a:rPr>
-              <a:t> </a:t>
-            </a:r>
-            <a:r>
-              <a:rPr lang="en-US" sz="1400">
-                <a:latin typeface="Calibri"/>
-              </a:rPr>
-              <a:t> </a:t>
-            </a:r>
-          </a:p>
-          <a:p>
-            <a:r>
-              <a:rPr lang="en-US" sz="1400">
-                <a:latin typeface="Calibri"/>
-              </a:rPr>
-              <a:t>Testing list</a:t>
-            </a:r>
-            <a:r>
-              <a:rPr lang="en-US" sz="1400">
-                <a:latin typeface="Calibri"/>
-              </a:rPr>
-              <a:t> </a:t>
-            </a:r>
-          </a:p>
-          <a:p>
-            <a:r>
-              <a:rPr lang="en-US" sz="1400">
-                <a:latin typeface="Calibri"/>
-              </a:rPr>
-              <a:t> </a:t>
-            </a:r>
-            <a:r>
-              <a:rPr lang="en-US" sz="1400">
-                <a:latin typeface="Calibri"/>
-              </a:rPr>
-              <a:t> </a:t>
-            </a:r>
-            <a:r>
-              <a:rPr lang="en-US" sz="1400">
-                <a:latin typeface="Calibri"/>
-              </a:rPr>
-              <a:t> </a:t>
-            </a:r>
-            <a:r>
-              <a:rPr lang="en-US" sz="1400">
-                <a:latin typeface="Calibri"/>
-              </a:rPr>
-              <a:t> </a:t>
-            </a:r>
-          </a:p>
-          <a:p>
-            <a:pPr>
-              <a:buFont typeface="Arial"/>
-              <a:buChar char="•"/>
-            </a:pPr>
-            <a:r>
-              <a:rPr lang="en-US" sz="1400">
-                <a:latin typeface="Calibri"/>
-              </a:rPr>
-              <a:t>q</a:t>
-            </a:r>
-            <a:r>
-              <a:rPr lang="en-US" sz="1400">
-                <a:latin typeface="Calibri"/>
-              </a:rPr>
-              <a:t> </a:t>
-            </a:r>
-          </a:p>
-          <a:p>
-            <a:pPr>
-              <a:buFont typeface="Arial"/>
-              <a:buChar char="•"/>
-            </a:pPr>
-            <a:r>
-              <a:rPr lang="en-US" sz="1400">
-                <a:latin typeface="Calibri"/>
-              </a:rPr>
-              <a:t>w</a:t>
-            </a:r>
-            <a:r>
-              <a:rPr lang="en-US" sz="1400">
-                <a:latin typeface="Calibri"/>
-              </a:rPr>
-              <a:t> </a:t>
-            </a:r>
-          </a:p>
-        </p:txBody>
-      </p:sp>
       <p:graphicFrame>
         <p:nvGraphicFramePr>
-          <p:cNvPr name="Table 4" id="4"/>
+          <p:cNvPr name="Table 3" id="3"/>
           <p:cNvGraphicFramePr>
             <a:graphicFrameLocks noGrp="true"/>
           </p:cNvGraphicFramePr>
@@ -3854,6 +3610,500 @@
           </a:graphicData>
         </a:graphic>
       </p:graphicFrame>
+      <p:sp>
+        <p:nvSpPr>
+          <p:cNvPr name="TextBox 4" id="4"/>
+          <p:cNvSpPr txBox="true"/>
+          <p:nvPr/>
+        </p:nvSpPr>
+        <p:spPr>
+          <a:xfrm>
+            <a:off x="5905500" y="8191500"/>
+            <a:ext cx="4445000" cy="635000"/>
+          </a:xfrm>
+          <a:prstGeom prst="rect">
+            <a:avLst/>
+          </a:prstGeom>
+        </p:spPr>
+        <p:txBody>
+          <a:bodyPr anchor="t" rtlCol="false"/>
+          <a:lstStyle/>
+          <a:p>
+            <a:pPr algn="ctr">
+              <a:defRPr/>
+            </a:pPr>
+            <a:r>
+              <a:rPr lang="ru-RU"/>
+              <a:t/>
+            </a:r>
+            <a:r>
+              <a:rPr lang="en-US" sz="1200" i="true">
+                <a:solidFill>
+                  <a:srgbClr val="FF0000"/>
+                </a:solidFill>
+                <a:latin typeface="Calibri"/>
+              </a:rPr>
+              <a:t>Alcatel-Lucent Enterprise - Confidential</a:t>
+            </a:r>
+            <a:br>
+              <a:rPr lang="en-US" sz="1200" i="true">
+                <a:solidFill>
+                  <a:srgbClr val="FF0000"/>
+                </a:solidFill>
+                <a:latin typeface="Calibri"/>
+              </a:rPr>
+            </a:br>
+            <a:r>
+              <a:rPr lang="en-US" sz="1200" b="true">
+                <a:latin typeface="Calibri"/>
+              </a:rPr>
+              <a:t>Solely for authorized persons having a need to know</a:t>
+            </a:r>
+            <a:br>
+              <a:rPr lang="en-US" sz="1200" b="true">
+                <a:latin typeface="Calibri"/>
+              </a:rPr>
+            </a:br>
+            <a:r>
+              <a:rPr lang="en-US" sz="1200">
+                <a:latin typeface="Calibri"/>
+              </a:rPr>
+              <a:t>Proprietary - Use pursuant to Company Instruction</a:t>
+            </a:r>
+            <a:endParaRPr lang="en-US" sz="1100"/>
+          </a:p>
+        </p:txBody>
+      </p:sp>
+      <p:sp>
+        <p:nvSpPr>
+          <p:cNvPr name="AutoShape 5" id="5"/>
+          <p:cNvSpPr/>
+          <p:nvPr/>
+        </p:nvSpPr>
+        <p:spPr>
+          <a:xfrm>
+            <a:off x="254000" y="8064500"/>
+            <a:ext cx="15748000" cy="12700"/>
+          </a:xfrm>
+          <a:prstGeom prst="line">
+            <a:avLst/>
+          </a:prstGeom>
+          <a:ln>
+            <a:solidFill>
+              <a:srgbClr val="000000"/>
+            </a:solidFill>
+          </a:ln>
+        </p:spPr>
+      </p:sp>
+      <p:sp>
+        <p:nvSpPr>
+          <p:cNvPr name="TextBox 6" id="6"/>
+          <p:cNvSpPr txBox="true"/>
+          <p:nvPr/>
+        </p:nvSpPr>
+        <p:spPr>
+          <a:xfrm>
+            <a:off x="254000" y="1549400"/>
+            <a:ext cx="15748000" cy="6134100"/>
+          </a:xfrm>
+          <a:prstGeom prst="rect">
+            <a:avLst/>
+          </a:prstGeom>
+        </p:spPr>
+        <p:txBody>
+          <a:bodyPr anchor="t" rtlCol="false"/>
+          <a:lstStyle/>
+          <a:p>
+            <a:pPr algn="l">
+              <a:defRPr/>
+            </a:pPr>
+            <a:r>
+              <a:rPr lang="ru-RU"/>
+              <a:t/>
+            </a:r>
+            <a:endParaRPr lang="en-US" sz="1100"/>
+          </a:p>
+          <a:p>
+            <a:r>
+              <a:rPr lang="en-US" sz="1400">
+                <a:latin typeface="Calibri"/>
+              </a:rPr>
+              <a:t>Hello mate! Hello mate! Hello mate! Hello mate! Hello mate! Hello mate! Hello mate! Hello mate! Hello mate!</a:t>
+            </a:r>
+            <a:r>
+              <a:rPr lang="en-US" sz="1400">
+                <a:latin typeface="Calibri"/>
+              </a:rPr>
+              <a:t> </a:t>
+            </a:r>
+          </a:p>
+          <a:p>
+            <a:r>
+              <a:rPr lang="en-US" sz="1400">
+                <a:latin typeface="Calibri"/>
+              </a:rPr>
+              <a:t>This is </a:t>
+            </a:r>
+            <a:r>
+              <a:rPr lang="en-US" sz="1400" b="true">
+                <a:latin typeface="Calibri"/>
+              </a:rPr>
+              <a:t>bold</a:t>
+            </a:r>
+            <a:r>
+              <a:rPr lang="en-US" sz="1400">
+                <a:latin typeface="Calibri"/>
+              </a:rPr>
+              <a:t> and</a:t>
+            </a:r>
+            <a:r>
+              <a:rPr lang="en-US" sz="1400" u="sng">
+                <a:latin typeface="Calibri"/>
+              </a:rPr>
+              <a:t> underscore</a:t>
+            </a:r>
+            <a:r>
+              <a:rPr lang="en-US" sz="1400">
+                <a:latin typeface="Calibri"/>
+              </a:rPr>
+              <a:t> and</a:t>
+            </a:r>
+            <a:r>
+              <a:rPr lang="en-US" sz="1400" b="true" u="sng">
+                <a:latin typeface="Calibri"/>
+              </a:rPr>
+              <a:t> both</a:t>
+            </a:r>
+            <a:r>
+              <a:rPr lang="en-US" sz="1400">
+                <a:latin typeface="Calibri"/>
+              </a:rPr>
+              <a:t> and </a:t>
+            </a:r>
+            <a:r>
+              <a:rPr lang="en-US" sz="1400" strike="sngStrike">
+                <a:latin typeface="Calibri"/>
+              </a:rPr>
+              <a:t>not true</a:t>
+            </a:r>
+            <a:r>
+              <a:rPr lang="en-US" sz="1400">
+                <a:latin typeface="Calibri"/>
+              </a:rPr>
+              <a:t> false </a:t>
+            </a:r>
+            <a:r>
+              <a:rPr lang="en-US" sz="1400">
+                <a:latin typeface="Calibri"/>
+              </a:rPr>
+              <a:t> </a:t>
+            </a:r>
+          </a:p>
+          <a:p>
+            <a:r>
+              <a:rPr lang="en-US" sz="1400">
+                <a:latin typeface="Calibri"/>
+              </a:rPr>
+              <a:t> </a:t>
+            </a:r>
+            <a:r>
+              <a:rPr lang="en-US" sz="1400">
+                <a:latin typeface="Calibri"/>
+              </a:rPr>
+              <a:t>PowerPoint documents are made up of a tree of records. A record may contain either other records (in which case it is a Container), or data (in which case it's an Atom). </a:t>
+            </a:r>
+            <a:r>
+              <a:rPr lang="en-US" sz="1400">
+                <a:latin typeface="Calibri"/>
+              </a:rPr>
+              <a:t> </a:t>
+            </a:r>
+            <a:r>
+              <a:rPr lang="en-US" sz="1400">
+                <a:solidFill>
+                  <a:srgbClr val="18CB0C"/>
+                </a:solidFill>
+                <a:latin typeface="Calibri"/>
+              </a:rPr>
+              <a:t>A record can't hold both. PowerPoint documents don't have one overall container record. Instead, there are a number of different container records to be found at the top level.</a:t>
+            </a:r>
+            <a:r>
+              <a:rPr lang="en-US" sz="1400">
+                <a:latin typeface="Calibri"/>
+              </a:rPr>
+              <a:t> </a:t>
+            </a:r>
+            <a:r>
+              <a:rPr lang="en-US" sz="1400">
+                <a:latin typeface="Calibri"/>
+              </a:rPr>
+              <a:t>Any numbers or strings stored in the records are always stored in Little Endian format (least important bytes first). This is the case no matter what platform the file was written on - be that a Little Endian or a Big Endian system. </a:t>
+            </a:r>
+            <a:r>
+              <a:rPr lang="en-US" sz="1400">
+                <a:latin typeface="Calibri"/>
+              </a:rPr>
+              <a:t> </a:t>
+            </a:r>
+            <a:r>
+              <a:rPr lang="en-US" sz="1400">
+                <a:latin typeface="Calibri"/>
+              </a:rPr>
+              <a:t>PowerPoint may have Escher (DDF) records embedded in it. These are always held as the children of a PPDrawing record (record type 1036). Escher records have the same format as PowerPoint records.</a:t>
+            </a:r>
+            <a:r>
+              <a:rPr lang="en-US" sz="1400">
+                <a:latin typeface="Calibri"/>
+              </a:rPr>
+              <a:t> </a:t>
+            </a:r>
+            <a:r>
+              <a:rPr lang="en-US" sz="1400">
+                <a:latin typeface="Calibri"/>
+              </a:rPr>
+              <a:t>Hello mate! Hello mate! Hello mate! Hello mate! Hello mate! Hello mate! Hello mate! Hello mate! Hello mate! This is bold and underscore and both and not true false PowerPoint documents are made up of a tree of records. </a:t>
+            </a:r>
+            <a:r>
+              <a:rPr lang="en-US" sz="1400">
+                <a:latin typeface="Calibri"/>
+              </a:rPr>
+              <a:t> </a:t>
+            </a:r>
+            <a:r>
+              <a:rPr lang="en-US" sz="1400">
+                <a:latin typeface="Calibri"/>
+              </a:rPr>
+              <a:t>A record may contain either other records (in which case it is a Container), or data (in which case it's an Atom). A record can't hold both. PowerPoint documents don't have one overall container record. Instead, there are a number of different container records to be found at the top level. Any numbers or strings stored in the records are always stored in Little Endian format (least important bytes first). </a:t>
+            </a:r>
+            <a:r>
+              <a:rPr lang="en-US" sz="1400">
+                <a:latin typeface="Calibri"/>
+              </a:rPr>
+              <a:t> </a:t>
+            </a:r>
+            <a:r>
+              <a:rPr lang="en-US" sz="1400">
+                <a:latin typeface="Calibri"/>
+              </a:rPr>
+              <a:t>This is the case no matter what platform the file was written on - be that a Little Endian or a Big Endian system. PowerPoint may have Escher (DDF) records embedded in it. These are always held as the children of a PPDrawing record (record type 1036). Escher records have the same format as PowerPoint records. Hello mate! Hello mate! Hello mate! Hello mate! Hello mate! Hello mate! Hello mate! Hello mate! Hello mate! This is bold and underscore and both and not true false PowerPoint documents are made up of a tree of records.</a:t>
+            </a:r>
+            <a:r>
+              <a:rPr lang="en-US" sz="1400">
+                <a:latin typeface="Calibri"/>
+              </a:rPr>
+              <a:t> </a:t>
+            </a:r>
+            <a:r>
+              <a:rPr lang="en-US" sz="1400">
+                <a:latin typeface="Calibri"/>
+              </a:rPr>
+              <a:t>A record may contain either other records (in which case it is a Container), or data (in which case it's an Atom). A record can't hold both. PowerPoint documents don't have one overall container record</a:t>
+            </a:r>
+            <a:r>
+              <a:rPr lang="en-US" sz="1400">
+                <a:latin typeface="Calibri"/>
+              </a:rPr>
+              <a:t> </a:t>
+            </a:r>
+            <a:r>
+              <a:rPr lang="en-US" sz="1400">
+                <a:latin typeface="Calibri"/>
+              </a:rPr>
+              <a:t> </a:t>
+            </a:r>
+          </a:p>
+          <a:p>
+            <a:r>
+              <a:rPr lang="en-US" sz="1400">
+                <a:latin typeface="Calibri"/>
+              </a:rPr>
+              <a:t> </a:t>
+            </a:r>
+            <a:r>
+              <a:rPr lang="en-US" sz="1400">
+                <a:latin typeface="Calibri"/>
+              </a:rPr>
+              <a:t>PowerPoint documents are made up of a tree of records. A record may contain either other records (in which case it is a Container), or data (in which case it's an Atom). </a:t>
+            </a:r>
+            <a:r>
+              <a:rPr lang="en-US" sz="1400">
+                <a:latin typeface="Calibri"/>
+              </a:rPr>
+              <a:t> </a:t>
+            </a:r>
+            <a:r>
+              <a:rPr lang="en-US" sz="1400">
+                <a:latin typeface="Calibri"/>
+              </a:rPr>
+              <a:t>A record can't hold both. PowerPoint documents don't have one overall container record. Instead, there are a number of different container records to be found at the top level.</a:t>
+            </a:r>
+            <a:r>
+              <a:rPr lang="en-US" sz="1400">
+                <a:latin typeface="Calibri"/>
+              </a:rPr>
+              <a:t> </a:t>
+            </a:r>
+            <a:r>
+              <a:rPr lang="en-US" sz="1400">
+                <a:latin typeface="Calibri"/>
+              </a:rPr>
+              <a:t>Any numbers or strings stored in the records are always stored in Little Endian format (least important bytes first). This is the case no matter what platform the file was written on - be that a Little Endian or a Big Endian system. </a:t>
+            </a:r>
+            <a:r>
+              <a:rPr lang="en-US" sz="1400">
+                <a:latin typeface="Calibri"/>
+              </a:rPr>
+              <a:t> </a:t>
+            </a:r>
+            <a:r>
+              <a:rPr lang="en-US" sz="1400">
+                <a:latin typeface="Calibri"/>
+              </a:rPr>
+              <a:t>PowerPoint may have Escher (DDF) records embedded in it. These are always held as the children of a PPDrawing record (record type 1036). Escher records have the same format as PowerPoint records.</a:t>
+            </a:r>
+            <a:r>
+              <a:rPr lang="en-US" sz="1400">
+                <a:latin typeface="Calibri"/>
+              </a:rPr>
+              <a:t> </a:t>
+            </a:r>
+            <a:r>
+              <a:rPr lang="en-US" sz="1400">
+                <a:latin typeface="Calibri"/>
+              </a:rPr>
+              <a:t>Hello mate! Hello mate! Hello mate! Hello mate! Hello mate! Hello mate! Hello mate! Hello mate! Hello mate! This is bold and underscore and both and not true false PowerPoint documents are made up of a tree of records. </a:t>
+            </a:r>
+            <a:r>
+              <a:rPr lang="en-US" sz="1400">
+                <a:latin typeface="Calibri"/>
+              </a:rPr>
+              <a:t> </a:t>
+            </a:r>
+            <a:r>
+              <a:rPr lang="en-US" sz="1400">
+                <a:latin typeface="Calibri"/>
+              </a:rPr>
+              <a:t>A record may contain either other records (in which case it is a Container), or data (in which case it's an Atom). A record can't hold both. PowerPoint documents don't have one overall container record. Instead, there are a number of different container records to be found at the top level. Any numbers or strings stored in the records are always stored in Little Endian format (least important bytes first). </a:t>
+            </a:r>
+            <a:r>
+              <a:rPr lang="en-US" sz="1400">
+                <a:latin typeface="Calibri"/>
+              </a:rPr>
+              <a:t> </a:t>
+            </a:r>
+            <a:r>
+              <a:rPr lang="en-US" sz="1400">
+                <a:latin typeface="Calibri"/>
+              </a:rPr>
+              <a:t>This is the case no matter what platform the file was written on - be that a Little Endian or a Big Endian system. PowerPoint may have Escher (DDF) records embedded in it. These are always held as the children of a PPDrawing record (record type 1036). Escher records have the same format as PowerPoint records. Hello mate! Hello mate! Hello mate! Hello mate! Hello mate! Hello mate! Hello mate! Hello mate! Hello mate! This is bold and underscore and both and not true false PowerPoint documents are made up of a tree of records.</a:t>
+            </a:r>
+            <a:r>
+              <a:rPr lang="en-US" sz="1400">
+                <a:latin typeface="Calibri"/>
+              </a:rPr>
+              <a:t> </a:t>
+            </a:r>
+            <a:r>
+              <a:rPr lang="en-US" sz="1400">
+                <a:latin typeface="Calibri"/>
+              </a:rPr>
+              <a:t>A record may contain either other records (in which case it is a Container), or data (in which case it's an Atom). A record can't hold both. PowerPoint documents don't have one overall container record</a:t>
+            </a:r>
+            <a:r>
+              <a:rPr lang="en-US" sz="1400">
+                <a:latin typeface="Calibri"/>
+              </a:rPr>
+              <a:t> </a:t>
+            </a:r>
+            <a:r>
+              <a:rPr lang="en-US" sz="1400">
+                <a:latin typeface="Calibri"/>
+              </a:rPr>
+              <a:t> </a:t>
+            </a:r>
+          </a:p>
+          <a:p>
+            <a:r>
+              <a:rPr lang="en-US" sz="1400">
+                <a:latin typeface="Calibri"/>
+              </a:rPr>
+              <a:t> </a:t>
+            </a:r>
+            <a:r>
+              <a:rPr lang="en-US" sz="1400">
+                <a:latin typeface="Calibri"/>
+              </a:rPr>
+              <a:t>PowerPoint documents are made up of a tree of records. A record may contain either other records (in which case it is a Container), or data (in which case it's an Atom). </a:t>
+            </a:r>
+            <a:r>
+              <a:rPr lang="en-US" sz="1400">
+                <a:latin typeface="Calibri"/>
+              </a:rPr>
+              <a:t> </a:t>
+            </a:r>
+            <a:r>
+              <a:rPr lang="en-US" sz="1400">
+                <a:latin typeface="Calibri"/>
+              </a:rPr>
+              <a:t>A record can't hold both. PowerPoint documents don't have one overall container record. Instead, there are a number of different container records to be found at the top level.</a:t>
+            </a:r>
+            <a:r>
+              <a:rPr lang="en-US" sz="1400">
+                <a:latin typeface="Calibri"/>
+              </a:rPr>
+              <a:t> </a:t>
+            </a:r>
+            <a:r>
+              <a:rPr lang="en-US" sz="1400">
+                <a:latin typeface="Calibri"/>
+              </a:rPr>
+              <a:t>Any numbers or strings stored in the records are always stored in Little Endian format (least important bytes first). This is the case no matter what platform the file was written on - be that a Little Endian or a Big Endian system. </a:t>
+            </a:r>
+            <a:r>
+              <a:rPr lang="en-US" sz="1400">
+                <a:latin typeface="Calibri"/>
+              </a:rPr>
+              <a:t> </a:t>
+            </a:r>
+            <a:r>
+              <a:rPr lang="en-US" sz="1400">
+                <a:latin typeface="Calibri"/>
+              </a:rPr>
+              <a:t>PowerPoint may have Escher (DDF) records embedded in it. These are always held as the children of a PPDrawing record (record type 1036). Escher records have the same format as PowerPoint records.</a:t>
+            </a:r>
+            <a:r>
+              <a:rPr lang="en-US" sz="1400">
+                <a:latin typeface="Calibri"/>
+              </a:rPr>
+              <a:t> </a:t>
+            </a:r>
+            <a:r>
+              <a:rPr lang="en-US" sz="1400">
+                <a:latin typeface="Calibri"/>
+              </a:rPr>
+              <a:t>Hello mate! Hello mate! Hello mate! Hello mate! Hello mate! Hello mate! Hello mate! Hello mate! Hello mate! This is bold and underscore and both and not true false PowerPoint documents are made up of a tree of records. </a:t>
+            </a:r>
+            <a:r>
+              <a:rPr lang="en-US" sz="1400">
+                <a:latin typeface="Calibri"/>
+              </a:rPr>
+              <a:t> </a:t>
+            </a:r>
+            <a:r>
+              <a:rPr lang="en-US" sz="1400">
+                <a:latin typeface="Calibri"/>
+              </a:rPr>
+              <a:t>A record may contain either other records (in which case it is a Container), or data (in which case it's an Atom). A record can't hold both. PowerPoint documents don't have one overall container record. Instead, there are a number of different container records to be found at the top level. Any numbers or strings stored in the records are always stored in Little Endian format (least important bytes first). </a:t>
+            </a:r>
+            <a:r>
+              <a:rPr lang="en-US" sz="1400">
+                <a:latin typeface="Calibri"/>
+              </a:rPr>
+              <a:t> </a:t>
+            </a:r>
+          </a:p>
+        </p:txBody>
+      </p:sp>
     </p:spTree>
   </p:cSld>
   <p:clrMapOvr>
@@ -3887,8 +4137,8 @@
         </p:nvSpPr>
         <p:spPr>
           <a:xfrm>
-            <a:off x="254000" y="393700"/>
-            <a:ext cx="15748000" cy="8382000"/>
+            <a:off x="254000" y="254000"/>
+            <a:ext cx="15748000" cy="7429500"/>
           </a:xfrm>
           <a:prstGeom prst="rect">
             <a:avLst/>
@@ -3905,7 +4155,136 @@
               <a:rPr lang="ru-RU"/>
               <a:t/>
             </a:r>
+            <a:r>
+              <a:rPr lang="en-US" sz="1400">
+                <a:solidFill>
+                  <a:srgbClr val="18CB0C"/>
+                </a:solidFill>
+                <a:latin typeface="Calibri"/>
+              </a:rPr>
+              <a:t>This is the case no matter what platform the file was written on - be that a Little Endian or a Big Endian system. PowerPoint may have Escher (DDF) records embedded in it. These are always held as the children of a PPDrawing record (record type 1036). Escher records have the same format as PowerPoint records. Hello mate! Hello mate! Hello mate! Hello mate! Hello mate! Hello mate! Hello mate! Hello mate! Hello mate! This is bold and underscore and both and not true false PowerPoint documents are made up of a tree of records.</a:t>
+            </a:r>
+            <a:r>
+              <a:rPr lang="en-US" sz="1400">
+                <a:latin typeface="Calibri"/>
+              </a:rPr>
+              <a:t> </a:t>
+            </a:r>
+            <a:r>
+              <a:rPr lang="en-US" sz="1400">
+                <a:latin typeface="Calibri"/>
+              </a:rPr>
+              <a:t>A record may contain either other records (in which case it is a Container), or data (in which case it's an Atom). A record can't hold both. PowerPoint documents don't have one overall container record</a:t>
+            </a:r>
+            <a:r>
+              <a:rPr lang="en-US" sz="1400">
+                <a:latin typeface="Calibri"/>
+              </a:rPr>
+              <a:t> </a:t>
+            </a:r>
+            <a:r>
+              <a:rPr lang="en-US" sz="1400">
+                <a:latin typeface="Calibri"/>
+              </a:rPr>
+              <a:t> </a:t>
+            </a:r>
             <a:endParaRPr lang="en-US" sz="1100"/>
+          </a:p>
+          <a:p>
+            <a:r>
+              <a:rPr lang="en-US" sz="1400">
+                <a:latin typeface="Calibri"/>
+              </a:rPr>
+              <a:t> </a:t>
+            </a:r>
+            <a:r>
+              <a:rPr lang="en-US" sz="1400">
+                <a:latin typeface="Calibri"/>
+              </a:rPr>
+              <a:t> </a:t>
+            </a:r>
+            <a:r>
+              <a:rPr lang="en-US" sz="1400">
+                <a:latin typeface="Calibri"/>
+              </a:rPr>
+              <a:t> </a:t>
+            </a:r>
+          </a:p>
+          <a:p>
+            <a:r>
+              <a:rPr lang="en-US" sz="1400">
+                <a:latin typeface="Calibri"/>
+              </a:rPr>
+              <a:t>Testing list</a:t>
+            </a:r>
+            <a:r>
+              <a:rPr lang="en-US" sz="1400">
+                <a:latin typeface="Calibri"/>
+              </a:rPr>
+              <a:t> </a:t>
+            </a:r>
+          </a:p>
+          <a:p>
+            <a:r>
+              <a:rPr lang="en-US" sz="1400">
+                <a:latin typeface="Calibri"/>
+              </a:rPr>
+              <a:t> </a:t>
+            </a:r>
+            <a:r>
+              <a:rPr lang="en-US" sz="1400">
+                <a:latin typeface="Calibri"/>
+              </a:rPr>
+              <a:t> </a:t>
+            </a:r>
+            <a:r>
+              <a:rPr lang="en-US" sz="1400">
+                <a:latin typeface="Calibri"/>
+              </a:rPr>
+              <a:t> </a:t>
+            </a:r>
+            <a:r>
+              <a:rPr lang="en-US" sz="1400">
+                <a:latin typeface="Calibri"/>
+              </a:rPr>
+              <a:t> </a:t>
+            </a:r>
+          </a:p>
+          <a:p>
+            <a:pPr>
+              <a:buFont typeface="Arial"/>
+              <a:buChar char="•"/>
+            </a:pPr>
+            <a:r>
+              <a:rPr lang="en-US" sz="1400">
+                <a:latin typeface="Calibri"/>
+              </a:rPr>
+              <a:t>q</a:t>
+            </a:r>
+            <a:r>
+              <a:rPr lang="en-US" sz="1400">
+                <a:latin typeface="Calibri"/>
+              </a:rPr>
+              <a:t> </a:t>
+            </a:r>
+          </a:p>
+          <a:p>
+            <a:pPr>
+              <a:buFont typeface="Arial"/>
+              <a:buChar char="•"/>
+            </a:pPr>
+            <a:r>
+              <a:rPr lang="en-US" sz="1400">
+                <a:latin typeface="Calibri"/>
+              </a:rPr>
+              <a:t>w</a:t>
+            </a:r>
+            <a:r>
+              <a:rPr lang="en-US" sz="1400">
+                <a:latin typeface="Calibri"/>
+              </a:rPr>
+              <a:t> </a:t>
+            </a:r>
           </a:p>
           <a:p>
             <a:pPr>

--- a/html-to-ppt/TextFormat.pptx
+++ b/html-to-ppt/TextFormat.pptx
@@ -7,6 +7,7 @@
   <p:sldIdLst>
     <p:sldId id="256" r:id="rId6"/>
     <p:sldId id="257" r:id="rId7"/>
+    <p:sldId id="258" r:id="rId8"/>
   </p:sldIdLst>
   <p:sldSz cx="16256000" cy="9144000"/>
   <p:notesSz cx="6858000" cy="9144000"/>
@@ -3069,7 +3070,7 @@
         <p:spPr>
           <a:xfrm>
             <a:off x="254000" y="254000"/>
-            <a:ext cx="6350000" cy="952500"/>
+            <a:ext cx="6350000" cy="762000"/>
           </a:xfrm>
           <a:prstGeom prst="rect">
             <a:avLst/>
@@ -3096,7 +3097,7 @@
               <a:rPr lang="en-US" sz="1400">
                 <a:latin typeface="Calibri"/>
               </a:rPr>
-              <a:t>Project Pineapple</a:t>
+              <a:t>Project Grape</a:t>
             </a:r>
             <a:br>
               <a:rPr lang="en-US" sz="1400">
@@ -3130,15 +3131,157 @@
               <a:rPr lang="en-US" sz="1400">
                 <a:latin typeface="Calibri"/>
               </a:rPr>
-              <a:t>2020-04-08</a:t>
+              <a:t>Sun Apr 12 19:42:53 MSK 2020</a:t>
             </a:r>
             <a:endParaRPr lang="en-US" sz="1100"/>
           </a:p>
         </p:txBody>
+      </p:sp>
+      <p:sp>
+        <p:nvSpPr>
+          <p:cNvPr name="TextBox 3" id="3"/>
+          <p:cNvSpPr txBox="true"/>
+          <p:nvPr/>
+        </p:nvSpPr>
+        <p:spPr>
+          <a:xfrm>
+            <a:off x="254000" y="1155700"/>
+            <a:ext cx="15748000" cy="215900"/>
+          </a:xfrm>
+          <a:prstGeom prst="rect">
+            <a:avLst/>
+          </a:prstGeom>
+        </p:spPr>
+        <p:txBody>
+          <a:bodyPr anchor="t" rtlCol="false"/>
+          <a:lstStyle/>
+          <a:p>
+            <a:pPr algn="l">
+              <a:defRPr/>
+            </a:pPr>
+            <a:r>
+              <a:rPr lang="ru-RU"/>
+              <a:t/>
+            </a:r>
+            <a:r>
+              <a:rPr lang="en-US" sz="1400" b="true">
+                <a:latin typeface="Calibri"/>
+              </a:rPr>
+              <a:t>Executive Status Summary</a:t>
+            </a:r>
+            <a:endParaRPr lang="en-US" sz="1100"/>
+          </a:p>
+        </p:txBody>
+      </p:sp>
+      <p:sp>
+        <p:nvSpPr>
+          <p:cNvPr name="AutoShape 4" id="4"/>
+          <p:cNvSpPr/>
+          <p:nvPr/>
+        </p:nvSpPr>
+        <p:spPr>
+          <a:xfrm>
+            <a:off x="254000" y="1422400"/>
+            <a:ext cx="15748000" cy="12700"/>
+          </a:xfrm>
+          <a:prstGeom prst="line">
+            <a:avLst/>
+          </a:prstGeom>
+          <a:ln>
+            <a:solidFill>
+              <a:srgbClr val="000000"/>
+            </a:solidFill>
+          </a:ln>
+        </p:spPr>
+      </p:sp>
+      <p:sp>
+        <p:nvSpPr>
+          <p:cNvPr name="TextBox 5" id="5"/>
+          <p:cNvSpPr txBox="true"/>
+          <p:nvPr/>
+        </p:nvSpPr>
+        <p:spPr>
+          <a:xfrm>
+            <a:off x="5905500" y="8191500"/>
+            <a:ext cx="4445000" cy="635000"/>
+          </a:xfrm>
+          <a:prstGeom prst="rect">
+            <a:avLst/>
+          </a:prstGeom>
+        </p:spPr>
+        <p:txBody>
+          <a:bodyPr anchor="t" rtlCol="false"/>
+          <a:lstStyle/>
+          <a:p>
+            <a:pPr algn="ctr">
+              <a:defRPr/>
+            </a:pPr>
+            <a:r>
+              <a:rPr lang="ru-RU"/>
+              <a:t/>
+            </a:r>
+            <a:r>
+              <a:rPr lang="en-US" sz="1200" i="true">
+                <a:solidFill>
+                  <a:srgbClr val="FF0000"/>
+                </a:solidFill>
+                <a:latin typeface="Calibri"/>
+              </a:rPr>
+              <a:t>Alcatel-Lucent Enterprise - Confidential</a:t>
+            </a:r>
+            <a:br>
+              <a:rPr lang="en-US" sz="1200" i="true">
+                <a:solidFill>
+                  <a:srgbClr val="FF0000"/>
+                </a:solidFill>
+                <a:latin typeface="Calibri"/>
+              </a:rPr>
+            </a:br>
+            <a:r>
+              <a:rPr lang="en-US" sz="1200" b="true">
+                <a:latin typeface="Calibri"/>
+              </a:rPr>
+              <a:t>Solely for authorized persons having a need to know</a:t>
+            </a:r>
+            <a:br>
+              <a:rPr lang="en-US" sz="1200" b="true">
+                <a:latin typeface="Calibri"/>
+              </a:rPr>
+            </a:br>
+            <a:r>
+              <a:rPr lang="en-US" sz="1200">
+                <a:latin typeface="Calibri"/>
+              </a:rPr>
+              <a:t>Proprietary - Use pursuant to Company Instruction</a:t>
+            </a:r>
+            <a:endParaRPr lang="en-US" sz="1100"/>
+          </a:p>
+        </p:txBody>
+      </p:sp>
+      <p:sp>
+        <p:nvSpPr>
+          <p:cNvPr name="AutoShape 6" id="6"/>
+          <p:cNvSpPr/>
+          <p:nvPr/>
+        </p:nvSpPr>
+        <p:spPr>
+          <a:xfrm>
+            <a:off x="254000" y="8064500"/>
+            <a:ext cx="15748000" cy="12700"/>
+          </a:xfrm>
+          <a:prstGeom prst="line">
+            <a:avLst/>
+          </a:prstGeom>
+          <a:ln>
+            <a:solidFill>
+              <a:srgbClr val="000000"/>
+            </a:solidFill>
+          </a:ln>
+        </p:spPr>
       </p:sp>
       <p:graphicFrame>
         <p:nvGraphicFramePr>
-          <p:cNvPr name="Table 3" id="3"/>
+          <p:cNvPr name="Table 7" id="7"/>
           <p:cNvGraphicFramePr>
             <a:graphicFrameLocks noGrp="true"/>
           </p:cNvGraphicFramePr>
@@ -3168,7 +3311,7 @@
                         <a:defRPr/>
                       </a:pPr>
                       <a:r>
-                        <a:rPr lang="en-US"/>
+                        <a:rPr lang="en-US" sz="1400"/>
                         <a:t>Schedule</a:t>
                       </a:r>
                       <a:endParaRPr lang="en-US" sz="1100"/>
@@ -3222,7 +3365,7 @@
                         <a:defRPr/>
                       </a:pPr>
                       <a:r>
-                        <a:rPr lang="en-US"/>
+                        <a:rPr lang="en-US" sz="1400"/>
                         <a:t>Scope</a:t>
                       </a:r>
                       <a:endParaRPr lang="en-US" sz="1100"/>
@@ -3276,7 +3419,7 @@
                         <a:defRPr/>
                       </a:pPr>
                       <a:r>
-                        <a:rPr lang="en-US"/>
+                        <a:rPr lang="en-US" sz="1400"/>
                         <a:t>Quality</a:t>
                       </a:r>
                       <a:endParaRPr lang="en-US" sz="1100"/>
@@ -3330,7 +3473,7 @@
                         <a:defRPr/>
                       </a:pPr>
                       <a:r>
-                        <a:rPr lang="en-US"/>
+                        <a:rPr lang="en-US" sz="1400"/>
                         <a:t>Cost</a:t>
                       </a:r>
                       <a:endParaRPr lang="en-US" sz="1100"/>
@@ -3386,7 +3529,7 @@
                         <a:defRPr/>
                       </a:pPr>
                       <a:r>
-                        <a:rPr lang="en-US"/>
+                        <a:rPr lang="en-US" sz="1400"/>
                         <a:t>GREEN</a:t>
                       </a:r>
                       <a:endParaRPr lang="en-US" sz="1100"/>
@@ -3443,7 +3586,7 @@
                         <a:defRPr/>
                       </a:pPr>
                       <a:r>
-                        <a:rPr lang="en-US"/>
+                        <a:rPr lang="en-US" sz="1400"/>
                         <a:t>GREEN</a:t>
                       </a:r>
                       <a:endParaRPr lang="en-US" sz="1100"/>
@@ -3500,7 +3643,7 @@
                         <a:defRPr/>
                       </a:pPr>
                       <a:r>
-                        <a:rPr lang="en-US"/>
+                        <a:rPr lang="en-US" sz="1400"/>
                         <a:t>GREEN</a:t>
                       </a:r>
                       <a:endParaRPr lang="en-US" sz="1100"/>
@@ -3557,7 +3700,7 @@
                         <a:defRPr/>
                       </a:pPr>
                       <a:r>
-                        <a:rPr lang="en-US"/>
+                        <a:rPr lang="en-US" sz="1400"/>
                         <a:t>GREEN</a:t>
                       </a:r>
                       <a:endParaRPr lang="en-US" sz="1100"/>
@@ -3612,14 +3755,14 @@
       </p:graphicFrame>
       <p:sp>
         <p:nvSpPr>
-          <p:cNvPr name="TextBox 4" id="4"/>
+          <p:cNvPr name="TextBox 8" id="8"/>
           <p:cNvSpPr txBox="true"/>
           <p:nvPr/>
         </p:nvSpPr>
         <p:spPr>
           <a:xfrm>
-            <a:off x="5905500" y="8191500"/>
-            <a:ext cx="4445000" cy="635000"/>
+            <a:off x="254000" y="1409700"/>
+            <a:ext cx="15748000" cy="7035800"/>
           </a:xfrm>
           <a:prstGeom prst="rect">
             <a:avLst/>
@@ -3629,91 +3772,6 @@
           <a:bodyPr anchor="t" rtlCol="false"/>
           <a:lstStyle/>
           <a:p>
-            <a:pPr algn="ctr">
-              <a:defRPr/>
-            </a:pPr>
-            <a:r>
-              <a:rPr lang="ru-RU"/>
-              <a:t/>
-            </a:r>
-            <a:r>
-              <a:rPr lang="en-US" sz="1200" i="true">
-                <a:solidFill>
-                  <a:srgbClr val="FF0000"/>
-                </a:solidFill>
-                <a:latin typeface="Calibri"/>
-              </a:rPr>
-              <a:t>Alcatel-Lucent Enterprise - Confidential</a:t>
-            </a:r>
-            <a:br>
-              <a:rPr lang="en-US" sz="1200" i="true">
-                <a:solidFill>
-                  <a:srgbClr val="FF0000"/>
-                </a:solidFill>
-                <a:latin typeface="Calibri"/>
-              </a:rPr>
-            </a:br>
-            <a:r>
-              <a:rPr lang="en-US" sz="1200" b="true">
-                <a:latin typeface="Calibri"/>
-              </a:rPr>
-              <a:t>Solely for authorized persons having a need to know</a:t>
-            </a:r>
-            <a:br>
-              <a:rPr lang="en-US" sz="1200" b="true">
-                <a:latin typeface="Calibri"/>
-              </a:rPr>
-            </a:br>
-            <a:r>
-              <a:rPr lang="en-US" sz="1200">
-                <a:latin typeface="Calibri"/>
-              </a:rPr>
-              <a:t>Proprietary - Use pursuant to Company Instruction</a:t>
-            </a:r>
-            <a:endParaRPr lang="en-US" sz="1100"/>
-          </a:p>
-        </p:txBody>
-      </p:sp>
-      <p:sp>
-        <p:nvSpPr>
-          <p:cNvPr name="AutoShape 5" id="5"/>
-          <p:cNvSpPr/>
-          <p:nvPr/>
-        </p:nvSpPr>
-        <p:spPr>
-          <a:xfrm>
-            <a:off x="254000" y="8064500"/>
-            <a:ext cx="15748000" cy="12700"/>
-          </a:xfrm>
-          <a:prstGeom prst="line">
-            <a:avLst/>
-          </a:prstGeom>
-          <a:ln>
-            <a:solidFill>
-              <a:srgbClr val="000000"/>
-            </a:solidFill>
-          </a:ln>
-        </p:spPr>
-      </p:sp>
-      <p:sp>
-        <p:nvSpPr>
-          <p:cNvPr name="TextBox 6" id="6"/>
-          <p:cNvSpPr txBox="true"/>
-          <p:nvPr/>
-        </p:nvSpPr>
-        <p:spPr>
-          <a:xfrm>
-            <a:off x="254000" y="1549400"/>
-            <a:ext cx="15748000" cy="6134100"/>
-          </a:xfrm>
-          <a:prstGeom prst="rect">
-            <a:avLst/>
-          </a:prstGeom>
-        </p:spPr>
-        <p:txBody>
-          <a:bodyPr anchor="t" rtlCol="false"/>
-          <a:lstStyle/>
-          <a:p>
             <a:pPr algn="l">
               <a:defRPr/>
             </a:pPr>
@@ -4034,66 +4092,6 @@
                 <a:latin typeface="Calibri"/>
               </a:rPr>
               <a:t>PowerPoint documents are made up of a tree of records. A record may contain either other records (in which case it is a Container), or data (in which case it's an Atom). </a:t>
-            </a:r>
-            <a:r>
-              <a:rPr lang="en-US" sz="1400">
-                <a:latin typeface="Calibri"/>
-              </a:rPr>
-              <a:t> </a:t>
-            </a:r>
-            <a:r>
-              <a:rPr lang="en-US" sz="1400">
-                <a:latin typeface="Calibri"/>
-              </a:rPr>
-              <a:t>A record can't hold both. PowerPoint documents don't have one overall container record. Instead, there are a number of different container records to be found at the top level.</a:t>
-            </a:r>
-            <a:r>
-              <a:rPr lang="en-US" sz="1400">
-                <a:latin typeface="Calibri"/>
-              </a:rPr>
-              <a:t> </a:t>
-            </a:r>
-            <a:r>
-              <a:rPr lang="en-US" sz="1400">
-                <a:latin typeface="Calibri"/>
-              </a:rPr>
-              <a:t>Any numbers or strings stored in the records are always stored in Little Endian format (least important bytes first). This is the case no matter what platform the file was written on - be that a Little Endian or a Big Endian system. </a:t>
-            </a:r>
-            <a:r>
-              <a:rPr lang="en-US" sz="1400">
-                <a:latin typeface="Calibri"/>
-              </a:rPr>
-              <a:t> </a:t>
-            </a:r>
-            <a:r>
-              <a:rPr lang="en-US" sz="1400">
-                <a:latin typeface="Calibri"/>
-              </a:rPr>
-              <a:t>PowerPoint may have Escher (DDF) records embedded in it. These are always held as the children of a PPDrawing record (record type 1036). Escher records have the same format as PowerPoint records.</a:t>
-            </a:r>
-            <a:r>
-              <a:rPr lang="en-US" sz="1400">
-                <a:latin typeface="Calibri"/>
-              </a:rPr>
-              <a:t> </a:t>
-            </a:r>
-            <a:r>
-              <a:rPr lang="en-US" sz="1400">
-                <a:latin typeface="Calibri"/>
-              </a:rPr>
-              <a:t>Hello mate! Hello mate! Hello mate! Hello mate! Hello mate! Hello mate! Hello mate! Hello mate! Hello mate! This is bold and underscore and both and not true false PowerPoint documents are made up of a tree of records. </a:t>
-            </a:r>
-            <a:r>
-              <a:rPr lang="en-US" sz="1400">
-                <a:latin typeface="Calibri"/>
-              </a:rPr>
-              <a:t> </a:t>
-            </a:r>
-            <a:r>
-              <a:rPr lang="en-US" sz="1400">
-                <a:latin typeface="Calibri"/>
-              </a:rPr>
-              <a:t>A record may contain either other records (in which case it is a Container), or data (in which case it's an Atom). A record can't hold both. PowerPoint documents don't have one overall container record. Instead, there are a number of different container records to be found at the top level. Any numbers or strings stored in the records are always stored in Little Endian format (least important bytes first). </a:t>
             </a:r>
             <a:r>
               <a:rPr lang="en-US" sz="1400">
@@ -4138,7 +4136,7 @@
         <p:spPr>
           <a:xfrm>
             <a:off x="254000" y="254000"/>
-            <a:ext cx="15748000" cy="7429500"/>
+            <a:ext cx="6350000" cy="762000"/>
           </a:xfrm>
           <a:prstGeom prst="rect">
             <a:avLst/>
@@ -4156,6 +4154,284 @@
               <a:t/>
             </a:r>
             <a:r>
+              <a:rPr lang="en-US" sz="1400" b="true">
+                <a:latin typeface="Calibri"/>
+              </a:rPr>
+              <a:t>Project name: </a:t>
+            </a:r>
+            <a:r>
+              <a:rPr lang="en-US" sz="1400">
+                <a:latin typeface="Calibri"/>
+              </a:rPr>
+              <a:t>Project Grape</a:t>
+            </a:r>
+            <a:br>
+              <a:rPr lang="en-US" sz="1400">
+                <a:latin typeface="Calibri"/>
+              </a:rPr>
+            </a:br>
+            <a:r>
+              <a:rPr lang="en-US" sz="1400" b="true">
+                <a:latin typeface="Calibri"/>
+              </a:rPr>
+              <a:t>Project manager: </a:t>
+            </a:r>
+            <a:r>
+              <a:rPr lang="en-US" sz="1400">
+                <a:latin typeface="Calibri"/>
+              </a:rPr>
+              <a:t>IKSANOV Aleksandr</a:t>
+            </a:r>
+            <a:br>
+              <a:rPr lang="en-US" sz="1400">
+                <a:latin typeface="Calibri"/>
+              </a:rPr>
+            </a:br>
+            <a:r>
+              <a:rPr lang="en-US" sz="1400" b="true">
+                <a:latin typeface="Calibri"/>
+              </a:rPr>
+              <a:t>Last Updated: </a:t>
+            </a:r>
+            <a:r>
+              <a:rPr lang="en-US" sz="1400">
+                <a:latin typeface="Calibri"/>
+              </a:rPr>
+              <a:t>Sun Apr 12 19:42:53 MSK 2020</a:t>
+            </a:r>
+            <a:endParaRPr lang="en-US" sz="1100"/>
+          </a:p>
+        </p:txBody>
+      </p:sp>
+      <p:sp>
+        <p:nvSpPr>
+          <p:cNvPr name="TextBox 3" id="3"/>
+          <p:cNvSpPr txBox="true"/>
+          <p:nvPr/>
+        </p:nvSpPr>
+        <p:spPr>
+          <a:xfrm>
+            <a:off x="254000" y="1155700"/>
+            <a:ext cx="15748000" cy="215900"/>
+          </a:xfrm>
+          <a:prstGeom prst="rect">
+            <a:avLst/>
+          </a:prstGeom>
+        </p:spPr>
+        <p:txBody>
+          <a:bodyPr anchor="t" rtlCol="false"/>
+          <a:lstStyle/>
+          <a:p>
+            <a:pPr algn="l">
+              <a:defRPr/>
+            </a:pPr>
+            <a:r>
+              <a:rPr lang="ru-RU"/>
+              <a:t/>
+            </a:r>
+            <a:r>
+              <a:rPr lang="en-US" sz="1400" b="true">
+                <a:latin typeface="Calibri"/>
+              </a:rPr>
+              <a:t>Executive Status Summary</a:t>
+            </a:r>
+            <a:endParaRPr lang="en-US" sz="1100"/>
+          </a:p>
+        </p:txBody>
+      </p:sp>
+      <p:sp>
+        <p:nvSpPr>
+          <p:cNvPr name="AutoShape 4" id="4"/>
+          <p:cNvSpPr/>
+          <p:nvPr/>
+        </p:nvSpPr>
+        <p:spPr>
+          <a:xfrm>
+            <a:off x="254000" y="1422400"/>
+            <a:ext cx="15748000" cy="12700"/>
+          </a:xfrm>
+          <a:prstGeom prst="line">
+            <a:avLst/>
+          </a:prstGeom>
+          <a:ln>
+            <a:solidFill>
+              <a:srgbClr val="000000"/>
+            </a:solidFill>
+          </a:ln>
+        </p:spPr>
+      </p:sp>
+      <p:sp>
+        <p:nvSpPr>
+          <p:cNvPr name="TextBox 5" id="5"/>
+          <p:cNvSpPr txBox="true"/>
+          <p:nvPr/>
+        </p:nvSpPr>
+        <p:spPr>
+          <a:xfrm>
+            <a:off x="5905500" y="8191500"/>
+            <a:ext cx="4445000" cy="635000"/>
+          </a:xfrm>
+          <a:prstGeom prst="rect">
+            <a:avLst/>
+          </a:prstGeom>
+        </p:spPr>
+        <p:txBody>
+          <a:bodyPr anchor="t" rtlCol="false"/>
+          <a:lstStyle/>
+          <a:p>
+            <a:pPr algn="ctr">
+              <a:defRPr/>
+            </a:pPr>
+            <a:r>
+              <a:rPr lang="ru-RU"/>
+              <a:t/>
+            </a:r>
+            <a:r>
+              <a:rPr lang="en-US" sz="1200" i="true">
+                <a:solidFill>
+                  <a:srgbClr val="FF0000"/>
+                </a:solidFill>
+                <a:latin typeface="Calibri"/>
+              </a:rPr>
+              <a:t>Alcatel-Lucent Enterprise - Confidential</a:t>
+            </a:r>
+            <a:br>
+              <a:rPr lang="en-US" sz="1200" i="true">
+                <a:solidFill>
+                  <a:srgbClr val="FF0000"/>
+                </a:solidFill>
+                <a:latin typeface="Calibri"/>
+              </a:rPr>
+            </a:br>
+            <a:r>
+              <a:rPr lang="en-US" sz="1200" b="true">
+                <a:latin typeface="Calibri"/>
+              </a:rPr>
+              <a:t>Solely for authorized persons having a need to know</a:t>
+            </a:r>
+            <a:br>
+              <a:rPr lang="en-US" sz="1200" b="true">
+                <a:latin typeface="Calibri"/>
+              </a:rPr>
+            </a:br>
+            <a:r>
+              <a:rPr lang="en-US" sz="1200">
+                <a:latin typeface="Calibri"/>
+              </a:rPr>
+              <a:t>Proprietary - Use pursuant to Company Instruction</a:t>
+            </a:r>
+            <a:endParaRPr lang="en-US" sz="1100"/>
+          </a:p>
+        </p:txBody>
+      </p:sp>
+      <p:sp>
+        <p:nvSpPr>
+          <p:cNvPr name="AutoShape 6" id="6"/>
+          <p:cNvSpPr/>
+          <p:nvPr/>
+        </p:nvSpPr>
+        <p:spPr>
+          <a:xfrm>
+            <a:off x="254000" y="8064500"/>
+            <a:ext cx="15748000" cy="12700"/>
+          </a:xfrm>
+          <a:prstGeom prst="line">
+            <a:avLst/>
+          </a:prstGeom>
+          <a:ln>
+            <a:solidFill>
+              <a:srgbClr val="000000"/>
+            </a:solidFill>
+          </a:ln>
+        </p:spPr>
+      </p:sp>
+      <p:sp>
+        <p:nvSpPr>
+          <p:cNvPr name="TextBox 7" id="7"/>
+          <p:cNvSpPr txBox="true"/>
+          <p:nvPr/>
+        </p:nvSpPr>
+        <p:spPr>
+          <a:xfrm>
+            <a:off x="254000" y="1409700"/>
+            <a:ext cx="15748000" cy="7035800"/>
+          </a:xfrm>
+          <a:prstGeom prst="rect">
+            <a:avLst/>
+          </a:prstGeom>
+        </p:spPr>
+        <p:txBody>
+          <a:bodyPr anchor="t" rtlCol="false"/>
+          <a:lstStyle/>
+          <a:p>
+            <a:pPr algn="l">
+              <a:defRPr/>
+            </a:pPr>
+            <a:r>
+              <a:rPr lang="ru-RU"/>
+              <a:t/>
+            </a:r>
+            <a:r>
+              <a:rPr lang="en-US" sz="1400">
+                <a:latin typeface="Calibri"/>
+              </a:rPr>
+              <a:t>A record can't hold both. PowerPoint documents don't have one overall container record. Instead, there are a number of different container records to be found at the top level.</a:t>
+            </a:r>
+            <a:r>
+              <a:rPr lang="en-US" sz="1400">
+                <a:latin typeface="Calibri"/>
+              </a:rPr>
+              <a:t> </a:t>
+            </a:r>
+            <a:r>
+              <a:rPr lang="en-US" sz="1400">
+                <a:latin typeface="Calibri"/>
+              </a:rPr>
+              <a:t>Any numbers or strings stored in the records are always stored in Little Endian format (least important bytes first). This is the case no matter what platform the file was written on - be that a Little Endian or a Big Endian system. </a:t>
+            </a:r>
+            <a:r>
+              <a:rPr lang="en-US" sz="1400">
+                <a:latin typeface="Calibri"/>
+              </a:rPr>
+              <a:t> </a:t>
+            </a:r>
+            <a:r>
+              <a:rPr lang="en-US" sz="1400">
+                <a:latin typeface="Calibri"/>
+              </a:rPr>
+              <a:t>PowerPoint may have Escher (DDF) records embedded in it. These are always held as the children of a PPDrawing record (record type 1036). Escher records have the same format as PowerPoint records.</a:t>
+            </a:r>
+            <a:r>
+              <a:rPr lang="en-US" sz="1400">
+                <a:latin typeface="Calibri"/>
+              </a:rPr>
+              <a:t> </a:t>
+            </a:r>
+            <a:r>
+              <a:rPr lang="en-US" sz="1400">
+                <a:latin typeface="Calibri"/>
+              </a:rPr>
+              <a:t>Hello mate! Hello mate! Hello mate! Hello mate! Hello mate! Hello mate! Hello mate! Hello mate! Hello mate! This is bold and underscore and both and not true false PowerPoint documents are made up of a tree of records. </a:t>
+            </a:r>
+            <a:r>
+              <a:rPr lang="en-US" sz="1400">
+                <a:latin typeface="Calibri"/>
+              </a:rPr>
+              <a:t> </a:t>
+            </a:r>
+            <a:r>
+              <a:rPr lang="en-US" sz="1400">
+                <a:latin typeface="Calibri"/>
+              </a:rPr>
+              <a:t>A record may contain either other records (in which case it is a Container), or data (in which case it's an Atom). A record can't hold both. PowerPoint documents don't have one overall container record. Instead, there are a number of different container records to be found at the top level. Any numbers or strings stored in the records are always stored in Little Endian format (least important bytes first). </a:t>
+            </a:r>
+            <a:r>
+              <a:rPr lang="en-US" sz="1400">
+                <a:latin typeface="Calibri"/>
+              </a:rPr>
+              <a:t> </a:t>
+            </a:r>
+            <a:r>
               <a:rPr lang="en-US" sz="1400">
                 <a:solidFill>
                   <a:srgbClr val="18CB0C"/>
@@ -4603,6 +4879,278 @@
               <a:buFont typeface="Arial"/>
               <a:buChar char="•"/>
             </a:pPr>
+          </a:p>
+        </p:txBody>
+      </p:sp>
+    </p:spTree>
+  </p:cSld>
+  <p:clrMapOvr>
+    <a:masterClrMapping/>
+  </p:clrMapOvr>
+</p:sld>
+</file>
+
+<file path=ppt/slides/slide3.xml><?xml version="1.0" encoding="utf-8"?>
+<p:sld xmlns:p="http://schemas.openxmlformats.org/presentationml/2006/main" xmlns:a="http://schemas.openxmlformats.org/drawingml/2006/main">
+  <p:cSld>
+    <p:spTree>
+      <p:nvGrpSpPr>
+        <p:cNvPr id="1" name=""/>
+        <p:cNvGrpSpPr/>
+        <p:nvPr/>
+      </p:nvGrpSpPr>
+      <p:grpSpPr>
+        <a:xfrm>
+          <a:off x="0" y="0"/>
+          <a:ext cx="0" cy="0"/>
+          <a:chOff x="0" y="0"/>
+          <a:chExt cx="0" cy="0"/>
+        </a:xfrm>
+      </p:grpSpPr>
+      <p:sp>
+        <p:nvSpPr>
+          <p:cNvPr name="TextBox 2" id="2"/>
+          <p:cNvSpPr txBox="true"/>
+          <p:nvPr/>
+        </p:nvSpPr>
+        <p:spPr>
+          <a:xfrm>
+            <a:off x="254000" y="254000"/>
+            <a:ext cx="6350000" cy="762000"/>
+          </a:xfrm>
+          <a:prstGeom prst="rect">
+            <a:avLst/>
+          </a:prstGeom>
+        </p:spPr>
+        <p:txBody>
+          <a:bodyPr anchor="t" rtlCol="false"/>
+          <a:lstStyle/>
+          <a:p>
+            <a:pPr algn="l">
+              <a:defRPr/>
+            </a:pPr>
+            <a:r>
+              <a:rPr lang="ru-RU"/>
+              <a:t/>
+            </a:r>
+            <a:r>
+              <a:rPr lang="en-US" sz="1400" b="true">
+                <a:latin typeface="Calibri"/>
+              </a:rPr>
+              <a:t>Project name: </a:t>
+            </a:r>
+            <a:r>
+              <a:rPr lang="en-US" sz="1400">
+                <a:latin typeface="Calibri"/>
+              </a:rPr>
+              <a:t>Project Grape</a:t>
+            </a:r>
+            <a:br>
+              <a:rPr lang="en-US" sz="1400">
+                <a:latin typeface="Calibri"/>
+              </a:rPr>
+            </a:br>
+            <a:r>
+              <a:rPr lang="en-US" sz="1400" b="true">
+                <a:latin typeface="Calibri"/>
+              </a:rPr>
+              <a:t>Project manager: </a:t>
+            </a:r>
+            <a:r>
+              <a:rPr lang="en-US" sz="1400">
+                <a:latin typeface="Calibri"/>
+              </a:rPr>
+              <a:t>IKSANOV Aleksandr</a:t>
+            </a:r>
+            <a:br>
+              <a:rPr lang="en-US" sz="1400">
+                <a:latin typeface="Calibri"/>
+              </a:rPr>
+            </a:br>
+            <a:r>
+              <a:rPr lang="en-US" sz="1400" b="true">
+                <a:latin typeface="Calibri"/>
+              </a:rPr>
+              <a:t>Last Updated: </a:t>
+            </a:r>
+            <a:r>
+              <a:rPr lang="en-US" sz="1400">
+                <a:latin typeface="Calibri"/>
+              </a:rPr>
+              <a:t>Sun Apr 12 19:42:53 MSK 2020</a:t>
+            </a:r>
+            <a:endParaRPr lang="en-US" sz="1100"/>
+          </a:p>
+        </p:txBody>
+      </p:sp>
+      <p:sp>
+        <p:nvSpPr>
+          <p:cNvPr name="TextBox 3" id="3"/>
+          <p:cNvSpPr txBox="true"/>
+          <p:nvPr/>
+        </p:nvSpPr>
+        <p:spPr>
+          <a:xfrm>
+            <a:off x="254000" y="1155700"/>
+            <a:ext cx="15748000" cy="215900"/>
+          </a:xfrm>
+          <a:prstGeom prst="rect">
+            <a:avLst/>
+          </a:prstGeom>
+        </p:spPr>
+        <p:txBody>
+          <a:bodyPr anchor="t" rtlCol="false"/>
+          <a:lstStyle/>
+          <a:p>
+            <a:pPr algn="l">
+              <a:defRPr/>
+            </a:pPr>
+            <a:r>
+              <a:rPr lang="ru-RU"/>
+              <a:t/>
+            </a:r>
+            <a:r>
+              <a:rPr lang="en-US" sz="1400" b="true">
+                <a:latin typeface="Calibri"/>
+              </a:rPr>
+              <a:t>Executive Status Summary</a:t>
+            </a:r>
+            <a:endParaRPr lang="en-US" sz="1100"/>
+          </a:p>
+        </p:txBody>
+      </p:sp>
+      <p:sp>
+        <p:nvSpPr>
+          <p:cNvPr name="AutoShape 4" id="4"/>
+          <p:cNvSpPr/>
+          <p:nvPr/>
+        </p:nvSpPr>
+        <p:spPr>
+          <a:xfrm>
+            <a:off x="254000" y="1422400"/>
+            <a:ext cx="15748000" cy="12700"/>
+          </a:xfrm>
+          <a:prstGeom prst="line">
+            <a:avLst/>
+          </a:prstGeom>
+          <a:ln>
+            <a:solidFill>
+              <a:srgbClr val="000000"/>
+            </a:solidFill>
+          </a:ln>
+        </p:spPr>
+      </p:sp>
+      <p:sp>
+        <p:nvSpPr>
+          <p:cNvPr name="TextBox 5" id="5"/>
+          <p:cNvSpPr txBox="true"/>
+          <p:nvPr/>
+        </p:nvSpPr>
+        <p:spPr>
+          <a:xfrm>
+            <a:off x="5905500" y="8191500"/>
+            <a:ext cx="4445000" cy="635000"/>
+          </a:xfrm>
+          <a:prstGeom prst="rect">
+            <a:avLst/>
+          </a:prstGeom>
+        </p:spPr>
+        <p:txBody>
+          <a:bodyPr anchor="t" rtlCol="false"/>
+          <a:lstStyle/>
+          <a:p>
+            <a:pPr algn="ctr">
+              <a:defRPr/>
+            </a:pPr>
+            <a:r>
+              <a:rPr lang="ru-RU"/>
+              <a:t/>
+            </a:r>
+            <a:r>
+              <a:rPr lang="en-US" sz="1200" i="true">
+                <a:solidFill>
+                  <a:srgbClr val="FF0000"/>
+                </a:solidFill>
+                <a:latin typeface="Calibri"/>
+              </a:rPr>
+              <a:t>Alcatel-Lucent Enterprise - Confidential</a:t>
+            </a:r>
+            <a:br>
+              <a:rPr lang="en-US" sz="1200" i="true">
+                <a:solidFill>
+                  <a:srgbClr val="FF0000"/>
+                </a:solidFill>
+                <a:latin typeface="Calibri"/>
+              </a:rPr>
+            </a:br>
+            <a:r>
+              <a:rPr lang="en-US" sz="1200" b="true">
+                <a:latin typeface="Calibri"/>
+              </a:rPr>
+              <a:t>Solely for authorized persons having a need to know</a:t>
+            </a:r>
+            <a:br>
+              <a:rPr lang="en-US" sz="1200" b="true">
+                <a:latin typeface="Calibri"/>
+              </a:rPr>
+            </a:br>
+            <a:r>
+              <a:rPr lang="en-US" sz="1200">
+                <a:latin typeface="Calibri"/>
+              </a:rPr>
+              <a:t>Proprietary - Use pursuant to Company Instruction</a:t>
+            </a:r>
+            <a:endParaRPr lang="en-US" sz="1100"/>
+          </a:p>
+        </p:txBody>
+      </p:sp>
+      <p:sp>
+        <p:nvSpPr>
+          <p:cNvPr name="AutoShape 6" id="6"/>
+          <p:cNvSpPr/>
+          <p:nvPr/>
+        </p:nvSpPr>
+        <p:spPr>
+          <a:xfrm>
+            <a:off x="254000" y="8064500"/>
+            <a:ext cx="15748000" cy="12700"/>
+          </a:xfrm>
+          <a:prstGeom prst="line">
+            <a:avLst/>
+          </a:prstGeom>
+          <a:ln>
+            <a:solidFill>
+              <a:srgbClr val="000000"/>
+            </a:solidFill>
+          </a:ln>
+        </p:spPr>
+      </p:sp>
+      <p:sp>
+        <p:nvSpPr>
+          <p:cNvPr name="TextBox 7" id="7"/>
+          <p:cNvSpPr txBox="true"/>
+          <p:nvPr/>
+        </p:nvSpPr>
+        <p:spPr>
+          <a:xfrm>
+            <a:off x="254000" y="1409700"/>
+            <a:ext cx="15748000" cy="7035800"/>
+          </a:xfrm>
+          <a:prstGeom prst="rect">
+            <a:avLst/>
+          </a:prstGeom>
+        </p:spPr>
+        <p:txBody>
+          <a:bodyPr anchor="t" rtlCol="false"/>
+          <a:lstStyle/>
+          <a:p>
+            <a:pPr algn="l">
+              <a:defRPr/>
+            </a:pPr>
+            <a:r>
+              <a:rPr lang="ru-RU"/>
+              <a:t/>
+            </a:r>
             <a:r>
               <a:rPr lang="en-US" sz="1400">
                 <a:latin typeface="Calibri"/>
@@ -4615,6 +5163,7 @@
               </a:rPr>
               <a:t> </a:t>
             </a:r>
+            <a:endParaRPr lang="en-US" sz="1100"/>
           </a:p>
           <a:p>
             <a:pPr>
@@ -4656,6 +5205,24 @@
                 <a:latin typeface="Calibri"/>
               </a:rPr>
               <a:t>q</a:t>
+            </a:r>
+            <a:r>
+              <a:rPr lang="en-US" sz="1400">
+                <a:latin typeface="Calibri"/>
+              </a:rPr>
+              <a:t> </a:t>
+            </a:r>
+          </a:p>
+          <a:p>
+            <a:pPr>
+              <a:buFont typeface="Arial"/>
+              <a:buChar char="•"/>
+            </a:pPr>
+            <a:r>
+              <a:rPr lang="en-US" sz="1400">
+                <a:latin typeface="Calibri"/>
+              </a:rPr>
+              <a:t>sss</a:t>
             </a:r>
             <a:r>
               <a:rPr lang="en-US" sz="1400">

--- a/html-to-ppt/TextFormat.pptx
+++ b/html-to-ppt/TextFormat.pptx
@@ -7,7 +7,6 @@
   <p:sldIdLst>
     <p:sldId id="256" r:id="rId6"/>
     <p:sldId id="257" r:id="rId7"/>
-    <p:sldId id="258" r:id="rId8"/>
   </p:sldIdLst>
   <p:sldSz cx="16256000" cy="9144000"/>
   <p:notesSz cx="6858000" cy="9144000"/>
@@ -3131,7 +3130,7 @@
               <a:rPr lang="en-US" sz="1400">
                 <a:latin typeface="Calibri"/>
               </a:rPr>
-              <a:t>Sun Apr 12 19:42:53 MSK 2020</a:t>
+              <a:t>Mon Apr 13 14:58:13 MSK 2020</a:t>
             </a:r>
             <a:endParaRPr lang="en-US" sz="1100"/>
           </a:p>
@@ -3145,7 +3144,7 @@
         </p:nvSpPr>
         <p:spPr>
           <a:xfrm>
-            <a:off x="254000" y="1155700"/>
+            <a:off x="254000" y="1244600"/>
             <a:ext cx="15748000" cy="215900"/>
           </a:xfrm>
           <a:prstGeom prst="rect">
@@ -3181,7 +3180,7 @@
         </p:nvSpPr>
         <p:spPr>
           <a:xfrm>
-            <a:off x="254000" y="1422400"/>
+            <a:off x="254000" y="1562100"/>
             <a:ext cx="15748000" cy="12700"/>
           </a:xfrm>
           <a:prstGeom prst="line">
@@ -3761,8 +3760,8 @@
         </p:nvSpPr>
         <p:spPr>
           <a:xfrm>
-            <a:off x="254000" y="1409700"/>
-            <a:ext cx="15748000" cy="7035800"/>
+            <a:off x="254000" y="1562100"/>
+            <a:ext cx="15748000" cy="6375400"/>
           </a:xfrm>
           <a:prstGeom prst="rect">
             <a:avLst/>
@@ -3788,12 +3787,6 @@
               </a:rPr>
               <a:t>Hello mate! Hello mate! Hello mate! Hello mate! Hello mate! Hello mate! Hello mate! Hello mate! Hello mate!</a:t>
             </a:r>
-            <a:r>
-              <a:rPr lang="en-US" sz="1400">
-                <a:latin typeface="Calibri"/>
-              </a:rPr>
-              <a:t> </a:t>
-            </a:r>
           </a:p>
           <a:p>
             <a:r>
@@ -3860,26 +3853,196 @@
           <a:p>
             <a:r>
               <a:rPr lang="en-US" sz="1400">
-                <a:latin typeface="Calibri"/>
-              </a:rPr>
-              <a:t> </a:t>
-            </a:r>
-            <a:r>
-              <a:rPr lang="en-US" sz="1400">
+                <a:solidFill>
+                  <a:srgbClr val="FF0000"/>
+                </a:solidFill>
+                <a:latin typeface="Calibri"/>
+              </a:rPr>
+              <a:t> </a:t>
+            </a:r>
+            <a:r>
+              <a:rPr lang="en-US" sz="1400">
+                <a:solidFill>
+                  <a:srgbClr val="FF0000"/>
+                </a:solidFill>
                 <a:latin typeface="Calibri"/>
               </a:rPr>
               <a:t>PowerPoint documents are made up of a tree of records. A record may contain either other records (in which case it is a Container), or data (in which case it's an Atom). </a:t>
             </a:r>
             <a:r>
               <a:rPr lang="en-US" sz="1400">
-                <a:latin typeface="Calibri"/>
-              </a:rPr>
-              <a:t> </a:t>
-            </a:r>
-            <a:r>
-              <a:rPr lang="en-US" sz="1400">
-                <a:solidFill>
-                  <a:srgbClr val="18CB0C"/>
+                <a:solidFill>
+                  <a:srgbClr val="FF0000"/>
+                </a:solidFill>
+                <a:latin typeface="Calibri"/>
+              </a:rPr>
+              <a:t> </a:t>
+            </a:r>
+            <a:r>
+              <a:rPr lang="en-US" sz="1400">
+                <a:solidFill>
+                  <a:srgbClr val="FF0000"/>
+                </a:solidFill>
+                <a:latin typeface="Calibri"/>
+              </a:rPr>
+              <a:t> A record can't hold both. PowerPoint documents don't have one overall container record. Instead, there are a number of different container records to be found at the top level.</a:t>
+            </a:r>
+            <a:r>
+              <a:rPr lang="en-US" sz="1400">
+                <a:solidFill>
+                  <a:srgbClr val="FF0000"/>
+                </a:solidFill>
+                <a:latin typeface="Calibri"/>
+              </a:rPr>
+              <a:t> </a:t>
+            </a:r>
+            <a:r>
+              <a:rPr lang="en-US" sz="1400">
+                <a:solidFill>
+                  <a:srgbClr val="FF0000"/>
+                </a:solidFill>
+                <a:latin typeface="Calibri"/>
+              </a:rPr>
+              <a:t>Any numbers or strings stored in the records are always stored in Little Endian format (least important bytes first). This is the case no matter what platform the file was written on - be that a Little Endian or a Big Endian system. </a:t>
+            </a:r>
+            <a:r>
+              <a:rPr lang="en-US" sz="1400">
+                <a:solidFill>
+                  <a:srgbClr val="FF0000"/>
+                </a:solidFill>
+                <a:latin typeface="Calibri"/>
+              </a:rPr>
+              <a:t> </a:t>
+            </a:r>
+            <a:r>
+              <a:rPr lang="en-US" sz="1400">
+                <a:solidFill>
+                  <a:srgbClr val="FF0000"/>
+                </a:solidFill>
+                <a:latin typeface="Calibri"/>
+              </a:rPr>
+              <a:t>PowerPoint may have Escher (DDF) records embedded in it. These are always held as the children of a PPDrawing record (record type 1036). Escher records have the same format as PowerPoint records.</a:t>
+            </a:r>
+            <a:r>
+              <a:rPr lang="en-US" sz="1400">
+                <a:solidFill>
+                  <a:srgbClr val="FF0000"/>
+                </a:solidFill>
+                <a:latin typeface="Calibri"/>
+              </a:rPr>
+              <a:t> </a:t>
+            </a:r>
+            <a:r>
+              <a:rPr lang="en-US" sz="1400">
+                <a:solidFill>
+                  <a:srgbClr val="FF0000"/>
+                </a:solidFill>
+                <a:latin typeface="Calibri"/>
+              </a:rPr>
+              <a:t>Hello mate! Hello mate! Hello mate! Hello mate! Hello mate! Hello mate! Hello mate! Hello mate! Hello mate! This is bold and underscore and both and not true false PowerPoint documents are made up of a tree of records. </a:t>
+            </a:r>
+            <a:r>
+              <a:rPr lang="en-US" sz="1400">
+                <a:solidFill>
+                  <a:srgbClr val="FF0000"/>
+                </a:solidFill>
+                <a:latin typeface="Calibri"/>
+              </a:rPr>
+              <a:t> </a:t>
+            </a:r>
+            <a:r>
+              <a:rPr lang="en-US" sz="1400">
+                <a:solidFill>
+                  <a:srgbClr val="FF0000"/>
+                </a:solidFill>
+                <a:latin typeface="Calibri"/>
+              </a:rPr>
+              <a:t>A record may contain either other records (in which case it is a Container), or data (in which case it's an Atom). A record can't hold both. PowerPoint documents don't have one overall container record. Instead, there are a number of different container records to be found at the top level. Any numbers or strings stored in the records are always stored in Little Endian format (least important bytes first). </a:t>
+            </a:r>
+            <a:r>
+              <a:rPr lang="en-US" sz="1400">
+                <a:solidFill>
+                  <a:srgbClr val="FF0000"/>
+                </a:solidFill>
+                <a:latin typeface="Calibri"/>
+              </a:rPr>
+              <a:t> </a:t>
+            </a:r>
+            <a:r>
+              <a:rPr lang="en-US" sz="1400">
+                <a:solidFill>
+                  <a:srgbClr val="FF0000"/>
+                </a:solidFill>
+                <a:latin typeface="Calibri"/>
+              </a:rPr>
+              <a:t>This is the case no matter what platform the file was written on - be that a Little Endian or a Big Endian system. PowerPoint may have Escher (DDF) records embedded in it. These are always held as the children of a PPDrawing record (record type 1036). Escher records have the same format as PowerPoint records. Hello mate! Hello mate! Hello mate! Hello mate! Hello mate! Hello mate! Hello mate! Hello mate! Hello mate! This is bold and underscore and both and not true false PowerPoint documents are made up of a tree of records.</a:t>
+            </a:r>
+            <a:r>
+              <a:rPr lang="en-US" sz="1400">
+                <a:solidFill>
+                  <a:srgbClr val="FF0000"/>
+                </a:solidFill>
+                <a:latin typeface="Calibri"/>
+              </a:rPr>
+              <a:t> </a:t>
+            </a:r>
+            <a:r>
+              <a:rPr lang="en-US" sz="1400">
+                <a:solidFill>
+                  <a:srgbClr val="FF0000"/>
+                </a:solidFill>
+                <a:latin typeface="Calibri"/>
+              </a:rPr>
+              <a:t>A record may contain either other records (in which case it is a Container), or data (in which case it's an Atom). A record can't hold both. PowerPoint documents don't have one overall container record</a:t>
+            </a:r>
+            <a:r>
+              <a:rPr lang="en-US" sz="1400">
+                <a:solidFill>
+                  <a:srgbClr val="FF0000"/>
+                </a:solidFill>
+                <a:latin typeface="Calibri"/>
+              </a:rPr>
+              <a:t> </a:t>
+            </a:r>
+            <a:r>
+              <a:rPr lang="en-US" sz="1400">
+                <a:latin typeface="Calibri"/>
+              </a:rPr>
+              <a:t> </a:t>
+            </a:r>
+          </a:p>
+          <a:p>
+            <a:r>
+              <a:rPr lang="en-US" sz="1400">
+                <a:solidFill>
+                  <a:srgbClr val="00FF00"/>
+                </a:solidFill>
+                <a:latin typeface="Calibri"/>
+              </a:rPr>
+              <a:t> </a:t>
+            </a:r>
+            <a:r>
+              <a:rPr lang="en-US" sz="1400">
+                <a:solidFill>
+                  <a:srgbClr val="00FF00"/>
+                </a:solidFill>
+                <a:latin typeface="Calibri"/>
+              </a:rPr>
+              <a:t>PowerPoint documents are made up of a tree of records. A record may contain either other records (in which case it is a Container), or data (in which case it's an Atom). </a:t>
+            </a:r>
+            <a:r>
+              <a:rPr lang="en-US" sz="1400">
+                <a:solidFill>
+                  <a:srgbClr val="00FF00"/>
+                </a:solidFill>
+                <a:latin typeface="Calibri"/>
+              </a:rPr>
+              <a:t> </a:t>
+            </a:r>
+            <a:r>
+              <a:rPr lang="en-US" sz="1400">
+                <a:solidFill>
+                  <a:srgbClr val="00FF00"/>
                 </a:solidFill>
                 <a:latin typeface="Calibri"/>
               </a:rPr>
@@ -3887,214 +4050,242 @@
             </a:r>
             <a:r>
               <a:rPr lang="en-US" sz="1400">
-                <a:latin typeface="Calibri"/>
-              </a:rPr>
-              <a:t> </a:t>
-            </a:r>
-            <a:r>
-              <a:rPr lang="en-US" sz="1400">
+                <a:solidFill>
+                  <a:srgbClr val="00FF00"/>
+                </a:solidFill>
+                <a:latin typeface="Calibri"/>
+              </a:rPr>
+              <a:t> </a:t>
+            </a:r>
+            <a:r>
+              <a:rPr lang="en-US" sz="1400">
+                <a:solidFill>
+                  <a:srgbClr val="00FF00"/>
+                </a:solidFill>
                 <a:latin typeface="Calibri"/>
               </a:rPr>
               <a:t>Any numbers or strings stored in the records are always stored in Little Endian format (least important bytes first). This is the case no matter what platform the file was written on - be that a Little Endian or a Big Endian system. </a:t>
             </a:r>
             <a:r>
               <a:rPr lang="en-US" sz="1400">
-                <a:latin typeface="Calibri"/>
-              </a:rPr>
-              <a:t> </a:t>
-            </a:r>
-            <a:r>
-              <a:rPr lang="en-US" sz="1400">
+                <a:solidFill>
+                  <a:srgbClr val="00FF00"/>
+                </a:solidFill>
+                <a:latin typeface="Calibri"/>
+              </a:rPr>
+              <a:t> </a:t>
+            </a:r>
+            <a:r>
+              <a:rPr lang="en-US" sz="1400">
+                <a:solidFill>
+                  <a:srgbClr val="00FF00"/>
+                </a:solidFill>
                 <a:latin typeface="Calibri"/>
               </a:rPr>
               <a:t>PowerPoint may have Escher (DDF) records embedded in it. These are always held as the children of a PPDrawing record (record type 1036). Escher records have the same format as PowerPoint records.</a:t>
             </a:r>
             <a:r>
               <a:rPr lang="en-US" sz="1400">
-                <a:latin typeface="Calibri"/>
-              </a:rPr>
-              <a:t> </a:t>
-            </a:r>
-            <a:r>
-              <a:rPr lang="en-US" sz="1400">
+                <a:solidFill>
+                  <a:srgbClr val="00FF00"/>
+                </a:solidFill>
+                <a:latin typeface="Calibri"/>
+              </a:rPr>
+              <a:t> </a:t>
+            </a:r>
+            <a:r>
+              <a:rPr lang="en-US" sz="1400">
+                <a:solidFill>
+                  <a:srgbClr val="00FF00"/>
+                </a:solidFill>
                 <a:latin typeface="Calibri"/>
               </a:rPr>
               <a:t>Hello mate! Hello mate! Hello mate! Hello mate! Hello mate! Hello mate! Hello mate! Hello mate! Hello mate! This is bold and underscore and both and not true false PowerPoint documents are made up of a tree of records. </a:t>
             </a:r>
             <a:r>
               <a:rPr lang="en-US" sz="1400">
-                <a:latin typeface="Calibri"/>
-              </a:rPr>
-              <a:t> </a:t>
-            </a:r>
-            <a:r>
-              <a:rPr lang="en-US" sz="1400">
+                <a:solidFill>
+                  <a:srgbClr val="00FF00"/>
+                </a:solidFill>
+                <a:latin typeface="Calibri"/>
+              </a:rPr>
+              <a:t> </a:t>
+            </a:r>
+            <a:r>
+              <a:rPr lang="en-US" sz="1400">
+                <a:solidFill>
+                  <a:srgbClr val="00FF00"/>
+                </a:solidFill>
                 <a:latin typeface="Calibri"/>
               </a:rPr>
               <a:t>A record may contain either other records (in which case it is a Container), or data (in which case it's an Atom). A record can't hold both. PowerPoint documents don't have one overall container record. Instead, there are a number of different container records to be found at the top level. Any numbers or strings stored in the records are always stored in Little Endian format (least important bytes first). </a:t>
             </a:r>
             <a:r>
               <a:rPr lang="en-US" sz="1400">
-                <a:latin typeface="Calibri"/>
-              </a:rPr>
-              <a:t> </a:t>
-            </a:r>
-            <a:r>
-              <a:rPr lang="en-US" sz="1400">
+                <a:solidFill>
+                  <a:srgbClr val="00FF00"/>
+                </a:solidFill>
+                <a:latin typeface="Calibri"/>
+              </a:rPr>
+              <a:t> </a:t>
+            </a:r>
+            <a:r>
+              <a:rPr lang="en-US" sz="1400">
+                <a:solidFill>
+                  <a:srgbClr val="00FF00"/>
+                </a:solidFill>
                 <a:latin typeface="Calibri"/>
               </a:rPr>
               <a:t>This is the case no matter what platform the file was written on - be that a Little Endian or a Big Endian system. PowerPoint may have Escher (DDF) records embedded in it. These are always held as the children of a PPDrawing record (record type 1036). Escher records have the same format as PowerPoint records. Hello mate! Hello mate! Hello mate! Hello mate! Hello mate! Hello mate! Hello mate! Hello mate! Hello mate! This is bold and underscore and both and not true false PowerPoint documents are made up of a tree of records.</a:t>
             </a:r>
             <a:r>
               <a:rPr lang="en-US" sz="1400">
-                <a:latin typeface="Calibri"/>
-              </a:rPr>
-              <a:t> </a:t>
-            </a:r>
-            <a:r>
-              <a:rPr lang="en-US" sz="1400">
+                <a:solidFill>
+                  <a:srgbClr val="00FF00"/>
+                </a:solidFill>
+                <a:latin typeface="Calibri"/>
+              </a:rPr>
+              <a:t> </a:t>
+            </a:r>
+            <a:r>
+              <a:rPr lang="en-US" sz="1400">
+                <a:solidFill>
+                  <a:srgbClr val="00FF00"/>
+                </a:solidFill>
                 <a:latin typeface="Calibri"/>
               </a:rPr>
               <a:t>A record may contain either other records (in which case it is a Container), or data (in which case it's an Atom). A record can't hold both. PowerPoint documents don't have one overall container record</a:t>
             </a:r>
             <a:r>
               <a:rPr lang="en-US" sz="1400">
-                <a:latin typeface="Calibri"/>
-              </a:rPr>
-              <a:t> </a:t>
-            </a:r>
-            <a:r>
-              <a:rPr lang="en-US" sz="1400">
-                <a:latin typeface="Calibri"/>
-              </a:rPr>
-              <a:t> </a:t>
-            </a:r>
-          </a:p>
-          <a:p>
-            <a:r>
-              <a:rPr lang="en-US" sz="1400">
-                <a:latin typeface="Calibri"/>
-              </a:rPr>
-              <a:t> </a:t>
-            </a:r>
-            <a:r>
-              <a:rPr lang="en-US" sz="1400">
+                <a:solidFill>
+                  <a:srgbClr val="00FF00"/>
+                </a:solidFill>
+                <a:latin typeface="Calibri"/>
+              </a:rPr>
+              <a:t> </a:t>
+            </a:r>
+            <a:r>
+              <a:rPr lang="en-US" sz="1400">
+                <a:latin typeface="Calibri"/>
+              </a:rPr>
+              <a:t> </a:t>
+            </a:r>
+          </a:p>
+          <a:p>
+            <a:r>
+              <a:rPr lang="en-US" sz="1400">
+                <a:solidFill>
+                  <a:srgbClr val="0000FF"/>
+                </a:solidFill>
+                <a:latin typeface="Calibri"/>
+              </a:rPr>
+              <a:t> </a:t>
+            </a:r>
+            <a:r>
+              <a:rPr lang="en-US" sz="1400">
+                <a:solidFill>
+                  <a:srgbClr val="0000FF"/>
+                </a:solidFill>
                 <a:latin typeface="Calibri"/>
               </a:rPr>
               <a:t>PowerPoint documents are made up of a tree of records. A record may contain either other records (in which case it is a Container), or data (in which case it's an Atom). </a:t>
             </a:r>
             <a:r>
               <a:rPr lang="en-US" sz="1400">
-                <a:latin typeface="Calibri"/>
-              </a:rPr>
-              <a:t> </a:t>
-            </a:r>
-            <a:r>
-              <a:rPr lang="en-US" sz="1400">
+                <a:solidFill>
+                  <a:srgbClr val="0000FF"/>
+                </a:solidFill>
+                <a:latin typeface="Calibri"/>
+              </a:rPr>
+              <a:t> </a:t>
+            </a:r>
+            <a:r>
+              <a:rPr lang="en-US" sz="1400">
+                <a:solidFill>
+                  <a:srgbClr val="0000FF"/>
+                </a:solidFill>
                 <a:latin typeface="Calibri"/>
               </a:rPr>
               <a:t>A record can't hold both. PowerPoint documents don't have one overall container record. Instead, there are a number of different container records to be found at the top level.</a:t>
             </a:r>
             <a:r>
               <a:rPr lang="en-US" sz="1400">
-                <a:latin typeface="Calibri"/>
-              </a:rPr>
-              <a:t> </a:t>
-            </a:r>
-            <a:r>
-              <a:rPr lang="en-US" sz="1400">
+                <a:solidFill>
+                  <a:srgbClr val="0000FF"/>
+                </a:solidFill>
+                <a:latin typeface="Calibri"/>
+              </a:rPr>
+              <a:t> </a:t>
+            </a:r>
+            <a:r>
+              <a:rPr lang="en-US" sz="1400">
+                <a:solidFill>
+                  <a:srgbClr val="0000FF"/>
+                </a:solidFill>
                 <a:latin typeface="Calibri"/>
               </a:rPr>
               <a:t>Any numbers or strings stored in the records are always stored in Little Endian format (least important bytes first). This is the case no matter what platform the file was written on - be that a Little Endian or a Big Endian system. </a:t>
             </a:r>
             <a:r>
               <a:rPr lang="en-US" sz="1400">
-                <a:latin typeface="Calibri"/>
-              </a:rPr>
-              <a:t> </a:t>
-            </a:r>
-            <a:r>
-              <a:rPr lang="en-US" sz="1400">
+                <a:solidFill>
+                  <a:srgbClr val="0000FF"/>
+                </a:solidFill>
+                <a:latin typeface="Calibri"/>
+              </a:rPr>
+              <a:t> </a:t>
+            </a:r>
+            <a:r>
+              <a:rPr lang="en-US" sz="1400">
+                <a:solidFill>
+                  <a:srgbClr val="0000FF"/>
+                </a:solidFill>
                 <a:latin typeface="Calibri"/>
               </a:rPr>
               <a:t>PowerPoint may have Escher (DDF) records embedded in it. These are always held as the children of a PPDrawing record (record type 1036). Escher records have the same format as PowerPoint records.</a:t>
             </a:r>
             <a:r>
               <a:rPr lang="en-US" sz="1400">
-                <a:latin typeface="Calibri"/>
-              </a:rPr>
-              <a:t> </a:t>
-            </a:r>
-            <a:r>
-              <a:rPr lang="en-US" sz="1400">
+                <a:solidFill>
+                  <a:srgbClr val="0000FF"/>
+                </a:solidFill>
+                <a:latin typeface="Calibri"/>
+              </a:rPr>
+              <a:t> </a:t>
+            </a:r>
+            <a:r>
+              <a:rPr lang="en-US" sz="1400">
+                <a:solidFill>
+                  <a:srgbClr val="0000FF"/>
+                </a:solidFill>
                 <a:latin typeface="Calibri"/>
               </a:rPr>
               <a:t>Hello mate! Hello mate! Hello mate! Hello mate! Hello mate! Hello mate! Hello mate! Hello mate! Hello mate! This is bold and underscore and both and not true false PowerPoint documents are made up of a tree of records. </a:t>
             </a:r>
             <a:r>
               <a:rPr lang="en-US" sz="1400">
-                <a:latin typeface="Calibri"/>
-              </a:rPr>
-              <a:t> </a:t>
-            </a:r>
-            <a:r>
-              <a:rPr lang="en-US" sz="1400">
+                <a:solidFill>
+                  <a:srgbClr val="0000FF"/>
+                </a:solidFill>
+                <a:latin typeface="Calibri"/>
+              </a:rPr>
+              <a:t> </a:t>
+            </a:r>
+            <a:r>
+              <a:rPr lang="en-US" sz="1400">
+                <a:solidFill>
+                  <a:srgbClr val="0000FF"/>
+                </a:solidFill>
                 <a:latin typeface="Calibri"/>
               </a:rPr>
               <a:t>A record may contain either other records (in which case it is a Container), or data (in which case it's an Atom). A record can't hold both. PowerPoint documents don't have one overall container record. Instead, there are a number of different container records to be found at the top level. Any numbers or strings stored in the records are always stored in Little Endian format (least important bytes first). </a:t>
             </a:r>
             <a:r>
               <a:rPr lang="en-US" sz="1400">
-                <a:latin typeface="Calibri"/>
-              </a:rPr>
-              <a:t> </a:t>
-            </a:r>
-            <a:r>
-              <a:rPr lang="en-US" sz="1400">
-                <a:latin typeface="Calibri"/>
-              </a:rPr>
-              <a:t>This is the case no matter what platform the file was written on - be that a Little Endian or a Big Endian system. PowerPoint may have Escher (DDF) records embedded in it. These are always held as the children of a PPDrawing record (record type 1036). Escher records have the same format as PowerPoint records. Hello mate! Hello mate! Hello mate! Hello mate! Hello mate! Hello mate! Hello mate! Hello mate! Hello mate! This is bold and underscore and both and not true false PowerPoint documents are made up of a tree of records.</a:t>
-            </a:r>
-            <a:r>
-              <a:rPr lang="en-US" sz="1400">
-                <a:latin typeface="Calibri"/>
-              </a:rPr>
-              <a:t> </a:t>
-            </a:r>
-            <a:r>
-              <a:rPr lang="en-US" sz="1400">
-                <a:latin typeface="Calibri"/>
-              </a:rPr>
-              <a:t>A record may contain either other records (in which case it is a Container), or data (in which case it's an Atom). A record can't hold both. PowerPoint documents don't have one overall container record</a:t>
-            </a:r>
-            <a:r>
-              <a:rPr lang="en-US" sz="1400">
-                <a:latin typeface="Calibri"/>
-              </a:rPr>
-              <a:t> </a:t>
-            </a:r>
-            <a:r>
-              <a:rPr lang="en-US" sz="1400">
-                <a:latin typeface="Calibri"/>
-              </a:rPr>
-              <a:t> </a:t>
-            </a:r>
-          </a:p>
-          <a:p>
-            <a:r>
-              <a:rPr lang="en-US" sz="1400">
-                <a:latin typeface="Calibri"/>
-              </a:rPr>
-              <a:t> </a:t>
-            </a:r>
-            <a:r>
-              <a:rPr lang="en-US" sz="1400">
-                <a:latin typeface="Calibri"/>
-              </a:rPr>
-              <a:t>PowerPoint documents are made up of a tree of records. A record may contain either other records (in which case it is a Container), or data (in which case it's an Atom). </a:t>
-            </a:r>
-            <a:r>
-              <a:rPr lang="en-US" sz="1400">
+                <a:solidFill>
+                  <a:srgbClr val="0000FF"/>
+                </a:solidFill>
                 <a:latin typeface="Calibri"/>
               </a:rPr>
               <a:t> </a:t>
@@ -4197,7 +4388,7 @@
               <a:rPr lang="en-US" sz="1400">
                 <a:latin typeface="Calibri"/>
               </a:rPr>
-              <a:t>Sun Apr 12 19:42:53 MSK 2020</a:t>
+              <a:t>Mon Apr 13 14:58:13 MSK 2020</a:t>
             </a:r>
             <a:endParaRPr lang="en-US" sz="1100"/>
           </a:p>
@@ -4211,7 +4402,7 @@
         </p:nvSpPr>
         <p:spPr>
           <a:xfrm>
-            <a:off x="254000" y="1155700"/>
+            <a:off x="254000" y="1244600"/>
             <a:ext cx="15748000" cy="215900"/>
           </a:xfrm>
           <a:prstGeom prst="rect">
@@ -4247,7 +4438,7 @@
         </p:nvSpPr>
         <p:spPr>
           <a:xfrm>
-            <a:off x="254000" y="1422400"/>
+            <a:off x="254000" y="1562100"/>
             <a:ext cx="15748000" cy="12700"/>
           </a:xfrm>
           <a:prstGeom prst="line">
@@ -4353,8 +4544,8 @@
         </p:nvSpPr>
         <p:spPr>
           <a:xfrm>
-            <a:off x="254000" y="1409700"/>
-            <a:ext cx="15748000" cy="7035800"/>
+            <a:off x="254000" y="1562100"/>
+            <a:ext cx="15748000" cy="6375400"/>
           </a:xfrm>
           <a:prstGeom prst="rect">
             <a:avLst/>
@@ -4373,66 +4564,6 @@
             </a:r>
             <a:r>
               <a:rPr lang="en-US" sz="1400">
-                <a:latin typeface="Calibri"/>
-              </a:rPr>
-              <a:t>A record can't hold both. PowerPoint documents don't have one overall container record. Instead, there are a number of different container records to be found at the top level.</a:t>
-            </a:r>
-            <a:r>
-              <a:rPr lang="en-US" sz="1400">
-                <a:latin typeface="Calibri"/>
-              </a:rPr>
-              <a:t> </a:t>
-            </a:r>
-            <a:r>
-              <a:rPr lang="en-US" sz="1400">
-                <a:latin typeface="Calibri"/>
-              </a:rPr>
-              <a:t>Any numbers or strings stored in the records are always stored in Little Endian format (least important bytes first). This is the case no matter what platform the file was written on - be that a Little Endian or a Big Endian system. </a:t>
-            </a:r>
-            <a:r>
-              <a:rPr lang="en-US" sz="1400">
-                <a:latin typeface="Calibri"/>
-              </a:rPr>
-              <a:t> </a:t>
-            </a:r>
-            <a:r>
-              <a:rPr lang="en-US" sz="1400">
-                <a:latin typeface="Calibri"/>
-              </a:rPr>
-              <a:t>PowerPoint may have Escher (DDF) records embedded in it. These are always held as the children of a PPDrawing record (record type 1036). Escher records have the same format as PowerPoint records.</a:t>
-            </a:r>
-            <a:r>
-              <a:rPr lang="en-US" sz="1400">
-                <a:latin typeface="Calibri"/>
-              </a:rPr>
-              <a:t> </a:t>
-            </a:r>
-            <a:r>
-              <a:rPr lang="en-US" sz="1400">
-                <a:latin typeface="Calibri"/>
-              </a:rPr>
-              <a:t>Hello mate! Hello mate! Hello mate! Hello mate! Hello mate! Hello mate! Hello mate! Hello mate! Hello mate! This is bold and underscore and both and not true false PowerPoint documents are made up of a tree of records. </a:t>
-            </a:r>
-            <a:r>
-              <a:rPr lang="en-US" sz="1400">
-                <a:latin typeface="Calibri"/>
-              </a:rPr>
-              <a:t> </a:t>
-            </a:r>
-            <a:r>
-              <a:rPr lang="en-US" sz="1400">
-                <a:latin typeface="Calibri"/>
-              </a:rPr>
-              <a:t>A record may contain either other records (in which case it is a Container), or data (in which case it's an Atom). A record can't hold both. PowerPoint documents don't have one overall container record. Instead, there are a number of different container records to be found at the top level. Any numbers or strings stored in the records are always stored in Little Endian format (least important bytes first). </a:t>
-            </a:r>
-            <a:r>
-              <a:rPr lang="en-US" sz="1400">
-                <a:latin typeface="Calibri"/>
-              </a:rPr>
-              <a:t> </a:t>
-            </a:r>
-            <a:r>
-              <a:rPr lang="en-US" sz="1400">
                 <a:solidFill>
                   <a:srgbClr val="18CB0C"/>
                 </a:solidFill>
@@ -4442,18 +4573,27 @@
             </a:r>
             <a:r>
               <a:rPr lang="en-US" sz="1400">
-                <a:latin typeface="Calibri"/>
-              </a:rPr>
-              <a:t> </a:t>
-            </a:r>
-            <a:r>
-              <a:rPr lang="en-US" sz="1400">
+                <a:solidFill>
+                  <a:srgbClr val="0000FF"/>
+                </a:solidFill>
+                <a:latin typeface="Calibri"/>
+              </a:rPr>
+              <a:t> </a:t>
+            </a:r>
+            <a:r>
+              <a:rPr lang="en-US" sz="1400">
+                <a:solidFill>
+                  <a:srgbClr val="0000FF"/>
+                </a:solidFill>
                 <a:latin typeface="Calibri"/>
               </a:rPr>
               <a:t>A record may contain either other records (in which case it is a Container), or data (in which case it's an Atom). A record can't hold both. PowerPoint documents don't have one overall container record</a:t>
             </a:r>
             <a:r>
               <a:rPr lang="en-US" sz="1400">
+                <a:solidFill>
+                  <a:srgbClr val="0000FF"/>
+                </a:solidFill>
                 <a:latin typeface="Calibri"/>
               </a:rPr>
               <a:t> </a:t>
@@ -4879,278 +5019,6 @@
               <a:buFont typeface="Arial"/>
               <a:buChar char="•"/>
             </a:pPr>
-          </a:p>
-        </p:txBody>
-      </p:sp>
-    </p:spTree>
-  </p:cSld>
-  <p:clrMapOvr>
-    <a:masterClrMapping/>
-  </p:clrMapOvr>
-</p:sld>
-</file>
-
-<file path=ppt/slides/slide3.xml><?xml version="1.0" encoding="utf-8"?>
-<p:sld xmlns:p="http://schemas.openxmlformats.org/presentationml/2006/main" xmlns:a="http://schemas.openxmlformats.org/drawingml/2006/main">
-  <p:cSld>
-    <p:spTree>
-      <p:nvGrpSpPr>
-        <p:cNvPr id="1" name=""/>
-        <p:cNvGrpSpPr/>
-        <p:nvPr/>
-      </p:nvGrpSpPr>
-      <p:grpSpPr>
-        <a:xfrm>
-          <a:off x="0" y="0"/>
-          <a:ext cx="0" cy="0"/>
-          <a:chOff x="0" y="0"/>
-          <a:chExt cx="0" cy="0"/>
-        </a:xfrm>
-      </p:grpSpPr>
-      <p:sp>
-        <p:nvSpPr>
-          <p:cNvPr name="TextBox 2" id="2"/>
-          <p:cNvSpPr txBox="true"/>
-          <p:nvPr/>
-        </p:nvSpPr>
-        <p:spPr>
-          <a:xfrm>
-            <a:off x="254000" y="254000"/>
-            <a:ext cx="6350000" cy="762000"/>
-          </a:xfrm>
-          <a:prstGeom prst="rect">
-            <a:avLst/>
-          </a:prstGeom>
-        </p:spPr>
-        <p:txBody>
-          <a:bodyPr anchor="t" rtlCol="false"/>
-          <a:lstStyle/>
-          <a:p>
-            <a:pPr algn="l">
-              <a:defRPr/>
-            </a:pPr>
-            <a:r>
-              <a:rPr lang="ru-RU"/>
-              <a:t/>
-            </a:r>
-            <a:r>
-              <a:rPr lang="en-US" sz="1400" b="true">
-                <a:latin typeface="Calibri"/>
-              </a:rPr>
-              <a:t>Project name: </a:t>
-            </a:r>
-            <a:r>
-              <a:rPr lang="en-US" sz="1400">
-                <a:latin typeface="Calibri"/>
-              </a:rPr>
-              <a:t>Project Grape</a:t>
-            </a:r>
-            <a:br>
-              <a:rPr lang="en-US" sz="1400">
-                <a:latin typeface="Calibri"/>
-              </a:rPr>
-            </a:br>
-            <a:r>
-              <a:rPr lang="en-US" sz="1400" b="true">
-                <a:latin typeface="Calibri"/>
-              </a:rPr>
-              <a:t>Project manager: </a:t>
-            </a:r>
-            <a:r>
-              <a:rPr lang="en-US" sz="1400">
-                <a:latin typeface="Calibri"/>
-              </a:rPr>
-              <a:t>IKSANOV Aleksandr</a:t>
-            </a:r>
-            <a:br>
-              <a:rPr lang="en-US" sz="1400">
-                <a:latin typeface="Calibri"/>
-              </a:rPr>
-            </a:br>
-            <a:r>
-              <a:rPr lang="en-US" sz="1400" b="true">
-                <a:latin typeface="Calibri"/>
-              </a:rPr>
-              <a:t>Last Updated: </a:t>
-            </a:r>
-            <a:r>
-              <a:rPr lang="en-US" sz="1400">
-                <a:latin typeface="Calibri"/>
-              </a:rPr>
-              <a:t>Sun Apr 12 19:42:53 MSK 2020</a:t>
-            </a:r>
-            <a:endParaRPr lang="en-US" sz="1100"/>
-          </a:p>
-        </p:txBody>
-      </p:sp>
-      <p:sp>
-        <p:nvSpPr>
-          <p:cNvPr name="TextBox 3" id="3"/>
-          <p:cNvSpPr txBox="true"/>
-          <p:nvPr/>
-        </p:nvSpPr>
-        <p:spPr>
-          <a:xfrm>
-            <a:off x="254000" y="1155700"/>
-            <a:ext cx="15748000" cy="215900"/>
-          </a:xfrm>
-          <a:prstGeom prst="rect">
-            <a:avLst/>
-          </a:prstGeom>
-        </p:spPr>
-        <p:txBody>
-          <a:bodyPr anchor="t" rtlCol="false"/>
-          <a:lstStyle/>
-          <a:p>
-            <a:pPr algn="l">
-              <a:defRPr/>
-            </a:pPr>
-            <a:r>
-              <a:rPr lang="ru-RU"/>
-              <a:t/>
-            </a:r>
-            <a:r>
-              <a:rPr lang="en-US" sz="1400" b="true">
-                <a:latin typeface="Calibri"/>
-              </a:rPr>
-              <a:t>Executive Status Summary</a:t>
-            </a:r>
-            <a:endParaRPr lang="en-US" sz="1100"/>
-          </a:p>
-        </p:txBody>
-      </p:sp>
-      <p:sp>
-        <p:nvSpPr>
-          <p:cNvPr name="AutoShape 4" id="4"/>
-          <p:cNvSpPr/>
-          <p:nvPr/>
-        </p:nvSpPr>
-        <p:spPr>
-          <a:xfrm>
-            <a:off x="254000" y="1422400"/>
-            <a:ext cx="15748000" cy="12700"/>
-          </a:xfrm>
-          <a:prstGeom prst="line">
-            <a:avLst/>
-          </a:prstGeom>
-          <a:ln>
-            <a:solidFill>
-              <a:srgbClr val="000000"/>
-            </a:solidFill>
-          </a:ln>
-        </p:spPr>
-      </p:sp>
-      <p:sp>
-        <p:nvSpPr>
-          <p:cNvPr name="TextBox 5" id="5"/>
-          <p:cNvSpPr txBox="true"/>
-          <p:nvPr/>
-        </p:nvSpPr>
-        <p:spPr>
-          <a:xfrm>
-            <a:off x="5905500" y="8191500"/>
-            <a:ext cx="4445000" cy="635000"/>
-          </a:xfrm>
-          <a:prstGeom prst="rect">
-            <a:avLst/>
-          </a:prstGeom>
-        </p:spPr>
-        <p:txBody>
-          <a:bodyPr anchor="t" rtlCol="false"/>
-          <a:lstStyle/>
-          <a:p>
-            <a:pPr algn="ctr">
-              <a:defRPr/>
-            </a:pPr>
-            <a:r>
-              <a:rPr lang="ru-RU"/>
-              <a:t/>
-            </a:r>
-            <a:r>
-              <a:rPr lang="en-US" sz="1200" i="true">
-                <a:solidFill>
-                  <a:srgbClr val="FF0000"/>
-                </a:solidFill>
-                <a:latin typeface="Calibri"/>
-              </a:rPr>
-              <a:t>Alcatel-Lucent Enterprise - Confidential</a:t>
-            </a:r>
-            <a:br>
-              <a:rPr lang="en-US" sz="1200" i="true">
-                <a:solidFill>
-                  <a:srgbClr val="FF0000"/>
-                </a:solidFill>
-                <a:latin typeface="Calibri"/>
-              </a:rPr>
-            </a:br>
-            <a:r>
-              <a:rPr lang="en-US" sz="1200" b="true">
-                <a:latin typeface="Calibri"/>
-              </a:rPr>
-              <a:t>Solely for authorized persons having a need to know</a:t>
-            </a:r>
-            <a:br>
-              <a:rPr lang="en-US" sz="1200" b="true">
-                <a:latin typeface="Calibri"/>
-              </a:rPr>
-            </a:br>
-            <a:r>
-              <a:rPr lang="en-US" sz="1200">
-                <a:latin typeface="Calibri"/>
-              </a:rPr>
-              <a:t>Proprietary - Use pursuant to Company Instruction</a:t>
-            </a:r>
-            <a:endParaRPr lang="en-US" sz="1100"/>
-          </a:p>
-        </p:txBody>
-      </p:sp>
-      <p:sp>
-        <p:nvSpPr>
-          <p:cNvPr name="AutoShape 6" id="6"/>
-          <p:cNvSpPr/>
-          <p:nvPr/>
-        </p:nvSpPr>
-        <p:spPr>
-          <a:xfrm>
-            <a:off x="254000" y="8064500"/>
-            <a:ext cx="15748000" cy="12700"/>
-          </a:xfrm>
-          <a:prstGeom prst="line">
-            <a:avLst/>
-          </a:prstGeom>
-          <a:ln>
-            <a:solidFill>
-              <a:srgbClr val="000000"/>
-            </a:solidFill>
-          </a:ln>
-        </p:spPr>
-      </p:sp>
-      <p:sp>
-        <p:nvSpPr>
-          <p:cNvPr name="TextBox 7" id="7"/>
-          <p:cNvSpPr txBox="true"/>
-          <p:nvPr/>
-        </p:nvSpPr>
-        <p:spPr>
-          <a:xfrm>
-            <a:off x="254000" y="1409700"/>
-            <a:ext cx="15748000" cy="7035800"/>
-          </a:xfrm>
-          <a:prstGeom prst="rect">
-            <a:avLst/>
-          </a:prstGeom>
-        </p:spPr>
-        <p:txBody>
-          <a:bodyPr anchor="t" rtlCol="false"/>
-          <a:lstStyle/>
-          <a:p>
-            <a:pPr algn="l">
-              <a:defRPr/>
-            </a:pPr>
-            <a:r>
-              <a:rPr lang="ru-RU"/>
-              <a:t/>
-            </a:r>
             <a:r>
               <a:rPr lang="en-US" sz="1400">
                 <a:latin typeface="Calibri"/>
@@ -5163,7 +5031,6 @@
               </a:rPr>
               <a:t> </a:t>
             </a:r>
-            <a:endParaRPr lang="en-US" sz="1100"/>
           </a:p>
           <a:p>
             <a:pPr>

--- a/html-to-ppt/TextFormat.pptx
+++ b/html-to-ppt/TextFormat.pptx
@@ -7,6 +7,7 @@
   <p:sldIdLst>
     <p:sldId id="256" r:id="rId6"/>
     <p:sldId id="257" r:id="rId7"/>
+    <p:sldId id="258" r:id="rId8"/>
   </p:sldIdLst>
   <p:sldSz cx="16256000" cy="9144000"/>
   <p:notesSz cx="6858000" cy="9144000"/>
@@ -3130,7 +3131,7 @@
               <a:rPr lang="en-US" sz="1400">
                 <a:latin typeface="Calibri"/>
               </a:rPr>
-              <a:t>Mon Apr 13 14:58:13 MSK 2020</a:t>
+              <a:t>Mon Apr 13 16:12:57 MSK 2020</a:t>
             </a:r>
             <a:endParaRPr lang="en-US" sz="1100"/>
           </a:p>
@@ -4272,24 +4273,6 @@
               </a:rPr>
               <a:t> </a:t>
             </a:r>
-            <a:r>
-              <a:rPr lang="en-US" sz="1400">
-                <a:solidFill>
-                  <a:srgbClr val="0000FF"/>
-                </a:solidFill>
-                <a:latin typeface="Calibri"/>
-              </a:rPr>
-              <a:t>A record may contain either other records (in which case it is a Container), or data (in which case it's an Atom). A record can't hold both. PowerPoint documents don't have one overall container record. Instead, there are a number of different container records to be found at the top level. Any numbers or strings stored in the records are always stored in Little Endian format (least important bytes first). </a:t>
-            </a:r>
-            <a:r>
-              <a:rPr lang="en-US" sz="1400">
-                <a:solidFill>
-                  <a:srgbClr val="0000FF"/>
-                </a:solidFill>
-                <a:latin typeface="Calibri"/>
-              </a:rPr>
-              <a:t> </a:t>
-            </a:r>
           </a:p>
         </p:txBody>
       </p:sp>
@@ -4388,7 +4371,7 @@
               <a:rPr lang="en-US" sz="1400">
                 <a:latin typeface="Calibri"/>
               </a:rPr>
-              <a:t>Mon Apr 13 14:58:13 MSK 2020</a:t>
+              <a:t>Mon Apr 13 16:12:57 MSK 2020</a:t>
             </a:r>
             <a:endParaRPr lang="en-US" sz="1100"/>
           </a:p>
@@ -4565,6 +4548,24 @@
             <a:r>
               <a:rPr lang="en-US" sz="1400">
                 <a:solidFill>
+                  <a:srgbClr val="0000FF"/>
+                </a:solidFill>
+                <a:latin typeface="Calibri"/>
+              </a:rPr>
+              <a:t>A record may contain either other records (in which case it is a Container), or data (in which case it's an Atom). A record can't hold both. PowerPoint documents don't have one overall container record. Instead, there are a number of different container records to be found at the top level. Any numbers or strings stored in the records are always stored in Little Endian format (least important bytes first). </a:t>
+            </a:r>
+            <a:r>
+              <a:rPr lang="en-US" sz="1400">
+                <a:solidFill>
+                  <a:srgbClr val="0000FF"/>
+                </a:solidFill>
+                <a:latin typeface="Calibri"/>
+              </a:rPr>
+              <a:t> </a:t>
+            </a:r>
+            <a:r>
+              <a:rPr lang="en-US" sz="1400">
+                <a:solidFill>
                   <a:srgbClr val="18CB0C"/>
                 </a:solidFill>
                 <a:latin typeface="Calibri"/>
@@ -5067,6 +5068,278 @@
               <a:buFont typeface="Arial"/>
               <a:buChar char="•"/>
             </a:pPr>
+          </a:p>
+        </p:txBody>
+      </p:sp>
+    </p:spTree>
+  </p:cSld>
+  <p:clrMapOvr>
+    <a:masterClrMapping/>
+  </p:clrMapOvr>
+</p:sld>
+</file>
+
+<file path=ppt/slides/slide3.xml><?xml version="1.0" encoding="utf-8"?>
+<p:sld xmlns:p="http://schemas.openxmlformats.org/presentationml/2006/main" xmlns:a="http://schemas.openxmlformats.org/drawingml/2006/main">
+  <p:cSld>
+    <p:spTree>
+      <p:nvGrpSpPr>
+        <p:cNvPr id="1" name=""/>
+        <p:cNvGrpSpPr/>
+        <p:nvPr/>
+      </p:nvGrpSpPr>
+      <p:grpSpPr>
+        <a:xfrm>
+          <a:off x="0" y="0"/>
+          <a:ext cx="0" cy="0"/>
+          <a:chOff x="0" y="0"/>
+          <a:chExt cx="0" cy="0"/>
+        </a:xfrm>
+      </p:grpSpPr>
+      <p:sp>
+        <p:nvSpPr>
+          <p:cNvPr name="TextBox 2" id="2"/>
+          <p:cNvSpPr txBox="true"/>
+          <p:nvPr/>
+        </p:nvSpPr>
+        <p:spPr>
+          <a:xfrm>
+            <a:off x="254000" y="254000"/>
+            <a:ext cx="6350000" cy="762000"/>
+          </a:xfrm>
+          <a:prstGeom prst="rect">
+            <a:avLst/>
+          </a:prstGeom>
+        </p:spPr>
+        <p:txBody>
+          <a:bodyPr anchor="t" rtlCol="false"/>
+          <a:lstStyle/>
+          <a:p>
+            <a:pPr algn="l">
+              <a:defRPr/>
+            </a:pPr>
+            <a:r>
+              <a:rPr lang="ru-RU"/>
+              <a:t/>
+            </a:r>
+            <a:r>
+              <a:rPr lang="en-US" sz="1400" b="true">
+                <a:latin typeface="Calibri"/>
+              </a:rPr>
+              <a:t>Project name: </a:t>
+            </a:r>
+            <a:r>
+              <a:rPr lang="en-US" sz="1400">
+                <a:latin typeface="Calibri"/>
+              </a:rPr>
+              <a:t>Project Grape</a:t>
+            </a:r>
+            <a:br>
+              <a:rPr lang="en-US" sz="1400">
+                <a:latin typeface="Calibri"/>
+              </a:rPr>
+            </a:br>
+            <a:r>
+              <a:rPr lang="en-US" sz="1400" b="true">
+                <a:latin typeface="Calibri"/>
+              </a:rPr>
+              <a:t>Project manager: </a:t>
+            </a:r>
+            <a:r>
+              <a:rPr lang="en-US" sz="1400">
+                <a:latin typeface="Calibri"/>
+              </a:rPr>
+              <a:t>IKSANOV Aleksandr</a:t>
+            </a:r>
+            <a:br>
+              <a:rPr lang="en-US" sz="1400">
+                <a:latin typeface="Calibri"/>
+              </a:rPr>
+            </a:br>
+            <a:r>
+              <a:rPr lang="en-US" sz="1400" b="true">
+                <a:latin typeface="Calibri"/>
+              </a:rPr>
+              <a:t>Last Updated: </a:t>
+            </a:r>
+            <a:r>
+              <a:rPr lang="en-US" sz="1400">
+                <a:latin typeface="Calibri"/>
+              </a:rPr>
+              <a:t>Mon Apr 13 16:12:57 MSK 2020</a:t>
+            </a:r>
+            <a:endParaRPr lang="en-US" sz="1100"/>
+          </a:p>
+        </p:txBody>
+      </p:sp>
+      <p:sp>
+        <p:nvSpPr>
+          <p:cNvPr name="TextBox 3" id="3"/>
+          <p:cNvSpPr txBox="true"/>
+          <p:nvPr/>
+        </p:nvSpPr>
+        <p:spPr>
+          <a:xfrm>
+            <a:off x="254000" y="1244600"/>
+            <a:ext cx="15748000" cy="215900"/>
+          </a:xfrm>
+          <a:prstGeom prst="rect">
+            <a:avLst/>
+          </a:prstGeom>
+        </p:spPr>
+        <p:txBody>
+          <a:bodyPr anchor="t" rtlCol="false"/>
+          <a:lstStyle/>
+          <a:p>
+            <a:pPr algn="l">
+              <a:defRPr/>
+            </a:pPr>
+            <a:r>
+              <a:rPr lang="ru-RU"/>
+              <a:t/>
+            </a:r>
+            <a:r>
+              <a:rPr lang="en-US" sz="1400" b="true">
+                <a:latin typeface="Calibri"/>
+              </a:rPr>
+              <a:t>Executive Status Summary</a:t>
+            </a:r>
+            <a:endParaRPr lang="en-US" sz="1100"/>
+          </a:p>
+        </p:txBody>
+      </p:sp>
+      <p:sp>
+        <p:nvSpPr>
+          <p:cNvPr name="AutoShape 4" id="4"/>
+          <p:cNvSpPr/>
+          <p:nvPr/>
+        </p:nvSpPr>
+        <p:spPr>
+          <a:xfrm>
+            <a:off x="254000" y="1562100"/>
+            <a:ext cx="15748000" cy="12700"/>
+          </a:xfrm>
+          <a:prstGeom prst="line">
+            <a:avLst/>
+          </a:prstGeom>
+          <a:ln>
+            <a:solidFill>
+              <a:srgbClr val="000000"/>
+            </a:solidFill>
+          </a:ln>
+        </p:spPr>
+      </p:sp>
+      <p:sp>
+        <p:nvSpPr>
+          <p:cNvPr name="TextBox 5" id="5"/>
+          <p:cNvSpPr txBox="true"/>
+          <p:nvPr/>
+        </p:nvSpPr>
+        <p:spPr>
+          <a:xfrm>
+            <a:off x="5905500" y="8191500"/>
+            <a:ext cx="4445000" cy="635000"/>
+          </a:xfrm>
+          <a:prstGeom prst="rect">
+            <a:avLst/>
+          </a:prstGeom>
+        </p:spPr>
+        <p:txBody>
+          <a:bodyPr anchor="t" rtlCol="false"/>
+          <a:lstStyle/>
+          <a:p>
+            <a:pPr algn="ctr">
+              <a:defRPr/>
+            </a:pPr>
+            <a:r>
+              <a:rPr lang="ru-RU"/>
+              <a:t/>
+            </a:r>
+            <a:r>
+              <a:rPr lang="en-US" sz="1200" i="true">
+                <a:solidFill>
+                  <a:srgbClr val="FF0000"/>
+                </a:solidFill>
+                <a:latin typeface="Calibri"/>
+              </a:rPr>
+              <a:t>Alcatel-Lucent Enterprise - Confidential</a:t>
+            </a:r>
+            <a:br>
+              <a:rPr lang="en-US" sz="1200" i="true">
+                <a:solidFill>
+                  <a:srgbClr val="FF0000"/>
+                </a:solidFill>
+                <a:latin typeface="Calibri"/>
+              </a:rPr>
+            </a:br>
+            <a:r>
+              <a:rPr lang="en-US" sz="1200" b="true">
+                <a:latin typeface="Calibri"/>
+              </a:rPr>
+              <a:t>Solely for authorized persons having a need to know</a:t>
+            </a:r>
+            <a:br>
+              <a:rPr lang="en-US" sz="1200" b="true">
+                <a:latin typeface="Calibri"/>
+              </a:rPr>
+            </a:br>
+            <a:r>
+              <a:rPr lang="en-US" sz="1200">
+                <a:latin typeface="Calibri"/>
+              </a:rPr>
+              <a:t>Proprietary - Use pursuant to Company Instruction</a:t>
+            </a:r>
+            <a:endParaRPr lang="en-US" sz="1100"/>
+          </a:p>
+        </p:txBody>
+      </p:sp>
+      <p:sp>
+        <p:nvSpPr>
+          <p:cNvPr name="AutoShape 6" id="6"/>
+          <p:cNvSpPr/>
+          <p:nvPr/>
+        </p:nvSpPr>
+        <p:spPr>
+          <a:xfrm>
+            <a:off x="254000" y="8064500"/>
+            <a:ext cx="15748000" cy="12700"/>
+          </a:xfrm>
+          <a:prstGeom prst="line">
+            <a:avLst/>
+          </a:prstGeom>
+          <a:ln>
+            <a:solidFill>
+              <a:srgbClr val="000000"/>
+            </a:solidFill>
+          </a:ln>
+        </p:spPr>
+      </p:sp>
+      <p:sp>
+        <p:nvSpPr>
+          <p:cNvPr name="TextBox 7" id="7"/>
+          <p:cNvSpPr txBox="true"/>
+          <p:nvPr/>
+        </p:nvSpPr>
+        <p:spPr>
+          <a:xfrm>
+            <a:off x="254000" y="1562100"/>
+            <a:ext cx="15748000" cy="6375400"/>
+          </a:xfrm>
+          <a:prstGeom prst="rect">
+            <a:avLst/>
+          </a:prstGeom>
+        </p:spPr>
+        <p:txBody>
+          <a:bodyPr anchor="t" rtlCol="false"/>
+          <a:lstStyle/>
+          <a:p>
+            <a:pPr algn="l">
+              <a:defRPr/>
+            </a:pPr>
+            <a:r>
+              <a:rPr lang="ru-RU"/>
+              <a:t/>
+            </a:r>
             <a:r>
               <a:rPr lang="en-US" sz="1400">
                 <a:latin typeface="Calibri"/>
@@ -5079,6 +5352,7 @@
               </a:rPr>
               <a:t> </a:t>
             </a:r>
+            <a:endParaRPr lang="en-US" sz="1100"/>
           </a:p>
           <a:p>
             <a:pPr>

--- a/html-to-ppt/TextFormat.pptx
+++ b/html-to-ppt/TextFormat.pptx
@@ -3131,7 +3131,7 @@
               <a:rPr lang="en-US" sz="1400">
                 <a:latin typeface="Calibri"/>
               </a:rPr>
-              <a:t>Mon Apr 13 16:12:57 MSK 2020</a:t>
+              <a:t>Tue Apr 14 00:16:27 MSK 2020</a:t>
             </a:r>
             <a:endParaRPr lang="en-US" sz="1100"/>
           </a:p>
@@ -3755,18 +3755,63 @@
       </p:graphicFrame>
       <p:sp>
         <p:nvSpPr>
-          <p:cNvPr name="TextBox 8" id="8"/>
-          <p:cNvSpPr txBox="true"/>
+          <p:cNvPr name="AutoShape 8" id="8"/>
+          <p:cNvSpPr/>
           <p:nvPr/>
         </p:nvSpPr>
         <p:spPr>
           <a:xfrm>
             <a:off x="254000" y="1562100"/>
-            <a:ext cx="15748000" cy="6375400"/>
+            <a:ext cx="15748000" cy="12700"/>
+          </a:xfrm>
+          <a:prstGeom prst="line">
+            <a:avLst/>
+          </a:prstGeom>
+          <a:ln>
+            <a:solidFill>
+              <a:srgbClr val="000000"/>
+            </a:solidFill>
+          </a:ln>
+        </p:spPr>
+      </p:sp>
+      <p:sp>
+        <p:nvSpPr>
+          <p:cNvPr name="AutoShape 9" id="9"/>
+          <p:cNvSpPr/>
+          <p:nvPr/>
+        </p:nvSpPr>
+        <p:spPr>
+          <a:xfrm>
+            <a:off x="508000" y="2514600"/>
+            <a:ext cx="15240000" cy="25400"/>
           </a:xfrm>
           <a:prstGeom prst="rect">
             <a:avLst/>
           </a:prstGeom>
+          <a:solidFill>
+            <a:srgbClr val="000000"/>
+          </a:solidFill>
+          <a:ln>
+            <a:solidFill>
+              <a:srgbClr val="000000"/>
+            </a:solidFill>
+          </a:ln>
+        </p:spPr>
+      </p:sp>
+      <p:sp>
+        <p:nvSpPr>
+          <p:cNvPr name="TextBox 10" id="10"/>
+          <p:cNvSpPr txBox="true"/>
+          <p:nvPr/>
+        </p:nvSpPr>
+        <p:spPr>
+          <a:xfrm>
+            <a:off x="508000" y="2832100"/>
+            <a:ext cx="1778000" cy="444500"/>
+          </a:xfrm>
+          <a:prstGeom prst="rect">
+            <a:avLst/>
+          </a:prstGeom>
         </p:spPr>
         <p:txBody>
           <a:bodyPr anchor="t" rtlCol="false"/>
@@ -3779,8 +3824,1146 @@
               <a:rPr lang="ru-RU"/>
               <a:t/>
             </a:r>
+            <a:r>
+              <a:rPr lang="en-US" sz="1400">
+                <a:latin typeface="Calibri"/>
+              </a:rPr>
+              <a:t>Baseline</a:t>
+            </a:r>
+            <a:br>
+              <a:rPr lang="en-US" sz="1400">
+                <a:latin typeface="Calibri"/>
+              </a:rPr>
+            </a:br>
+            <a:r>
+              <a:rPr lang="en-US" sz="1400">
+                <a:latin typeface="Calibri"/>
+              </a:rPr>
+              <a:t>Actual / Forecast</a:t>
+            </a:r>
             <a:endParaRPr lang="en-US" sz="1100"/>
           </a:p>
+        </p:txBody>
+      </p:sp>
+      <p:sp>
+        <p:nvSpPr>
+          <p:cNvPr name="AutoShape 11" id="11"/>
+          <p:cNvSpPr/>
+          <p:nvPr/>
+        </p:nvSpPr>
+        <p:spPr>
+          <a:xfrm>
+            <a:off x="3048000" y="2400300"/>
+            <a:ext cx="25400" cy="228600"/>
+          </a:xfrm>
+          <a:prstGeom prst="rect">
+            <a:avLst/>
+          </a:prstGeom>
+          <a:solidFill>
+            <a:srgbClr val="000000"/>
+          </a:solidFill>
+          <a:ln>
+            <a:solidFill>
+              <a:srgbClr val="000000"/>
+            </a:solidFill>
+          </a:ln>
+        </p:spPr>
+      </p:sp>
+      <p:sp>
+        <p:nvSpPr>
+          <p:cNvPr name="TextBox 12" id="12"/>
+          <p:cNvSpPr txBox="true"/>
+          <p:nvPr/>
+        </p:nvSpPr>
+        <p:spPr>
+          <a:xfrm>
+            <a:off x="2603500" y="1879600"/>
+            <a:ext cx="889000" cy="215900"/>
+          </a:xfrm>
+          <a:prstGeom prst="rect">
+            <a:avLst/>
+          </a:prstGeom>
+        </p:spPr>
+        <p:txBody>
+          <a:bodyPr anchor="t" rtlCol="false"/>
+          <a:lstStyle/>
+          <a:p>
+            <a:pPr algn="ctr">
+              <a:defRPr/>
+            </a:pPr>
+            <a:r>
+              <a:rPr lang="ru-RU"/>
+              <a:t/>
+            </a:r>
+            <a:r>
+              <a:rPr lang="en-US" sz="1400">
+                <a:latin typeface="Calibri"/>
+              </a:rPr>
+              <a:t>DR0</a:t>
+            </a:r>
+            <a:endParaRPr lang="en-US" sz="1100"/>
+          </a:p>
+        </p:txBody>
+      </p:sp>
+      <p:sp>
+        <p:nvSpPr>
+          <p:cNvPr name="TextBox 13" id="13"/>
+          <p:cNvSpPr txBox="true"/>
+          <p:nvPr/>
+        </p:nvSpPr>
+        <p:spPr>
+          <a:xfrm>
+            <a:off x="2413000" y="2832100"/>
+            <a:ext cx="1270000" cy="444500"/>
+          </a:xfrm>
+          <a:prstGeom prst="rect">
+            <a:avLst/>
+          </a:prstGeom>
+        </p:spPr>
+        <p:txBody>
+          <a:bodyPr anchor="t" rtlCol="false"/>
+          <a:lstStyle/>
+          <a:p>
+            <a:pPr algn="ctr">
+              <a:defRPr/>
+            </a:pPr>
+            <a:r>
+              <a:rPr lang="ru-RU"/>
+              <a:t/>
+            </a:r>
+            <a:r>
+              <a:rPr lang="en-US" sz="1400">
+                <a:latin typeface="Calibri"/>
+              </a:rPr>
+              <a:t>12-Jul-20</a:t>
+            </a:r>
+            <a:br>
+              <a:rPr lang="en-US" sz="1400">
+                <a:latin typeface="Calibri"/>
+              </a:rPr>
+            </a:br>
+            <a:r>
+              <a:rPr lang="en-US" sz="1400">
+                <a:latin typeface="Calibri"/>
+              </a:rPr>
+              <a:t>31-Dec-20</a:t>
+            </a:r>
+            <a:endParaRPr lang="en-US" sz="1100"/>
+          </a:p>
+        </p:txBody>
+      </p:sp>
+      <p:sp>
+        <p:nvSpPr>
+          <p:cNvPr name="AutoShape 14" id="14"/>
+          <p:cNvSpPr/>
+          <p:nvPr/>
+        </p:nvSpPr>
+        <p:spPr>
+          <a:xfrm>
+            <a:off x="4318000" y="2400300"/>
+            <a:ext cx="25400" cy="228600"/>
+          </a:xfrm>
+          <a:prstGeom prst="rect">
+            <a:avLst/>
+          </a:prstGeom>
+          <a:solidFill>
+            <a:srgbClr val="000000"/>
+          </a:solidFill>
+          <a:ln>
+            <a:solidFill>
+              <a:srgbClr val="000000"/>
+            </a:solidFill>
+          </a:ln>
+        </p:spPr>
+      </p:sp>
+      <p:sp>
+        <p:nvSpPr>
+          <p:cNvPr name="TextBox 15" id="15"/>
+          <p:cNvSpPr txBox="true"/>
+          <p:nvPr/>
+        </p:nvSpPr>
+        <p:spPr>
+          <a:xfrm>
+            <a:off x="3873500" y="1879600"/>
+            <a:ext cx="889000" cy="215900"/>
+          </a:xfrm>
+          <a:prstGeom prst="rect">
+            <a:avLst/>
+          </a:prstGeom>
+        </p:spPr>
+        <p:txBody>
+          <a:bodyPr anchor="t" rtlCol="false"/>
+          <a:lstStyle/>
+          <a:p>
+            <a:pPr algn="ctr">
+              <a:defRPr/>
+            </a:pPr>
+            <a:r>
+              <a:rPr lang="ru-RU"/>
+              <a:t/>
+            </a:r>
+            <a:r>
+              <a:rPr lang="en-US" sz="1400">
+                <a:latin typeface="Calibri"/>
+              </a:rPr>
+              <a:t>DR1</a:t>
+            </a:r>
+            <a:endParaRPr lang="en-US" sz="1100"/>
+          </a:p>
+        </p:txBody>
+      </p:sp>
+      <p:sp>
+        <p:nvSpPr>
+          <p:cNvPr name="TextBox 16" id="16"/>
+          <p:cNvSpPr txBox="true"/>
+          <p:nvPr/>
+        </p:nvSpPr>
+        <p:spPr>
+          <a:xfrm>
+            <a:off x="3683000" y="2832100"/>
+            <a:ext cx="1270000" cy="444500"/>
+          </a:xfrm>
+          <a:prstGeom prst="rect">
+            <a:avLst/>
+          </a:prstGeom>
+        </p:spPr>
+        <p:txBody>
+          <a:bodyPr anchor="t" rtlCol="false"/>
+          <a:lstStyle/>
+          <a:p>
+            <a:pPr algn="ctr">
+              <a:defRPr/>
+            </a:pPr>
+            <a:r>
+              <a:rPr lang="ru-RU"/>
+              <a:t/>
+            </a:r>
+            <a:r>
+              <a:rPr lang="en-US" sz="1400">
+                <a:latin typeface="Calibri"/>
+              </a:rPr>
+              <a:t>12-Jul-20</a:t>
+            </a:r>
+            <a:br>
+              <a:rPr lang="en-US" sz="1400">
+                <a:latin typeface="Calibri"/>
+              </a:rPr>
+            </a:br>
+            <a:r>
+              <a:rPr lang="en-US" sz="1400">
+                <a:latin typeface="Calibri"/>
+              </a:rPr>
+              <a:t>31-Dec-20</a:t>
+            </a:r>
+            <a:endParaRPr lang="en-US" sz="1100"/>
+          </a:p>
+        </p:txBody>
+      </p:sp>
+      <p:sp>
+        <p:nvSpPr>
+          <p:cNvPr name="AutoShape 17" id="17"/>
+          <p:cNvSpPr/>
+          <p:nvPr/>
+        </p:nvSpPr>
+        <p:spPr>
+          <a:xfrm>
+            <a:off x="5588000" y="2400300"/>
+            <a:ext cx="25400" cy="228600"/>
+          </a:xfrm>
+          <a:prstGeom prst="rect">
+            <a:avLst/>
+          </a:prstGeom>
+          <a:solidFill>
+            <a:srgbClr val="000000"/>
+          </a:solidFill>
+          <a:ln>
+            <a:solidFill>
+              <a:srgbClr val="000000"/>
+            </a:solidFill>
+          </a:ln>
+        </p:spPr>
+      </p:sp>
+      <p:sp>
+        <p:nvSpPr>
+          <p:cNvPr name="TextBox 18" id="18"/>
+          <p:cNvSpPr txBox="true"/>
+          <p:nvPr/>
+        </p:nvSpPr>
+        <p:spPr>
+          <a:xfrm>
+            <a:off x="5143500" y="1879600"/>
+            <a:ext cx="889000" cy="215900"/>
+          </a:xfrm>
+          <a:prstGeom prst="rect">
+            <a:avLst/>
+          </a:prstGeom>
+        </p:spPr>
+        <p:txBody>
+          <a:bodyPr anchor="t" rtlCol="false"/>
+          <a:lstStyle/>
+          <a:p>
+            <a:pPr algn="ctr">
+              <a:defRPr/>
+            </a:pPr>
+            <a:r>
+              <a:rPr lang="ru-RU"/>
+              <a:t/>
+            </a:r>
+            <a:r>
+              <a:rPr lang="en-US" sz="1400">
+                <a:latin typeface="Calibri"/>
+              </a:rPr>
+              <a:t>DR2</a:t>
+            </a:r>
+            <a:endParaRPr lang="en-US" sz="1100"/>
+          </a:p>
+        </p:txBody>
+      </p:sp>
+      <p:sp>
+        <p:nvSpPr>
+          <p:cNvPr name="TextBox 19" id="19"/>
+          <p:cNvSpPr txBox="true"/>
+          <p:nvPr/>
+        </p:nvSpPr>
+        <p:spPr>
+          <a:xfrm>
+            <a:off x="4953000" y="2832100"/>
+            <a:ext cx="1270000" cy="444500"/>
+          </a:xfrm>
+          <a:prstGeom prst="rect">
+            <a:avLst/>
+          </a:prstGeom>
+        </p:spPr>
+        <p:txBody>
+          <a:bodyPr anchor="t" rtlCol="false"/>
+          <a:lstStyle/>
+          <a:p>
+            <a:pPr algn="ctr">
+              <a:defRPr/>
+            </a:pPr>
+            <a:r>
+              <a:rPr lang="ru-RU"/>
+              <a:t/>
+            </a:r>
+            <a:r>
+              <a:rPr lang="en-US" sz="1400">
+                <a:latin typeface="Calibri"/>
+              </a:rPr>
+              <a:t>12-Jul-20</a:t>
+            </a:r>
+            <a:br>
+              <a:rPr lang="en-US" sz="1400">
+                <a:latin typeface="Calibri"/>
+              </a:rPr>
+            </a:br>
+            <a:r>
+              <a:rPr lang="en-US" sz="1400">
+                <a:latin typeface="Calibri"/>
+              </a:rPr>
+              <a:t>31-Dec-20</a:t>
+            </a:r>
+            <a:endParaRPr lang="en-US" sz="1100"/>
+          </a:p>
+        </p:txBody>
+      </p:sp>
+      <p:sp>
+        <p:nvSpPr>
+          <p:cNvPr name="AutoShape 20" id="20"/>
+          <p:cNvSpPr/>
+          <p:nvPr/>
+        </p:nvSpPr>
+        <p:spPr>
+          <a:xfrm>
+            <a:off x="6858000" y="2400300"/>
+            <a:ext cx="25400" cy="228600"/>
+          </a:xfrm>
+          <a:prstGeom prst="rect">
+            <a:avLst/>
+          </a:prstGeom>
+          <a:solidFill>
+            <a:srgbClr val="000000"/>
+          </a:solidFill>
+          <a:ln>
+            <a:solidFill>
+              <a:srgbClr val="000000"/>
+            </a:solidFill>
+          </a:ln>
+        </p:spPr>
+      </p:sp>
+      <p:sp>
+        <p:nvSpPr>
+          <p:cNvPr name="TextBox 21" id="21"/>
+          <p:cNvSpPr txBox="true"/>
+          <p:nvPr/>
+        </p:nvSpPr>
+        <p:spPr>
+          <a:xfrm>
+            <a:off x="6413500" y="1879600"/>
+            <a:ext cx="889000" cy="215900"/>
+          </a:xfrm>
+          <a:prstGeom prst="rect">
+            <a:avLst/>
+          </a:prstGeom>
+        </p:spPr>
+        <p:txBody>
+          <a:bodyPr anchor="t" rtlCol="false"/>
+          <a:lstStyle/>
+          <a:p>
+            <a:pPr algn="ctr">
+              <a:defRPr/>
+            </a:pPr>
+            <a:r>
+              <a:rPr lang="ru-RU"/>
+              <a:t/>
+            </a:r>
+            <a:r>
+              <a:rPr lang="en-US" sz="1400">
+                <a:latin typeface="Calibri"/>
+              </a:rPr>
+              <a:t>DR3</a:t>
+            </a:r>
+            <a:endParaRPr lang="en-US" sz="1100"/>
+          </a:p>
+        </p:txBody>
+      </p:sp>
+      <p:sp>
+        <p:nvSpPr>
+          <p:cNvPr name="TextBox 22" id="22"/>
+          <p:cNvSpPr txBox="true"/>
+          <p:nvPr/>
+        </p:nvSpPr>
+        <p:spPr>
+          <a:xfrm>
+            <a:off x="6223000" y="2832100"/>
+            <a:ext cx="1270000" cy="444500"/>
+          </a:xfrm>
+          <a:prstGeom prst="rect">
+            <a:avLst/>
+          </a:prstGeom>
+        </p:spPr>
+        <p:txBody>
+          <a:bodyPr anchor="t" rtlCol="false"/>
+          <a:lstStyle/>
+          <a:p>
+            <a:pPr algn="ctr">
+              <a:defRPr/>
+            </a:pPr>
+            <a:r>
+              <a:rPr lang="ru-RU"/>
+              <a:t/>
+            </a:r>
+            <a:r>
+              <a:rPr lang="en-US" sz="1400">
+                <a:latin typeface="Calibri"/>
+              </a:rPr>
+              <a:t>12-Jul-20</a:t>
+            </a:r>
+            <a:br>
+              <a:rPr lang="en-US" sz="1400">
+                <a:latin typeface="Calibri"/>
+              </a:rPr>
+            </a:br>
+            <a:r>
+              <a:rPr lang="en-US" sz="1400">
+                <a:latin typeface="Calibri"/>
+              </a:rPr>
+              <a:t>31-Dec-20</a:t>
+            </a:r>
+            <a:endParaRPr lang="en-US" sz="1100"/>
+          </a:p>
+        </p:txBody>
+      </p:sp>
+      <p:sp>
+        <p:nvSpPr>
+          <p:cNvPr name="AutoShape 23" id="23"/>
+          <p:cNvSpPr/>
+          <p:nvPr/>
+        </p:nvSpPr>
+        <p:spPr>
+          <a:xfrm>
+            <a:off x="8128000" y="2400300"/>
+            <a:ext cx="25400" cy="228600"/>
+          </a:xfrm>
+          <a:prstGeom prst="rect">
+            <a:avLst/>
+          </a:prstGeom>
+          <a:solidFill>
+            <a:srgbClr val="000000"/>
+          </a:solidFill>
+          <a:ln>
+            <a:solidFill>
+              <a:srgbClr val="000000"/>
+            </a:solidFill>
+          </a:ln>
+        </p:spPr>
+      </p:sp>
+      <p:sp>
+        <p:nvSpPr>
+          <p:cNvPr name="TextBox 24" id="24"/>
+          <p:cNvSpPr txBox="true"/>
+          <p:nvPr/>
+        </p:nvSpPr>
+        <p:spPr>
+          <a:xfrm>
+            <a:off x="7683500" y="1879600"/>
+            <a:ext cx="889000" cy="215900"/>
+          </a:xfrm>
+          <a:prstGeom prst="rect">
+            <a:avLst/>
+          </a:prstGeom>
+        </p:spPr>
+        <p:txBody>
+          <a:bodyPr anchor="t" rtlCol="false"/>
+          <a:lstStyle/>
+          <a:p>
+            <a:pPr algn="ctr">
+              <a:defRPr/>
+            </a:pPr>
+            <a:r>
+              <a:rPr lang="ru-RU"/>
+              <a:t/>
+            </a:r>
+            <a:r>
+              <a:rPr lang="en-US" sz="1400">
+                <a:latin typeface="Calibri"/>
+              </a:rPr>
+              <a:t>DR4</a:t>
+            </a:r>
+            <a:endParaRPr lang="en-US" sz="1100"/>
+          </a:p>
+        </p:txBody>
+      </p:sp>
+      <p:sp>
+        <p:nvSpPr>
+          <p:cNvPr name="TextBox 25" id="25"/>
+          <p:cNvSpPr txBox="true"/>
+          <p:nvPr/>
+        </p:nvSpPr>
+        <p:spPr>
+          <a:xfrm>
+            <a:off x="7493000" y="2832100"/>
+            <a:ext cx="1270000" cy="444500"/>
+          </a:xfrm>
+          <a:prstGeom prst="rect">
+            <a:avLst/>
+          </a:prstGeom>
+        </p:spPr>
+        <p:txBody>
+          <a:bodyPr anchor="t" rtlCol="false"/>
+          <a:lstStyle/>
+          <a:p>
+            <a:pPr algn="ctr">
+              <a:defRPr/>
+            </a:pPr>
+            <a:r>
+              <a:rPr lang="ru-RU"/>
+              <a:t/>
+            </a:r>
+            <a:r>
+              <a:rPr lang="en-US" sz="1400">
+                <a:latin typeface="Calibri"/>
+              </a:rPr>
+              <a:t>12-Jul-20</a:t>
+            </a:r>
+            <a:br>
+              <a:rPr lang="en-US" sz="1400">
+                <a:latin typeface="Calibri"/>
+              </a:rPr>
+            </a:br>
+            <a:r>
+              <a:rPr lang="en-US" sz="1400">
+                <a:latin typeface="Calibri"/>
+              </a:rPr>
+              <a:t>31-Dec-20</a:t>
+            </a:r>
+            <a:endParaRPr lang="en-US" sz="1100"/>
+          </a:p>
+        </p:txBody>
+      </p:sp>
+      <p:sp>
+        <p:nvSpPr>
+          <p:cNvPr name="AutoShape 26" id="26"/>
+          <p:cNvSpPr/>
+          <p:nvPr/>
+        </p:nvSpPr>
+        <p:spPr>
+          <a:xfrm>
+            <a:off x="9398000" y="2400300"/>
+            <a:ext cx="25400" cy="228600"/>
+          </a:xfrm>
+          <a:prstGeom prst="rect">
+            <a:avLst/>
+          </a:prstGeom>
+          <a:solidFill>
+            <a:srgbClr val="000000"/>
+          </a:solidFill>
+          <a:ln>
+            <a:solidFill>
+              <a:srgbClr val="000000"/>
+            </a:solidFill>
+          </a:ln>
+        </p:spPr>
+      </p:sp>
+      <p:sp>
+        <p:nvSpPr>
+          <p:cNvPr name="TextBox 27" id="27"/>
+          <p:cNvSpPr txBox="true"/>
+          <p:nvPr/>
+        </p:nvSpPr>
+        <p:spPr>
+          <a:xfrm>
+            <a:off x="8953500" y="1879600"/>
+            <a:ext cx="889000" cy="215900"/>
+          </a:xfrm>
+          <a:prstGeom prst="rect">
+            <a:avLst/>
+          </a:prstGeom>
+        </p:spPr>
+        <p:txBody>
+          <a:bodyPr anchor="t" rtlCol="false"/>
+          <a:lstStyle/>
+          <a:p>
+            <a:pPr algn="ctr">
+              <a:defRPr/>
+            </a:pPr>
+            <a:r>
+              <a:rPr lang="ru-RU"/>
+              <a:t/>
+            </a:r>
+            <a:r>
+              <a:rPr lang="en-US" sz="1400">
+                <a:latin typeface="Calibri"/>
+              </a:rPr>
+              <a:t>DR5</a:t>
+            </a:r>
+            <a:endParaRPr lang="en-US" sz="1100"/>
+          </a:p>
+        </p:txBody>
+      </p:sp>
+      <p:sp>
+        <p:nvSpPr>
+          <p:cNvPr name="TextBox 28" id="28"/>
+          <p:cNvSpPr txBox="true"/>
+          <p:nvPr/>
+        </p:nvSpPr>
+        <p:spPr>
+          <a:xfrm>
+            <a:off x="8763000" y="2832100"/>
+            <a:ext cx="1270000" cy="444500"/>
+          </a:xfrm>
+          <a:prstGeom prst="rect">
+            <a:avLst/>
+          </a:prstGeom>
+        </p:spPr>
+        <p:txBody>
+          <a:bodyPr anchor="t" rtlCol="false"/>
+          <a:lstStyle/>
+          <a:p>
+            <a:pPr algn="ctr">
+              <a:defRPr/>
+            </a:pPr>
+            <a:r>
+              <a:rPr lang="ru-RU"/>
+              <a:t/>
+            </a:r>
+            <a:r>
+              <a:rPr lang="en-US" sz="1400">
+                <a:latin typeface="Calibri"/>
+              </a:rPr>
+              <a:t>12-Jul-20</a:t>
+            </a:r>
+            <a:br>
+              <a:rPr lang="en-US" sz="1400">
+                <a:latin typeface="Calibri"/>
+              </a:rPr>
+            </a:br>
+            <a:r>
+              <a:rPr lang="en-US" sz="1400">
+                <a:latin typeface="Calibri"/>
+              </a:rPr>
+              <a:t>31-Dec-20</a:t>
+            </a:r>
+            <a:endParaRPr lang="en-US" sz="1100"/>
+          </a:p>
+        </p:txBody>
+      </p:sp>
+      <p:sp>
+        <p:nvSpPr>
+          <p:cNvPr name="AutoShape 29" id="29"/>
+          <p:cNvSpPr/>
+          <p:nvPr/>
+        </p:nvSpPr>
+        <p:spPr>
+          <a:xfrm>
+            <a:off x="10668000" y="2400300"/>
+            <a:ext cx="25400" cy="228600"/>
+          </a:xfrm>
+          <a:prstGeom prst="rect">
+            <a:avLst/>
+          </a:prstGeom>
+          <a:solidFill>
+            <a:srgbClr val="000000"/>
+          </a:solidFill>
+          <a:ln>
+            <a:solidFill>
+              <a:srgbClr val="000000"/>
+            </a:solidFill>
+          </a:ln>
+        </p:spPr>
+      </p:sp>
+      <p:sp>
+        <p:nvSpPr>
+          <p:cNvPr name="TextBox 30" id="30"/>
+          <p:cNvSpPr txBox="true"/>
+          <p:nvPr/>
+        </p:nvSpPr>
+        <p:spPr>
+          <a:xfrm>
+            <a:off x="10223500" y="1879600"/>
+            <a:ext cx="889000" cy="215900"/>
+          </a:xfrm>
+          <a:prstGeom prst="rect">
+            <a:avLst/>
+          </a:prstGeom>
+        </p:spPr>
+        <p:txBody>
+          <a:bodyPr anchor="t" rtlCol="false"/>
+          <a:lstStyle/>
+          <a:p>
+            <a:pPr algn="ctr">
+              <a:defRPr/>
+            </a:pPr>
+            <a:r>
+              <a:rPr lang="ru-RU"/>
+              <a:t/>
+            </a:r>
+            <a:r>
+              <a:rPr lang="en-US" sz="1400">
+                <a:latin typeface="Calibri"/>
+              </a:rPr>
+              <a:t>DR6</a:t>
+            </a:r>
+            <a:endParaRPr lang="en-US" sz="1100"/>
+          </a:p>
+        </p:txBody>
+      </p:sp>
+      <p:sp>
+        <p:nvSpPr>
+          <p:cNvPr name="TextBox 31" id="31"/>
+          <p:cNvSpPr txBox="true"/>
+          <p:nvPr/>
+        </p:nvSpPr>
+        <p:spPr>
+          <a:xfrm>
+            <a:off x="10033000" y="2832100"/>
+            <a:ext cx="1270000" cy="444500"/>
+          </a:xfrm>
+          <a:prstGeom prst="rect">
+            <a:avLst/>
+          </a:prstGeom>
+        </p:spPr>
+        <p:txBody>
+          <a:bodyPr anchor="t" rtlCol="false"/>
+          <a:lstStyle/>
+          <a:p>
+            <a:pPr algn="ctr">
+              <a:defRPr/>
+            </a:pPr>
+            <a:r>
+              <a:rPr lang="ru-RU"/>
+              <a:t/>
+            </a:r>
+            <a:r>
+              <a:rPr lang="en-US" sz="1400">
+                <a:latin typeface="Calibri"/>
+              </a:rPr>
+              <a:t>12-Jul-20</a:t>
+            </a:r>
+            <a:br>
+              <a:rPr lang="en-US" sz="1400">
+                <a:latin typeface="Calibri"/>
+              </a:rPr>
+            </a:br>
+            <a:r>
+              <a:rPr lang="en-US" sz="1400">
+                <a:latin typeface="Calibri"/>
+              </a:rPr>
+              <a:t>31-Dec-20</a:t>
+            </a:r>
+            <a:endParaRPr lang="en-US" sz="1100"/>
+          </a:p>
+        </p:txBody>
+      </p:sp>
+      <p:sp>
+        <p:nvSpPr>
+          <p:cNvPr name="AutoShape 32" id="32"/>
+          <p:cNvSpPr/>
+          <p:nvPr/>
+        </p:nvSpPr>
+        <p:spPr>
+          <a:xfrm>
+            <a:off x="11938000" y="2400300"/>
+            <a:ext cx="25400" cy="228600"/>
+          </a:xfrm>
+          <a:prstGeom prst="rect">
+            <a:avLst/>
+          </a:prstGeom>
+          <a:solidFill>
+            <a:srgbClr val="000000"/>
+          </a:solidFill>
+          <a:ln>
+            <a:solidFill>
+              <a:srgbClr val="000000"/>
+            </a:solidFill>
+          </a:ln>
+        </p:spPr>
+      </p:sp>
+      <p:sp>
+        <p:nvSpPr>
+          <p:cNvPr name="TextBox 33" id="33"/>
+          <p:cNvSpPr txBox="true"/>
+          <p:nvPr/>
+        </p:nvSpPr>
+        <p:spPr>
+          <a:xfrm>
+            <a:off x="11493500" y="1879600"/>
+            <a:ext cx="889000" cy="215900"/>
+          </a:xfrm>
+          <a:prstGeom prst="rect">
+            <a:avLst/>
+          </a:prstGeom>
+        </p:spPr>
+        <p:txBody>
+          <a:bodyPr anchor="t" rtlCol="false"/>
+          <a:lstStyle/>
+          <a:p>
+            <a:pPr algn="ctr">
+              <a:defRPr/>
+            </a:pPr>
+            <a:r>
+              <a:rPr lang="ru-RU"/>
+              <a:t/>
+            </a:r>
+            <a:r>
+              <a:rPr lang="en-US" sz="1400">
+                <a:latin typeface="Calibri"/>
+              </a:rPr>
+              <a:t>DR7</a:t>
+            </a:r>
+            <a:endParaRPr lang="en-US" sz="1100"/>
+          </a:p>
+        </p:txBody>
+      </p:sp>
+      <p:sp>
+        <p:nvSpPr>
+          <p:cNvPr name="TextBox 34" id="34"/>
+          <p:cNvSpPr txBox="true"/>
+          <p:nvPr/>
+        </p:nvSpPr>
+        <p:spPr>
+          <a:xfrm>
+            <a:off x="11303000" y="2832100"/>
+            <a:ext cx="1270000" cy="444500"/>
+          </a:xfrm>
+          <a:prstGeom prst="rect">
+            <a:avLst/>
+          </a:prstGeom>
+        </p:spPr>
+        <p:txBody>
+          <a:bodyPr anchor="t" rtlCol="false"/>
+          <a:lstStyle/>
+          <a:p>
+            <a:pPr algn="ctr">
+              <a:defRPr/>
+            </a:pPr>
+            <a:r>
+              <a:rPr lang="ru-RU"/>
+              <a:t/>
+            </a:r>
+            <a:r>
+              <a:rPr lang="en-US" sz="1400">
+                <a:latin typeface="Calibri"/>
+              </a:rPr>
+              <a:t>12-Jul-20</a:t>
+            </a:r>
+            <a:br>
+              <a:rPr lang="en-US" sz="1400">
+                <a:latin typeface="Calibri"/>
+              </a:rPr>
+            </a:br>
+            <a:r>
+              <a:rPr lang="en-US" sz="1400">
+                <a:latin typeface="Calibri"/>
+              </a:rPr>
+              <a:t>31-Dec-20</a:t>
+            </a:r>
+            <a:endParaRPr lang="en-US" sz="1100"/>
+          </a:p>
+        </p:txBody>
+      </p:sp>
+      <p:sp>
+        <p:nvSpPr>
+          <p:cNvPr name="AutoShape 35" id="35"/>
+          <p:cNvSpPr/>
+          <p:nvPr/>
+        </p:nvSpPr>
+        <p:spPr>
+          <a:xfrm>
+            <a:off x="13208000" y="2400300"/>
+            <a:ext cx="25400" cy="228600"/>
+          </a:xfrm>
+          <a:prstGeom prst="rect">
+            <a:avLst/>
+          </a:prstGeom>
+          <a:solidFill>
+            <a:srgbClr val="000000"/>
+          </a:solidFill>
+          <a:ln>
+            <a:solidFill>
+              <a:srgbClr val="000000"/>
+            </a:solidFill>
+          </a:ln>
+        </p:spPr>
+      </p:sp>
+      <p:sp>
+        <p:nvSpPr>
+          <p:cNvPr name="TextBox 36" id="36"/>
+          <p:cNvSpPr txBox="true"/>
+          <p:nvPr/>
+        </p:nvSpPr>
+        <p:spPr>
+          <a:xfrm>
+            <a:off x="12763500" y="1879600"/>
+            <a:ext cx="889000" cy="215900"/>
+          </a:xfrm>
+          <a:prstGeom prst="rect">
+            <a:avLst/>
+          </a:prstGeom>
+        </p:spPr>
+        <p:txBody>
+          <a:bodyPr anchor="t" rtlCol="false"/>
+          <a:lstStyle/>
+          <a:p>
+            <a:pPr algn="ctr">
+              <a:defRPr/>
+            </a:pPr>
+            <a:r>
+              <a:rPr lang="ru-RU"/>
+              <a:t/>
+            </a:r>
+            <a:r>
+              <a:rPr lang="en-US" sz="1400">
+                <a:latin typeface="Calibri"/>
+              </a:rPr>
+              <a:t>DR8</a:t>
+            </a:r>
+            <a:endParaRPr lang="en-US" sz="1100"/>
+          </a:p>
+        </p:txBody>
+      </p:sp>
+      <p:sp>
+        <p:nvSpPr>
+          <p:cNvPr name="TextBox 37" id="37"/>
+          <p:cNvSpPr txBox="true"/>
+          <p:nvPr/>
+        </p:nvSpPr>
+        <p:spPr>
+          <a:xfrm>
+            <a:off x="12573000" y="2832100"/>
+            <a:ext cx="1270000" cy="444500"/>
+          </a:xfrm>
+          <a:prstGeom prst="rect">
+            <a:avLst/>
+          </a:prstGeom>
+        </p:spPr>
+        <p:txBody>
+          <a:bodyPr anchor="t" rtlCol="false"/>
+          <a:lstStyle/>
+          <a:p>
+            <a:pPr algn="ctr">
+              <a:defRPr/>
+            </a:pPr>
+            <a:r>
+              <a:rPr lang="ru-RU"/>
+              <a:t/>
+            </a:r>
+            <a:r>
+              <a:rPr lang="en-US" sz="1400">
+                <a:latin typeface="Calibri"/>
+              </a:rPr>
+              <a:t>12-Jul-20</a:t>
+            </a:r>
+            <a:br>
+              <a:rPr lang="en-US" sz="1400">
+                <a:latin typeface="Calibri"/>
+              </a:rPr>
+            </a:br>
+            <a:r>
+              <a:rPr lang="en-US" sz="1400">
+                <a:latin typeface="Calibri"/>
+              </a:rPr>
+              <a:t>31-Dec-20</a:t>
+            </a:r>
+            <a:endParaRPr lang="en-US" sz="1100"/>
+          </a:p>
+        </p:txBody>
+      </p:sp>
+      <p:sp>
+        <p:nvSpPr>
+          <p:cNvPr name="AutoShape 38" id="38"/>
+          <p:cNvSpPr/>
+          <p:nvPr/>
+        </p:nvSpPr>
+        <p:spPr>
+          <a:xfrm>
+            <a:off x="14478000" y="2400300"/>
+            <a:ext cx="25400" cy="228600"/>
+          </a:xfrm>
+          <a:prstGeom prst="rect">
+            <a:avLst/>
+          </a:prstGeom>
+          <a:solidFill>
+            <a:srgbClr val="000000"/>
+          </a:solidFill>
+          <a:ln>
+            <a:solidFill>
+              <a:srgbClr val="000000"/>
+            </a:solidFill>
+          </a:ln>
+        </p:spPr>
+      </p:sp>
+      <p:sp>
+        <p:nvSpPr>
+          <p:cNvPr name="TextBox 39" id="39"/>
+          <p:cNvSpPr txBox="true"/>
+          <p:nvPr/>
+        </p:nvSpPr>
+        <p:spPr>
+          <a:xfrm>
+            <a:off x="14033500" y="1879600"/>
+            <a:ext cx="889000" cy="215900"/>
+          </a:xfrm>
+          <a:prstGeom prst="rect">
+            <a:avLst/>
+          </a:prstGeom>
+        </p:spPr>
+        <p:txBody>
+          <a:bodyPr anchor="t" rtlCol="false"/>
+          <a:lstStyle/>
+          <a:p>
+            <a:pPr algn="ctr">
+              <a:defRPr/>
+            </a:pPr>
+            <a:r>
+              <a:rPr lang="ru-RU"/>
+              <a:t/>
+            </a:r>
+            <a:r>
+              <a:rPr lang="en-US" sz="1400">
+                <a:latin typeface="Calibri"/>
+              </a:rPr>
+              <a:t>DR9</a:t>
+            </a:r>
+            <a:endParaRPr lang="en-US" sz="1100"/>
+          </a:p>
+        </p:txBody>
+      </p:sp>
+      <p:sp>
+        <p:nvSpPr>
+          <p:cNvPr name="TextBox 40" id="40"/>
+          <p:cNvSpPr txBox="true"/>
+          <p:nvPr/>
+        </p:nvSpPr>
+        <p:spPr>
+          <a:xfrm>
+            <a:off x="13843000" y="2832100"/>
+            <a:ext cx="1270000" cy="444500"/>
+          </a:xfrm>
+          <a:prstGeom prst="rect">
+            <a:avLst/>
+          </a:prstGeom>
+        </p:spPr>
+        <p:txBody>
+          <a:bodyPr anchor="t" rtlCol="false"/>
+          <a:lstStyle/>
+          <a:p>
+            <a:pPr algn="ctr">
+              <a:defRPr/>
+            </a:pPr>
+            <a:r>
+              <a:rPr lang="ru-RU"/>
+              <a:t/>
+            </a:r>
+            <a:r>
+              <a:rPr lang="en-US" sz="1400">
+                <a:latin typeface="Calibri"/>
+              </a:rPr>
+              <a:t>12-Jul-20</a:t>
+            </a:r>
+            <a:br>
+              <a:rPr lang="en-US" sz="1400">
+                <a:latin typeface="Calibri"/>
+              </a:rPr>
+            </a:br>
+            <a:r>
+              <a:rPr lang="en-US" sz="1400">
+                <a:latin typeface="Calibri"/>
+              </a:rPr>
+              <a:t>31-Dec-20</a:t>
+            </a:r>
+            <a:endParaRPr lang="en-US" sz="1100"/>
+          </a:p>
+        </p:txBody>
+      </p:sp>
+      <p:sp>
+        <p:nvSpPr>
+          <p:cNvPr name="AutoShape 41" id="41"/>
+          <p:cNvSpPr/>
+          <p:nvPr/>
+        </p:nvSpPr>
+        <p:spPr>
+          <a:xfrm>
+            <a:off x="254000" y="3721100"/>
+            <a:ext cx="15748000" cy="12700"/>
+          </a:xfrm>
+          <a:prstGeom prst="line">
+            <a:avLst/>
+          </a:prstGeom>
+          <a:ln>
+            <a:solidFill>
+              <a:srgbClr val="000000"/>
+            </a:solidFill>
+          </a:ln>
+        </p:spPr>
+      </p:sp>
+      <p:sp>
+        <p:nvSpPr>
+          <p:cNvPr name="TextBox 42" id="42"/>
+          <p:cNvSpPr txBox="true"/>
+          <p:nvPr/>
+        </p:nvSpPr>
+        <p:spPr>
+          <a:xfrm>
+            <a:off x="254000" y="3721100"/>
+            <a:ext cx="15748000" cy="4216400"/>
+          </a:xfrm>
+          <a:prstGeom prst="rect">
+            <a:avLst/>
+          </a:prstGeom>
+        </p:spPr>
+        <p:txBody>
+          <a:bodyPr anchor="t" rtlCol="false"/>
+          <a:lstStyle/>
+          <a:p>
+            <a:pPr algn="l">
+              <a:defRPr/>
+            </a:pPr>
+            <a:r>
+              <a:rPr lang="ru-RU"/>
+              <a:t/>
+            </a:r>
+            <a:endParaRPr lang="en-US" sz="1100"/>
+          </a:p>
           <a:p>
             <a:r>
               <a:rPr lang="en-US" sz="1400">
@@ -4107,167 +5290,6 @@
               <a:rPr lang="en-US" sz="1400">
                 <a:solidFill>
                   <a:srgbClr val="00FF00"/>
-                </a:solidFill>
-                <a:latin typeface="Calibri"/>
-              </a:rPr>
-              <a:t> </a:t>
-            </a:r>
-            <a:r>
-              <a:rPr lang="en-US" sz="1400">
-                <a:solidFill>
-                  <a:srgbClr val="00FF00"/>
-                </a:solidFill>
-                <a:latin typeface="Calibri"/>
-              </a:rPr>
-              <a:t>A record may contain either other records (in which case it is a Container), or data (in which case it's an Atom). A record can't hold both. PowerPoint documents don't have one overall container record. Instead, there are a number of different container records to be found at the top level. Any numbers or strings stored in the records are always stored in Little Endian format (least important bytes first). </a:t>
-            </a:r>
-            <a:r>
-              <a:rPr lang="en-US" sz="1400">
-                <a:solidFill>
-                  <a:srgbClr val="00FF00"/>
-                </a:solidFill>
-                <a:latin typeface="Calibri"/>
-              </a:rPr>
-              <a:t> </a:t>
-            </a:r>
-            <a:r>
-              <a:rPr lang="en-US" sz="1400">
-                <a:solidFill>
-                  <a:srgbClr val="00FF00"/>
-                </a:solidFill>
-                <a:latin typeface="Calibri"/>
-              </a:rPr>
-              <a:t>This is the case no matter what platform the file was written on - be that a Little Endian or a Big Endian system. PowerPoint may have Escher (DDF) records embedded in it. These are always held as the children of a PPDrawing record (record type 1036). Escher records have the same format as PowerPoint records. Hello mate! Hello mate! Hello mate! Hello mate! Hello mate! Hello mate! Hello mate! Hello mate! Hello mate! This is bold and underscore and both and not true false PowerPoint documents are made up of a tree of records.</a:t>
-            </a:r>
-            <a:r>
-              <a:rPr lang="en-US" sz="1400">
-                <a:solidFill>
-                  <a:srgbClr val="00FF00"/>
-                </a:solidFill>
-                <a:latin typeface="Calibri"/>
-              </a:rPr>
-              <a:t> </a:t>
-            </a:r>
-            <a:r>
-              <a:rPr lang="en-US" sz="1400">
-                <a:solidFill>
-                  <a:srgbClr val="00FF00"/>
-                </a:solidFill>
-                <a:latin typeface="Calibri"/>
-              </a:rPr>
-              <a:t>A record may contain either other records (in which case it is a Container), or data (in which case it's an Atom). A record can't hold both. PowerPoint documents don't have one overall container record</a:t>
-            </a:r>
-            <a:r>
-              <a:rPr lang="en-US" sz="1400">
-                <a:solidFill>
-                  <a:srgbClr val="00FF00"/>
-                </a:solidFill>
-                <a:latin typeface="Calibri"/>
-              </a:rPr>
-              <a:t> </a:t>
-            </a:r>
-            <a:r>
-              <a:rPr lang="en-US" sz="1400">
-                <a:latin typeface="Calibri"/>
-              </a:rPr>
-              <a:t> </a:t>
-            </a:r>
-          </a:p>
-          <a:p>
-            <a:r>
-              <a:rPr lang="en-US" sz="1400">
-                <a:solidFill>
-                  <a:srgbClr val="0000FF"/>
-                </a:solidFill>
-                <a:latin typeface="Calibri"/>
-              </a:rPr>
-              <a:t> </a:t>
-            </a:r>
-            <a:r>
-              <a:rPr lang="en-US" sz="1400">
-                <a:solidFill>
-                  <a:srgbClr val="0000FF"/>
-                </a:solidFill>
-                <a:latin typeface="Calibri"/>
-              </a:rPr>
-              <a:t>PowerPoint documents are made up of a tree of records. A record may contain either other records (in which case it is a Container), or data (in which case it's an Atom). </a:t>
-            </a:r>
-            <a:r>
-              <a:rPr lang="en-US" sz="1400">
-                <a:solidFill>
-                  <a:srgbClr val="0000FF"/>
-                </a:solidFill>
-                <a:latin typeface="Calibri"/>
-              </a:rPr>
-              <a:t> </a:t>
-            </a:r>
-            <a:r>
-              <a:rPr lang="en-US" sz="1400">
-                <a:solidFill>
-                  <a:srgbClr val="0000FF"/>
-                </a:solidFill>
-                <a:latin typeface="Calibri"/>
-              </a:rPr>
-              <a:t>A record can't hold both. PowerPoint documents don't have one overall container record. Instead, there are a number of different container records to be found at the top level.</a:t>
-            </a:r>
-            <a:r>
-              <a:rPr lang="en-US" sz="1400">
-                <a:solidFill>
-                  <a:srgbClr val="0000FF"/>
-                </a:solidFill>
-                <a:latin typeface="Calibri"/>
-              </a:rPr>
-              <a:t> </a:t>
-            </a:r>
-            <a:r>
-              <a:rPr lang="en-US" sz="1400">
-                <a:solidFill>
-                  <a:srgbClr val="0000FF"/>
-                </a:solidFill>
-                <a:latin typeface="Calibri"/>
-              </a:rPr>
-              <a:t>Any numbers or strings stored in the records are always stored in Little Endian format (least important bytes first). This is the case no matter what platform the file was written on - be that a Little Endian or a Big Endian system. </a:t>
-            </a:r>
-            <a:r>
-              <a:rPr lang="en-US" sz="1400">
-                <a:solidFill>
-                  <a:srgbClr val="0000FF"/>
-                </a:solidFill>
-                <a:latin typeface="Calibri"/>
-              </a:rPr>
-              <a:t> </a:t>
-            </a:r>
-            <a:r>
-              <a:rPr lang="en-US" sz="1400">
-                <a:solidFill>
-                  <a:srgbClr val="0000FF"/>
-                </a:solidFill>
-                <a:latin typeface="Calibri"/>
-              </a:rPr>
-              <a:t>PowerPoint may have Escher (DDF) records embedded in it. These are always held as the children of a PPDrawing record (record type 1036). Escher records have the same format as PowerPoint records.</a:t>
-            </a:r>
-            <a:r>
-              <a:rPr lang="en-US" sz="1400">
-                <a:solidFill>
-                  <a:srgbClr val="0000FF"/>
-                </a:solidFill>
-                <a:latin typeface="Calibri"/>
-              </a:rPr>
-              <a:t> </a:t>
-            </a:r>
-            <a:r>
-              <a:rPr lang="en-US" sz="1400">
-                <a:solidFill>
-                  <a:srgbClr val="0000FF"/>
-                </a:solidFill>
-                <a:latin typeface="Calibri"/>
-              </a:rPr>
-              <a:t>Hello mate! Hello mate! Hello mate! Hello mate! Hello mate! Hello mate! Hello mate! Hello mate! Hello mate! This is bold and underscore and both and not true false PowerPoint documents are made up of a tree of records. </a:t>
-            </a:r>
-            <a:r>
-              <a:rPr lang="en-US" sz="1400">
-                <a:solidFill>
-                  <a:srgbClr val="0000FF"/>
                 </a:solidFill>
                 <a:latin typeface="Calibri"/>
               </a:rPr>
@@ -4371,7 +5393,7 @@
               <a:rPr lang="en-US" sz="1400">
                 <a:latin typeface="Calibri"/>
               </a:rPr>
-              <a:t>Mon Apr 13 16:12:57 MSK 2020</a:t>
+              <a:t>Tue Apr 14 00:16:27 MSK 2020</a:t>
             </a:r>
             <a:endParaRPr lang="en-US" sz="1100"/>
           </a:p>
@@ -4548,10 +5570,172 @@
             <a:r>
               <a:rPr lang="en-US" sz="1400">
                 <a:solidFill>
+                  <a:srgbClr val="00FF00"/>
+                </a:solidFill>
+                <a:latin typeface="Calibri"/>
+              </a:rPr>
+              <a:t>A record may contain either other records (in which case it is a Container), or data (in which case it's an Atom). A record can't hold both. PowerPoint documents don't have one overall container record. Instead, there are a number of different container records to be found at the top level. Any numbers or strings stored in the records are always stored in Little Endian format (least important bytes first). </a:t>
+            </a:r>
+            <a:r>
+              <a:rPr lang="en-US" sz="1400">
+                <a:solidFill>
+                  <a:srgbClr val="00FF00"/>
+                </a:solidFill>
+                <a:latin typeface="Calibri"/>
+              </a:rPr>
+              <a:t> </a:t>
+            </a:r>
+            <a:r>
+              <a:rPr lang="en-US" sz="1400">
+                <a:solidFill>
+                  <a:srgbClr val="00FF00"/>
+                </a:solidFill>
+                <a:latin typeface="Calibri"/>
+              </a:rPr>
+              <a:t>This is the case no matter what platform the file was written on - be that a Little Endian or a Big Endian system. PowerPoint may have Escher (DDF) records embedded in it. These are always held as the children of a PPDrawing record (record type 1036). Escher records have the same format as PowerPoint records. Hello mate! Hello mate! Hello mate! Hello mate! Hello mate! Hello mate! Hello mate! Hello mate! Hello mate! This is bold and underscore and both and not true false PowerPoint documents are made up of a tree of records.</a:t>
+            </a:r>
+            <a:r>
+              <a:rPr lang="en-US" sz="1400">
+                <a:solidFill>
+                  <a:srgbClr val="00FF00"/>
+                </a:solidFill>
+                <a:latin typeface="Calibri"/>
+              </a:rPr>
+              <a:t> </a:t>
+            </a:r>
+            <a:r>
+              <a:rPr lang="en-US" sz="1400">
+                <a:solidFill>
+                  <a:srgbClr val="00FF00"/>
+                </a:solidFill>
+                <a:latin typeface="Calibri"/>
+              </a:rPr>
+              <a:t>A record may contain either other records (in which case it is a Container), or data (in which case it's an Atom). A record can't hold both. PowerPoint documents don't have one overall container record</a:t>
+            </a:r>
+            <a:r>
+              <a:rPr lang="en-US" sz="1400">
+                <a:solidFill>
+                  <a:srgbClr val="00FF00"/>
+                </a:solidFill>
+                <a:latin typeface="Calibri"/>
+              </a:rPr>
+              <a:t> </a:t>
+            </a:r>
+            <a:r>
+              <a:rPr lang="en-US" sz="1400">
+                <a:latin typeface="Calibri"/>
+              </a:rPr>
+              <a:t> </a:t>
+            </a:r>
+            <a:endParaRPr lang="en-US" sz="1100"/>
+          </a:p>
+          <a:p>
+            <a:r>
+              <a:rPr lang="en-US" sz="1400">
+                <a:solidFill>
                   <a:srgbClr val="0000FF"/>
                 </a:solidFill>
                 <a:latin typeface="Calibri"/>
               </a:rPr>
+              <a:t> </a:t>
+            </a:r>
+            <a:r>
+              <a:rPr lang="en-US" sz="1400">
+                <a:solidFill>
+                  <a:srgbClr val="0000FF"/>
+                </a:solidFill>
+                <a:latin typeface="Calibri"/>
+              </a:rPr>
+              <a:t>PowerPoint documents are made up of a tree of records. A record may contain either other records (in which case it is a Container), or data (in which case it's an Atom). </a:t>
+            </a:r>
+            <a:r>
+              <a:rPr lang="en-US" sz="1400">
+                <a:solidFill>
+                  <a:srgbClr val="0000FF"/>
+                </a:solidFill>
+                <a:latin typeface="Calibri"/>
+              </a:rPr>
+              <a:t> </a:t>
+            </a:r>
+            <a:r>
+              <a:rPr lang="en-US" sz="1400">
+                <a:solidFill>
+                  <a:srgbClr val="0000FF"/>
+                </a:solidFill>
+                <a:latin typeface="Calibri"/>
+              </a:rPr>
+              <a:t>A record can't hold both. PowerPoint documents don't have one overall container record. Instead, there are a number of different container records to be found at the top level.</a:t>
+            </a:r>
+            <a:r>
+              <a:rPr lang="en-US" sz="1400">
+                <a:solidFill>
+                  <a:srgbClr val="0000FF"/>
+                </a:solidFill>
+                <a:latin typeface="Calibri"/>
+              </a:rPr>
+              <a:t> </a:t>
+            </a:r>
+            <a:r>
+              <a:rPr lang="en-US" sz="1400">
+                <a:solidFill>
+                  <a:srgbClr val="0000FF"/>
+                </a:solidFill>
+                <a:latin typeface="Calibri"/>
+              </a:rPr>
+              <a:t>Any numbers or strings stored in the records are always stored in Little Endian format (least important bytes first). This is the case no matter what platform the file was written on - be that a Little Endian or a Big Endian system. </a:t>
+            </a:r>
+            <a:r>
+              <a:rPr lang="en-US" sz="1400">
+                <a:solidFill>
+                  <a:srgbClr val="0000FF"/>
+                </a:solidFill>
+                <a:latin typeface="Calibri"/>
+              </a:rPr>
+              <a:t> </a:t>
+            </a:r>
+            <a:r>
+              <a:rPr lang="en-US" sz="1400">
+                <a:solidFill>
+                  <a:srgbClr val="0000FF"/>
+                </a:solidFill>
+                <a:latin typeface="Calibri"/>
+              </a:rPr>
+              <a:t>PowerPoint may have Escher (DDF) records embedded in it. These are always held as the children of a PPDrawing record (record type 1036). Escher records have the same format as PowerPoint records.</a:t>
+            </a:r>
+            <a:r>
+              <a:rPr lang="en-US" sz="1400">
+                <a:solidFill>
+                  <a:srgbClr val="0000FF"/>
+                </a:solidFill>
+                <a:latin typeface="Calibri"/>
+              </a:rPr>
+              <a:t> </a:t>
+            </a:r>
+            <a:r>
+              <a:rPr lang="en-US" sz="1400">
+                <a:solidFill>
+                  <a:srgbClr val="0000FF"/>
+                </a:solidFill>
+                <a:latin typeface="Calibri"/>
+              </a:rPr>
+              <a:t>Hello mate! Hello mate! Hello mate! Hello mate! Hello mate! Hello mate! Hello mate! Hello mate! Hello mate! This is bold and underscore and both and not true false PowerPoint documents are made up of a tree of records. </a:t>
+            </a:r>
+            <a:r>
+              <a:rPr lang="en-US" sz="1400">
+                <a:solidFill>
+                  <a:srgbClr val="0000FF"/>
+                </a:solidFill>
+                <a:latin typeface="Calibri"/>
+              </a:rPr>
+              <a:t> </a:t>
+            </a:r>
+            <a:r>
+              <a:rPr lang="en-US" sz="1400">
+                <a:solidFill>
+                  <a:srgbClr val="0000FF"/>
+                </a:solidFill>
+                <a:latin typeface="Calibri"/>
+              </a:rPr>
               <a:t>A record may contain either other records (in which case it is a Container), or data (in which case it's an Atom). A record can't hold both. PowerPoint documents don't have one overall container record. Instead, there are a number of different container records to be found at the top level. Any numbers or strings stored in the records are always stored in Little Endian format (least important bytes first). </a:t>
             </a:r>
             <a:r>
@@ -4605,7 +5789,6 @@
               </a:rPr>
               <a:t> </a:t>
             </a:r>
-            <a:endParaRPr lang="en-US" sz="1100"/>
           </a:p>
           <a:p>
             <a:r>
@@ -4851,180 +6034,6 @@
                 <a:latin typeface="Calibri"/>
               </a:rPr>
               <a:t>q</a:t>
-            </a:r>
-            <a:r>
-              <a:rPr lang="en-US" sz="1400">
-                <a:latin typeface="Calibri"/>
-              </a:rPr>
-              <a:t> </a:t>
-            </a:r>
-          </a:p>
-          <a:p>
-            <a:pPr>
-              <a:buFont typeface="Arial"/>
-              <a:buChar char="•"/>
-            </a:pPr>
-            <a:r>
-              <a:rPr lang="en-US" sz="1400">
-                <a:latin typeface="Calibri"/>
-              </a:rPr>
-              <a:t>sss</a:t>
-            </a:r>
-            <a:r>
-              <a:rPr lang="en-US" sz="1400">
-                <a:latin typeface="Calibri"/>
-              </a:rPr>
-              <a:t> </a:t>
-            </a:r>
-            <a:r>
-              <a:rPr lang="en-US" sz="1400">
-                <a:latin typeface="Calibri"/>
-              </a:rPr>
-              <a:t> </a:t>
-            </a:r>
-            <a:r>
-              <a:rPr lang="en-US" sz="1400">
-                <a:latin typeface="Calibri"/>
-              </a:rPr>
-              <a:t> </a:t>
-            </a:r>
-          </a:p>
-          <a:p>
-            <a:pPr>
-              <a:buFont typeface="Arial"/>
-              <a:buChar char="•"/>
-            </a:pPr>
-            <a:r>
-              <a:rPr lang="en-US" sz="1400">
-                <a:latin typeface="Calibri"/>
-              </a:rPr>
-              <a:t>q</a:t>
-            </a:r>
-            <a:r>
-              <a:rPr lang="en-US" sz="1400">
-                <a:latin typeface="Calibri"/>
-              </a:rPr>
-              <a:t> </a:t>
-            </a:r>
-          </a:p>
-          <a:p>
-            <a:pPr>
-              <a:buFont typeface="Arial"/>
-              <a:buChar char="•"/>
-            </a:pPr>
-            <a:r>
-              <a:rPr lang="en-US" sz="1400">
-                <a:latin typeface="Calibri"/>
-              </a:rPr>
-              <a:t>w</a:t>
-            </a:r>
-            <a:r>
-              <a:rPr lang="en-US" sz="1400">
-                <a:latin typeface="Calibri"/>
-              </a:rPr>
-              <a:t> </a:t>
-            </a:r>
-          </a:p>
-          <a:p>
-            <a:pPr>
-              <a:buFont typeface="Arial"/>
-              <a:buChar char="•"/>
-            </a:pPr>
-            <a:r>
-              <a:rPr lang="en-US" sz="1400">
-                <a:latin typeface="Calibri"/>
-              </a:rPr>
-              <a:t>e</a:t>
-            </a:r>
-            <a:r>
-              <a:rPr lang="en-US" sz="1400">
-                <a:latin typeface="Calibri"/>
-              </a:rPr>
-              <a:t> </a:t>
-            </a:r>
-          </a:p>
-          <a:p>
-            <a:pPr>
-              <a:buFont typeface="Arial"/>
-              <a:buChar char="•"/>
-            </a:pPr>
-            <a:r>
-              <a:rPr lang="en-US" sz="1400">
-                <a:latin typeface="Calibri"/>
-              </a:rPr>
-              <a:t>r</a:t>
-            </a:r>
-            <a:r>
-              <a:rPr lang="en-US" sz="1400">
-                <a:latin typeface="Calibri"/>
-              </a:rPr>
-              <a:t> </a:t>
-            </a:r>
-          </a:p>
-          <a:p>
-            <a:pPr>
-              <a:buFont typeface="Arial"/>
-              <a:buChar char="•"/>
-            </a:pPr>
-            <a:r>
-              <a:rPr lang="en-US" sz="1400">
-                <a:latin typeface="Calibri"/>
-              </a:rPr>
-              <a:t>a</a:t>
-            </a:r>
-            <a:r>
-              <a:rPr lang="en-US" sz="1400">
-                <a:latin typeface="Calibri"/>
-              </a:rPr>
-              <a:t> </a:t>
-            </a:r>
-          </a:p>
-          <a:p>
-            <a:pPr>
-              <a:buFont typeface="Arial"/>
-              <a:buChar char="•"/>
-            </a:pPr>
-            <a:r>
-              <a:rPr lang="en-US" sz="1400">
-                <a:latin typeface="Calibri"/>
-              </a:rPr>
-              <a:t>s</a:t>
-            </a:r>
-            <a:r>
-              <a:rPr lang="en-US" sz="1400">
-                <a:latin typeface="Calibri"/>
-              </a:rPr>
-              <a:t> </a:t>
-            </a:r>
-          </a:p>
-          <a:p>
-            <a:pPr>
-              <a:buFont typeface="Arial"/>
-              <a:buChar char="•"/>
-            </a:pPr>
-            <a:r>
-              <a:rPr lang="en-US" sz="1400">
-                <a:latin typeface="Calibri"/>
-              </a:rPr>
-              <a:t>d</a:t>
-            </a:r>
-            <a:r>
-              <a:rPr lang="en-US" sz="1400">
-                <a:latin typeface="Calibri"/>
-              </a:rPr>
-              <a:t> </a:t>
-            </a:r>
-          </a:p>
-          <a:p>
-            <a:pPr>
-              <a:buFont typeface="Arial"/>
-              <a:buChar char="•"/>
-            </a:pPr>
-            <a:r>
-              <a:rPr lang="en-US" sz="1400">
-                <a:latin typeface="Calibri"/>
-              </a:rPr>
-              <a:t>f</a:t>
             </a:r>
             <a:r>
               <a:rPr lang="en-US" sz="1400">
@@ -5166,7 +6175,7 @@
               <a:rPr lang="en-US" sz="1400">
                 <a:latin typeface="Calibri"/>
               </a:rPr>
-              <a:t>Mon Apr 13 16:12:57 MSK 2020</a:t>
+              <a:t>Tue Apr 14 00:16:27 MSK 2020</a:t>
             </a:r>
             <a:endParaRPr lang="en-US" sz="1100"/>
           </a:p>
@@ -5353,6 +6362,180 @@
               <a:t> </a:t>
             </a:r>
             <a:endParaRPr lang="en-US" sz="1100"/>
+          </a:p>
+          <a:p>
+            <a:pPr>
+              <a:buFont typeface="Arial"/>
+              <a:buChar char="•"/>
+            </a:pPr>
+            <a:r>
+              <a:rPr lang="en-US" sz="1400">
+                <a:latin typeface="Calibri"/>
+              </a:rPr>
+              <a:t>w</a:t>
+            </a:r>
+            <a:r>
+              <a:rPr lang="en-US" sz="1400">
+                <a:latin typeface="Calibri"/>
+              </a:rPr>
+              <a:t> </a:t>
+            </a:r>
+          </a:p>
+          <a:p>
+            <a:pPr>
+              <a:buFont typeface="Arial"/>
+              <a:buChar char="•"/>
+            </a:pPr>
+            <a:r>
+              <a:rPr lang="en-US" sz="1400">
+                <a:latin typeface="Calibri"/>
+              </a:rPr>
+              <a:t>e</a:t>
+            </a:r>
+            <a:r>
+              <a:rPr lang="en-US" sz="1400">
+                <a:latin typeface="Calibri"/>
+              </a:rPr>
+              <a:t> </a:t>
+            </a:r>
+          </a:p>
+          <a:p>
+            <a:pPr>
+              <a:buFont typeface="Arial"/>
+              <a:buChar char="•"/>
+            </a:pPr>
+            <a:r>
+              <a:rPr lang="en-US" sz="1400">
+                <a:latin typeface="Calibri"/>
+              </a:rPr>
+              <a:t>r</a:t>
+            </a:r>
+            <a:r>
+              <a:rPr lang="en-US" sz="1400">
+                <a:latin typeface="Calibri"/>
+              </a:rPr>
+              <a:t> </a:t>
+            </a:r>
+          </a:p>
+          <a:p>
+            <a:pPr>
+              <a:buFont typeface="Arial"/>
+              <a:buChar char="•"/>
+            </a:pPr>
+            <a:r>
+              <a:rPr lang="en-US" sz="1400">
+                <a:latin typeface="Calibri"/>
+              </a:rPr>
+              <a:t>a</a:t>
+            </a:r>
+            <a:r>
+              <a:rPr lang="en-US" sz="1400">
+                <a:latin typeface="Calibri"/>
+              </a:rPr>
+              <a:t> </a:t>
+            </a:r>
+          </a:p>
+          <a:p>
+            <a:pPr>
+              <a:buFont typeface="Arial"/>
+              <a:buChar char="•"/>
+            </a:pPr>
+            <a:r>
+              <a:rPr lang="en-US" sz="1400">
+                <a:latin typeface="Calibri"/>
+              </a:rPr>
+              <a:t>s</a:t>
+            </a:r>
+            <a:r>
+              <a:rPr lang="en-US" sz="1400">
+                <a:latin typeface="Calibri"/>
+              </a:rPr>
+              <a:t> </a:t>
+            </a:r>
+          </a:p>
+          <a:p>
+            <a:pPr>
+              <a:buFont typeface="Arial"/>
+              <a:buChar char="•"/>
+            </a:pPr>
+            <a:r>
+              <a:rPr lang="en-US" sz="1400">
+                <a:latin typeface="Calibri"/>
+              </a:rPr>
+              <a:t>d</a:t>
+            </a:r>
+            <a:r>
+              <a:rPr lang="en-US" sz="1400">
+                <a:latin typeface="Calibri"/>
+              </a:rPr>
+              <a:t> </a:t>
+            </a:r>
+          </a:p>
+          <a:p>
+            <a:pPr>
+              <a:buFont typeface="Arial"/>
+              <a:buChar char="•"/>
+            </a:pPr>
+            <a:r>
+              <a:rPr lang="en-US" sz="1400">
+                <a:latin typeface="Calibri"/>
+              </a:rPr>
+              <a:t>f</a:t>
+            </a:r>
+            <a:r>
+              <a:rPr lang="en-US" sz="1400">
+                <a:latin typeface="Calibri"/>
+              </a:rPr>
+              <a:t> </a:t>
+            </a:r>
+          </a:p>
+          <a:p>
+            <a:pPr>
+              <a:buFont typeface="Arial"/>
+              <a:buChar char="•"/>
+            </a:pPr>
+            <a:r>
+              <a:rPr lang="en-US" sz="1400">
+                <a:latin typeface="Calibri"/>
+              </a:rPr>
+              <a:t>sss</a:t>
+            </a:r>
+            <a:r>
+              <a:rPr lang="en-US" sz="1400">
+                <a:latin typeface="Calibri"/>
+              </a:rPr>
+              <a:t> </a:t>
+            </a:r>
+            <a:r>
+              <a:rPr lang="en-US" sz="1400">
+                <a:latin typeface="Calibri"/>
+              </a:rPr>
+              <a:t> </a:t>
+            </a:r>
+            <a:r>
+              <a:rPr lang="en-US" sz="1400">
+                <a:latin typeface="Calibri"/>
+              </a:rPr>
+              <a:t> </a:t>
+            </a:r>
+          </a:p>
+          <a:p>
+            <a:pPr>
+              <a:buFont typeface="Arial"/>
+              <a:buChar char="•"/>
+            </a:pPr>
+            <a:r>
+              <a:rPr lang="en-US" sz="1400">
+                <a:latin typeface="Calibri"/>
+              </a:rPr>
+              <a:t>q</a:t>
+            </a:r>
+            <a:r>
+              <a:rPr lang="en-US" sz="1400">
+                <a:latin typeface="Calibri"/>
+              </a:rPr>
+              <a:t> </a:t>
+            </a:r>
           </a:p>
           <a:p>
             <a:pPr>

--- a/html-to-ppt/TextFormat.pptx
+++ b/html-to-ppt/TextFormat.pptx
@@ -3045,7 +3045,7 @@
 </file>
 
 <file path=ppt/slides/slide1.xml><?xml version="1.0" encoding="utf-8"?>
-<p:sld xmlns:p="http://schemas.openxmlformats.org/presentationml/2006/main" xmlns:a="http://schemas.openxmlformats.org/drawingml/2006/main">
+<p:sld xmlns:p="http://schemas.openxmlformats.org/presentationml/2006/main" xmlns:a="http://schemas.openxmlformats.org/drawingml/2006/main" xmlns:r="http://schemas.openxmlformats.org/officeDocument/2006/relationships">
   <p:cSld>
     <p:spTree>
       <p:nvGrpSpPr>
@@ -3131,7 +3131,7 @@
               <a:rPr lang="en-US" sz="1400">
                 <a:latin typeface="Calibri"/>
               </a:rPr>
-              <a:t>Tue Apr 14 00:16:27 MSK 2020</a:t>
+              <a:t>Tue Apr 14 17:36:05 MSK 2020</a:t>
             </a:r>
             <a:endParaRPr lang="en-US" sz="1100"/>
           </a:p>
@@ -3260,7 +3260,67 @@
       </p:sp>
       <p:sp>
         <p:nvSpPr>
-          <p:cNvPr name="AutoShape 6" id="6"/>
+          <p:cNvPr name="TextBox 6" id="6"/>
+          <p:cNvSpPr txBox="true"/>
+          <p:nvPr/>
+        </p:nvSpPr>
+        <p:spPr>
+          <a:xfrm>
+            <a:off x="254000" y="8382000"/>
+            <a:ext cx="1016000" cy="215900"/>
+          </a:xfrm>
+          <a:prstGeom prst="rect">
+            <a:avLst/>
+          </a:prstGeom>
+        </p:spPr>
+        <p:txBody>
+          <a:bodyPr anchor="t" rtlCol="false"/>
+          <a:lstStyle/>
+          <a:p>
+            <a:pPr algn="l">
+              <a:defRPr/>
+            </a:pPr>
+            <a:r>
+              <a:rPr lang="ru-RU"/>
+              <a:t/>
+            </a:r>
+            <a:r>
+              <a:rPr lang="en-US" sz="1400">
+                <a:latin typeface="Calibri"/>
+              </a:rPr>
+              <a:t>Page 1</a:t>
+            </a:r>
+            <a:endParaRPr lang="en-US" sz="1100"/>
+          </a:p>
+        </p:txBody>
+      </p:sp>
+      <p:pic>
+        <p:nvPicPr>
+          <p:cNvPr name="Picture 7" id="7"/>
+          <p:cNvPicPr>
+            <a:picLocks noChangeAspect="true"/>
+          </p:cNvPicPr>
+          <p:nvPr/>
+        </p:nvPicPr>
+        <p:blipFill>
+          <a:blip r:embed="rId2"/>
+          <a:stretch>
+            <a:fillRect/>
+          </a:stretch>
+        </p:blipFill>
+        <p:spPr>
+          <a:xfrm>
+            <a:off x="13716000" y="8191500"/>
+            <a:ext cx="2286000" cy="571500"/>
+          </a:xfrm>
+          <a:prstGeom prst="rect">
+            <a:avLst/>
+          </a:prstGeom>
+        </p:spPr>
+      </p:pic>
+      <p:sp>
+        <p:nvSpPr>
+          <p:cNvPr name="AutoShape 8" id="8"/>
           <p:cNvSpPr/>
           <p:nvPr/>
         </p:nvSpPr>
@@ -3281,7 +3341,7 @@
       </p:sp>
       <p:graphicFrame>
         <p:nvGraphicFramePr>
-          <p:cNvPr name="Table 7" id="7"/>
+          <p:cNvPr name="Table 9" id="9"/>
           <p:cNvGraphicFramePr>
             <a:graphicFrameLocks noGrp="true"/>
           </p:cNvGraphicFramePr>
@@ -3755,7 +3815,7 @@
       </p:graphicFrame>
       <p:sp>
         <p:nvSpPr>
-          <p:cNvPr name="AutoShape 8" id="8"/>
+          <p:cNvPr name="AutoShape 10" id="10"/>
           <p:cNvSpPr/>
           <p:nvPr/>
         </p:nvSpPr>
@@ -3776,13 +3836,13 @@
       </p:sp>
       <p:sp>
         <p:nvSpPr>
-          <p:cNvPr name="AutoShape 9" id="9"/>
+          <p:cNvPr name="AutoShape 11" id="11"/>
           <p:cNvSpPr/>
           <p:nvPr/>
         </p:nvSpPr>
         <p:spPr>
           <a:xfrm>
-            <a:off x="508000" y="2514600"/>
+            <a:off x="508000" y="2641600"/>
             <a:ext cx="15240000" cy="25400"/>
           </a:xfrm>
           <a:prstGeom prst="rect">
@@ -3800,13 +3860,13 @@
       </p:sp>
       <p:sp>
         <p:nvSpPr>
-          <p:cNvPr name="TextBox 10" id="10"/>
+          <p:cNvPr name="TextBox 12" id="12"/>
           <p:cNvSpPr txBox="true"/>
           <p:nvPr/>
         </p:nvSpPr>
         <p:spPr>
           <a:xfrm>
-            <a:off x="508000" y="2832100"/>
+            <a:off x="508000" y="2959100"/>
             <a:ext cx="1778000" cy="444500"/>
           </a:xfrm>
           <a:prstGeom prst="rect">
@@ -3828,7 +3888,7 @@
               <a:rPr lang="en-US" sz="1400">
                 <a:latin typeface="Calibri"/>
               </a:rPr>
-              <a:t>Baseline</a:t>
+              <a:t>Committed *</a:t>
             </a:r>
             <a:br>
               <a:rPr lang="en-US" sz="1400">
@@ -3847,13 +3907,13 @@
       </p:sp>
       <p:sp>
         <p:nvSpPr>
-          <p:cNvPr name="AutoShape 11" id="11"/>
+          <p:cNvPr name="AutoShape 13" id="13"/>
           <p:cNvSpPr/>
           <p:nvPr/>
         </p:nvSpPr>
         <p:spPr>
           <a:xfrm>
-            <a:off x="3048000" y="2400300"/>
+            <a:off x="5270500" y="2527300"/>
             <a:ext cx="25400" cy="228600"/>
           </a:xfrm>
           <a:prstGeom prst="rect">
@@ -3871,13 +3931,13 @@
       </p:sp>
       <p:sp>
         <p:nvSpPr>
-          <p:cNvPr name="TextBox 12" id="12"/>
+          <p:cNvPr name="TextBox 14" id="14"/>
           <p:cNvSpPr txBox="true"/>
           <p:nvPr/>
         </p:nvSpPr>
         <p:spPr>
           <a:xfrm>
-            <a:off x="2603500" y="1879600"/>
+            <a:off x="4826000" y="2006600"/>
             <a:ext cx="889000" cy="215900"/>
           </a:xfrm>
           <a:prstGeom prst="rect">
@@ -3899,21 +3959,45 @@
               <a:rPr lang="en-US" sz="1400">
                 <a:latin typeface="Calibri"/>
               </a:rPr>
-              <a:t>DR0</a:t>
+              <a:t>DR1</a:t>
             </a:r>
             <a:endParaRPr lang="en-US" sz="1100"/>
           </a:p>
         </p:txBody>
       </p:sp>
-      <p:sp>
-        <p:nvSpPr>
-          <p:cNvPr name="TextBox 13" id="13"/>
+      <p:pic>
+        <p:nvPicPr>
+          <p:cNvPr name="Picture 15" id="15"/>
+          <p:cNvPicPr>
+            <a:picLocks noChangeAspect="true"/>
+          </p:cNvPicPr>
+          <p:nvPr/>
+        </p:nvPicPr>
+        <p:blipFill>
+          <a:blip r:embed="rId3"/>
+          <a:stretch>
+            <a:fillRect/>
+          </a:stretch>
+        </p:blipFill>
+        <p:spPr>
+          <a:xfrm>
+            <a:off x="5143500" y="1689100"/>
+            <a:ext cx="254000" cy="254000"/>
+          </a:xfrm>
+          <a:prstGeom prst="rect">
+            <a:avLst/>
+          </a:prstGeom>
+        </p:spPr>
+      </p:pic>
+      <p:sp>
+        <p:nvSpPr>
+          <p:cNvPr name="TextBox 16" id="16"/>
           <p:cNvSpPr txBox="true"/>
           <p:nvPr/>
         </p:nvSpPr>
         <p:spPr>
           <a:xfrm>
-            <a:off x="2413000" y="2832100"/>
+            <a:off x="4635500" y="2959100"/>
             <a:ext cx="1270000" cy="444500"/>
           </a:xfrm>
           <a:prstGeom prst="rect">
@@ -3935,7 +4019,7 @@
               <a:rPr lang="en-US" sz="1400">
                 <a:latin typeface="Calibri"/>
               </a:rPr>
-              <a:t>12-Jul-20</a:t>
+              <a:t>11-Apr-20</a:t>
             </a:r>
             <a:br>
               <a:rPr lang="en-US" sz="1400">
@@ -3946,7 +4030,7 @@
               <a:rPr lang="en-US" sz="1400">
                 <a:latin typeface="Calibri"/>
               </a:rPr>
-              <a:t>31-Dec-20</a:t>
+              <a:t>10-Apr-20</a:t>
             </a:r>
             <a:endParaRPr lang="en-US" sz="1100"/>
           </a:p>
@@ -3954,13 +4038,13 @@
       </p:sp>
       <p:sp>
         <p:nvSpPr>
-          <p:cNvPr name="AutoShape 14" id="14"/>
+          <p:cNvPr name="AutoShape 17" id="17"/>
           <p:cNvSpPr/>
           <p:nvPr/>
         </p:nvSpPr>
         <p:spPr>
           <a:xfrm>
-            <a:off x="4318000" y="2400300"/>
+            <a:off x="8763000" y="2527300"/>
             <a:ext cx="25400" cy="228600"/>
           </a:xfrm>
           <a:prstGeom prst="rect">
@@ -3978,13 +4062,13 @@
       </p:sp>
       <p:sp>
         <p:nvSpPr>
-          <p:cNvPr name="TextBox 15" id="15"/>
+          <p:cNvPr name="TextBox 18" id="18"/>
           <p:cNvSpPr txBox="true"/>
           <p:nvPr/>
         </p:nvSpPr>
         <p:spPr>
           <a:xfrm>
-            <a:off x="3873500" y="1879600"/>
+            <a:off x="8318500" y="2006600"/>
             <a:ext cx="889000" cy="215900"/>
           </a:xfrm>
           <a:prstGeom prst="rect">
@@ -4006,21 +4090,45 @@
               <a:rPr lang="en-US" sz="1400">
                 <a:latin typeface="Calibri"/>
               </a:rPr>
-              <a:t>DR1</a:t>
+              <a:t>DR2</a:t>
             </a:r>
             <a:endParaRPr lang="en-US" sz="1100"/>
           </a:p>
         </p:txBody>
       </p:sp>
-      <p:sp>
-        <p:nvSpPr>
-          <p:cNvPr name="TextBox 16" id="16"/>
+      <p:pic>
+        <p:nvPicPr>
+          <p:cNvPr name="Picture 19" id="19"/>
+          <p:cNvPicPr>
+            <a:picLocks noChangeAspect="true"/>
+          </p:cNvPicPr>
+          <p:nvPr/>
+        </p:nvPicPr>
+        <p:blipFill>
+          <a:blip r:embed="rId3"/>
+          <a:stretch>
+            <a:fillRect/>
+          </a:stretch>
+        </p:blipFill>
+        <p:spPr>
+          <a:xfrm>
+            <a:off x="8636000" y="1689100"/>
+            <a:ext cx="254000" cy="254000"/>
+          </a:xfrm>
+          <a:prstGeom prst="rect">
+            <a:avLst/>
+          </a:prstGeom>
+        </p:spPr>
+      </p:pic>
+      <p:sp>
+        <p:nvSpPr>
+          <p:cNvPr name="TextBox 20" id="20"/>
           <p:cNvSpPr txBox="true"/>
           <p:nvPr/>
         </p:nvSpPr>
         <p:spPr>
           <a:xfrm>
-            <a:off x="3683000" y="2832100"/>
+            <a:off x="8128000" y="2959100"/>
             <a:ext cx="1270000" cy="444500"/>
           </a:xfrm>
           <a:prstGeom prst="rect">
@@ -4042,7 +4150,7 @@
               <a:rPr lang="en-US" sz="1400">
                 <a:latin typeface="Calibri"/>
               </a:rPr>
-              <a:t>12-Jul-20</a:t>
+              <a:t>10-Apr-20</a:t>
             </a:r>
             <a:br>
               <a:rPr lang="en-US" sz="1400">
@@ -4053,7 +4161,7 @@
               <a:rPr lang="en-US" sz="1400">
                 <a:latin typeface="Calibri"/>
               </a:rPr>
-              <a:t>31-Dec-20</a:t>
+              <a:t>10-Apr-20</a:t>
             </a:r>
             <a:endParaRPr lang="en-US" sz="1100"/>
           </a:p>
@@ -4061,13 +4169,13 @@
       </p:sp>
       <p:sp>
         <p:nvSpPr>
-          <p:cNvPr name="AutoShape 17" id="17"/>
+          <p:cNvPr name="AutoShape 21" id="21"/>
           <p:cNvSpPr/>
           <p:nvPr/>
         </p:nvSpPr>
         <p:spPr>
           <a:xfrm>
-            <a:off x="5588000" y="2400300"/>
+            <a:off x="12255500" y="2527300"/>
             <a:ext cx="25400" cy="228600"/>
           </a:xfrm>
           <a:prstGeom prst="rect">
@@ -4085,13 +4193,13 @@
       </p:sp>
       <p:sp>
         <p:nvSpPr>
-          <p:cNvPr name="TextBox 18" id="18"/>
+          <p:cNvPr name="TextBox 22" id="22"/>
           <p:cNvSpPr txBox="true"/>
           <p:nvPr/>
         </p:nvSpPr>
         <p:spPr>
           <a:xfrm>
-            <a:off x="5143500" y="1879600"/>
+            <a:off x="11811000" y="2006600"/>
             <a:ext cx="889000" cy="215900"/>
           </a:xfrm>
           <a:prstGeom prst="rect">
@@ -4113,21 +4221,45 @@
               <a:rPr lang="en-US" sz="1400">
                 <a:latin typeface="Calibri"/>
               </a:rPr>
-              <a:t>DR2</a:t>
+              <a:t>DR3</a:t>
             </a:r>
             <a:endParaRPr lang="en-US" sz="1100"/>
           </a:p>
         </p:txBody>
       </p:sp>
-      <p:sp>
-        <p:nvSpPr>
-          <p:cNvPr name="TextBox 19" id="19"/>
+      <p:pic>
+        <p:nvPicPr>
+          <p:cNvPr name="Picture 23" id="23"/>
+          <p:cNvPicPr>
+            <a:picLocks noChangeAspect="true"/>
+          </p:cNvPicPr>
+          <p:nvPr/>
+        </p:nvPicPr>
+        <p:blipFill>
+          <a:blip r:embed="rId4"/>
+          <a:stretch>
+            <a:fillRect/>
+          </a:stretch>
+        </p:blipFill>
+        <p:spPr>
+          <a:xfrm>
+            <a:off x="12128500" y="1689100"/>
+            <a:ext cx="254000" cy="254000"/>
+          </a:xfrm>
+          <a:prstGeom prst="rect">
+            <a:avLst/>
+          </a:prstGeom>
+        </p:spPr>
+      </p:pic>
+      <p:sp>
+        <p:nvSpPr>
+          <p:cNvPr name="TextBox 24" id="24"/>
           <p:cNvSpPr txBox="true"/>
           <p:nvPr/>
         </p:nvSpPr>
         <p:spPr>
           <a:xfrm>
-            <a:off x="4953000" y="2832100"/>
+            <a:off x="11620500" y="2959100"/>
             <a:ext cx="1270000" cy="444500"/>
           </a:xfrm>
           <a:prstGeom prst="rect">
@@ -4149,7 +4281,7 @@
               <a:rPr lang="en-US" sz="1400">
                 <a:latin typeface="Calibri"/>
               </a:rPr>
-              <a:t>12-Jul-20</a:t>
+              <a:t>19-Apr-20</a:t>
             </a:r>
             <a:br>
               <a:rPr lang="en-US" sz="1400">
@@ -4160,7 +4292,7 @@
               <a:rPr lang="en-US" sz="1400">
                 <a:latin typeface="Calibri"/>
               </a:rPr>
-              <a:t>31-Dec-20</a:t>
+              <a:t>19-Apr-20</a:t>
             </a:r>
             <a:endParaRPr lang="en-US" sz="1100"/>
           </a:p>
@@ -4168,20 +4300,20 @@
       </p:sp>
       <p:sp>
         <p:nvSpPr>
-          <p:cNvPr name="AutoShape 20" id="20"/>
+          <p:cNvPr name="AutoShape 25" id="25"/>
           <p:cNvSpPr/>
           <p:nvPr/>
         </p:nvSpPr>
         <p:spPr>
           <a:xfrm>
-            <a:off x="6858000" y="2400300"/>
-            <a:ext cx="25400" cy="228600"/>
+            <a:off x="10414000" y="2438400"/>
+            <a:ext cx="203200" cy="406400"/>
           </a:xfrm>
-          <a:prstGeom prst="rect">
+          <a:prstGeom prst="roundRect">
             <a:avLst/>
           </a:prstGeom>
           <a:solidFill>
-            <a:srgbClr val="000000"/>
+            <a:srgbClr val="00FF00"/>
           </a:solidFill>
           <a:ln>
             <a:solidFill>
@@ -4189,17 +4321,31 @@
             </a:solidFill>
           </a:ln>
         </p:spPr>
-      </p:sp>
-      <p:sp>
-        <p:nvSpPr>
-          <p:cNvPr name="TextBox 21" id="21"/>
+        <p:txBody>
+          <a:bodyPr anchor="t" rtlCol="false" anchorCtr="true"/>
+          <a:lstStyle/>
+          <a:p>
+            <a:pPr algn="l">
+              <a:defRPr/>
+            </a:pPr>
+            <a:r>
+              <a:rPr lang="en-US"/>
+              <a:t>G</a:t>
+            </a:r>
+            <a:endParaRPr lang="en-US" sz="1100"/>
+          </a:p>
+        </p:txBody>
+      </p:sp>
+      <p:sp>
+        <p:nvSpPr>
+          <p:cNvPr name="TextBox 26" id="26"/>
           <p:cNvSpPr txBox="true"/>
           <p:nvPr/>
         </p:nvSpPr>
         <p:spPr>
           <a:xfrm>
-            <a:off x="6413500" y="1879600"/>
-            <a:ext cx="889000" cy="215900"/>
+            <a:off x="254000" y="3657600"/>
+            <a:ext cx="3175000" cy="215900"/>
           </a:xfrm>
           <a:prstGeom prst="rect">
             <a:avLst/>
@@ -4209,7 +4355,7 @@
           <a:bodyPr anchor="t" rtlCol="false"/>
           <a:lstStyle/>
           <a:p>
-            <a:pPr algn="ctr">
+            <a:pPr algn="l">
               <a:defRPr/>
             </a:pPr>
             <a:r>
@@ -4217,10 +4363,10 @@
               <a:t/>
             </a:r>
             <a:r>
-              <a:rPr lang="en-US" sz="1400">
-                <a:latin typeface="Calibri"/>
-              </a:rPr>
-              <a:t>DR3</a:t>
+              <a:rPr lang="en-US" sz="1200">
+                <a:latin typeface="Calibri"/>
+              </a:rPr>
+              <a:t>* Committed dates are DR1 baseline dates</a:t>
             </a:r>
             <a:endParaRPr lang="en-US" sz="1100"/>
           </a:p>
@@ -4228,702 +4374,13 @@
       </p:sp>
       <p:sp>
         <p:nvSpPr>
-          <p:cNvPr name="TextBox 22" id="22"/>
-          <p:cNvSpPr txBox="true"/>
+          <p:cNvPr name="AutoShape 27" id="27"/>
+          <p:cNvSpPr/>
           <p:nvPr/>
         </p:nvSpPr>
         <p:spPr>
           <a:xfrm>
-            <a:off x="6223000" y="2832100"/>
-            <a:ext cx="1270000" cy="444500"/>
-          </a:xfrm>
-          <a:prstGeom prst="rect">
-            <a:avLst/>
-          </a:prstGeom>
-        </p:spPr>
-        <p:txBody>
-          <a:bodyPr anchor="t" rtlCol="false"/>
-          <a:lstStyle/>
-          <a:p>
-            <a:pPr algn="ctr">
-              <a:defRPr/>
-            </a:pPr>
-            <a:r>
-              <a:rPr lang="ru-RU"/>
-              <a:t/>
-            </a:r>
-            <a:r>
-              <a:rPr lang="en-US" sz="1400">
-                <a:latin typeface="Calibri"/>
-              </a:rPr>
-              <a:t>12-Jul-20</a:t>
-            </a:r>
-            <a:br>
-              <a:rPr lang="en-US" sz="1400">
-                <a:latin typeface="Calibri"/>
-              </a:rPr>
-            </a:br>
-            <a:r>
-              <a:rPr lang="en-US" sz="1400">
-                <a:latin typeface="Calibri"/>
-              </a:rPr>
-              <a:t>31-Dec-20</a:t>
-            </a:r>
-            <a:endParaRPr lang="en-US" sz="1100"/>
-          </a:p>
-        </p:txBody>
-      </p:sp>
-      <p:sp>
-        <p:nvSpPr>
-          <p:cNvPr name="AutoShape 23" id="23"/>
-          <p:cNvSpPr/>
-          <p:nvPr/>
-        </p:nvSpPr>
-        <p:spPr>
-          <a:xfrm>
-            <a:off x="8128000" y="2400300"/>
-            <a:ext cx="25400" cy="228600"/>
-          </a:xfrm>
-          <a:prstGeom prst="rect">
-            <a:avLst/>
-          </a:prstGeom>
-          <a:solidFill>
-            <a:srgbClr val="000000"/>
-          </a:solidFill>
-          <a:ln>
-            <a:solidFill>
-              <a:srgbClr val="000000"/>
-            </a:solidFill>
-          </a:ln>
-        </p:spPr>
-      </p:sp>
-      <p:sp>
-        <p:nvSpPr>
-          <p:cNvPr name="TextBox 24" id="24"/>
-          <p:cNvSpPr txBox="true"/>
-          <p:nvPr/>
-        </p:nvSpPr>
-        <p:spPr>
-          <a:xfrm>
-            <a:off x="7683500" y="1879600"/>
-            <a:ext cx="889000" cy="215900"/>
-          </a:xfrm>
-          <a:prstGeom prst="rect">
-            <a:avLst/>
-          </a:prstGeom>
-        </p:spPr>
-        <p:txBody>
-          <a:bodyPr anchor="t" rtlCol="false"/>
-          <a:lstStyle/>
-          <a:p>
-            <a:pPr algn="ctr">
-              <a:defRPr/>
-            </a:pPr>
-            <a:r>
-              <a:rPr lang="ru-RU"/>
-              <a:t/>
-            </a:r>
-            <a:r>
-              <a:rPr lang="en-US" sz="1400">
-                <a:latin typeface="Calibri"/>
-              </a:rPr>
-              <a:t>DR4</a:t>
-            </a:r>
-            <a:endParaRPr lang="en-US" sz="1100"/>
-          </a:p>
-        </p:txBody>
-      </p:sp>
-      <p:sp>
-        <p:nvSpPr>
-          <p:cNvPr name="TextBox 25" id="25"/>
-          <p:cNvSpPr txBox="true"/>
-          <p:nvPr/>
-        </p:nvSpPr>
-        <p:spPr>
-          <a:xfrm>
-            <a:off x="7493000" y="2832100"/>
-            <a:ext cx="1270000" cy="444500"/>
-          </a:xfrm>
-          <a:prstGeom prst="rect">
-            <a:avLst/>
-          </a:prstGeom>
-        </p:spPr>
-        <p:txBody>
-          <a:bodyPr anchor="t" rtlCol="false"/>
-          <a:lstStyle/>
-          <a:p>
-            <a:pPr algn="ctr">
-              <a:defRPr/>
-            </a:pPr>
-            <a:r>
-              <a:rPr lang="ru-RU"/>
-              <a:t/>
-            </a:r>
-            <a:r>
-              <a:rPr lang="en-US" sz="1400">
-                <a:latin typeface="Calibri"/>
-              </a:rPr>
-              <a:t>12-Jul-20</a:t>
-            </a:r>
-            <a:br>
-              <a:rPr lang="en-US" sz="1400">
-                <a:latin typeface="Calibri"/>
-              </a:rPr>
-            </a:br>
-            <a:r>
-              <a:rPr lang="en-US" sz="1400">
-                <a:latin typeface="Calibri"/>
-              </a:rPr>
-              <a:t>31-Dec-20</a:t>
-            </a:r>
-            <a:endParaRPr lang="en-US" sz="1100"/>
-          </a:p>
-        </p:txBody>
-      </p:sp>
-      <p:sp>
-        <p:nvSpPr>
-          <p:cNvPr name="AutoShape 26" id="26"/>
-          <p:cNvSpPr/>
-          <p:nvPr/>
-        </p:nvSpPr>
-        <p:spPr>
-          <a:xfrm>
-            <a:off x="9398000" y="2400300"/>
-            <a:ext cx="25400" cy="228600"/>
-          </a:xfrm>
-          <a:prstGeom prst="rect">
-            <a:avLst/>
-          </a:prstGeom>
-          <a:solidFill>
-            <a:srgbClr val="000000"/>
-          </a:solidFill>
-          <a:ln>
-            <a:solidFill>
-              <a:srgbClr val="000000"/>
-            </a:solidFill>
-          </a:ln>
-        </p:spPr>
-      </p:sp>
-      <p:sp>
-        <p:nvSpPr>
-          <p:cNvPr name="TextBox 27" id="27"/>
-          <p:cNvSpPr txBox="true"/>
-          <p:nvPr/>
-        </p:nvSpPr>
-        <p:spPr>
-          <a:xfrm>
-            <a:off x="8953500" y="1879600"/>
-            <a:ext cx="889000" cy="215900"/>
-          </a:xfrm>
-          <a:prstGeom prst="rect">
-            <a:avLst/>
-          </a:prstGeom>
-        </p:spPr>
-        <p:txBody>
-          <a:bodyPr anchor="t" rtlCol="false"/>
-          <a:lstStyle/>
-          <a:p>
-            <a:pPr algn="ctr">
-              <a:defRPr/>
-            </a:pPr>
-            <a:r>
-              <a:rPr lang="ru-RU"/>
-              <a:t/>
-            </a:r>
-            <a:r>
-              <a:rPr lang="en-US" sz="1400">
-                <a:latin typeface="Calibri"/>
-              </a:rPr>
-              <a:t>DR5</a:t>
-            </a:r>
-            <a:endParaRPr lang="en-US" sz="1100"/>
-          </a:p>
-        </p:txBody>
-      </p:sp>
-      <p:sp>
-        <p:nvSpPr>
-          <p:cNvPr name="TextBox 28" id="28"/>
-          <p:cNvSpPr txBox="true"/>
-          <p:nvPr/>
-        </p:nvSpPr>
-        <p:spPr>
-          <a:xfrm>
-            <a:off x="8763000" y="2832100"/>
-            <a:ext cx="1270000" cy="444500"/>
-          </a:xfrm>
-          <a:prstGeom prst="rect">
-            <a:avLst/>
-          </a:prstGeom>
-        </p:spPr>
-        <p:txBody>
-          <a:bodyPr anchor="t" rtlCol="false"/>
-          <a:lstStyle/>
-          <a:p>
-            <a:pPr algn="ctr">
-              <a:defRPr/>
-            </a:pPr>
-            <a:r>
-              <a:rPr lang="ru-RU"/>
-              <a:t/>
-            </a:r>
-            <a:r>
-              <a:rPr lang="en-US" sz="1400">
-                <a:latin typeface="Calibri"/>
-              </a:rPr>
-              <a:t>12-Jul-20</a:t>
-            </a:r>
-            <a:br>
-              <a:rPr lang="en-US" sz="1400">
-                <a:latin typeface="Calibri"/>
-              </a:rPr>
-            </a:br>
-            <a:r>
-              <a:rPr lang="en-US" sz="1400">
-                <a:latin typeface="Calibri"/>
-              </a:rPr>
-              <a:t>31-Dec-20</a:t>
-            </a:r>
-            <a:endParaRPr lang="en-US" sz="1100"/>
-          </a:p>
-        </p:txBody>
-      </p:sp>
-      <p:sp>
-        <p:nvSpPr>
-          <p:cNvPr name="AutoShape 29" id="29"/>
-          <p:cNvSpPr/>
-          <p:nvPr/>
-        </p:nvSpPr>
-        <p:spPr>
-          <a:xfrm>
-            <a:off x="10668000" y="2400300"/>
-            <a:ext cx="25400" cy="228600"/>
-          </a:xfrm>
-          <a:prstGeom prst="rect">
-            <a:avLst/>
-          </a:prstGeom>
-          <a:solidFill>
-            <a:srgbClr val="000000"/>
-          </a:solidFill>
-          <a:ln>
-            <a:solidFill>
-              <a:srgbClr val="000000"/>
-            </a:solidFill>
-          </a:ln>
-        </p:spPr>
-      </p:sp>
-      <p:sp>
-        <p:nvSpPr>
-          <p:cNvPr name="TextBox 30" id="30"/>
-          <p:cNvSpPr txBox="true"/>
-          <p:nvPr/>
-        </p:nvSpPr>
-        <p:spPr>
-          <a:xfrm>
-            <a:off x="10223500" y="1879600"/>
-            <a:ext cx="889000" cy="215900"/>
-          </a:xfrm>
-          <a:prstGeom prst="rect">
-            <a:avLst/>
-          </a:prstGeom>
-        </p:spPr>
-        <p:txBody>
-          <a:bodyPr anchor="t" rtlCol="false"/>
-          <a:lstStyle/>
-          <a:p>
-            <a:pPr algn="ctr">
-              <a:defRPr/>
-            </a:pPr>
-            <a:r>
-              <a:rPr lang="ru-RU"/>
-              <a:t/>
-            </a:r>
-            <a:r>
-              <a:rPr lang="en-US" sz="1400">
-                <a:latin typeface="Calibri"/>
-              </a:rPr>
-              <a:t>DR6</a:t>
-            </a:r>
-            <a:endParaRPr lang="en-US" sz="1100"/>
-          </a:p>
-        </p:txBody>
-      </p:sp>
-      <p:sp>
-        <p:nvSpPr>
-          <p:cNvPr name="TextBox 31" id="31"/>
-          <p:cNvSpPr txBox="true"/>
-          <p:nvPr/>
-        </p:nvSpPr>
-        <p:spPr>
-          <a:xfrm>
-            <a:off x="10033000" y="2832100"/>
-            <a:ext cx="1270000" cy="444500"/>
-          </a:xfrm>
-          <a:prstGeom prst="rect">
-            <a:avLst/>
-          </a:prstGeom>
-        </p:spPr>
-        <p:txBody>
-          <a:bodyPr anchor="t" rtlCol="false"/>
-          <a:lstStyle/>
-          <a:p>
-            <a:pPr algn="ctr">
-              <a:defRPr/>
-            </a:pPr>
-            <a:r>
-              <a:rPr lang="ru-RU"/>
-              <a:t/>
-            </a:r>
-            <a:r>
-              <a:rPr lang="en-US" sz="1400">
-                <a:latin typeface="Calibri"/>
-              </a:rPr>
-              <a:t>12-Jul-20</a:t>
-            </a:r>
-            <a:br>
-              <a:rPr lang="en-US" sz="1400">
-                <a:latin typeface="Calibri"/>
-              </a:rPr>
-            </a:br>
-            <a:r>
-              <a:rPr lang="en-US" sz="1400">
-                <a:latin typeface="Calibri"/>
-              </a:rPr>
-              <a:t>31-Dec-20</a:t>
-            </a:r>
-            <a:endParaRPr lang="en-US" sz="1100"/>
-          </a:p>
-        </p:txBody>
-      </p:sp>
-      <p:sp>
-        <p:nvSpPr>
-          <p:cNvPr name="AutoShape 32" id="32"/>
-          <p:cNvSpPr/>
-          <p:nvPr/>
-        </p:nvSpPr>
-        <p:spPr>
-          <a:xfrm>
-            <a:off x="11938000" y="2400300"/>
-            <a:ext cx="25400" cy="228600"/>
-          </a:xfrm>
-          <a:prstGeom prst="rect">
-            <a:avLst/>
-          </a:prstGeom>
-          <a:solidFill>
-            <a:srgbClr val="000000"/>
-          </a:solidFill>
-          <a:ln>
-            <a:solidFill>
-              <a:srgbClr val="000000"/>
-            </a:solidFill>
-          </a:ln>
-        </p:spPr>
-      </p:sp>
-      <p:sp>
-        <p:nvSpPr>
-          <p:cNvPr name="TextBox 33" id="33"/>
-          <p:cNvSpPr txBox="true"/>
-          <p:nvPr/>
-        </p:nvSpPr>
-        <p:spPr>
-          <a:xfrm>
-            <a:off x="11493500" y="1879600"/>
-            <a:ext cx="889000" cy="215900"/>
-          </a:xfrm>
-          <a:prstGeom prst="rect">
-            <a:avLst/>
-          </a:prstGeom>
-        </p:spPr>
-        <p:txBody>
-          <a:bodyPr anchor="t" rtlCol="false"/>
-          <a:lstStyle/>
-          <a:p>
-            <a:pPr algn="ctr">
-              <a:defRPr/>
-            </a:pPr>
-            <a:r>
-              <a:rPr lang="ru-RU"/>
-              <a:t/>
-            </a:r>
-            <a:r>
-              <a:rPr lang="en-US" sz="1400">
-                <a:latin typeface="Calibri"/>
-              </a:rPr>
-              <a:t>DR7</a:t>
-            </a:r>
-            <a:endParaRPr lang="en-US" sz="1100"/>
-          </a:p>
-        </p:txBody>
-      </p:sp>
-      <p:sp>
-        <p:nvSpPr>
-          <p:cNvPr name="TextBox 34" id="34"/>
-          <p:cNvSpPr txBox="true"/>
-          <p:nvPr/>
-        </p:nvSpPr>
-        <p:spPr>
-          <a:xfrm>
-            <a:off x="11303000" y="2832100"/>
-            <a:ext cx="1270000" cy="444500"/>
-          </a:xfrm>
-          <a:prstGeom prst="rect">
-            <a:avLst/>
-          </a:prstGeom>
-        </p:spPr>
-        <p:txBody>
-          <a:bodyPr anchor="t" rtlCol="false"/>
-          <a:lstStyle/>
-          <a:p>
-            <a:pPr algn="ctr">
-              <a:defRPr/>
-            </a:pPr>
-            <a:r>
-              <a:rPr lang="ru-RU"/>
-              <a:t/>
-            </a:r>
-            <a:r>
-              <a:rPr lang="en-US" sz="1400">
-                <a:latin typeface="Calibri"/>
-              </a:rPr>
-              <a:t>12-Jul-20</a:t>
-            </a:r>
-            <a:br>
-              <a:rPr lang="en-US" sz="1400">
-                <a:latin typeface="Calibri"/>
-              </a:rPr>
-            </a:br>
-            <a:r>
-              <a:rPr lang="en-US" sz="1400">
-                <a:latin typeface="Calibri"/>
-              </a:rPr>
-              <a:t>31-Dec-20</a:t>
-            </a:r>
-            <a:endParaRPr lang="en-US" sz="1100"/>
-          </a:p>
-        </p:txBody>
-      </p:sp>
-      <p:sp>
-        <p:nvSpPr>
-          <p:cNvPr name="AutoShape 35" id="35"/>
-          <p:cNvSpPr/>
-          <p:nvPr/>
-        </p:nvSpPr>
-        <p:spPr>
-          <a:xfrm>
-            <a:off x="13208000" y="2400300"/>
-            <a:ext cx="25400" cy="228600"/>
-          </a:xfrm>
-          <a:prstGeom prst="rect">
-            <a:avLst/>
-          </a:prstGeom>
-          <a:solidFill>
-            <a:srgbClr val="000000"/>
-          </a:solidFill>
-          <a:ln>
-            <a:solidFill>
-              <a:srgbClr val="000000"/>
-            </a:solidFill>
-          </a:ln>
-        </p:spPr>
-      </p:sp>
-      <p:sp>
-        <p:nvSpPr>
-          <p:cNvPr name="TextBox 36" id="36"/>
-          <p:cNvSpPr txBox="true"/>
-          <p:nvPr/>
-        </p:nvSpPr>
-        <p:spPr>
-          <a:xfrm>
-            <a:off x="12763500" y="1879600"/>
-            <a:ext cx="889000" cy="215900"/>
-          </a:xfrm>
-          <a:prstGeom prst="rect">
-            <a:avLst/>
-          </a:prstGeom>
-        </p:spPr>
-        <p:txBody>
-          <a:bodyPr anchor="t" rtlCol="false"/>
-          <a:lstStyle/>
-          <a:p>
-            <a:pPr algn="ctr">
-              <a:defRPr/>
-            </a:pPr>
-            <a:r>
-              <a:rPr lang="ru-RU"/>
-              <a:t/>
-            </a:r>
-            <a:r>
-              <a:rPr lang="en-US" sz="1400">
-                <a:latin typeface="Calibri"/>
-              </a:rPr>
-              <a:t>DR8</a:t>
-            </a:r>
-            <a:endParaRPr lang="en-US" sz="1100"/>
-          </a:p>
-        </p:txBody>
-      </p:sp>
-      <p:sp>
-        <p:nvSpPr>
-          <p:cNvPr name="TextBox 37" id="37"/>
-          <p:cNvSpPr txBox="true"/>
-          <p:nvPr/>
-        </p:nvSpPr>
-        <p:spPr>
-          <a:xfrm>
-            <a:off x="12573000" y="2832100"/>
-            <a:ext cx="1270000" cy="444500"/>
-          </a:xfrm>
-          <a:prstGeom prst="rect">
-            <a:avLst/>
-          </a:prstGeom>
-        </p:spPr>
-        <p:txBody>
-          <a:bodyPr anchor="t" rtlCol="false"/>
-          <a:lstStyle/>
-          <a:p>
-            <a:pPr algn="ctr">
-              <a:defRPr/>
-            </a:pPr>
-            <a:r>
-              <a:rPr lang="ru-RU"/>
-              <a:t/>
-            </a:r>
-            <a:r>
-              <a:rPr lang="en-US" sz="1400">
-                <a:latin typeface="Calibri"/>
-              </a:rPr>
-              <a:t>12-Jul-20</a:t>
-            </a:r>
-            <a:br>
-              <a:rPr lang="en-US" sz="1400">
-                <a:latin typeface="Calibri"/>
-              </a:rPr>
-            </a:br>
-            <a:r>
-              <a:rPr lang="en-US" sz="1400">
-                <a:latin typeface="Calibri"/>
-              </a:rPr>
-              <a:t>31-Dec-20</a:t>
-            </a:r>
-            <a:endParaRPr lang="en-US" sz="1100"/>
-          </a:p>
-        </p:txBody>
-      </p:sp>
-      <p:sp>
-        <p:nvSpPr>
-          <p:cNvPr name="AutoShape 38" id="38"/>
-          <p:cNvSpPr/>
-          <p:nvPr/>
-        </p:nvSpPr>
-        <p:spPr>
-          <a:xfrm>
-            <a:off x="14478000" y="2400300"/>
-            <a:ext cx="25400" cy="228600"/>
-          </a:xfrm>
-          <a:prstGeom prst="rect">
-            <a:avLst/>
-          </a:prstGeom>
-          <a:solidFill>
-            <a:srgbClr val="000000"/>
-          </a:solidFill>
-          <a:ln>
-            <a:solidFill>
-              <a:srgbClr val="000000"/>
-            </a:solidFill>
-          </a:ln>
-        </p:spPr>
-      </p:sp>
-      <p:sp>
-        <p:nvSpPr>
-          <p:cNvPr name="TextBox 39" id="39"/>
-          <p:cNvSpPr txBox="true"/>
-          <p:nvPr/>
-        </p:nvSpPr>
-        <p:spPr>
-          <a:xfrm>
-            <a:off x="14033500" y="1879600"/>
-            <a:ext cx="889000" cy="215900"/>
-          </a:xfrm>
-          <a:prstGeom prst="rect">
-            <a:avLst/>
-          </a:prstGeom>
-        </p:spPr>
-        <p:txBody>
-          <a:bodyPr anchor="t" rtlCol="false"/>
-          <a:lstStyle/>
-          <a:p>
-            <a:pPr algn="ctr">
-              <a:defRPr/>
-            </a:pPr>
-            <a:r>
-              <a:rPr lang="ru-RU"/>
-              <a:t/>
-            </a:r>
-            <a:r>
-              <a:rPr lang="en-US" sz="1400">
-                <a:latin typeface="Calibri"/>
-              </a:rPr>
-              <a:t>DR9</a:t>
-            </a:r>
-            <a:endParaRPr lang="en-US" sz="1100"/>
-          </a:p>
-        </p:txBody>
-      </p:sp>
-      <p:sp>
-        <p:nvSpPr>
-          <p:cNvPr name="TextBox 40" id="40"/>
-          <p:cNvSpPr txBox="true"/>
-          <p:nvPr/>
-        </p:nvSpPr>
-        <p:spPr>
-          <a:xfrm>
-            <a:off x="13843000" y="2832100"/>
-            <a:ext cx="1270000" cy="444500"/>
-          </a:xfrm>
-          <a:prstGeom prst="rect">
-            <a:avLst/>
-          </a:prstGeom>
-        </p:spPr>
-        <p:txBody>
-          <a:bodyPr anchor="t" rtlCol="false"/>
-          <a:lstStyle/>
-          <a:p>
-            <a:pPr algn="ctr">
-              <a:defRPr/>
-            </a:pPr>
-            <a:r>
-              <a:rPr lang="ru-RU"/>
-              <a:t/>
-            </a:r>
-            <a:r>
-              <a:rPr lang="en-US" sz="1400">
-                <a:latin typeface="Calibri"/>
-              </a:rPr>
-              <a:t>12-Jul-20</a:t>
-            </a:r>
-            <a:br>
-              <a:rPr lang="en-US" sz="1400">
-                <a:latin typeface="Calibri"/>
-              </a:rPr>
-            </a:br>
-            <a:r>
-              <a:rPr lang="en-US" sz="1400">
-                <a:latin typeface="Calibri"/>
-              </a:rPr>
-              <a:t>31-Dec-20</a:t>
-            </a:r>
-            <a:endParaRPr lang="en-US" sz="1100"/>
-          </a:p>
-        </p:txBody>
-      </p:sp>
-      <p:sp>
-        <p:nvSpPr>
-          <p:cNvPr name="AutoShape 41" id="41"/>
-          <p:cNvSpPr/>
-          <p:nvPr/>
-        </p:nvSpPr>
-        <p:spPr>
-          <a:xfrm>
-            <a:off x="254000" y="3721100"/>
+            <a:off x="254000" y="3911600"/>
             <a:ext cx="15748000" cy="12700"/>
           </a:xfrm>
           <a:prstGeom prst="line">
@@ -4938,14 +4395,14 @@
       </p:sp>
       <p:sp>
         <p:nvSpPr>
-          <p:cNvPr name="TextBox 42" id="42"/>
+          <p:cNvPr name="TextBox 28" id="28"/>
           <p:cNvSpPr txBox="true"/>
           <p:nvPr/>
         </p:nvSpPr>
         <p:spPr>
           <a:xfrm>
-            <a:off x="254000" y="3721100"/>
-            <a:ext cx="15748000" cy="4216400"/>
+            <a:off x="254000" y="3911600"/>
+            <a:ext cx="15748000" cy="4025900"/>
           </a:xfrm>
           <a:prstGeom prst="rect">
             <a:avLst/>
@@ -5307,7 +4764,7 @@
 </file>
 
 <file path=ppt/slides/slide2.xml><?xml version="1.0" encoding="utf-8"?>
-<p:sld xmlns:p="http://schemas.openxmlformats.org/presentationml/2006/main" xmlns:a="http://schemas.openxmlformats.org/drawingml/2006/main">
+<p:sld xmlns:p="http://schemas.openxmlformats.org/presentationml/2006/main" xmlns:a="http://schemas.openxmlformats.org/drawingml/2006/main" xmlns:r="http://schemas.openxmlformats.org/officeDocument/2006/relationships">
   <p:cSld>
     <p:spTree>
       <p:nvGrpSpPr>
@@ -5393,7 +4850,7 @@
               <a:rPr lang="en-US" sz="1400">
                 <a:latin typeface="Calibri"/>
               </a:rPr>
-              <a:t>Tue Apr 14 00:16:27 MSK 2020</a:t>
+              <a:t>Tue Apr 14 17:36:05 MSK 2020</a:t>
             </a:r>
             <a:endParaRPr lang="en-US" sz="1100"/>
           </a:p>
@@ -5522,7 +4979,67 @@
       </p:sp>
       <p:sp>
         <p:nvSpPr>
-          <p:cNvPr name="AutoShape 6" id="6"/>
+          <p:cNvPr name="TextBox 6" id="6"/>
+          <p:cNvSpPr txBox="true"/>
+          <p:nvPr/>
+        </p:nvSpPr>
+        <p:spPr>
+          <a:xfrm>
+            <a:off x="254000" y="8382000"/>
+            <a:ext cx="1016000" cy="215900"/>
+          </a:xfrm>
+          <a:prstGeom prst="rect">
+            <a:avLst/>
+          </a:prstGeom>
+        </p:spPr>
+        <p:txBody>
+          <a:bodyPr anchor="t" rtlCol="false"/>
+          <a:lstStyle/>
+          <a:p>
+            <a:pPr algn="l">
+              <a:defRPr/>
+            </a:pPr>
+            <a:r>
+              <a:rPr lang="ru-RU"/>
+              <a:t/>
+            </a:r>
+            <a:r>
+              <a:rPr lang="en-US" sz="1400">
+                <a:latin typeface="Calibri"/>
+              </a:rPr>
+              <a:t>Page 2</a:t>
+            </a:r>
+            <a:endParaRPr lang="en-US" sz="1100"/>
+          </a:p>
+        </p:txBody>
+      </p:sp>
+      <p:pic>
+        <p:nvPicPr>
+          <p:cNvPr name="Picture 7" id="7"/>
+          <p:cNvPicPr>
+            <a:picLocks noChangeAspect="true"/>
+          </p:cNvPicPr>
+          <p:nvPr/>
+        </p:nvPicPr>
+        <p:blipFill>
+          <a:blip r:embed="rId2"/>
+          <a:stretch>
+            <a:fillRect/>
+          </a:stretch>
+        </p:blipFill>
+        <p:spPr>
+          <a:xfrm>
+            <a:off x="13716000" y="8191500"/>
+            <a:ext cx="2286000" cy="571500"/>
+          </a:xfrm>
+          <a:prstGeom prst="rect">
+            <a:avLst/>
+          </a:prstGeom>
+        </p:spPr>
+      </p:pic>
+      <p:sp>
+        <p:nvSpPr>
+          <p:cNvPr name="AutoShape 8" id="8"/>
           <p:cNvSpPr/>
           <p:nvPr/>
         </p:nvSpPr>
@@ -5543,7 +5060,7 @@
       </p:sp>
       <p:sp>
         <p:nvSpPr>
-          <p:cNvPr name="TextBox 7" id="7"/>
+          <p:cNvPr name="TextBox 9" id="9"/>
           <p:cNvSpPr txBox="true"/>
           <p:nvPr/>
         </p:nvSpPr>
@@ -6047,36 +5564,6 @@
               <a:buFont typeface="Arial"/>
               <a:buChar char="•"/>
             </a:pPr>
-            <a:r>
-              <a:rPr lang="en-US" sz="1400">
-                <a:latin typeface="Calibri"/>
-              </a:rPr>
-              <a:t>sss</a:t>
-            </a:r>
-            <a:r>
-              <a:rPr lang="en-US" sz="1400">
-                <a:latin typeface="Calibri"/>
-              </a:rPr>
-              <a:t> </a:t>
-            </a:r>
-            <a:r>
-              <a:rPr lang="en-US" sz="1400">
-                <a:latin typeface="Calibri"/>
-              </a:rPr>
-              <a:t> </a:t>
-            </a:r>
-            <a:r>
-              <a:rPr lang="en-US" sz="1400">
-                <a:latin typeface="Calibri"/>
-              </a:rPr>
-              <a:t> </a:t>
-            </a:r>
-          </a:p>
-          <a:p>
-            <a:pPr>
-              <a:buFont typeface="Arial"/>
-              <a:buChar char="•"/>
-            </a:pPr>
           </a:p>
         </p:txBody>
       </p:sp>
@@ -6089,7 +5576,7 @@
 </file>
 
 <file path=ppt/slides/slide3.xml><?xml version="1.0" encoding="utf-8"?>
-<p:sld xmlns:p="http://schemas.openxmlformats.org/presentationml/2006/main" xmlns:a="http://schemas.openxmlformats.org/drawingml/2006/main">
+<p:sld xmlns:p="http://schemas.openxmlformats.org/presentationml/2006/main" xmlns:a="http://schemas.openxmlformats.org/drawingml/2006/main" xmlns:r="http://schemas.openxmlformats.org/officeDocument/2006/relationships">
   <p:cSld>
     <p:spTree>
       <p:nvGrpSpPr>
@@ -6175,7 +5662,7 @@
               <a:rPr lang="en-US" sz="1400">
                 <a:latin typeface="Calibri"/>
               </a:rPr>
-              <a:t>Tue Apr 14 00:16:27 MSK 2020</a:t>
+              <a:t>Tue Apr 14 17:36:05 MSK 2020</a:t>
             </a:r>
             <a:endParaRPr lang="en-US" sz="1100"/>
           </a:p>
@@ -6304,7 +5791,67 @@
       </p:sp>
       <p:sp>
         <p:nvSpPr>
-          <p:cNvPr name="AutoShape 6" id="6"/>
+          <p:cNvPr name="TextBox 6" id="6"/>
+          <p:cNvSpPr txBox="true"/>
+          <p:nvPr/>
+        </p:nvSpPr>
+        <p:spPr>
+          <a:xfrm>
+            <a:off x="254000" y="8382000"/>
+            <a:ext cx="1016000" cy="215900"/>
+          </a:xfrm>
+          <a:prstGeom prst="rect">
+            <a:avLst/>
+          </a:prstGeom>
+        </p:spPr>
+        <p:txBody>
+          <a:bodyPr anchor="t" rtlCol="false"/>
+          <a:lstStyle/>
+          <a:p>
+            <a:pPr algn="l">
+              <a:defRPr/>
+            </a:pPr>
+            <a:r>
+              <a:rPr lang="ru-RU"/>
+              <a:t/>
+            </a:r>
+            <a:r>
+              <a:rPr lang="en-US" sz="1400">
+                <a:latin typeface="Calibri"/>
+              </a:rPr>
+              <a:t>Page 3</a:t>
+            </a:r>
+            <a:endParaRPr lang="en-US" sz="1100"/>
+          </a:p>
+        </p:txBody>
+      </p:sp>
+      <p:pic>
+        <p:nvPicPr>
+          <p:cNvPr name="Picture 7" id="7"/>
+          <p:cNvPicPr>
+            <a:picLocks noChangeAspect="true"/>
+          </p:cNvPicPr>
+          <p:nvPr/>
+        </p:nvPicPr>
+        <p:blipFill>
+          <a:blip r:embed="rId2"/>
+          <a:stretch>
+            <a:fillRect/>
+          </a:stretch>
+        </p:blipFill>
+        <p:spPr>
+          <a:xfrm>
+            <a:off x="13716000" y="8191500"/>
+            <a:ext cx="2286000" cy="571500"/>
+          </a:xfrm>
+          <a:prstGeom prst="rect">
+            <a:avLst/>
+          </a:prstGeom>
+        </p:spPr>
+      </p:pic>
+      <p:sp>
+        <p:nvSpPr>
+          <p:cNvPr name="AutoShape 8" id="8"/>
           <p:cNvSpPr/>
           <p:nvPr/>
         </p:nvSpPr>
@@ -6325,7 +5872,7 @@
       </p:sp>
       <p:sp>
         <p:nvSpPr>
-          <p:cNvPr name="TextBox 7" id="7"/>
+          <p:cNvPr name="TextBox 9" id="9"/>
           <p:cNvSpPr txBox="true"/>
           <p:nvPr/>
         </p:nvSpPr>
@@ -6353,6 +5900,37 @@
               <a:rPr lang="en-US" sz="1400">
                 <a:latin typeface="Calibri"/>
               </a:rPr>
+              <a:t>sss</a:t>
+            </a:r>
+            <a:r>
+              <a:rPr lang="en-US" sz="1400">
+                <a:latin typeface="Calibri"/>
+              </a:rPr>
+              <a:t> </a:t>
+            </a:r>
+            <a:r>
+              <a:rPr lang="en-US" sz="1400">
+                <a:latin typeface="Calibri"/>
+              </a:rPr>
+              <a:t> </a:t>
+            </a:r>
+            <a:r>
+              <a:rPr lang="en-US" sz="1400">
+                <a:latin typeface="Calibri"/>
+              </a:rPr>
+              <a:t> </a:t>
+            </a:r>
+            <a:endParaRPr lang="en-US" sz="1100"/>
+          </a:p>
+          <a:p>
+            <a:pPr>
+              <a:buFont typeface="Arial"/>
+              <a:buChar char="•"/>
+            </a:pPr>
+            <a:r>
+              <a:rPr lang="en-US" sz="1400">
+                <a:latin typeface="Calibri"/>
+              </a:rPr>
               <a:t>q</a:t>
             </a:r>
             <a:r>
@@ -6361,7 +5939,6 @@
               </a:rPr>
               <a:t> </a:t>
             </a:r>
-            <a:endParaRPr lang="en-US" sz="1100"/>
           </a:p>
           <a:p>
             <a:pPr>
